--- a/presentations/intro python.pptx
+++ b/presentations/intro python.pptx
@@ -5,7 +5,7 @@
     <p:sldMasterId id="2147483669" r:id="rId1"/>
   </p:sldMasterIdLst>
   <p:notesMasterIdLst>
-    <p:notesMasterId r:id="rId26"/>
+    <p:notesMasterId r:id="rId25"/>
   </p:notesMasterIdLst>
   <p:sldIdLst>
     <p:sldId id="256" r:id="rId2"/>
@@ -14,24 +14,23 @@
     <p:sldId id="284" r:id="rId5"/>
     <p:sldId id="278" r:id="rId6"/>
     <p:sldId id="288" r:id="rId7"/>
-    <p:sldId id="290" r:id="rId8"/>
-    <p:sldId id="291" r:id="rId9"/>
-    <p:sldId id="292" r:id="rId10"/>
-    <p:sldId id="281" r:id="rId11"/>
-    <p:sldId id="285" r:id="rId12"/>
-    <p:sldId id="293" r:id="rId13"/>
-    <p:sldId id="286" r:id="rId14"/>
-    <p:sldId id="287" r:id="rId15"/>
-    <p:sldId id="296" r:id="rId16"/>
-    <p:sldId id="295" r:id="rId17"/>
-    <p:sldId id="297" r:id="rId18"/>
-    <p:sldId id="294" r:id="rId19"/>
-    <p:sldId id="277" r:id="rId20"/>
-    <p:sldId id="298" r:id="rId21"/>
-    <p:sldId id="300" r:id="rId22"/>
-    <p:sldId id="301" r:id="rId23"/>
-    <p:sldId id="299" r:id="rId24"/>
-    <p:sldId id="302" r:id="rId25"/>
+    <p:sldId id="281" r:id="rId8"/>
+    <p:sldId id="285" r:id="rId9"/>
+    <p:sldId id="293" r:id="rId10"/>
+    <p:sldId id="286" r:id="rId11"/>
+    <p:sldId id="287" r:id="rId12"/>
+    <p:sldId id="296" r:id="rId13"/>
+    <p:sldId id="295" r:id="rId14"/>
+    <p:sldId id="297" r:id="rId15"/>
+    <p:sldId id="294" r:id="rId16"/>
+    <p:sldId id="277" r:id="rId17"/>
+    <p:sldId id="298" r:id="rId18"/>
+    <p:sldId id="300" r:id="rId19"/>
+    <p:sldId id="301" r:id="rId20"/>
+    <p:sldId id="299" r:id="rId21"/>
+    <p:sldId id="302" r:id="rId22"/>
+    <p:sldId id="303" r:id="rId23"/>
+    <p:sldId id="304" r:id="rId24"/>
   </p:sldIdLst>
   <p:sldSz cx="9144000" cy="6858000" type="screen4x3"/>
   <p:notesSz cx="6858000" cy="9144000"/>
@@ -220,7 +219,7 @@
           <a:p>
             <a:fld id="{4DF0DEF9-CF53-407B-BB1F-ECAB7603E458}" type="datetimeFigureOut">
               <a:rPr lang="en-US" smtClean="0"/>
-              <a:t>11/5/2013</a:t>
+              <a:t>1/4/2014</a:t>
             </a:fld>
             <a:endParaRPr lang="en-US"/>
           </a:p>
@@ -932,7 +931,7 @@
           <a:p>
             <a:fld id="{ECD19FB2-3AAB-4D03-B13A-2960828C78E3}" type="datetimeFigureOut">
               <a:rPr lang="en-US" smtClean="0"/>
-              <a:t>11/5/2013</a:t>
+              <a:t>1/4/2014</a:t>
             </a:fld>
             <a:endParaRPr lang="en-US" dirty="0"/>
           </a:p>
@@ -1219,7 +1218,7 @@
           <a:p>
             <a:fld id="{1B80C674-7DFC-42FE-B9CD-82963CDB1557}" type="datetimeFigureOut">
               <a:rPr lang="en-US" smtClean="0"/>
-              <a:t>11/5/2013</a:t>
+              <a:t>1/4/2014</a:t>
             </a:fld>
             <a:endParaRPr lang="en-US" dirty="0"/>
           </a:p>
@@ -1416,7 +1415,7 @@
           <a:p>
             <a:fld id="{2076456F-F47D-4F25-8053-2A695DA0CA7D}" type="datetimeFigureOut">
               <a:rPr lang="en-US" smtClean="0"/>
-              <a:t>11/5/2013</a:t>
+              <a:t>1/4/2014</a:t>
             </a:fld>
             <a:endParaRPr lang="en-US" dirty="0"/>
           </a:p>
@@ -1682,7 +1681,7 @@
           <a:p>
             <a:fld id="{5D6C7379-69CC-4837-9905-BEBA22830C8A}" type="datetimeFigureOut">
               <a:rPr lang="en-US" smtClean="0"/>
-              <a:t>11/5/2013</a:t>
+              <a:t>1/4/2014</a:t>
             </a:fld>
             <a:endParaRPr lang="en-US" dirty="0"/>
           </a:p>
@@ -2113,7 +2112,7 @@
           <a:p>
             <a:fld id="{49EB8B7E-8AEE-4F10-BFEE-C999AD004D36}" type="datetimeFigureOut">
               <a:rPr lang="en-US" smtClean="0"/>
-              <a:t>11/5/2013</a:t>
+              <a:t>1/4/2014</a:t>
             </a:fld>
             <a:endParaRPr lang="en-US" dirty="0"/>
           </a:p>
@@ -2664,7 +2663,7 @@
           <a:p>
             <a:fld id="{8668F3F9-58BC-440B-B37B-805B9055EF92}" type="datetimeFigureOut">
               <a:rPr lang="en-US" smtClean="0"/>
-              <a:t>11/5/2013</a:t>
+              <a:t>1/4/2014</a:t>
             </a:fld>
             <a:endParaRPr lang="en-US" dirty="0"/>
           </a:p>
@@ -3500,7 +3499,7 @@
           <a:p>
             <a:fld id="{0D5A53AF-48EA-489D-8260-9DCAB666386A}" type="datetimeFigureOut">
               <a:rPr lang="en-US" smtClean="0"/>
-              <a:t>11/5/2013</a:t>
+              <a:t>1/4/2014</a:t>
             </a:fld>
             <a:endParaRPr lang="en-US" dirty="0"/>
           </a:p>
@@ -3675,7 +3674,7 @@
           <a:p>
             <a:fld id="{0DED02AE-B9A4-47BD-AF8E-97E16144138B}" type="datetimeFigureOut">
               <a:rPr lang="en-US" smtClean="0"/>
-              <a:t>11/5/2013</a:t>
+              <a:t>1/4/2014</a:t>
             </a:fld>
             <a:endParaRPr lang="en-US" dirty="0"/>
           </a:p>
@@ -3860,7 +3859,7 @@
           <a:p>
             <a:fld id="{CF0FD78B-DB02-4362-BCDC-98A55456977C}" type="datetimeFigureOut">
               <a:rPr lang="en-US" smtClean="0"/>
-              <a:t>11/5/2013</a:t>
+              <a:t>1/4/2014</a:t>
             </a:fld>
             <a:endParaRPr lang="en-US" dirty="0"/>
           </a:p>
@@ -4067,7 +4066,7 @@
           <a:p>
             <a:fld id="{99916976-5D93-46E4-A98A-FAD63E4D0EA8}" type="datetimeFigureOut">
               <a:rPr lang="en-US" smtClean="0"/>
-              <a:t>11/5/2013</a:t>
+              <a:t>1/4/2014</a:t>
             </a:fld>
             <a:endParaRPr lang="en-US" dirty="0"/>
           </a:p>
@@ -4336,7 +4335,7 @@
           <a:p>
             <a:fld id="{0F39F4F5-F4D2-4D2A-AB60-88D37ADCB869}" type="datetimeFigureOut">
               <a:rPr lang="en-US" smtClean="0"/>
-              <a:t>11/5/2013</a:t>
+              <a:t>1/4/2014</a:t>
             </a:fld>
             <a:endParaRPr lang="en-US" dirty="0"/>
           </a:p>
@@ -4580,7 +4579,7 @@
           <a:p>
             <a:fld id="{D23BC6CE-6D1E-47E5-8859-F31AC5380EB2}" type="datetimeFigureOut">
               <a:rPr lang="en-US" smtClean="0"/>
-              <a:t>11/5/2013</a:t>
+              <a:t>1/4/2014</a:t>
             </a:fld>
             <a:endParaRPr lang="en-US" dirty="0"/>
           </a:p>
@@ -4987,7 +4986,7 @@
           <a:p>
             <a:fld id="{B1B4E7C4-4DA4-404D-9965-B13F2DD7D8BF}" type="datetimeFigureOut">
               <a:rPr lang="en-US" smtClean="0"/>
-              <a:t>11/5/2013</a:t>
+              <a:t>1/4/2014</a:t>
             </a:fld>
             <a:endParaRPr lang="en-US" dirty="0"/>
           </a:p>
@@ -5110,7 +5109,7 @@
           <a:p>
             <a:fld id="{476FB7AA-4A53-424F-AD41-70827B6504BA}" type="datetimeFigureOut">
               <a:rPr lang="en-US" smtClean="0"/>
-              <a:t>11/5/2013</a:t>
+              <a:t>1/4/2014</a:t>
             </a:fld>
             <a:endParaRPr lang="en-US" dirty="0"/>
           </a:p>
@@ -5210,7 +5209,7 @@
           <a:p>
             <a:fld id="{E7884882-FB12-4BC8-9960-9AD8104D7FAE}" type="datetimeFigureOut">
               <a:rPr lang="en-US" smtClean="0"/>
-              <a:t>11/5/2013</a:t>
+              <a:t>1/4/2014</a:t>
             </a:fld>
             <a:endParaRPr lang="en-US" dirty="0"/>
           </a:p>
@@ -5490,7 +5489,7 @@
           <a:p>
             <a:fld id="{F7D1BD23-6E54-4D9D-AD88-A2813C73CC25}" type="datetimeFigureOut">
               <a:rPr lang="en-US" smtClean="0"/>
-              <a:t>11/5/2013</a:t>
+              <a:t>1/4/2014</a:t>
             </a:fld>
             <a:endParaRPr lang="en-US" dirty="0"/>
           </a:p>
@@ -5778,7 +5777,7 @@
           <a:p>
             <a:fld id="{1471A834-4F3C-4AF9-9C74-05EC35A0F292}" type="datetimeFigureOut">
               <a:rPr lang="en-US" smtClean="0"/>
-              <a:t>11/5/2013</a:t>
+              <a:t>1/4/2014</a:t>
             </a:fld>
             <a:endParaRPr lang="en-US" dirty="0"/>
           </a:p>
@@ -6023,7 +6022,7 @@
           <a:p>
             <a:fld id="{51CF1133-3259-4C45-BABA-5B62D9C6F78D}" type="datetimeFigureOut">
               <a:rPr lang="en-US" smtClean="0"/>
-              <a:t>11/5/2013</a:t>
+              <a:t>1/4/2014</a:t>
             </a:fld>
             <a:endParaRPr lang="en-US" dirty="0"/>
           </a:p>
@@ -6748,169 +6747,95 @@
             <p:ph type="title"/>
           </p:nvPr>
         </p:nvSpPr>
+        <p:spPr/>
+        <p:txBody>
+          <a:bodyPr/>
+          <a:lstStyle/>
+          <a:p>
+            <a:r>
+              <a:rPr lang="en-US" dirty="0" smtClean="0"/>
+              <a:t>Object Oriented Programming</a:t>
+            </a:r>
+            <a:endParaRPr lang="en-US" dirty="0"/>
+          </a:p>
+        </p:txBody>
+      </p:sp>
+      <p:sp>
+        <p:nvSpPr>
+          <p:cNvPr id="3" name="Content Placeholder 2"/>
+          <p:cNvSpPr>
+            <a:spLocks noGrp="1"/>
+          </p:cNvSpPr>
+          <p:nvPr>
+            <p:ph idx="1"/>
+          </p:nvPr>
+        </p:nvSpPr>
         <p:spPr>
           <a:xfrm>
-            <a:off x="123987" y="365126"/>
-            <a:ext cx="8841782" cy="1325563"/>
+            <a:off x="840000" y="2029767"/>
+            <a:ext cx="7675350" cy="4451420"/>
           </a:xfrm>
         </p:spPr>
         <p:txBody>
           <a:bodyPr>
-            <a:normAutofit/>
+            <a:normAutofit lnSpcReduction="10000"/>
           </a:bodyPr>
           <a:lstStyle/>
           <a:p>
             <a:r>
               <a:rPr lang="en-US" dirty="0" smtClean="0"/>
-              <a:t>Some useful python distributions</a:t>
-            </a:r>
-            <a:endParaRPr lang="en-US" dirty="0"/>
-          </a:p>
-        </p:txBody>
-      </p:sp>
-      <p:sp>
-        <p:nvSpPr>
-          <p:cNvPr id="3" name="Content Placeholder 2"/>
-          <p:cNvSpPr>
-            <a:spLocks noGrp="1"/>
-          </p:cNvSpPr>
-          <p:nvPr>
-            <p:ph idx="1"/>
-          </p:nvPr>
-        </p:nvSpPr>
-        <p:spPr/>
-        <p:txBody>
-          <a:bodyPr>
-            <a:normAutofit fontScale="77500" lnSpcReduction="20000"/>
-          </a:bodyPr>
-          <a:lstStyle/>
-          <a:p>
-            <a:r>
-              <a:rPr lang="en-US" dirty="0"/>
-              <a:t>http://www.python.org</a:t>
-            </a:r>
-            <a:r>
-              <a:rPr lang="en-US" dirty="0" smtClean="0"/>
-              <a:t>/</a:t>
-            </a:r>
-          </a:p>
-          <a:p>
-            <a:pPr lvl="1"/>
-            <a:r>
-              <a:rPr lang="en-US" dirty="0" smtClean="0"/>
-              <a:t>Reference implementation with standard libraries, that’s it!</a:t>
-            </a:r>
-          </a:p>
-          <a:p>
-            <a:pPr lvl="1"/>
+              <a:t>Objects hold information</a:t>
+            </a:r>
+          </a:p>
+          <a:p>
             <a:endParaRPr lang="en-US" dirty="0" smtClean="0"/>
           </a:p>
           <a:p>
             <a:r>
               <a:rPr lang="en-US" dirty="0" smtClean="0"/>
-              <a:t>anaconda</a:t>
-            </a:r>
-          </a:p>
-          <a:p>
-            <a:pPr lvl="1"/>
-            <a:r>
-              <a:rPr lang="en-US" dirty="0" smtClean="0"/>
-              <a:t>Pre-packaged scientific goodies</a:t>
-            </a:r>
-          </a:p>
-          <a:p>
-            <a:pPr lvl="1"/>
-            <a:r>
-              <a:rPr lang="en-US" dirty="0" smtClean="0"/>
-              <a:t>Paid version with extras</a:t>
-            </a:r>
-          </a:p>
-          <a:p>
-            <a:pPr lvl="1"/>
-            <a:r>
-              <a:rPr lang="en-US" dirty="0"/>
-              <a:t>http://</a:t>
-            </a:r>
-            <a:r>
-              <a:rPr lang="en-US" dirty="0" smtClean="0"/>
-              <a:t>continuum.io/downloads</a:t>
-            </a:r>
-          </a:p>
-          <a:p>
-            <a:pPr lvl="1"/>
+              <a:t>They can contain values</a:t>
+            </a:r>
+          </a:p>
+          <a:p>
             <a:endParaRPr lang="en-US" dirty="0" smtClean="0"/>
           </a:p>
           <a:p>
             <a:r>
-              <a:rPr lang="en-US" dirty="0" err="1" smtClean="0"/>
-              <a:t>enthought</a:t>
-            </a:r>
-            <a:r>
-              <a:rPr lang="en-US" dirty="0" smtClean="0"/>
-              <a:t> canopy</a:t>
-            </a:r>
-          </a:p>
-          <a:p>
-            <a:pPr lvl="1"/>
-            <a:r>
-              <a:rPr lang="en-US" dirty="0"/>
-              <a:t>Pre-packaged scientific </a:t>
-            </a:r>
-            <a:r>
-              <a:rPr lang="en-US" dirty="0" smtClean="0"/>
-              <a:t>goodies</a:t>
-            </a:r>
-          </a:p>
-          <a:p>
-            <a:pPr lvl="1"/>
-            <a:r>
-              <a:rPr lang="en-US" dirty="0" smtClean="0"/>
-              <a:t>Integrated IDE/package manager</a:t>
-            </a:r>
-            <a:endParaRPr lang="en-US" dirty="0"/>
-          </a:p>
-          <a:p>
-            <a:pPr lvl="1"/>
-            <a:r>
-              <a:rPr lang="en-US" dirty="0"/>
-              <a:t>Paid version with </a:t>
-            </a:r>
-            <a:r>
-              <a:rPr lang="en-US" dirty="0" smtClean="0"/>
-              <a:t>extras (free for academics)</a:t>
-            </a:r>
-            <a:endParaRPr lang="en-US" dirty="0"/>
-          </a:p>
-          <a:p>
-            <a:pPr lvl="1"/>
+              <a:rPr lang="en-US" dirty="0" smtClean="0"/>
+              <a:t>They can contain multiple values</a:t>
+            </a:r>
+            <a:endParaRPr lang="en-US" dirty="0"/>
+          </a:p>
+          <a:p>
             <a:endParaRPr lang="en-US" dirty="0" smtClean="0"/>
           </a:p>
           <a:p>
             <a:r>
-              <a:rPr lang="en-US" dirty="0" err="1" smtClean="0"/>
-              <a:t>pythonxy</a:t>
+              <a:rPr lang="en-US" dirty="0" smtClean="0"/>
+              <a:t>They can contain </a:t>
+            </a:r>
+            <a:r>
+              <a:rPr lang="en-US" i="1" dirty="0" smtClean="0"/>
+              <a:t>other objects</a:t>
             </a:r>
             <a:endParaRPr lang="en-US" dirty="0" smtClean="0"/>
           </a:p>
           <a:p>
-            <a:pPr lvl="1"/>
-            <a:r>
-              <a:rPr lang="en-US" dirty="0" smtClean="0"/>
-              <a:t>Windows only</a:t>
-            </a:r>
-          </a:p>
-          <a:p>
-            <a:pPr lvl="1"/>
-            <a:r>
-              <a:rPr lang="en-US" dirty="0" smtClean="0"/>
-              <a:t>Many scientific computing goodies</a:t>
-            </a:r>
-          </a:p>
-          <a:p>
-            <a:pPr lvl="1"/>
-            <a:r>
-              <a:rPr lang="en-US" dirty="0"/>
-              <a:t>https://code.google.com/p/pythonxy/</a:t>
+            <a:endParaRPr lang="en-US" dirty="0" smtClean="0"/>
+          </a:p>
+          <a:p>
+            <a:r>
+              <a:rPr lang="en-US" dirty="0" smtClean="0"/>
+              <a:t>They have types</a:t>
+            </a:r>
+          </a:p>
+          <a:p>
+            <a:endParaRPr lang="en-US" dirty="0" smtClean="0"/>
+          </a:p>
+          <a:p>
+            <a:r>
+              <a:rPr lang="en-US" dirty="0" smtClean="0"/>
+              <a:t>They can inherit information from others</a:t>
             </a:r>
           </a:p>
         </p:txBody>
@@ -6918,7 +6843,7 @@
     </p:spTree>
     <p:extLst>
       <p:ext uri="{BB962C8B-B14F-4D97-AF65-F5344CB8AC3E}">
-        <p14:creationId xmlns:p14="http://schemas.microsoft.com/office/powerpoint/2010/main" val="2585465639"/>
+        <p14:creationId xmlns:p14="http://schemas.microsoft.com/office/powerpoint/2010/main" val="4039615631"/>
       </p:ext>
     </p:extLst>
   </p:cSld>
@@ -6962,7 +6887,7 @@
           <a:p>
             <a:r>
               <a:rPr lang="en-US" dirty="0" smtClean="0"/>
-              <a:t>Some useful python environments</a:t>
+              <a:t>Some Python Object Types</a:t>
             </a:r>
             <a:endParaRPr lang="en-US" dirty="0"/>
           </a:p>
@@ -6988,72 +6913,66 @@
           <a:p>
             <a:r>
               <a:rPr lang="en-US" dirty="0" smtClean="0"/>
-              <a:t>Komodo Edit</a:t>
+              <a:t>Numbers</a:t>
             </a:r>
           </a:p>
           <a:p>
             <a:pPr lvl="1"/>
             <a:r>
-              <a:rPr lang="en-US" dirty="0">
-                <a:hlinkClick r:id="rId2"/>
-              </a:rPr>
-              <a:t>http://</a:t>
-            </a:r>
-            <a:r>
-              <a:rPr lang="en-US" dirty="0" smtClean="0">
-                <a:hlinkClick r:id="rId2"/>
-              </a:rPr>
-              <a:t>www.activestate.com/komodo-edit</a:t>
-            </a:r>
-            <a:endParaRPr lang="en-US" dirty="0"/>
+              <a:rPr lang="en-US" dirty="0" smtClean="0"/>
+              <a:t>Integers (whole numbers): 7</a:t>
+            </a:r>
+          </a:p>
+          <a:p>
+            <a:pPr lvl="1"/>
+            <a:r>
+              <a:rPr lang="en-US" dirty="0" smtClean="0"/>
+              <a:t>Floating point numbers: 7.7</a:t>
+            </a:r>
+          </a:p>
+          <a:p>
+            <a:pPr marL="342900" lvl="1" indent="0">
+              <a:buNone/>
+            </a:pPr>
+            <a:endParaRPr lang="en-US" dirty="0"/>
+          </a:p>
+          <a:p>
+            <a:r>
+              <a:rPr lang="en-US" dirty="0" smtClean="0"/>
+              <a:t>String</a:t>
+            </a:r>
+          </a:p>
+          <a:p>
+            <a:pPr lvl="1"/>
+            <a:r>
+              <a:rPr lang="en-US" dirty="0" smtClean="0"/>
+              <a:t>Sequence of characters: “word!”</a:t>
+            </a:r>
+          </a:p>
+          <a:p>
+            <a:pPr lvl="1"/>
+            <a:endParaRPr lang="en-US" dirty="0"/>
+          </a:p>
+          <a:p>
+            <a:r>
+              <a:rPr lang="en-US" dirty="0" smtClean="0"/>
+              <a:t>Set</a:t>
+            </a:r>
+          </a:p>
+          <a:p>
+            <a:pPr lvl="1"/>
+            <a:r>
+              <a:rPr lang="en-US" dirty="0" smtClean="0"/>
+              <a:t>Unordered and unique collection of objects</a:t>
+            </a:r>
           </a:p>
           <a:p>
             <a:pPr lvl="1"/>
             <a:endParaRPr lang="en-US" dirty="0" smtClean="0"/>
           </a:p>
           <a:p>
-            <a:r>
-              <a:rPr lang="en-US" dirty="0" err="1" smtClean="0"/>
-              <a:t>PyCharm</a:t>
-            </a:r>
-            <a:endParaRPr lang="en-US" dirty="0"/>
-          </a:p>
-          <a:p>
             <a:pPr lvl="1"/>
-            <a:r>
-              <a:rPr lang="en-US" dirty="0">
-                <a:hlinkClick r:id="rId3"/>
-              </a:rPr>
-              <a:t>http://www.jetbrains.com/pycharm</a:t>
-            </a:r>
-            <a:r>
-              <a:rPr lang="en-US" dirty="0" smtClean="0">
-                <a:hlinkClick r:id="rId3"/>
-              </a:rPr>
-              <a:t>/</a:t>
-            </a:r>
-            <a:endParaRPr lang="en-US" dirty="0" smtClean="0"/>
-          </a:p>
-          <a:p>
-            <a:pPr lvl="1"/>
-            <a:endParaRPr lang="en-US" dirty="0"/>
-          </a:p>
-          <a:p>
-            <a:r>
-              <a:rPr lang="en-US" dirty="0" err="1" smtClean="0"/>
-              <a:t>PythonTutor</a:t>
-            </a:r>
-            <a:endParaRPr lang="en-US" dirty="0" smtClean="0"/>
-          </a:p>
-          <a:p>
-            <a:pPr lvl="1"/>
-            <a:r>
-              <a:rPr lang="en-US" dirty="0">
-                <a:hlinkClick r:id="rId4"/>
-              </a:rPr>
-              <a:t>http://www.pythontutor.com</a:t>
-            </a:r>
-            <a:endParaRPr lang="en-US" dirty="0" smtClean="0"/>
+            <a:endParaRPr lang="en-US" dirty="0"/>
           </a:p>
           <a:p>
             <a:endParaRPr lang="en-US" dirty="0"/>
@@ -7063,7 +6982,7 @@
     </p:spTree>
     <p:extLst>
       <p:ext uri="{BB962C8B-B14F-4D97-AF65-F5344CB8AC3E}">
-        <p14:creationId xmlns:p14="http://schemas.microsoft.com/office/powerpoint/2010/main" val="3741982114"/>
+        <p14:creationId xmlns:p14="http://schemas.microsoft.com/office/powerpoint/2010/main" val="4015696490"/>
       </p:ext>
     </p:extLst>
   </p:cSld>
@@ -7106,213 +7025,117 @@
           <a:lstStyle/>
           <a:p>
             <a:r>
-              <a:rPr lang="en-US" dirty="0" smtClean="0"/>
-              <a:t>An Excellent Book</a:t>
-            </a:r>
-            <a:endParaRPr lang="en-US" dirty="0"/>
-          </a:p>
-        </p:txBody>
-      </p:sp>
-      <p:pic>
-        <p:nvPicPr>
-          <p:cNvPr id="3078" name="Picture 6" descr="Practical Computing for Biologists"/>
-          <p:cNvPicPr>
-            <a:picLocks noChangeAspect="1" noChangeArrowheads="1"/>
-          </p:cNvPicPr>
-          <p:nvPr/>
-        </p:nvPicPr>
-        <p:blipFill>
-          <a:blip r:embed="rId2">
-            <a:extLst>
-              <a:ext uri="{28A0092B-C50C-407E-A947-70E740481C1C}">
-                <a14:useLocalDpi xmlns:a14="http://schemas.microsoft.com/office/drawing/2010/main" val="0"/>
-              </a:ext>
-            </a:extLst>
-          </a:blip>
-          <a:srcRect/>
-          <a:stretch>
-            <a:fillRect/>
-          </a:stretch>
-        </p:blipFill>
-        <p:spPr bwMode="auto">
-          <a:xfrm>
-            <a:off x="317151" y="2140299"/>
-            <a:ext cx="3307570" cy="4014316"/>
-          </a:xfrm>
-          <a:prstGeom prst="rect">
-            <a:avLst/>
-          </a:prstGeom>
-          <a:noFill/>
-          <a:extLst>
-            <a:ext uri="{909E8E84-426E-40DD-AFC4-6F175D3DCCD1}">
-              <a14:hiddenFill xmlns:a14="http://schemas.microsoft.com/office/drawing/2010/main">
-                <a:solidFill>
-                  <a:srgbClr val="FFFFFF"/>
-                </a:solidFill>
-              </a14:hiddenFill>
-            </a:ext>
-          </a:extLst>
-        </p:spPr>
-      </p:pic>
-      <p:sp>
-        <p:nvSpPr>
-          <p:cNvPr id="4" name="TextBox 3"/>
-          <p:cNvSpPr txBox="1"/>
-          <p:nvPr/>
-        </p:nvSpPr>
-        <p:spPr>
-          <a:xfrm>
-            <a:off x="3808324" y="2140299"/>
-            <a:ext cx="4943790" cy="3970318"/>
-          </a:xfrm>
-          <a:prstGeom prst="rect">
-            <a:avLst/>
-          </a:prstGeom>
-          <a:noFill/>
-        </p:spPr>
-        <p:txBody>
-          <a:bodyPr wrap="square" rtlCol="0">
-            <a:spAutoFit/>
-          </a:bodyPr>
-          <a:lstStyle/>
-          <a:p>
-            <a:pPr>
-              <a:lnSpc>
-                <a:spcPct val="150000"/>
-              </a:lnSpc>
+              <a:rPr lang="en-US" dirty="0"/>
+              <a:t>Some Python Object Types</a:t>
+            </a:r>
+          </a:p>
+        </p:txBody>
+      </p:sp>
+      <p:sp>
+        <p:nvSpPr>
+          <p:cNvPr id="3" name="Content Placeholder 2"/>
+          <p:cNvSpPr>
+            <a:spLocks noGrp="1"/>
+          </p:cNvSpPr>
+          <p:nvPr>
+            <p:ph idx="1"/>
+          </p:nvPr>
+        </p:nvSpPr>
+        <p:spPr/>
+        <p:txBody>
+          <a:bodyPr/>
+          <a:lstStyle/>
+          <a:p>
+            <a:r>
+              <a:rPr lang="en-US" dirty="0"/>
+              <a:t>List</a:t>
+            </a:r>
+          </a:p>
+          <a:p>
+            <a:pPr lvl="1"/>
+            <a:r>
+              <a:rPr lang="en-US" dirty="0"/>
+              <a:t>An ordered list of objects:</a:t>
+            </a:r>
+          </a:p>
+          <a:p>
+            <a:pPr lvl="1"/>
+            <a:r>
+              <a:rPr lang="en-US" dirty="0" smtClean="0"/>
+              <a:t>[2, 4, 7, 22]</a:t>
+            </a:r>
+          </a:p>
+          <a:p>
+            <a:pPr lvl="1"/>
+            <a:r>
+              <a:rPr lang="en-US" dirty="0" smtClean="0"/>
+              <a:t>[“</a:t>
+            </a:r>
+            <a:r>
+              <a:rPr lang="en-US" dirty="0" err="1" smtClean="0"/>
+              <a:t>acgta</a:t>
+            </a:r>
+            <a:r>
+              <a:rPr lang="en-US" dirty="0" smtClean="0"/>
+              <a:t>”, “</a:t>
+            </a:r>
+            <a:r>
+              <a:rPr lang="en-US" dirty="0" err="1" smtClean="0"/>
+              <a:t>gtaagt</a:t>
+            </a:r>
+            <a:r>
+              <a:rPr lang="en-US" dirty="0" smtClean="0"/>
+              <a:t>”]</a:t>
+            </a:r>
+          </a:p>
+          <a:p>
+            <a:pPr marL="342900" lvl="1" indent="0">
+              <a:buNone/>
             </a:pPr>
-            <a:r>
-              <a:rPr lang="en-US" sz="2400" dirty="0" smtClean="0"/>
-              <a:t>Reformatting </a:t>
-            </a:r>
-            <a:r>
-              <a:rPr lang="en-US" sz="2400" dirty="0"/>
-              <a:t>data with </a:t>
-            </a:r>
-            <a:r>
-              <a:rPr lang="en-US" sz="2400" dirty="0" smtClean="0"/>
-              <a:t>regex</a:t>
-            </a:r>
-            <a:endParaRPr lang="en-US" sz="2400" dirty="0"/>
-          </a:p>
-          <a:p>
-            <a:pPr>
-              <a:lnSpc>
-                <a:spcPct val="150000"/>
-              </a:lnSpc>
-            </a:pPr>
-            <a:r>
-              <a:rPr lang="en-US" sz="2400" dirty="0" smtClean="0"/>
-              <a:t>The </a:t>
-            </a:r>
-            <a:r>
-              <a:rPr lang="en-US" sz="2400" dirty="0"/>
-              <a:t>Unix command </a:t>
-            </a:r>
-            <a:r>
-              <a:rPr lang="en-US" sz="2400" dirty="0" smtClean="0"/>
-              <a:t>line</a:t>
-            </a:r>
-            <a:endParaRPr lang="en-US" sz="2400" dirty="0"/>
-          </a:p>
-          <a:p>
-            <a:pPr>
-              <a:lnSpc>
-                <a:spcPct val="150000"/>
-              </a:lnSpc>
-            </a:pPr>
-            <a:r>
-              <a:rPr lang="en-US" sz="2400" dirty="0" smtClean="0"/>
-              <a:t>Combining </a:t>
-            </a:r>
-            <a:r>
-              <a:rPr lang="en-US" sz="2400" dirty="0"/>
-              <a:t>and automating </a:t>
-            </a:r>
-            <a:r>
-              <a:rPr lang="en-US" sz="2400" dirty="0" smtClean="0"/>
-              <a:t>analyses</a:t>
-            </a:r>
-            <a:endParaRPr lang="en-US" sz="2400" dirty="0"/>
-          </a:p>
-          <a:p>
-            <a:pPr>
-              <a:lnSpc>
-                <a:spcPct val="150000"/>
-              </a:lnSpc>
-            </a:pPr>
-            <a:r>
-              <a:rPr lang="en-US" sz="2400" dirty="0" smtClean="0"/>
-              <a:t>Python </a:t>
-            </a:r>
-            <a:r>
-              <a:rPr lang="en-US" sz="2400" dirty="0"/>
-              <a:t>programming and </a:t>
-            </a:r>
-            <a:r>
-              <a:rPr lang="en-US" sz="2400" dirty="0" smtClean="0"/>
-              <a:t>debugging</a:t>
-            </a:r>
-            <a:endParaRPr lang="en-US" sz="2400" dirty="0"/>
-          </a:p>
-          <a:p>
-            <a:pPr>
-              <a:lnSpc>
-                <a:spcPct val="150000"/>
-              </a:lnSpc>
-            </a:pPr>
-            <a:r>
-              <a:rPr lang="en-US" sz="2400" dirty="0" smtClean="0"/>
-              <a:t>Creating </a:t>
-            </a:r>
-            <a:r>
-              <a:rPr lang="en-US" sz="2400" dirty="0"/>
-              <a:t>and editing </a:t>
-            </a:r>
-            <a:r>
-              <a:rPr lang="en-US" sz="2400" dirty="0" smtClean="0"/>
-              <a:t>graphics</a:t>
-            </a:r>
-            <a:endParaRPr lang="en-US" sz="2400" dirty="0"/>
-          </a:p>
-          <a:p>
-            <a:pPr>
-              <a:lnSpc>
-                <a:spcPct val="150000"/>
-              </a:lnSpc>
-            </a:pPr>
-            <a:r>
-              <a:rPr lang="en-US" sz="2400" dirty="0" smtClean="0"/>
-              <a:t>Databases</a:t>
-            </a:r>
-            <a:endParaRPr lang="en-US" sz="2400" dirty="0"/>
-          </a:p>
-          <a:p>
-            <a:pPr>
-              <a:lnSpc>
-                <a:spcPct val="150000"/>
-              </a:lnSpc>
-            </a:pPr>
-            <a:r>
-              <a:rPr lang="en-US" sz="2400" dirty="0" smtClean="0"/>
-              <a:t>Performing </a:t>
-            </a:r>
-            <a:r>
-              <a:rPr lang="en-US" sz="2400" dirty="0"/>
-              <a:t>analyses </a:t>
-            </a:r>
-            <a:r>
-              <a:rPr lang="en-US" sz="2400" dirty="0" smtClean="0"/>
-              <a:t>remotely</a:t>
-            </a:r>
-            <a:endParaRPr lang="en-US" sz="2400" dirty="0"/>
+            <a:endParaRPr lang="en-US" dirty="0"/>
+          </a:p>
+          <a:p>
+            <a:r>
+              <a:rPr lang="en-US" dirty="0" smtClean="0"/>
+              <a:t>Dictionary</a:t>
+            </a:r>
+          </a:p>
+          <a:p>
+            <a:pPr lvl="1"/>
+            <a:r>
+              <a:rPr lang="en-US" dirty="0" smtClean="0"/>
+              <a:t>“associative arrays”</a:t>
+            </a:r>
+            <a:endParaRPr lang="en-US" dirty="0"/>
+          </a:p>
+          <a:p>
+            <a:pPr lvl="1"/>
+            <a:r>
+              <a:rPr lang="en-US" dirty="0"/>
+              <a:t>A collection of key -&gt; </a:t>
+            </a:r>
+            <a:r>
+              <a:rPr lang="en-US" dirty="0" smtClean="0"/>
+              <a:t>values</a:t>
+            </a:r>
+          </a:p>
+          <a:p>
+            <a:pPr lvl="1"/>
+            <a:r>
+              <a:rPr lang="en-US" dirty="0" smtClean="0"/>
+              <a:t>{“age”:13, “address”: “123 street”}</a:t>
+            </a:r>
+            <a:endParaRPr lang="en-US" dirty="0"/>
+          </a:p>
+          <a:p>
+            <a:endParaRPr lang="en-US" dirty="0"/>
           </a:p>
         </p:txBody>
       </p:sp>
     </p:spTree>
     <p:extLst>
       <p:ext uri="{BB962C8B-B14F-4D97-AF65-F5344CB8AC3E}">
-        <p14:creationId xmlns:p14="http://schemas.microsoft.com/office/powerpoint/2010/main" val="480673781"/>
+        <p14:creationId xmlns:p14="http://schemas.microsoft.com/office/powerpoint/2010/main" val="418909026"/>
       </p:ext>
     </p:extLst>
   </p:cSld>
@@ -7356,7 +7179,7 @@
           <a:p>
             <a:r>
               <a:rPr lang="en-US" dirty="0" smtClean="0"/>
-              <a:t>Object Oriented Programming</a:t>
+              <a:t>Programming Logic</a:t>
             </a:r>
             <a:endParaRPr lang="en-US" dirty="0"/>
           </a:p>
@@ -7372,80 +7195,71 @@
             <p:ph idx="1"/>
           </p:nvPr>
         </p:nvSpPr>
-        <p:spPr>
-          <a:xfrm>
-            <a:off x="840000" y="2029767"/>
-            <a:ext cx="7675350" cy="4451420"/>
-          </a:xfrm>
-        </p:spPr>
-        <p:txBody>
-          <a:bodyPr>
-            <a:normAutofit lnSpcReduction="10000"/>
-          </a:bodyPr>
-          <a:lstStyle/>
-          <a:p>
-            <a:r>
-              <a:rPr lang="en-US" dirty="0" smtClean="0"/>
-              <a:t>Objects hold information</a:t>
-            </a:r>
-          </a:p>
-          <a:p>
+        <p:spPr/>
+        <p:txBody>
+          <a:bodyPr/>
+          <a:lstStyle/>
+          <a:p>
+            <a:r>
+              <a:rPr lang="en-US" dirty="0" smtClean="0"/>
+              <a:t>If/else</a:t>
+            </a:r>
+          </a:p>
+          <a:p>
+            <a:pPr lvl="1"/>
+            <a:r>
+              <a:rPr lang="en-US" dirty="0" smtClean="0"/>
+              <a:t>Conditional logic!</a:t>
+            </a:r>
+          </a:p>
+          <a:p>
+            <a:pPr lvl="1"/>
+            <a:r>
+              <a:rPr lang="en-US" dirty="0" smtClean="0"/>
+              <a:t>Allows you to control the flow of behavior</a:t>
+            </a:r>
+          </a:p>
+          <a:p>
+            <a:pPr lvl="1"/>
+            <a:r>
+              <a:rPr lang="en-US" dirty="0" smtClean="0"/>
+              <a:t>If it rains today </a:t>
+            </a:r>
+            <a:endParaRPr lang="en-US" dirty="0"/>
+          </a:p>
+          <a:p>
+            <a:pPr marL="342900" lvl="1" indent="0">
+              <a:buNone/>
+            </a:pPr>
             <a:endParaRPr lang="en-US" dirty="0" smtClean="0"/>
           </a:p>
           <a:p>
             <a:r>
               <a:rPr lang="en-US" dirty="0" smtClean="0"/>
-              <a:t>They can contain values</a:t>
-            </a:r>
-          </a:p>
-          <a:p>
-            <a:endParaRPr lang="en-US" dirty="0" smtClean="0"/>
-          </a:p>
-          <a:p>
-            <a:r>
-              <a:rPr lang="en-US" dirty="0" smtClean="0"/>
-              <a:t>They can contain multiple values</a:t>
-            </a:r>
-            <a:endParaRPr lang="en-US" dirty="0"/>
-          </a:p>
-          <a:p>
-            <a:endParaRPr lang="en-US" dirty="0" smtClean="0"/>
-          </a:p>
-          <a:p>
-            <a:r>
-              <a:rPr lang="en-US" dirty="0" smtClean="0"/>
-              <a:t>They can contain </a:t>
-            </a:r>
-            <a:r>
-              <a:rPr lang="en-US" i="1" dirty="0" smtClean="0"/>
-              <a:t>other objects</a:t>
-            </a:r>
-            <a:endParaRPr lang="en-US" dirty="0" smtClean="0"/>
-          </a:p>
-          <a:p>
-            <a:endParaRPr lang="en-US" dirty="0" smtClean="0"/>
-          </a:p>
-          <a:p>
-            <a:r>
-              <a:rPr lang="en-US" dirty="0" smtClean="0"/>
-              <a:t>They have types</a:t>
-            </a:r>
-          </a:p>
-          <a:p>
-            <a:endParaRPr lang="en-US" dirty="0" smtClean="0"/>
-          </a:p>
-          <a:p>
-            <a:r>
-              <a:rPr lang="en-US" dirty="0" smtClean="0"/>
-              <a:t>They can inherit information from others</a:t>
-            </a:r>
+              <a:t>For or while loops</a:t>
+            </a:r>
+          </a:p>
+          <a:p>
+            <a:pPr lvl="1"/>
+            <a:r>
+              <a:rPr lang="en-US" dirty="0" smtClean="0"/>
+              <a:t>Do something several times</a:t>
+            </a:r>
+          </a:p>
+          <a:p>
+            <a:pPr lvl="1"/>
+            <a:r>
+              <a:rPr lang="en-US" dirty="0" smtClean="0"/>
+              <a:t>Make sure you understand when or if things stop!</a:t>
+            </a:r>
+            <a:endParaRPr lang="en-US" dirty="0"/>
           </a:p>
         </p:txBody>
       </p:sp>
     </p:spTree>
     <p:extLst>
       <p:ext uri="{BB962C8B-B14F-4D97-AF65-F5344CB8AC3E}">
-        <p14:creationId xmlns:p14="http://schemas.microsoft.com/office/powerpoint/2010/main" val="4039615631"/>
+        <p14:creationId xmlns:p14="http://schemas.microsoft.com/office/powerpoint/2010/main" val="1882223815"/>
       </p:ext>
     </p:extLst>
   </p:cSld>
@@ -7489,7 +7303,7 @@
           <a:p>
             <a:r>
               <a:rPr lang="en-US" dirty="0" smtClean="0"/>
-              <a:t>Some Python Object Types</a:t>
+              <a:t>Functions</a:t>
             </a:r>
             <a:endParaRPr lang="en-US" dirty="0"/>
           </a:p>
@@ -7510,88 +7324,102 @@
           <a:bodyPr/>
           <a:lstStyle/>
           <a:p>
+            <a:r>
+              <a:rPr lang="en-US" dirty="0" smtClean="0"/>
+              <a:t>Modularized sets of instructions you can re-use</a:t>
+            </a:r>
+          </a:p>
+          <a:p>
+            <a:r>
+              <a:rPr lang="en-US" dirty="0" smtClean="0"/>
+              <a:t>Mini-programs</a:t>
+            </a:r>
+          </a:p>
+          <a:p>
+            <a:r>
+              <a:rPr lang="en-US" dirty="0" smtClean="0"/>
+              <a:t>Do something or return an object</a:t>
+            </a:r>
+          </a:p>
+          <a:p>
             <a:endParaRPr lang="en-US" dirty="0" smtClean="0"/>
           </a:p>
           <a:p>
             <a:r>
-              <a:rPr lang="en-US" dirty="0" smtClean="0"/>
-              <a:t>Numbers</a:t>
-            </a:r>
-            <a:endParaRPr lang="en-US" dirty="0" smtClean="0"/>
-          </a:p>
-          <a:p>
-            <a:pPr lvl="1"/>
-            <a:r>
-              <a:rPr lang="en-US" dirty="0" smtClean="0"/>
-              <a:t>Integers (whole numbers</a:t>
-            </a:r>
-            <a:r>
-              <a:rPr lang="en-US" dirty="0" smtClean="0"/>
-              <a:t>): 7</a:t>
-            </a:r>
-            <a:endParaRPr lang="en-US" dirty="0" smtClean="0"/>
-          </a:p>
-          <a:p>
-            <a:pPr lvl="1"/>
-            <a:r>
-              <a:rPr lang="en-US" dirty="0" smtClean="0"/>
-              <a:t>Floating point </a:t>
-            </a:r>
-            <a:r>
-              <a:rPr lang="en-US" dirty="0" smtClean="0"/>
-              <a:t>numbers: 7.7</a:t>
-            </a:r>
-          </a:p>
-          <a:p>
-            <a:pPr marL="342900" lvl="1" indent="0">
+              <a:rPr lang="en-US" dirty="0" err="1" smtClean="0"/>
+              <a:t>run_pcr</a:t>
+            </a:r>
+            <a:r>
+              <a:rPr lang="en-US" dirty="0" smtClean="0"/>
+              <a:t>(</a:t>
+            </a:r>
+            <a:r>
+              <a:rPr lang="en-US" dirty="0" err="1" smtClean="0"/>
+              <a:t>DNA_source</a:t>
+            </a:r>
+            <a:r>
+              <a:rPr lang="en-US" dirty="0" smtClean="0"/>
+              <a:t>=“”,</a:t>
+            </a:r>
+          </a:p>
+          <a:p>
+            <a:pPr marL="0" indent="0">
               <a:buNone/>
             </a:pPr>
-            <a:endParaRPr lang="en-US" dirty="0"/>
-          </a:p>
-          <a:p>
-            <a:r>
-              <a:rPr lang="en-US" dirty="0" smtClean="0"/>
-              <a:t>String</a:t>
-            </a:r>
-          </a:p>
-          <a:p>
-            <a:pPr lvl="1"/>
-            <a:r>
-              <a:rPr lang="en-US" dirty="0" smtClean="0"/>
-              <a:t>Sequence of </a:t>
-            </a:r>
-            <a:r>
-              <a:rPr lang="en-US" dirty="0" smtClean="0"/>
-              <a:t>characters: “word!”</a:t>
-            </a:r>
-          </a:p>
-          <a:p>
-            <a:pPr lvl="1"/>
-            <a:endParaRPr lang="en-US" dirty="0"/>
-          </a:p>
-          <a:p>
-            <a:r>
-              <a:rPr lang="en-US" dirty="0" smtClean="0"/>
-              <a:t>Set</a:t>
-            </a:r>
-          </a:p>
-          <a:p>
-            <a:pPr lvl="1"/>
-            <a:r>
-              <a:rPr lang="en-US" dirty="0" smtClean="0"/>
-              <a:t>Unordered and unique collection of objects</a:t>
-            </a:r>
-            <a:endParaRPr lang="en-US" dirty="0" smtClean="0"/>
-          </a:p>
-          <a:p>
-            <a:pPr lvl="1"/>
-            <a:endParaRPr lang="en-US" dirty="0" smtClean="0"/>
-          </a:p>
-          <a:p>
-            <a:pPr lvl="1"/>
-            <a:endParaRPr lang="en-US" dirty="0"/>
-          </a:p>
-          <a:p>
+            <a:r>
+              <a:rPr lang="en-US" dirty="0"/>
+              <a:t> </a:t>
+            </a:r>
+            <a:r>
+              <a:rPr lang="en-US" dirty="0" smtClean="0"/>
+              <a:t>        program=touchdown,</a:t>
+            </a:r>
+          </a:p>
+          <a:p>
+            <a:pPr marL="0" indent="0">
+              <a:buNone/>
+            </a:pPr>
+            <a:r>
+              <a:rPr lang="en-US" dirty="0"/>
+              <a:t> </a:t>
+            </a:r>
+            <a:r>
+              <a:rPr lang="en-US" dirty="0" smtClean="0"/>
+              <a:t>        </a:t>
+            </a:r>
+            <a:r>
+              <a:rPr lang="en-US" dirty="0" err="1" smtClean="0"/>
+              <a:t>forward_primer</a:t>
+            </a:r>
+            <a:r>
+              <a:rPr lang="en-US" dirty="0" smtClean="0"/>
+              <a:t>=“ITS1-F”,</a:t>
+            </a:r>
+          </a:p>
+          <a:p>
+            <a:pPr marL="0" indent="0">
+              <a:buNone/>
+            </a:pPr>
+            <a:r>
+              <a:rPr lang="en-US" dirty="0"/>
+              <a:t> </a:t>
+            </a:r>
+            <a:r>
+              <a:rPr lang="en-US" dirty="0" smtClean="0"/>
+              <a:t>        </a:t>
+            </a:r>
+            <a:r>
+              <a:rPr lang="en-US" dirty="0" err="1"/>
+              <a:t>forward_primer</a:t>
+            </a:r>
+            <a:r>
+              <a:rPr lang="en-US" dirty="0"/>
+              <a:t>=“</a:t>
+            </a:r>
+            <a:r>
+              <a:rPr lang="en-US" dirty="0" smtClean="0"/>
+              <a:t>ITS1-R”)</a:t>
+            </a:r>
             <a:endParaRPr lang="en-US" dirty="0"/>
           </a:p>
         </p:txBody>
@@ -7599,7 +7427,7 @@
     </p:spTree>
     <p:extLst>
       <p:ext uri="{BB962C8B-B14F-4D97-AF65-F5344CB8AC3E}">
-        <p14:creationId xmlns:p14="http://schemas.microsoft.com/office/powerpoint/2010/main" val="4015696490"/>
+        <p14:creationId xmlns:p14="http://schemas.microsoft.com/office/powerpoint/2010/main" val="1536629832"/>
       </p:ext>
     </p:extLst>
   </p:cSld>
@@ -7642,9 +7470,10 @@
           <a:lstStyle/>
           <a:p>
             <a:r>
-              <a:rPr lang="en-US" dirty="0"/>
-              <a:t>Some Python Object Types</a:t>
-            </a:r>
+              <a:rPr lang="en-US" dirty="0" smtClean="0"/>
+              <a:t>Namespaces (“Frames”)</a:t>
+            </a:r>
+            <a:endParaRPr lang="en-US" dirty="0"/>
           </a:p>
         </p:txBody>
       </p:sp>
@@ -7664,85 +7493,24 @@
           <a:lstStyle/>
           <a:p>
             <a:r>
-              <a:rPr lang="en-US" dirty="0"/>
-              <a:t>List</a:t>
-            </a:r>
-          </a:p>
-          <a:p>
-            <a:pPr lvl="1"/>
-            <a:r>
-              <a:rPr lang="en-US" dirty="0"/>
-              <a:t>An ordered list of objects:</a:t>
-            </a:r>
-          </a:p>
-          <a:p>
-            <a:pPr lvl="1"/>
-            <a:r>
-              <a:rPr lang="en-US" dirty="0" smtClean="0"/>
-              <a:t>[2, 4, 7, 22]</a:t>
-            </a:r>
-          </a:p>
-          <a:p>
-            <a:pPr lvl="1"/>
-            <a:r>
-              <a:rPr lang="en-US" dirty="0" smtClean="0"/>
-              <a:t>[“</a:t>
-            </a:r>
-            <a:r>
-              <a:rPr lang="en-US" dirty="0" err="1" smtClean="0"/>
-              <a:t>acgta</a:t>
-            </a:r>
-            <a:r>
-              <a:rPr lang="en-US" dirty="0" smtClean="0"/>
-              <a:t>”, “</a:t>
-            </a:r>
-            <a:r>
-              <a:rPr lang="en-US" dirty="0" err="1" smtClean="0"/>
-              <a:t>gtaagt</a:t>
-            </a:r>
-            <a:r>
-              <a:rPr lang="en-US" dirty="0" smtClean="0"/>
-              <a:t>”]</a:t>
-            </a:r>
-          </a:p>
-          <a:p>
-            <a:pPr marL="342900" lvl="1" indent="0">
-              <a:buNone/>
-            </a:pPr>
-            <a:endParaRPr lang="en-US" dirty="0"/>
-          </a:p>
-          <a:p>
-            <a:r>
-              <a:rPr lang="en-US" dirty="0" smtClean="0"/>
-              <a:t>Dictionary</a:t>
-            </a:r>
-          </a:p>
-          <a:p>
-            <a:pPr lvl="1"/>
-            <a:r>
-              <a:rPr lang="en-US" dirty="0" smtClean="0"/>
-              <a:t>“associative arrays”</a:t>
-            </a:r>
-            <a:endParaRPr lang="en-US" dirty="0"/>
-          </a:p>
-          <a:p>
-            <a:pPr lvl="1"/>
-            <a:r>
-              <a:rPr lang="en-US" dirty="0"/>
-              <a:t>A collection of key -&gt; </a:t>
-            </a:r>
-            <a:r>
-              <a:rPr lang="en-US" dirty="0" smtClean="0"/>
-              <a:t>values</a:t>
-            </a:r>
-          </a:p>
-          <a:p>
-            <a:pPr lvl="1"/>
-            <a:r>
-              <a:rPr lang="en-US" dirty="0" smtClean="0"/>
-              <a:t>{“age”:13, “address”: “123 street”}</a:t>
-            </a:r>
-            <a:endParaRPr lang="en-US" dirty="0"/>
+              <a:rPr lang="en-US" dirty="0" smtClean="0"/>
+              <a:t>Abstract container for your objects</a:t>
+            </a:r>
+          </a:p>
+          <a:p>
+            <a:r>
+              <a:rPr lang="en-US" dirty="0" smtClean="0"/>
+              <a:t>Context for names of things</a:t>
+            </a:r>
+          </a:p>
+          <a:p>
+            <a:endParaRPr lang="en-US" dirty="0" smtClean="0"/>
+          </a:p>
+          <a:p>
+            <a:r>
+              <a:rPr lang="en-US" dirty="0" smtClean="0"/>
+              <a:t>Analogy: file and folder names</a:t>
+            </a:r>
           </a:p>
           <a:p>
             <a:endParaRPr lang="en-US" dirty="0"/>
@@ -7752,7 +7520,7 @@
     </p:spTree>
     <p:extLst>
       <p:ext uri="{BB962C8B-B14F-4D97-AF65-F5344CB8AC3E}">
-        <p14:creationId xmlns:p14="http://schemas.microsoft.com/office/powerpoint/2010/main" val="418909026"/>
+        <p14:creationId xmlns:p14="http://schemas.microsoft.com/office/powerpoint/2010/main" val="2794070451"/>
       </p:ext>
     </p:extLst>
   </p:cSld>
@@ -7794,11 +7562,7 @@
           <a:bodyPr/>
           <a:lstStyle/>
           <a:p>
-            <a:r>
-              <a:rPr lang="en-US" dirty="0" smtClean="0"/>
-              <a:t>Programming Logic</a:t>
-            </a:r>
-            <a:endParaRPr lang="en-US" dirty="0"/>
+            <a:endParaRPr lang="en-US"/>
           </a:p>
         </p:txBody>
       </p:sp>
@@ -7814,61 +7578,26 @@
         </p:nvSpPr>
         <p:spPr/>
         <p:txBody>
-          <a:bodyPr/>
-          <a:lstStyle/>
-          <a:p>
-            <a:r>
-              <a:rPr lang="en-US" dirty="0" smtClean="0"/>
-              <a:t>If/else</a:t>
-            </a:r>
-          </a:p>
-          <a:p>
-            <a:pPr lvl="1"/>
-            <a:r>
-              <a:rPr lang="en-US" dirty="0" smtClean="0"/>
-              <a:t>Conditional logic!</a:t>
-            </a:r>
-          </a:p>
-          <a:p>
-            <a:pPr lvl="1"/>
-            <a:r>
-              <a:rPr lang="en-US" dirty="0" smtClean="0"/>
-              <a:t>Allows you to control the flow of behavior</a:t>
-            </a:r>
-          </a:p>
-          <a:p>
-            <a:pPr lvl="1"/>
-            <a:r>
-              <a:rPr lang="en-US" dirty="0" smtClean="0"/>
-              <a:t>If it rains today </a:t>
-            </a:r>
-            <a:endParaRPr lang="en-US" dirty="0"/>
-          </a:p>
-          <a:p>
-            <a:pPr marL="342900" lvl="1" indent="0">
+          <a:bodyPr>
+            <a:normAutofit/>
+          </a:bodyPr>
+          <a:lstStyle/>
+          <a:p>
+            <a:pPr marL="0" indent="0">
               <a:buNone/>
             </a:pPr>
+            <a:r>
+              <a:rPr lang="en-US" dirty="0" smtClean="0">
+                <a:hlinkClick r:id="rId2"/>
+              </a:rPr>
+              <a:t>Interactive tutorial</a:t>
+            </a:r>
             <a:endParaRPr lang="en-US" dirty="0" smtClean="0"/>
           </a:p>
           <a:p>
-            <a:r>
-              <a:rPr lang="en-US" dirty="0" smtClean="0"/>
-              <a:t>For or while loops</a:t>
-            </a:r>
-          </a:p>
-          <a:p>
-            <a:pPr lvl="1"/>
-            <a:r>
-              <a:rPr lang="en-US" dirty="0" smtClean="0"/>
-              <a:t>Do something several times</a:t>
-            </a:r>
-          </a:p>
-          <a:p>
-            <a:pPr lvl="1"/>
-            <a:r>
-              <a:rPr lang="en-US" dirty="0" smtClean="0"/>
-              <a:t>Make sure you understand when or if things stop!</a:t>
-            </a:r>
+            <a:pPr marL="0" indent="0">
+              <a:buNone/>
+            </a:pPr>
             <a:endParaRPr lang="en-US" dirty="0"/>
           </a:p>
         </p:txBody>
@@ -7876,7 +7605,7 @@
     </p:spTree>
     <p:extLst>
       <p:ext uri="{BB962C8B-B14F-4D97-AF65-F5344CB8AC3E}">
-        <p14:creationId xmlns:p14="http://schemas.microsoft.com/office/powerpoint/2010/main" val="1882223815"/>
+        <p14:creationId xmlns:p14="http://schemas.microsoft.com/office/powerpoint/2010/main" val="2468222665"/>
       </p:ext>
     </p:extLst>
   </p:cSld>
@@ -7920,7 +7649,7 @@
           <a:p>
             <a:r>
               <a:rPr lang="en-US" dirty="0" smtClean="0"/>
-              <a:t>Functions</a:t>
+              <a:t>Group assignment</a:t>
             </a:r>
             <a:endParaRPr lang="en-US" dirty="0"/>
           </a:p>
@@ -7936,106 +7665,21 @@
             <p:ph idx="1"/>
           </p:nvPr>
         </p:nvSpPr>
-        <p:spPr/>
-        <p:txBody>
-          <a:bodyPr/>
-          <a:lstStyle/>
-          <a:p>
-            <a:r>
-              <a:rPr lang="en-US" dirty="0" smtClean="0"/>
-              <a:t>Modularized sets of instructions you can re-use</a:t>
-            </a:r>
-          </a:p>
-          <a:p>
-            <a:r>
-              <a:rPr lang="en-US" dirty="0" smtClean="0"/>
-              <a:t>Mini-programs</a:t>
-            </a:r>
-          </a:p>
-          <a:p>
-            <a:r>
-              <a:rPr lang="en-US" dirty="0" smtClean="0"/>
-              <a:t>Do something or return an object</a:t>
-            </a:r>
-          </a:p>
-          <a:p>
-            <a:endParaRPr lang="en-US" dirty="0" smtClean="0"/>
-          </a:p>
-          <a:p>
-            <a:r>
-              <a:rPr lang="en-US" dirty="0" err="1" smtClean="0"/>
-              <a:t>run_pcr</a:t>
-            </a:r>
-            <a:r>
-              <a:rPr lang="en-US" dirty="0" smtClean="0"/>
-              <a:t>(</a:t>
-            </a:r>
-            <a:r>
-              <a:rPr lang="en-US" dirty="0" err="1" smtClean="0"/>
-              <a:t>DNA_source</a:t>
-            </a:r>
-            <a:r>
-              <a:rPr lang="en-US" dirty="0" smtClean="0"/>
-              <a:t>=“”,</a:t>
-            </a:r>
-          </a:p>
-          <a:p>
-            <a:pPr marL="0" indent="0">
-              <a:buNone/>
-            </a:pPr>
-            <a:r>
-              <a:rPr lang="en-US" dirty="0"/>
-              <a:t> </a:t>
-            </a:r>
-            <a:r>
-              <a:rPr lang="en-US" dirty="0" smtClean="0"/>
-              <a:t>        program=touchdown,</a:t>
-            </a:r>
-          </a:p>
-          <a:p>
-            <a:pPr marL="0" indent="0">
-              <a:buNone/>
-            </a:pPr>
-            <a:r>
-              <a:rPr lang="en-US" dirty="0"/>
-              <a:t> </a:t>
-            </a:r>
-            <a:r>
-              <a:rPr lang="en-US" dirty="0" smtClean="0"/>
-              <a:t>        </a:t>
-            </a:r>
-            <a:r>
-              <a:rPr lang="en-US" dirty="0" err="1" smtClean="0"/>
-              <a:t>forward_primer</a:t>
-            </a:r>
-            <a:r>
-              <a:rPr lang="en-US" dirty="0" smtClean="0"/>
-              <a:t>=“ITS1-F”,</a:t>
-            </a:r>
-          </a:p>
-          <a:p>
-            <a:pPr marL="0" indent="0">
-              <a:buNone/>
-            </a:pPr>
-            <a:r>
-              <a:rPr lang="en-US" dirty="0"/>
-              <a:t> </a:t>
-            </a:r>
-            <a:r>
-              <a:rPr lang="en-US" dirty="0" smtClean="0"/>
-              <a:t>        </a:t>
-            </a:r>
-            <a:r>
-              <a:rPr lang="en-US" dirty="0" err="1"/>
-              <a:t>forward_primer</a:t>
-            </a:r>
-            <a:r>
-              <a:rPr lang="en-US" dirty="0"/>
-              <a:t>=“</a:t>
-            </a:r>
-            <a:r>
-              <a:rPr lang="en-US" dirty="0" smtClean="0"/>
-              <a:t>ITS1-R”)</a:t>
+        <p:spPr>
+          <a:xfrm>
+            <a:off x="840000" y="1825625"/>
+            <a:ext cx="7675350" cy="4715852"/>
+          </a:xfrm>
+        </p:spPr>
+        <p:txBody>
+          <a:bodyPr>
+            <a:normAutofit/>
+          </a:bodyPr>
+          <a:lstStyle/>
+          <a:p>
+            <a:r>
+              <a:rPr lang="en-US" dirty="0" smtClean="0"/>
+              <a:t>Write a python script that outputs the numbers 1 to 30</a:t>
             </a:r>
             <a:endParaRPr lang="en-US" dirty="0"/>
           </a:p>
@@ -8044,7 +7688,7 @@
     </p:spTree>
     <p:extLst>
       <p:ext uri="{BB962C8B-B14F-4D97-AF65-F5344CB8AC3E}">
-        <p14:creationId xmlns:p14="http://schemas.microsoft.com/office/powerpoint/2010/main" val="1536629832"/>
+        <p14:creationId xmlns:p14="http://schemas.microsoft.com/office/powerpoint/2010/main" val="1514165822"/>
       </p:ext>
     </p:extLst>
   </p:cSld>
@@ -8088,7 +7732,7 @@
           <a:p>
             <a:r>
               <a:rPr lang="en-US" dirty="0" smtClean="0"/>
-              <a:t>Namespaces (“Frames”)</a:t>
+              <a:t>Group assignment</a:t>
             </a:r>
             <a:endParaRPr lang="en-US" dirty="0"/>
           </a:p>
@@ -8104,40 +7748,40 @@
             <p:ph idx="1"/>
           </p:nvPr>
         </p:nvSpPr>
-        <p:spPr/>
-        <p:txBody>
-          <a:bodyPr/>
-          <a:lstStyle/>
-          <a:p>
-            <a:r>
-              <a:rPr lang="en-US" dirty="0" smtClean="0"/>
-              <a:t>Abstract container for your objects</a:t>
-            </a:r>
-          </a:p>
-          <a:p>
-            <a:r>
-              <a:rPr lang="en-US" dirty="0" smtClean="0"/>
-              <a:t>Context for names of things</a:t>
+        <p:spPr>
+          <a:xfrm>
+            <a:off x="840000" y="1825625"/>
+            <a:ext cx="7675350" cy="4715852"/>
+          </a:xfrm>
+        </p:spPr>
+        <p:txBody>
+          <a:bodyPr>
+            <a:normAutofit/>
+          </a:bodyPr>
+          <a:lstStyle/>
+          <a:p>
+            <a:r>
+              <a:rPr lang="en-US" dirty="0" smtClean="0"/>
+              <a:t>Write </a:t>
+            </a:r>
+            <a:r>
+              <a:rPr lang="en-US" dirty="0"/>
+              <a:t>a python script that outputs the numbers 1 to </a:t>
+            </a:r>
+            <a:r>
+              <a:rPr lang="en-US" dirty="0" smtClean="0"/>
+              <a:t>30, replacing any number divisible by 3 with the word “evolution”</a:t>
             </a:r>
           </a:p>
           <a:p>
             <a:endParaRPr lang="en-US" dirty="0" smtClean="0"/>
-          </a:p>
-          <a:p>
-            <a:r>
-              <a:rPr lang="en-US" dirty="0" smtClean="0"/>
-              <a:t>Analogy: file and folder names</a:t>
-            </a:r>
-          </a:p>
-          <a:p>
-            <a:endParaRPr lang="en-US" dirty="0"/>
           </a:p>
         </p:txBody>
       </p:sp>
     </p:spTree>
     <p:extLst>
       <p:ext uri="{BB962C8B-B14F-4D97-AF65-F5344CB8AC3E}">
-        <p14:creationId xmlns:p14="http://schemas.microsoft.com/office/powerpoint/2010/main" val="2794070451"/>
+        <p14:creationId xmlns:p14="http://schemas.microsoft.com/office/powerpoint/2010/main" val="2176828010"/>
       </p:ext>
     </p:extLst>
   </p:cSld>
@@ -8179,7 +7823,11 @@
           <a:bodyPr/>
           <a:lstStyle/>
           <a:p>
-            <a:endParaRPr lang="en-US"/>
+            <a:r>
+              <a:rPr lang="en-US" dirty="0" smtClean="0"/>
+              <a:t>Group assignment</a:t>
+            </a:r>
+            <a:endParaRPr lang="en-US" dirty="0"/>
           </a:p>
         </p:txBody>
       </p:sp>
@@ -8193,28 +7841,30 @@
             <p:ph idx="1"/>
           </p:nvPr>
         </p:nvSpPr>
-        <p:spPr/>
+        <p:spPr>
+          <a:xfrm>
+            <a:off x="840000" y="1825625"/>
+            <a:ext cx="7675350" cy="4715852"/>
+          </a:xfrm>
+        </p:spPr>
         <p:txBody>
           <a:bodyPr>
             <a:normAutofit/>
           </a:bodyPr>
           <a:lstStyle/>
           <a:p>
-            <a:pPr marL="0" indent="0">
-              <a:buNone/>
-            </a:pPr>
-            <a:r>
-              <a:rPr lang="en-US" dirty="0" smtClean="0">
-                <a:hlinkClick r:id="rId2"/>
-              </a:rPr>
-              <a:t>Interactive tutorial</a:t>
-            </a:r>
-            <a:endParaRPr lang="en-US" dirty="0" smtClean="0"/>
-          </a:p>
-          <a:p>
-            <a:pPr marL="0" indent="0">
-              <a:buNone/>
-            </a:pPr>
+            <a:r>
+              <a:rPr lang="en-US" dirty="0" smtClean="0"/>
+              <a:t>Write </a:t>
+            </a:r>
+            <a:r>
+              <a:rPr lang="en-US" dirty="0"/>
+              <a:t>a python script that outputs the numbers 1 to 30, replacing any number divisible by 3 with the word “evolution</a:t>
+            </a:r>
+            <a:r>
+              <a:rPr lang="en-US" dirty="0" smtClean="0"/>
+              <a:t>” and any number divisible by 5 with the word “ecology”</a:t>
+            </a:r>
             <a:endParaRPr lang="en-US" dirty="0"/>
           </a:p>
         </p:txBody>
@@ -8222,7 +7872,7 @@
     </p:spTree>
     <p:extLst>
       <p:ext uri="{BB962C8B-B14F-4D97-AF65-F5344CB8AC3E}">
-        <p14:creationId xmlns:p14="http://schemas.microsoft.com/office/powerpoint/2010/main" val="2468222665"/>
+        <p14:creationId xmlns:p14="http://schemas.microsoft.com/office/powerpoint/2010/main" val="4015131137"/>
       </p:ext>
     </p:extLst>
   </p:cSld>
@@ -8390,273 +8040,6 @@
           <a:p>
             <a:r>
               <a:rPr lang="en-US" dirty="0" smtClean="0"/>
-              <a:t>Group assignment</a:t>
-            </a:r>
-            <a:endParaRPr lang="en-US" dirty="0"/>
-          </a:p>
-        </p:txBody>
-      </p:sp>
-      <p:sp>
-        <p:nvSpPr>
-          <p:cNvPr id="3" name="Content Placeholder 2"/>
-          <p:cNvSpPr>
-            <a:spLocks noGrp="1"/>
-          </p:cNvSpPr>
-          <p:nvPr>
-            <p:ph idx="1"/>
-          </p:nvPr>
-        </p:nvSpPr>
-        <p:spPr>
-          <a:xfrm>
-            <a:off x="840000" y="1825625"/>
-            <a:ext cx="7675350" cy="4715852"/>
-          </a:xfrm>
-        </p:spPr>
-        <p:txBody>
-          <a:bodyPr>
-            <a:normAutofit/>
-          </a:bodyPr>
-          <a:lstStyle/>
-          <a:p>
-            <a:r>
-              <a:rPr lang="en-US" dirty="0" smtClean="0"/>
-              <a:t>Write a python script that outputs the numbers 1 to 30</a:t>
-            </a:r>
-            <a:endParaRPr lang="en-US" dirty="0"/>
-          </a:p>
-        </p:txBody>
-      </p:sp>
-    </p:spTree>
-    <p:extLst>
-      <p:ext uri="{BB962C8B-B14F-4D97-AF65-F5344CB8AC3E}">
-        <p14:creationId xmlns:p14="http://schemas.microsoft.com/office/powerpoint/2010/main" val="1514165822"/>
-      </p:ext>
-    </p:extLst>
-  </p:cSld>
-  <p:clrMapOvr>
-    <a:masterClrMapping/>
-  </p:clrMapOvr>
-</p:sld>
-</file>
-
-<file path=ppt/slides/slide21.xml><?xml version="1.0" encoding="utf-8"?>
-<p:sld xmlns:a="http://schemas.openxmlformats.org/drawingml/2006/main" xmlns:r="http://schemas.openxmlformats.org/officeDocument/2006/relationships" xmlns:p="http://schemas.openxmlformats.org/presentationml/2006/main">
-  <p:cSld>
-    <p:spTree>
-      <p:nvGrpSpPr>
-        <p:cNvPr id="1" name=""/>
-        <p:cNvGrpSpPr/>
-        <p:nvPr/>
-      </p:nvGrpSpPr>
-      <p:grpSpPr>
-        <a:xfrm>
-          <a:off x="0" y="0"/>
-          <a:ext cx="0" cy="0"/>
-          <a:chOff x="0" y="0"/>
-          <a:chExt cx="0" cy="0"/>
-        </a:xfrm>
-      </p:grpSpPr>
-      <p:sp>
-        <p:nvSpPr>
-          <p:cNvPr id="2" name="Title 1"/>
-          <p:cNvSpPr>
-            <a:spLocks noGrp="1"/>
-          </p:cNvSpPr>
-          <p:nvPr>
-            <p:ph type="title"/>
-          </p:nvPr>
-        </p:nvSpPr>
-        <p:spPr/>
-        <p:txBody>
-          <a:bodyPr/>
-          <a:lstStyle/>
-          <a:p>
-            <a:r>
-              <a:rPr lang="en-US" dirty="0" smtClean="0"/>
-              <a:t>Group assignment</a:t>
-            </a:r>
-            <a:endParaRPr lang="en-US" dirty="0"/>
-          </a:p>
-        </p:txBody>
-      </p:sp>
-      <p:sp>
-        <p:nvSpPr>
-          <p:cNvPr id="3" name="Content Placeholder 2"/>
-          <p:cNvSpPr>
-            <a:spLocks noGrp="1"/>
-          </p:cNvSpPr>
-          <p:nvPr>
-            <p:ph idx="1"/>
-          </p:nvPr>
-        </p:nvSpPr>
-        <p:spPr>
-          <a:xfrm>
-            <a:off x="840000" y="1825625"/>
-            <a:ext cx="7675350" cy="4715852"/>
-          </a:xfrm>
-        </p:spPr>
-        <p:txBody>
-          <a:bodyPr>
-            <a:normAutofit/>
-          </a:bodyPr>
-          <a:lstStyle/>
-          <a:p>
-            <a:r>
-              <a:rPr lang="en-US" dirty="0" smtClean="0"/>
-              <a:t>Write </a:t>
-            </a:r>
-            <a:r>
-              <a:rPr lang="en-US" dirty="0"/>
-              <a:t>a python script that outputs the numbers 1 to </a:t>
-            </a:r>
-            <a:r>
-              <a:rPr lang="en-US" dirty="0" smtClean="0"/>
-              <a:t>30, replacing any number divisible by 3 with the word “evolution”</a:t>
-            </a:r>
-          </a:p>
-          <a:p>
-            <a:endParaRPr lang="en-US" dirty="0" smtClean="0"/>
-          </a:p>
-        </p:txBody>
-      </p:sp>
-    </p:spTree>
-    <p:extLst>
-      <p:ext uri="{BB962C8B-B14F-4D97-AF65-F5344CB8AC3E}">
-        <p14:creationId xmlns:p14="http://schemas.microsoft.com/office/powerpoint/2010/main" val="2176828010"/>
-      </p:ext>
-    </p:extLst>
-  </p:cSld>
-  <p:clrMapOvr>
-    <a:masterClrMapping/>
-  </p:clrMapOvr>
-</p:sld>
-</file>
-
-<file path=ppt/slides/slide22.xml><?xml version="1.0" encoding="utf-8"?>
-<p:sld xmlns:a="http://schemas.openxmlformats.org/drawingml/2006/main" xmlns:r="http://schemas.openxmlformats.org/officeDocument/2006/relationships" xmlns:p="http://schemas.openxmlformats.org/presentationml/2006/main">
-  <p:cSld>
-    <p:spTree>
-      <p:nvGrpSpPr>
-        <p:cNvPr id="1" name=""/>
-        <p:cNvGrpSpPr/>
-        <p:nvPr/>
-      </p:nvGrpSpPr>
-      <p:grpSpPr>
-        <a:xfrm>
-          <a:off x="0" y="0"/>
-          <a:ext cx="0" cy="0"/>
-          <a:chOff x="0" y="0"/>
-          <a:chExt cx="0" cy="0"/>
-        </a:xfrm>
-      </p:grpSpPr>
-      <p:sp>
-        <p:nvSpPr>
-          <p:cNvPr id="2" name="Title 1"/>
-          <p:cNvSpPr>
-            <a:spLocks noGrp="1"/>
-          </p:cNvSpPr>
-          <p:nvPr>
-            <p:ph type="title"/>
-          </p:nvPr>
-        </p:nvSpPr>
-        <p:spPr/>
-        <p:txBody>
-          <a:bodyPr/>
-          <a:lstStyle/>
-          <a:p>
-            <a:r>
-              <a:rPr lang="en-US" dirty="0" smtClean="0"/>
-              <a:t>Group assignment</a:t>
-            </a:r>
-            <a:endParaRPr lang="en-US" dirty="0"/>
-          </a:p>
-        </p:txBody>
-      </p:sp>
-      <p:sp>
-        <p:nvSpPr>
-          <p:cNvPr id="3" name="Content Placeholder 2"/>
-          <p:cNvSpPr>
-            <a:spLocks noGrp="1"/>
-          </p:cNvSpPr>
-          <p:nvPr>
-            <p:ph idx="1"/>
-          </p:nvPr>
-        </p:nvSpPr>
-        <p:spPr>
-          <a:xfrm>
-            <a:off x="840000" y="1825625"/>
-            <a:ext cx="7675350" cy="4715852"/>
-          </a:xfrm>
-        </p:spPr>
-        <p:txBody>
-          <a:bodyPr>
-            <a:normAutofit/>
-          </a:bodyPr>
-          <a:lstStyle/>
-          <a:p>
-            <a:r>
-              <a:rPr lang="en-US" dirty="0" smtClean="0"/>
-              <a:t>Write </a:t>
-            </a:r>
-            <a:r>
-              <a:rPr lang="en-US" dirty="0"/>
-              <a:t>a python script that outputs the numbers 1 to 30, replacing any number divisible by 3 with the word “evolution</a:t>
-            </a:r>
-            <a:r>
-              <a:rPr lang="en-US" dirty="0" smtClean="0"/>
-              <a:t>” and any number divisible by 5 with the word “ecology”</a:t>
-            </a:r>
-            <a:endParaRPr lang="en-US" dirty="0"/>
-          </a:p>
-        </p:txBody>
-      </p:sp>
-    </p:spTree>
-    <p:extLst>
-      <p:ext uri="{BB962C8B-B14F-4D97-AF65-F5344CB8AC3E}">
-        <p14:creationId xmlns:p14="http://schemas.microsoft.com/office/powerpoint/2010/main" val="4015131137"/>
-      </p:ext>
-    </p:extLst>
-  </p:cSld>
-  <p:clrMapOvr>
-    <a:masterClrMapping/>
-  </p:clrMapOvr>
-</p:sld>
-</file>
-
-<file path=ppt/slides/slide23.xml><?xml version="1.0" encoding="utf-8"?>
-<p:sld xmlns:a="http://schemas.openxmlformats.org/drawingml/2006/main" xmlns:r="http://schemas.openxmlformats.org/officeDocument/2006/relationships" xmlns:p="http://schemas.openxmlformats.org/presentationml/2006/main">
-  <p:cSld>
-    <p:spTree>
-      <p:nvGrpSpPr>
-        <p:cNvPr id="1" name=""/>
-        <p:cNvGrpSpPr/>
-        <p:nvPr/>
-      </p:nvGrpSpPr>
-      <p:grpSpPr>
-        <a:xfrm>
-          <a:off x="0" y="0"/>
-          <a:ext cx="0" cy="0"/>
-          <a:chOff x="0" y="0"/>
-          <a:chExt cx="0" cy="0"/>
-        </a:xfrm>
-      </p:grpSpPr>
-      <p:sp>
-        <p:nvSpPr>
-          <p:cNvPr id="2" name="Title 1"/>
-          <p:cNvSpPr>
-            <a:spLocks noGrp="1"/>
-          </p:cNvSpPr>
-          <p:nvPr>
-            <p:ph type="title"/>
-          </p:nvPr>
-        </p:nvSpPr>
-        <p:spPr/>
-        <p:txBody>
-          <a:bodyPr/>
-          <a:lstStyle/>
-          <a:p>
-            <a:r>
-              <a:rPr lang="en-US" dirty="0" smtClean="0"/>
               <a:t>My solution</a:t>
             </a:r>
             <a:endParaRPr lang="en-US" dirty="0"/>
@@ -8909,7 +8292,7 @@
 </p:sld>
 </file>
 
-<file path=ppt/slides/slide24.xml><?xml version="1.0" encoding="utf-8"?>
+<file path=ppt/slides/slide21.xml><?xml version="1.0" encoding="utf-8"?>
 <p:sld xmlns:a="http://schemas.openxmlformats.org/drawingml/2006/main" xmlns:r="http://schemas.openxmlformats.org/officeDocument/2006/relationships" xmlns:p="http://schemas.openxmlformats.org/presentationml/2006/main">
   <p:cSld>
     <p:spTree>
@@ -9118,6 +8501,469 @@
     <p:extLst>
       <p:ext uri="{BB962C8B-B14F-4D97-AF65-F5344CB8AC3E}">
         <p14:creationId xmlns:p14="http://schemas.microsoft.com/office/powerpoint/2010/main" val="2141855410"/>
+      </p:ext>
+    </p:extLst>
+  </p:cSld>
+  <p:clrMapOvr>
+    <a:masterClrMapping/>
+  </p:clrMapOvr>
+</p:sld>
+</file>
+
+<file path=ppt/slides/slide22.xml><?xml version="1.0" encoding="utf-8"?>
+<p:sld xmlns:a="http://schemas.openxmlformats.org/drawingml/2006/main" xmlns:r="http://schemas.openxmlformats.org/officeDocument/2006/relationships" xmlns:p="http://schemas.openxmlformats.org/presentationml/2006/main">
+  <p:cSld>
+    <p:spTree>
+      <p:nvGrpSpPr>
+        <p:cNvPr id="1" name=""/>
+        <p:cNvGrpSpPr/>
+        <p:nvPr/>
+      </p:nvGrpSpPr>
+      <p:grpSpPr>
+        <a:xfrm>
+          <a:off x="0" y="0"/>
+          <a:ext cx="0" cy="0"/>
+          <a:chOff x="0" y="0"/>
+          <a:chExt cx="0" cy="0"/>
+        </a:xfrm>
+      </p:grpSpPr>
+      <p:sp>
+        <p:nvSpPr>
+          <p:cNvPr id="2" name="Title 1"/>
+          <p:cNvSpPr>
+            <a:spLocks noGrp="1"/>
+          </p:cNvSpPr>
+          <p:nvPr>
+            <p:ph type="title"/>
+          </p:nvPr>
+        </p:nvSpPr>
+        <p:spPr/>
+        <p:txBody>
+          <a:bodyPr/>
+          <a:lstStyle/>
+          <a:p>
+            <a:r>
+              <a:rPr lang="en-US" dirty="0" smtClean="0"/>
+              <a:t>An example</a:t>
+            </a:r>
+            <a:endParaRPr lang="en-US" dirty="0"/>
+          </a:p>
+        </p:txBody>
+      </p:sp>
+      <p:sp>
+        <p:nvSpPr>
+          <p:cNvPr id="3" name="Content Placeholder 2"/>
+          <p:cNvSpPr>
+            <a:spLocks noGrp="1"/>
+          </p:cNvSpPr>
+          <p:nvPr>
+            <p:ph idx="1"/>
+          </p:nvPr>
+        </p:nvSpPr>
+        <p:spPr>
+          <a:xfrm>
+            <a:off x="839999" y="1825625"/>
+            <a:ext cx="8134183" cy="4351338"/>
+          </a:xfrm>
+        </p:spPr>
+        <p:txBody>
+          <a:bodyPr>
+            <a:normAutofit fontScale="92500" lnSpcReduction="10000"/>
+          </a:bodyPr>
+          <a:lstStyle/>
+          <a:p>
+            <a:pPr marL="0" indent="0">
+              <a:buNone/>
+            </a:pPr>
+            <a:r>
+              <a:rPr lang="en-US" dirty="0"/>
+              <a:t>#!/</a:t>
+            </a:r>
+            <a:r>
+              <a:rPr lang="en-US" dirty="0" err="1"/>
+              <a:t>usr</a:t>
+            </a:r>
+            <a:r>
+              <a:rPr lang="en-US" dirty="0"/>
+              <a:t>/bin/</a:t>
+            </a:r>
+            <a:r>
+              <a:rPr lang="en-US" dirty="0" err="1"/>
+              <a:t>env</a:t>
+            </a:r>
+            <a:r>
+              <a:rPr lang="en-US" dirty="0"/>
+              <a:t> python</a:t>
+            </a:r>
+          </a:p>
+          <a:p>
+            <a:pPr marL="0" indent="0">
+              <a:buNone/>
+            </a:pPr>
+            <a:r>
+              <a:rPr lang="en-US" dirty="0"/>
+              <a:t>from Bio import </a:t>
+            </a:r>
+            <a:r>
+              <a:rPr lang="en-US" dirty="0" err="1"/>
+              <a:t>SeqIO</a:t>
+            </a:r>
+            <a:endParaRPr lang="en-US" dirty="0"/>
+          </a:p>
+          <a:p>
+            <a:pPr marL="0" indent="0">
+              <a:buNone/>
+            </a:pPr>
+            <a:endParaRPr lang="en-US" dirty="0"/>
+          </a:p>
+          <a:p>
+            <a:pPr marL="0" indent="0">
+              <a:buNone/>
+            </a:pPr>
+            <a:r>
+              <a:rPr lang="en-US" dirty="0"/>
+              <a:t>#set an average quality score cutoff</a:t>
+            </a:r>
+          </a:p>
+          <a:p>
+            <a:pPr marL="0" indent="0">
+              <a:buNone/>
+            </a:pPr>
+            <a:r>
+              <a:rPr lang="en-US" dirty="0" err="1"/>
+              <a:t>qual_cutoff</a:t>
+            </a:r>
+            <a:r>
+              <a:rPr lang="en-US" dirty="0"/>
+              <a:t> = 25</a:t>
+            </a:r>
+          </a:p>
+          <a:p>
+            <a:pPr marL="0" indent="0">
+              <a:buNone/>
+            </a:pPr>
+            <a:endParaRPr lang="en-US" dirty="0"/>
+          </a:p>
+          <a:p>
+            <a:pPr marL="0" indent="0">
+              <a:buNone/>
+            </a:pPr>
+            <a:r>
+              <a:rPr lang="en-US" dirty="0"/>
+              <a:t>#initialize the file handle</a:t>
+            </a:r>
+          </a:p>
+          <a:p>
+            <a:pPr marL="0" indent="0">
+              <a:buNone/>
+            </a:pPr>
+            <a:r>
+              <a:rPr lang="en-US" dirty="0" err="1"/>
+              <a:t>file_handle</a:t>
+            </a:r>
+            <a:r>
+              <a:rPr lang="en-US" dirty="0"/>
+              <a:t> = open("</a:t>
+            </a:r>
+            <a:r>
+              <a:rPr lang="en-US" dirty="0" err="1"/>
+              <a:t>fastqs</a:t>
+            </a:r>
+            <a:r>
+              <a:rPr lang="en-US" dirty="0"/>
+              <a:t>/Chip2comb_001b.fastq", "r")</a:t>
+            </a:r>
+          </a:p>
+          <a:p>
+            <a:pPr marL="0" indent="0">
+              <a:buNone/>
+            </a:pPr>
+            <a:endParaRPr lang="en-US" dirty="0"/>
+          </a:p>
+          <a:p>
+            <a:pPr marL="0" indent="0">
+              <a:buNone/>
+            </a:pPr>
+            <a:r>
+              <a:rPr lang="en-US" dirty="0"/>
+              <a:t>#initialize </a:t>
+            </a:r>
+            <a:r>
+              <a:rPr lang="en-US" dirty="0" err="1"/>
+              <a:t>fastq</a:t>
+            </a:r>
+            <a:r>
+              <a:rPr lang="en-US" dirty="0"/>
+              <a:t> file parser</a:t>
+            </a:r>
+          </a:p>
+          <a:p>
+            <a:pPr marL="0" indent="0">
+              <a:buNone/>
+            </a:pPr>
+            <a:r>
+              <a:rPr lang="en-US" dirty="0" err="1"/>
+              <a:t>fastq_file</a:t>
+            </a:r>
+            <a:r>
+              <a:rPr lang="en-US" dirty="0"/>
+              <a:t> = </a:t>
+            </a:r>
+            <a:r>
+              <a:rPr lang="en-US" dirty="0" err="1"/>
+              <a:t>SeqIO.parse</a:t>
+            </a:r>
+            <a:r>
+              <a:rPr lang="en-US" dirty="0"/>
+              <a:t>(</a:t>
+            </a:r>
+            <a:r>
+              <a:rPr lang="en-US" dirty="0" err="1"/>
+              <a:t>file_handle</a:t>
+            </a:r>
+            <a:r>
+              <a:rPr lang="en-US" dirty="0"/>
+              <a:t>, "</a:t>
+            </a:r>
+            <a:r>
+              <a:rPr lang="en-US" dirty="0" err="1"/>
+              <a:t>fastq</a:t>
+            </a:r>
+            <a:r>
+              <a:rPr lang="en-US" dirty="0"/>
+              <a:t>")</a:t>
+            </a:r>
+          </a:p>
+        </p:txBody>
+      </p:sp>
+    </p:spTree>
+    <p:extLst>
+      <p:ext uri="{BB962C8B-B14F-4D97-AF65-F5344CB8AC3E}">
+        <p14:creationId xmlns:p14="http://schemas.microsoft.com/office/powerpoint/2010/main" val="3991278633"/>
+      </p:ext>
+    </p:extLst>
+  </p:cSld>
+  <p:clrMapOvr>
+    <a:masterClrMapping/>
+  </p:clrMapOvr>
+</p:sld>
+</file>
+
+<file path=ppt/slides/slide23.xml><?xml version="1.0" encoding="utf-8"?>
+<p:sld xmlns:a="http://schemas.openxmlformats.org/drawingml/2006/main" xmlns:r="http://schemas.openxmlformats.org/officeDocument/2006/relationships" xmlns:p="http://schemas.openxmlformats.org/presentationml/2006/main">
+  <p:cSld>
+    <p:spTree>
+      <p:nvGrpSpPr>
+        <p:cNvPr id="1" name=""/>
+        <p:cNvGrpSpPr/>
+        <p:nvPr/>
+      </p:nvGrpSpPr>
+      <p:grpSpPr>
+        <a:xfrm>
+          <a:off x="0" y="0"/>
+          <a:ext cx="0" cy="0"/>
+          <a:chOff x="0" y="0"/>
+          <a:chExt cx="0" cy="0"/>
+        </a:xfrm>
+      </p:grpSpPr>
+      <p:sp>
+        <p:nvSpPr>
+          <p:cNvPr id="2" name="Title 1"/>
+          <p:cNvSpPr>
+            <a:spLocks noGrp="1"/>
+          </p:cNvSpPr>
+          <p:nvPr>
+            <p:ph type="title"/>
+          </p:nvPr>
+        </p:nvSpPr>
+        <p:spPr/>
+        <p:txBody>
+          <a:bodyPr/>
+          <a:lstStyle/>
+          <a:p>
+            <a:r>
+              <a:rPr lang="en-US" dirty="0"/>
+              <a:t>An example</a:t>
+            </a:r>
+          </a:p>
+        </p:txBody>
+      </p:sp>
+      <p:sp>
+        <p:nvSpPr>
+          <p:cNvPr id="3" name="Content Placeholder 2"/>
+          <p:cNvSpPr>
+            <a:spLocks noGrp="1"/>
+          </p:cNvSpPr>
+          <p:nvPr>
+            <p:ph idx="1"/>
+          </p:nvPr>
+        </p:nvSpPr>
+        <p:spPr>
+          <a:xfrm>
+            <a:off x="1" y="1825625"/>
+            <a:ext cx="9287690" cy="4351338"/>
+          </a:xfrm>
+        </p:spPr>
+        <p:txBody>
+          <a:bodyPr>
+            <a:normAutofit/>
+          </a:bodyPr>
+          <a:lstStyle/>
+          <a:p>
+            <a:pPr marL="0" indent="0">
+              <a:buNone/>
+            </a:pPr>
+            <a:r>
+              <a:rPr lang="en-US" dirty="0"/>
+              <a:t>for record in </a:t>
+            </a:r>
+            <a:r>
+              <a:rPr lang="en-US" dirty="0" err="1"/>
+              <a:t>fastq_file</a:t>
+            </a:r>
+            <a:r>
+              <a:rPr lang="en-US" dirty="0"/>
+              <a:t>:</a:t>
+            </a:r>
+          </a:p>
+          <a:p>
+            <a:pPr marL="0" indent="0">
+              <a:buNone/>
+            </a:pPr>
+            <a:r>
+              <a:rPr lang="en-US" dirty="0"/>
+              <a:t>    #sum of quality scores divided by the length</a:t>
+            </a:r>
+          </a:p>
+          <a:p>
+            <a:pPr marL="0" indent="0">
+              <a:buNone/>
+            </a:pPr>
+            <a:r>
+              <a:rPr lang="en-US" dirty="0"/>
+              <a:t>    </a:t>
+            </a:r>
+            <a:r>
+              <a:rPr lang="en-US" dirty="0" err="1"/>
+              <a:t>avg_qual</a:t>
+            </a:r>
+            <a:r>
+              <a:rPr lang="en-US" dirty="0"/>
+              <a:t> = sum(</a:t>
+            </a:r>
+            <a:r>
+              <a:rPr lang="en-US" dirty="0" err="1"/>
+              <a:t>record.letter_annotations</a:t>
+            </a:r>
+            <a:r>
+              <a:rPr lang="en-US" dirty="0"/>
+              <a:t>["</a:t>
+            </a:r>
+            <a:r>
+              <a:rPr lang="en-US" dirty="0" err="1"/>
+              <a:t>phred_quality</a:t>
+            </a:r>
+            <a:r>
+              <a:rPr lang="en-US" dirty="0"/>
+              <a:t>"]) / </a:t>
+            </a:r>
+            <a:r>
+              <a:rPr lang="en-US" dirty="0" err="1"/>
+              <a:t>len</a:t>
+            </a:r>
+            <a:r>
+              <a:rPr lang="en-US" dirty="0"/>
+              <a:t>(record)</a:t>
+            </a:r>
+          </a:p>
+          <a:p>
+            <a:pPr marL="0" indent="0">
+              <a:buNone/>
+            </a:pPr>
+            <a:endParaRPr lang="en-US" dirty="0"/>
+          </a:p>
+          <a:p>
+            <a:pPr marL="0" indent="0">
+              <a:buNone/>
+            </a:pPr>
+            <a:r>
+              <a:rPr lang="en-US" dirty="0"/>
+              <a:t>    #if the read is of sufficient average quality</a:t>
+            </a:r>
+          </a:p>
+          <a:p>
+            <a:pPr marL="0" indent="0">
+              <a:buNone/>
+            </a:pPr>
+            <a:r>
+              <a:rPr lang="en-US" dirty="0"/>
+              <a:t>    if </a:t>
+            </a:r>
+            <a:r>
+              <a:rPr lang="en-US" dirty="0" err="1"/>
+              <a:t>avg_qual</a:t>
+            </a:r>
+            <a:r>
+              <a:rPr lang="en-US" dirty="0"/>
+              <a:t> &gt; </a:t>
+            </a:r>
+            <a:r>
+              <a:rPr lang="en-US" dirty="0" err="1"/>
+              <a:t>qual_cutoff</a:t>
+            </a:r>
+            <a:r>
+              <a:rPr lang="en-US" dirty="0"/>
+              <a:t>:</a:t>
+            </a:r>
+          </a:p>
+          <a:p>
+            <a:pPr marL="0" indent="0">
+              <a:buNone/>
+            </a:pPr>
+            <a:r>
+              <a:rPr lang="en-US" dirty="0"/>
+              <a:t>        #print it in </a:t>
+            </a:r>
+            <a:r>
+              <a:rPr lang="en-US" dirty="0" err="1"/>
+              <a:t>fastq</a:t>
+            </a:r>
+            <a:r>
+              <a:rPr lang="en-US" dirty="0"/>
+              <a:t> format</a:t>
+            </a:r>
+          </a:p>
+          <a:p>
+            <a:pPr marL="0" indent="0">
+              <a:buNone/>
+            </a:pPr>
+            <a:r>
+              <a:rPr lang="en-US" dirty="0"/>
+              <a:t>        print </a:t>
+            </a:r>
+            <a:r>
+              <a:rPr lang="en-US" dirty="0" err="1"/>
+              <a:t>record.format</a:t>
+            </a:r>
+            <a:r>
+              <a:rPr lang="en-US" dirty="0"/>
+              <a:t>("</a:t>
+            </a:r>
+            <a:r>
+              <a:rPr lang="en-US" dirty="0" err="1"/>
+              <a:t>fastq</a:t>
+            </a:r>
+            <a:r>
+              <a:rPr lang="en-US" dirty="0"/>
+              <a:t>")</a:t>
+            </a:r>
+          </a:p>
+        </p:txBody>
+      </p:sp>
+    </p:spTree>
+    <p:extLst>
+      <p:ext uri="{BB962C8B-B14F-4D97-AF65-F5344CB8AC3E}">
+        <p14:creationId xmlns:p14="http://schemas.microsoft.com/office/powerpoint/2010/main" val="849856333"/>
       </p:ext>
     </p:extLst>
   </p:cSld>
@@ -9700,8 +9546,8 @@
         </p:nvSpPr>
         <p:spPr>
           <a:xfrm>
-            <a:off x="628650" y="1815577"/>
-            <a:ext cx="7886700" cy="4351338"/>
+            <a:off x="628650" y="2082575"/>
+            <a:ext cx="7886700" cy="4435790"/>
           </a:xfrm>
         </p:spPr>
         <p:txBody>
@@ -9715,30 +9561,11 @@
             </a:pPr>
             <a:r>
               <a:rPr lang="en-US" dirty="0" smtClean="0"/>
-              <a:t>Beautiful </a:t>
+              <a:t>Explicit </a:t>
             </a:r>
             <a:r>
               <a:rPr lang="en-US" dirty="0"/>
-              <a:t>is better than ugly</a:t>
-            </a:r>
-            <a:r>
-              <a:rPr lang="en-US" dirty="0" smtClean="0"/>
-              <a:t>.</a:t>
-            </a:r>
-          </a:p>
-          <a:p>
-            <a:pPr marL="0" indent="0">
-              <a:buNone/>
-            </a:pPr>
-            <a:endParaRPr lang="en-US" dirty="0"/>
-          </a:p>
-          <a:p>
-            <a:pPr marL="0" indent="0">
-              <a:buNone/>
-            </a:pPr>
-            <a:r>
-              <a:rPr lang="en-US" dirty="0"/>
-              <a:t>Explicit is better than implicit</a:t>
+              <a:t>is better than implicit</a:t>
             </a:r>
             <a:r>
               <a:rPr lang="en-US" dirty="0" smtClean="0"/>
@@ -9776,7 +9603,7 @@
             </a:pPr>
             <a:r>
               <a:rPr lang="en-US" dirty="0"/>
-              <a:t>Complex is better than complicated</a:t>
+              <a:t>In the face of ambiguity, refuse the temptation to guess</a:t>
             </a:r>
             <a:r>
               <a:rPr lang="en-US" dirty="0" smtClean="0"/>
@@ -9787,39 +9614,25 @@
             <a:pPr marL="0" indent="0">
               <a:buNone/>
             </a:pPr>
-            <a:endParaRPr lang="en-US" dirty="0"/>
+            <a:endParaRPr lang="en-US" dirty="0" smtClean="0"/>
           </a:p>
           <a:p>
             <a:pPr marL="0" indent="0">
               <a:buNone/>
             </a:pPr>
             <a:r>
+              <a:rPr lang="en-US" dirty="0" smtClean="0"/>
+              <a:t>There </a:t>
+            </a:r>
+            <a:r>
               <a:rPr lang="en-US" dirty="0"/>
-              <a:t>Flat is better than nested</a:t>
-            </a:r>
-            <a:r>
-              <a:rPr lang="en-US" dirty="0" smtClean="0"/>
-              <a:t>.</a:t>
+              <a:t>should be one-- and preferably only one --obvious way to do it.</a:t>
             </a:r>
           </a:p>
           <a:p>
             <a:pPr marL="0" indent="0">
               <a:buNone/>
             </a:pPr>
-            <a:endParaRPr lang="en-US" dirty="0"/>
-          </a:p>
-          <a:p>
-            <a:pPr marL="0" indent="0">
-              <a:buNone/>
-            </a:pPr>
-            <a:r>
-              <a:rPr lang="en-US" dirty="0"/>
-              <a:t>Sparse is better than dense</a:t>
-            </a:r>
-            <a:r>
-              <a:rPr lang="en-US" dirty="0" smtClean="0"/>
-              <a:t>.</a:t>
-            </a:r>
             <a:endParaRPr lang="en-US" dirty="0"/>
           </a:p>
         </p:txBody>
@@ -9875,7 +9688,7 @@
         </p:blipFill>
         <p:spPr bwMode="auto">
           <a:xfrm>
-            <a:off x="7225045" y="1423691"/>
+            <a:off x="7225045" y="1690689"/>
             <a:ext cx="1743075" cy="1790701"/>
           </a:xfrm>
           <a:prstGeom prst="rect">
@@ -9933,171 +9746,169 @@
             <p:ph type="title"/>
           </p:nvPr>
         </p:nvSpPr>
-        <p:spPr/>
-        <p:txBody>
-          <a:bodyPr/>
-          <a:lstStyle/>
-          <a:p>
-            <a:r>
-              <a:rPr lang="en-US" dirty="0" smtClean="0"/>
-              <a:t>The Zen of Python</a:t>
-            </a:r>
-            <a:endParaRPr lang="en-US" dirty="0"/>
-          </a:p>
-        </p:txBody>
-      </p:sp>
-      <p:sp>
-        <p:nvSpPr>
-          <p:cNvPr id="3" name="Content Placeholder 2"/>
-          <p:cNvSpPr>
-            <a:spLocks noGrp="1"/>
-          </p:cNvSpPr>
-          <p:nvPr>
-            <p:ph idx="1"/>
-          </p:nvPr>
-        </p:nvSpPr>
         <p:spPr>
           <a:xfrm>
-            <a:off x="628650" y="1815577"/>
-            <a:ext cx="7886700" cy="4351338"/>
+            <a:off x="123987" y="365126"/>
+            <a:ext cx="8841782" cy="1325563"/>
           </a:xfrm>
         </p:spPr>
         <p:txBody>
           <a:bodyPr>
-            <a:noAutofit/>
+            <a:normAutofit/>
           </a:bodyPr>
           <a:lstStyle/>
           <a:p>
-            <a:pPr marL="0" indent="0">
-              <a:buNone/>
-            </a:pPr>
+            <a:r>
+              <a:rPr lang="en-US" dirty="0" smtClean="0"/>
+              <a:t>Some useful python distributions</a:t>
+            </a:r>
+            <a:endParaRPr lang="en-US" dirty="0"/>
+          </a:p>
+        </p:txBody>
+      </p:sp>
+      <p:sp>
+        <p:nvSpPr>
+          <p:cNvPr id="3" name="Content Placeholder 2"/>
+          <p:cNvSpPr>
+            <a:spLocks noGrp="1"/>
+          </p:cNvSpPr>
+          <p:nvPr>
+            <p:ph idx="1"/>
+          </p:nvPr>
+        </p:nvSpPr>
+        <p:spPr/>
+        <p:txBody>
+          <a:bodyPr>
+            <a:normAutofit fontScale="77500" lnSpcReduction="20000"/>
+          </a:bodyPr>
+          <a:lstStyle/>
+          <a:p>
             <a:r>
               <a:rPr lang="en-US" dirty="0"/>
-              <a:t>Readability counts</a:t>
-            </a:r>
-            <a:r>
-              <a:rPr lang="en-US" dirty="0" smtClean="0"/>
-              <a:t>.</a:t>
-            </a:r>
-          </a:p>
-          <a:p>
-            <a:pPr marL="0" indent="0">
-              <a:buNone/>
-            </a:pPr>
-            <a:endParaRPr lang="en-US" dirty="0"/>
-          </a:p>
-          <a:p>
-            <a:pPr marL="0" indent="0">
-              <a:buNone/>
-            </a:pPr>
+              <a:t>http://www.python.org</a:t>
+            </a:r>
+            <a:r>
+              <a:rPr lang="en-US" dirty="0" smtClean="0"/>
+              <a:t>/</a:t>
+            </a:r>
+          </a:p>
+          <a:p>
+            <a:pPr lvl="1"/>
+            <a:r>
+              <a:rPr lang="en-US" dirty="0" smtClean="0"/>
+              <a:t>Reference implementation with standard libraries, that’s it!</a:t>
+            </a:r>
+          </a:p>
+          <a:p>
+            <a:pPr lvl="1"/>
+            <a:endParaRPr lang="en-US" dirty="0" smtClean="0"/>
+          </a:p>
+          <a:p>
+            <a:r>
+              <a:rPr lang="en-US" dirty="0" smtClean="0"/>
+              <a:t>anaconda</a:t>
+            </a:r>
+          </a:p>
+          <a:p>
+            <a:pPr lvl="1"/>
+            <a:r>
+              <a:rPr lang="en-US" dirty="0" smtClean="0"/>
+              <a:t>Pre-packaged scientific goodies</a:t>
+            </a:r>
+          </a:p>
+          <a:p>
+            <a:pPr lvl="1"/>
+            <a:r>
+              <a:rPr lang="en-US" dirty="0" smtClean="0"/>
+              <a:t>Paid version with extras</a:t>
+            </a:r>
+          </a:p>
+          <a:p>
+            <a:pPr lvl="1"/>
             <a:r>
               <a:rPr lang="en-US" dirty="0"/>
-              <a:t>Special cases aren't special </a:t>
-            </a:r>
+              <a:t>http://</a:t>
+            </a:r>
+            <a:r>
+              <a:rPr lang="en-US" dirty="0" smtClean="0"/>
+              <a:t>continuum.io/downloads</a:t>
+            </a:r>
+          </a:p>
+          <a:p>
+            <a:pPr lvl="1"/>
             <a:endParaRPr lang="en-US" dirty="0" smtClean="0"/>
           </a:p>
           <a:p>
-            <a:pPr marL="0" indent="0">
-              <a:buNone/>
-            </a:pPr>
-            <a:r>
-              <a:rPr lang="en-US" dirty="0" smtClean="0"/>
-              <a:t>enough </a:t>
-            </a:r>
+            <a:r>
+              <a:rPr lang="en-US" dirty="0" err="1" smtClean="0"/>
+              <a:t>enthought</a:t>
+            </a:r>
+            <a:r>
+              <a:rPr lang="en-US" dirty="0" smtClean="0"/>
+              <a:t> canopy</a:t>
+            </a:r>
+          </a:p>
+          <a:p>
+            <a:pPr lvl="1"/>
             <a:r>
               <a:rPr lang="en-US" dirty="0"/>
-              <a:t>to break the rules</a:t>
-            </a:r>
-            <a:r>
-              <a:rPr lang="en-US" dirty="0" smtClean="0"/>
-              <a:t>.</a:t>
-            </a:r>
-          </a:p>
-          <a:p>
-            <a:pPr marL="0" indent="0">
-              <a:buNone/>
-            </a:pPr>
-            <a:endParaRPr lang="en-US" dirty="0"/>
-          </a:p>
-          <a:p>
-            <a:pPr marL="0" indent="0">
-              <a:buNone/>
-            </a:pPr>
+              <a:t>Pre-packaged scientific </a:t>
+            </a:r>
+            <a:r>
+              <a:rPr lang="en-US" dirty="0" smtClean="0"/>
+              <a:t>goodies</a:t>
+            </a:r>
+          </a:p>
+          <a:p>
+            <a:pPr lvl="1"/>
+            <a:r>
+              <a:rPr lang="en-US" dirty="0" smtClean="0"/>
+              <a:t>Integrated IDE/package manager</a:t>
+            </a:r>
+            <a:endParaRPr lang="en-US" dirty="0"/>
+          </a:p>
+          <a:p>
+            <a:pPr lvl="1"/>
             <a:r>
               <a:rPr lang="en-US" dirty="0"/>
-              <a:t>Although practicality beats </a:t>
-            </a:r>
-            <a:r>
-              <a:rPr lang="en-US" dirty="0" smtClean="0"/>
-              <a:t>purity.</a:t>
-            </a:r>
-          </a:p>
-          <a:p>
-            <a:pPr marL="0" indent="0">
-              <a:buNone/>
-            </a:pPr>
-            <a:endParaRPr lang="en-US" dirty="0"/>
-          </a:p>
-          <a:p>
-            <a:pPr marL="0" indent="0">
-              <a:buNone/>
-            </a:pPr>
+              <a:t>Paid version with </a:t>
+            </a:r>
+            <a:r>
+              <a:rPr lang="en-US" dirty="0" smtClean="0"/>
+              <a:t>extras (free for academics)</a:t>
+            </a:r>
+            <a:endParaRPr lang="en-US" dirty="0"/>
+          </a:p>
+          <a:p>
+            <a:pPr lvl="1"/>
+            <a:endParaRPr lang="en-US" dirty="0" smtClean="0"/>
+          </a:p>
+          <a:p>
+            <a:r>
+              <a:rPr lang="en-US" dirty="0" err="1" smtClean="0"/>
+              <a:t>pythonxy</a:t>
+            </a:r>
+            <a:endParaRPr lang="en-US" dirty="0" smtClean="0"/>
+          </a:p>
+          <a:p>
+            <a:pPr lvl="1"/>
+            <a:r>
+              <a:rPr lang="en-US" dirty="0" smtClean="0"/>
+              <a:t>Windows only</a:t>
+            </a:r>
+          </a:p>
+          <a:p>
+            <a:pPr lvl="1"/>
+            <a:r>
+              <a:rPr lang="en-US" dirty="0" smtClean="0"/>
+              <a:t>Many scientific computing goodies</a:t>
+            </a:r>
+          </a:p>
+          <a:p>
+            <a:pPr lvl="1"/>
             <a:r>
               <a:rPr lang="en-US" dirty="0"/>
-              <a:t>Errors should never pass </a:t>
-            </a:r>
-            <a:r>
-              <a:rPr lang="en-US" dirty="0" smtClean="0"/>
-              <a:t>silently,</a:t>
-            </a:r>
-          </a:p>
-          <a:p>
-            <a:pPr marL="0" indent="0">
-              <a:buNone/>
-            </a:pPr>
-            <a:endParaRPr lang="en-US" dirty="0" smtClean="0"/>
-          </a:p>
-          <a:p>
-            <a:pPr marL="0" indent="0">
-              <a:buNone/>
-            </a:pPr>
-            <a:r>
-              <a:rPr lang="en-US" dirty="0"/>
-              <a:t>Unless explicitly silenced.</a:t>
-            </a:r>
-          </a:p>
-          <a:p>
-            <a:pPr marL="0" indent="0">
-              <a:buNone/>
-            </a:pPr>
-            <a:endParaRPr lang="en-US" dirty="0"/>
-          </a:p>
-        </p:txBody>
-      </p:sp>
-      <p:sp>
-        <p:nvSpPr>
-          <p:cNvPr id="4" name="Rectangle 3"/>
-          <p:cNvSpPr/>
-          <p:nvPr/>
-        </p:nvSpPr>
-        <p:spPr>
-          <a:xfrm>
-            <a:off x="6490036" y="929471"/>
-            <a:ext cx="1470018" cy="369332"/>
-          </a:xfrm>
-          <a:prstGeom prst="rect">
-            <a:avLst/>
-          </a:prstGeom>
-        </p:spPr>
-        <p:txBody>
-          <a:bodyPr wrap="none">
-            <a:spAutoFit/>
-          </a:bodyPr>
-          <a:lstStyle/>
-          <a:p>
-            <a:r>
-              <a:rPr lang="en-US" dirty="0"/>
-              <a:t>by Tim Peters</a:t>
+              <a:t>https://code.google.com/p/pythonxy/</a:t>
             </a:r>
           </a:p>
         </p:txBody>
@@ -10105,7 +9916,7 @@
     </p:spTree>
     <p:extLst>
       <p:ext uri="{BB962C8B-B14F-4D97-AF65-F5344CB8AC3E}">
-        <p14:creationId xmlns:p14="http://schemas.microsoft.com/office/powerpoint/2010/main" val="2497860378"/>
+        <p14:creationId xmlns:p14="http://schemas.microsoft.com/office/powerpoint/2010/main" val="2585465639"/>
       </p:ext>
     </p:extLst>
   </p:cSld>
@@ -10149,7 +9960,7 @@
           <a:p>
             <a:r>
               <a:rPr lang="en-US" dirty="0" smtClean="0"/>
-              <a:t>The Zen of Python</a:t>
+              <a:t>Some useful python environments</a:t>
             </a:r>
             <a:endParaRPr lang="en-US" dirty="0"/>
           </a:p>
@@ -10165,125 +9976,92 @@
             <p:ph idx="1"/>
           </p:nvPr>
         </p:nvSpPr>
-        <p:spPr>
-          <a:xfrm>
-            <a:off x="628649" y="1690689"/>
-            <a:ext cx="8254093" cy="4351338"/>
-          </a:xfrm>
-        </p:spPr>
-        <p:txBody>
-          <a:bodyPr>
-            <a:noAutofit/>
-          </a:bodyPr>
-          <a:lstStyle/>
-          <a:p>
-            <a:pPr marL="0" indent="0">
-              <a:buNone/>
-            </a:pPr>
-            <a:r>
-              <a:rPr lang="en-US" dirty="0"/>
-              <a:t>In the face of ambiguity, refuse the temptation to guess.</a:t>
-            </a:r>
-          </a:p>
-          <a:p>
-            <a:pPr marL="0" indent="0">
-              <a:buNone/>
-            </a:pPr>
-            <a:endParaRPr lang="en-US" dirty="0"/>
-          </a:p>
-          <a:p>
-            <a:pPr marL="0" indent="0">
-              <a:buNone/>
-            </a:pPr>
-            <a:r>
-              <a:rPr lang="en-US" dirty="0"/>
-              <a:t>There should be one-- and preferably only one --obvious way to do it.</a:t>
-            </a:r>
-          </a:p>
-          <a:p>
-            <a:pPr marL="0" indent="0">
-              <a:buNone/>
-            </a:pPr>
-            <a:endParaRPr lang="en-US" dirty="0"/>
-          </a:p>
-          <a:p>
-            <a:pPr marL="0" indent="0">
-              <a:buNone/>
-            </a:pPr>
-            <a:r>
-              <a:rPr lang="en-US" dirty="0"/>
-              <a:t>Although that way may not be obvious at first unless you're Dutch.</a:t>
-            </a:r>
-          </a:p>
-          <a:p>
-            <a:pPr marL="0" indent="0">
-              <a:buNone/>
-            </a:pPr>
-            <a:endParaRPr lang="en-US" dirty="0"/>
-          </a:p>
-          <a:p>
-            <a:pPr marL="0" indent="0">
-              <a:buNone/>
-            </a:pPr>
-            <a:r>
-              <a:rPr lang="en-US" dirty="0"/>
-              <a:t>Now is better than never.</a:t>
-            </a:r>
-          </a:p>
-          <a:p>
-            <a:pPr marL="0" indent="0">
-              <a:buNone/>
-            </a:pPr>
-            <a:endParaRPr lang="en-US" dirty="0"/>
-          </a:p>
-          <a:p>
-            <a:pPr marL="0" indent="0">
-              <a:buNone/>
-            </a:pPr>
-            <a:r>
-              <a:rPr lang="en-US" dirty="0"/>
-              <a:t>Although never is often better than *right* now</a:t>
-            </a:r>
-            <a:r>
-              <a:rPr lang="en-US" dirty="0" smtClean="0"/>
-              <a:t>.</a:t>
-            </a:r>
-            <a:endParaRPr lang="en-US" dirty="0"/>
-          </a:p>
-        </p:txBody>
-      </p:sp>
-      <p:sp>
-        <p:nvSpPr>
-          <p:cNvPr id="4" name="Rectangle 3"/>
-          <p:cNvSpPr/>
-          <p:nvPr/>
-        </p:nvSpPr>
-        <p:spPr>
-          <a:xfrm>
-            <a:off x="6490036" y="929471"/>
-            <a:ext cx="1470018" cy="369332"/>
-          </a:xfrm>
-          <a:prstGeom prst="rect">
-            <a:avLst/>
-          </a:prstGeom>
-        </p:spPr>
-        <p:txBody>
-          <a:bodyPr wrap="none">
-            <a:spAutoFit/>
-          </a:bodyPr>
-          <a:lstStyle/>
-          <a:p>
-            <a:r>
-              <a:rPr lang="en-US" dirty="0"/>
-              <a:t>by Tim Peters</a:t>
-            </a:r>
+        <p:spPr/>
+        <p:txBody>
+          <a:bodyPr/>
+          <a:lstStyle/>
+          <a:p>
+            <a:endParaRPr lang="en-US" dirty="0" smtClean="0"/>
+          </a:p>
+          <a:p>
+            <a:r>
+              <a:rPr lang="en-US" dirty="0" smtClean="0"/>
+              <a:t>Komodo Edit</a:t>
+            </a:r>
+          </a:p>
+          <a:p>
+            <a:pPr lvl="1"/>
+            <a:r>
+              <a:rPr lang="en-US" dirty="0">
+                <a:hlinkClick r:id="rId2"/>
+              </a:rPr>
+              <a:t>http://</a:t>
+            </a:r>
+            <a:r>
+              <a:rPr lang="en-US" dirty="0" smtClean="0">
+                <a:hlinkClick r:id="rId2"/>
+              </a:rPr>
+              <a:t>www.activestate.com/komodo-edit</a:t>
+            </a:r>
+            <a:endParaRPr lang="en-US" dirty="0"/>
+          </a:p>
+          <a:p>
+            <a:pPr lvl="1"/>
+            <a:endParaRPr lang="en-US" dirty="0" smtClean="0"/>
+          </a:p>
+          <a:p>
+            <a:r>
+              <a:rPr lang="en-US" dirty="0" err="1" smtClean="0"/>
+              <a:t>PyCharm</a:t>
+            </a:r>
+            <a:endParaRPr lang="en-US" dirty="0"/>
+          </a:p>
+          <a:p>
+            <a:pPr lvl="1"/>
+            <a:r>
+              <a:rPr lang="en-US" dirty="0">
+                <a:hlinkClick r:id="rId3"/>
+              </a:rPr>
+              <a:t>http://www.jetbrains.com/pycharm</a:t>
+            </a:r>
+            <a:r>
+              <a:rPr lang="en-US" dirty="0" smtClean="0">
+                <a:hlinkClick r:id="rId3"/>
+              </a:rPr>
+              <a:t>/</a:t>
+            </a:r>
+            <a:endParaRPr lang="en-US" dirty="0" smtClean="0"/>
+          </a:p>
+          <a:p>
+            <a:pPr lvl="1"/>
+            <a:endParaRPr lang="en-US" dirty="0"/>
+          </a:p>
+          <a:p>
+            <a:r>
+              <a:rPr lang="en-US" dirty="0" err="1" smtClean="0"/>
+              <a:t>PythonTutor</a:t>
+            </a:r>
+            <a:endParaRPr lang="en-US" dirty="0" smtClean="0"/>
+          </a:p>
+          <a:p>
+            <a:pPr lvl="1"/>
+            <a:r>
+              <a:rPr lang="en-US" dirty="0">
+                <a:hlinkClick r:id="rId4"/>
+              </a:rPr>
+              <a:t>http://www.pythontutor.com</a:t>
+            </a:r>
+            <a:endParaRPr lang="en-US" dirty="0" smtClean="0"/>
+          </a:p>
+          <a:p>
+            <a:endParaRPr lang="en-US" dirty="0"/>
           </a:p>
         </p:txBody>
       </p:sp>
     </p:spTree>
     <p:extLst>
       <p:ext uri="{BB962C8B-B14F-4D97-AF65-F5344CB8AC3E}">
-        <p14:creationId xmlns:p14="http://schemas.microsoft.com/office/powerpoint/2010/main" val="301682737"/>
+        <p14:creationId xmlns:p14="http://schemas.microsoft.com/office/powerpoint/2010/main" val="3741982114"/>
       </p:ext>
     </p:extLst>
   </p:cSld>
@@ -10327,114 +10105,212 @@
           <a:p>
             <a:r>
               <a:rPr lang="en-US" dirty="0" smtClean="0"/>
-              <a:t>The Zen of Python</a:t>
-            </a:r>
-            <a:endParaRPr lang="en-US" dirty="0"/>
-          </a:p>
-        </p:txBody>
-      </p:sp>
-      <p:sp>
-        <p:nvSpPr>
-          <p:cNvPr id="3" name="Content Placeholder 2"/>
-          <p:cNvSpPr>
-            <a:spLocks noGrp="1"/>
-          </p:cNvSpPr>
-          <p:nvPr>
-            <p:ph idx="1"/>
-          </p:nvPr>
-        </p:nvSpPr>
-        <p:spPr>
+              <a:t>An Excellent Book</a:t>
+            </a:r>
+            <a:endParaRPr lang="en-US" dirty="0"/>
+          </a:p>
+        </p:txBody>
+      </p:sp>
+      <p:pic>
+        <p:nvPicPr>
+          <p:cNvPr id="3078" name="Picture 6" descr="Practical Computing for Biologists"/>
+          <p:cNvPicPr>
+            <a:picLocks noChangeAspect="1" noChangeArrowheads="1"/>
+          </p:cNvPicPr>
+          <p:nvPr/>
+        </p:nvPicPr>
+        <p:blipFill>
+          <a:blip r:embed="rId2">
+            <a:extLst>
+              <a:ext uri="{28A0092B-C50C-407E-A947-70E740481C1C}">
+                <a14:useLocalDpi xmlns:a14="http://schemas.microsoft.com/office/drawing/2010/main" val="0"/>
+              </a:ext>
+            </a:extLst>
+          </a:blip>
+          <a:srcRect/>
+          <a:stretch>
+            <a:fillRect/>
+          </a:stretch>
+        </p:blipFill>
+        <p:spPr bwMode="auto">
           <a:xfrm>
-            <a:off x="840000" y="1690689"/>
-            <a:ext cx="7675350" cy="4351338"/>
-          </a:xfrm>
-        </p:spPr>
-        <p:txBody>
-          <a:bodyPr>
-            <a:noAutofit/>
-          </a:bodyPr>
-          <a:lstStyle/>
-          <a:p>
-            <a:pPr marL="0" indent="0">
-              <a:buNone/>
-            </a:pPr>
-            <a:r>
-              <a:rPr lang="en-US" dirty="0"/>
-              <a:t>If the implementation is hard to explain, it's a bad idea.</a:t>
-            </a:r>
-          </a:p>
-          <a:p>
-            <a:pPr marL="0" indent="0">
-              <a:buNone/>
-            </a:pPr>
-            <a:endParaRPr lang="en-US" dirty="0" smtClean="0"/>
-          </a:p>
-          <a:p>
-            <a:pPr marL="0" indent="0">
-              <a:buNone/>
-            </a:pPr>
-            <a:r>
-              <a:rPr lang="en-US" dirty="0" smtClean="0"/>
-              <a:t>If </a:t>
-            </a:r>
-            <a:r>
-              <a:rPr lang="en-US" dirty="0"/>
-              <a:t>the implementation is easy to explain, it may be a good idea.</a:t>
-            </a:r>
-          </a:p>
-          <a:p>
-            <a:pPr marL="0" indent="0">
-              <a:buNone/>
-            </a:pPr>
-            <a:endParaRPr lang="en-US" dirty="0" smtClean="0"/>
-          </a:p>
-          <a:p>
-            <a:pPr marL="0" indent="0">
-              <a:buNone/>
-            </a:pPr>
-            <a:r>
-              <a:rPr lang="en-US" dirty="0" smtClean="0"/>
-              <a:t>Namespaces </a:t>
-            </a:r>
-            <a:r>
-              <a:rPr lang="en-US" dirty="0"/>
-              <a:t>are one honking great idea -- let's do more of those!</a:t>
-            </a:r>
-          </a:p>
-        </p:txBody>
-      </p:sp>
-      <p:sp>
-        <p:nvSpPr>
-          <p:cNvPr id="4" name="Rectangle 3"/>
-          <p:cNvSpPr/>
-          <p:nvPr/>
-        </p:nvSpPr>
-        <p:spPr>
-          <a:xfrm>
-            <a:off x="6490036" y="929471"/>
-            <a:ext cx="1470018" cy="369332"/>
+            <a:off x="317151" y="2140299"/>
+            <a:ext cx="3307570" cy="4014316"/>
           </a:xfrm>
           <a:prstGeom prst="rect">
             <a:avLst/>
           </a:prstGeom>
+          <a:noFill/>
+          <a:extLst>
+            <a:ext uri="{909E8E84-426E-40DD-AFC4-6F175D3DCCD1}">
+              <a14:hiddenFill xmlns:a14="http://schemas.microsoft.com/office/drawing/2010/main">
+                <a:solidFill>
+                  <a:srgbClr val="FFFFFF"/>
+                </a:solidFill>
+              </a14:hiddenFill>
+            </a:ext>
+          </a:extLst>
         </p:spPr>
-        <p:txBody>
-          <a:bodyPr wrap="none">
+      </p:pic>
+      <p:sp>
+        <p:nvSpPr>
+          <p:cNvPr id="4" name="TextBox 3"/>
+          <p:cNvSpPr txBox="1"/>
+          <p:nvPr/>
+        </p:nvSpPr>
+        <p:spPr>
+          <a:xfrm>
+            <a:off x="3808324" y="2140299"/>
+            <a:ext cx="4943790" cy="3970318"/>
+          </a:xfrm>
+          <a:prstGeom prst="rect">
+            <a:avLst/>
+          </a:prstGeom>
+          <a:noFill/>
+        </p:spPr>
+        <p:txBody>
+          <a:bodyPr wrap="square" rtlCol="0">
             <a:spAutoFit/>
           </a:bodyPr>
           <a:lstStyle/>
           <a:p>
-            <a:r>
-              <a:rPr lang="en-US" dirty="0"/>
-              <a:t>by Tim Peters</a:t>
-            </a:r>
+            <a:pPr>
+              <a:lnSpc>
+                <a:spcPct val="150000"/>
+              </a:lnSpc>
+            </a:pPr>
+            <a:r>
+              <a:rPr lang="en-US" sz="2400" dirty="0" smtClean="0"/>
+              <a:t>Reformatting </a:t>
+            </a:r>
+            <a:r>
+              <a:rPr lang="en-US" sz="2400" dirty="0"/>
+              <a:t>data with </a:t>
+            </a:r>
+            <a:r>
+              <a:rPr lang="en-US" sz="2400" dirty="0" smtClean="0"/>
+              <a:t>regex</a:t>
+            </a:r>
+            <a:endParaRPr lang="en-US" sz="2400" dirty="0"/>
+          </a:p>
+          <a:p>
+            <a:pPr>
+              <a:lnSpc>
+                <a:spcPct val="150000"/>
+              </a:lnSpc>
+            </a:pPr>
+            <a:r>
+              <a:rPr lang="en-US" sz="2400" dirty="0" smtClean="0"/>
+              <a:t>The </a:t>
+            </a:r>
+            <a:r>
+              <a:rPr lang="en-US" sz="2400" dirty="0"/>
+              <a:t>Unix command </a:t>
+            </a:r>
+            <a:r>
+              <a:rPr lang="en-US" sz="2400" dirty="0" smtClean="0"/>
+              <a:t>line</a:t>
+            </a:r>
+            <a:endParaRPr lang="en-US" sz="2400" dirty="0"/>
+          </a:p>
+          <a:p>
+            <a:pPr>
+              <a:lnSpc>
+                <a:spcPct val="150000"/>
+              </a:lnSpc>
+            </a:pPr>
+            <a:r>
+              <a:rPr lang="en-US" sz="2400" dirty="0" smtClean="0"/>
+              <a:t>Combining </a:t>
+            </a:r>
+            <a:r>
+              <a:rPr lang="en-US" sz="2400" dirty="0"/>
+              <a:t>and automating </a:t>
+            </a:r>
+            <a:r>
+              <a:rPr lang="en-US" sz="2400" dirty="0" smtClean="0"/>
+              <a:t>analyses</a:t>
+            </a:r>
+            <a:endParaRPr lang="en-US" sz="2400" dirty="0"/>
+          </a:p>
+          <a:p>
+            <a:pPr>
+              <a:lnSpc>
+                <a:spcPct val="150000"/>
+              </a:lnSpc>
+            </a:pPr>
+            <a:r>
+              <a:rPr lang="en-US" sz="2400" dirty="0" smtClean="0"/>
+              <a:t>Python </a:t>
+            </a:r>
+            <a:r>
+              <a:rPr lang="en-US" sz="2400" dirty="0"/>
+              <a:t>programming and </a:t>
+            </a:r>
+            <a:r>
+              <a:rPr lang="en-US" sz="2400" dirty="0" smtClean="0"/>
+              <a:t>debugging</a:t>
+            </a:r>
+            <a:endParaRPr lang="en-US" sz="2400" dirty="0"/>
+          </a:p>
+          <a:p>
+            <a:pPr>
+              <a:lnSpc>
+                <a:spcPct val="150000"/>
+              </a:lnSpc>
+            </a:pPr>
+            <a:r>
+              <a:rPr lang="en-US" sz="2400" dirty="0" smtClean="0"/>
+              <a:t>Creating </a:t>
+            </a:r>
+            <a:r>
+              <a:rPr lang="en-US" sz="2400" dirty="0"/>
+              <a:t>and editing </a:t>
+            </a:r>
+            <a:r>
+              <a:rPr lang="en-US" sz="2400" dirty="0" smtClean="0"/>
+              <a:t>graphics</a:t>
+            </a:r>
+            <a:endParaRPr lang="en-US" sz="2400" dirty="0"/>
+          </a:p>
+          <a:p>
+            <a:pPr>
+              <a:lnSpc>
+                <a:spcPct val="150000"/>
+              </a:lnSpc>
+            </a:pPr>
+            <a:r>
+              <a:rPr lang="en-US" sz="2400" dirty="0" smtClean="0"/>
+              <a:t>Databases</a:t>
+            </a:r>
+            <a:endParaRPr lang="en-US" sz="2400" dirty="0"/>
+          </a:p>
+          <a:p>
+            <a:pPr>
+              <a:lnSpc>
+                <a:spcPct val="150000"/>
+              </a:lnSpc>
+            </a:pPr>
+            <a:r>
+              <a:rPr lang="en-US" sz="2400" dirty="0" smtClean="0"/>
+              <a:t>Performing </a:t>
+            </a:r>
+            <a:r>
+              <a:rPr lang="en-US" sz="2400" dirty="0"/>
+              <a:t>analyses </a:t>
+            </a:r>
+            <a:r>
+              <a:rPr lang="en-US" sz="2400" dirty="0" smtClean="0"/>
+              <a:t>remotely</a:t>
+            </a:r>
+            <a:endParaRPr lang="en-US" sz="2400" dirty="0"/>
           </a:p>
         </p:txBody>
       </p:sp>
     </p:spTree>
     <p:extLst>
       <p:ext uri="{BB962C8B-B14F-4D97-AF65-F5344CB8AC3E}">
-        <p14:creationId xmlns:p14="http://schemas.microsoft.com/office/powerpoint/2010/main" val="1939351945"/>
+        <p14:creationId xmlns:p14="http://schemas.microsoft.com/office/powerpoint/2010/main" val="480673781"/>
       </p:ext>
     </p:extLst>
   </p:cSld>

--- a/presentations/intro python.pptx
+++ b/presentations/intro python.pptx
@@ -16,11 +16,11 @@
     <p:sldId id="288" r:id="rId7"/>
     <p:sldId id="281" r:id="rId8"/>
     <p:sldId id="285" r:id="rId9"/>
-    <p:sldId id="293" r:id="rId10"/>
-    <p:sldId id="286" r:id="rId11"/>
-    <p:sldId id="287" r:id="rId12"/>
-    <p:sldId id="296" r:id="rId13"/>
-    <p:sldId id="295" r:id="rId14"/>
+    <p:sldId id="286" r:id="rId10"/>
+    <p:sldId id="287" r:id="rId11"/>
+    <p:sldId id="296" r:id="rId12"/>
+    <p:sldId id="295" r:id="rId13"/>
+    <p:sldId id="306" r:id="rId14"/>
     <p:sldId id="297" r:id="rId15"/>
     <p:sldId id="294" r:id="rId16"/>
     <p:sldId id="277" r:id="rId17"/>
@@ -219,7 +219,7 @@
           <a:p>
             <a:fld id="{4DF0DEF9-CF53-407B-BB1F-ECAB7603E458}" type="datetimeFigureOut">
               <a:rPr lang="en-US" smtClean="0"/>
-              <a:t>1/4/2014</a:t>
+              <a:t>1/6/2014</a:t>
             </a:fld>
             <a:endParaRPr lang="en-US"/>
           </a:p>
@@ -931,7 +931,7 @@
           <a:p>
             <a:fld id="{ECD19FB2-3AAB-4D03-B13A-2960828C78E3}" type="datetimeFigureOut">
               <a:rPr lang="en-US" smtClean="0"/>
-              <a:t>1/4/2014</a:t>
+              <a:t>1/6/2014</a:t>
             </a:fld>
             <a:endParaRPr lang="en-US" dirty="0"/>
           </a:p>
@@ -1218,7 +1218,7 @@
           <a:p>
             <a:fld id="{1B80C674-7DFC-42FE-B9CD-82963CDB1557}" type="datetimeFigureOut">
               <a:rPr lang="en-US" smtClean="0"/>
-              <a:t>1/4/2014</a:t>
+              <a:t>1/6/2014</a:t>
             </a:fld>
             <a:endParaRPr lang="en-US" dirty="0"/>
           </a:p>
@@ -1415,7 +1415,7 @@
           <a:p>
             <a:fld id="{2076456F-F47D-4F25-8053-2A695DA0CA7D}" type="datetimeFigureOut">
               <a:rPr lang="en-US" smtClean="0"/>
-              <a:t>1/4/2014</a:t>
+              <a:t>1/6/2014</a:t>
             </a:fld>
             <a:endParaRPr lang="en-US" dirty="0"/>
           </a:p>
@@ -1681,7 +1681,7 @@
           <a:p>
             <a:fld id="{5D6C7379-69CC-4837-9905-BEBA22830C8A}" type="datetimeFigureOut">
               <a:rPr lang="en-US" smtClean="0"/>
-              <a:t>1/4/2014</a:t>
+              <a:t>1/6/2014</a:t>
             </a:fld>
             <a:endParaRPr lang="en-US" dirty="0"/>
           </a:p>
@@ -2112,7 +2112,7 @@
           <a:p>
             <a:fld id="{49EB8B7E-8AEE-4F10-BFEE-C999AD004D36}" type="datetimeFigureOut">
               <a:rPr lang="en-US" smtClean="0"/>
-              <a:t>1/4/2014</a:t>
+              <a:t>1/6/2014</a:t>
             </a:fld>
             <a:endParaRPr lang="en-US" dirty="0"/>
           </a:p>
@@ -2663,7 +2663,7 @@
           <a:p>
             <a:fld id="{8668F3F9-58BC-440B-B37B-805B9055EF92}" type="datetimeFigureOut">
               <a:rPr lang="en-US" smtClean="0"/>
-              <a:t>1/4/2014</a:t>
+              <a:t>1/6/2014</a:t>
             </a:fld>
             <a:endParaRPr lang="en-US" dirty="0"/>
           </a:p>
@@ -3499,7 +3499,7 @@
           <a:p>
             <a:fld id="{0D5A53AF-48EA-489D-8260-9DCAB666386A}" type="datetimeFigureOut">
               <a:rPr lang="en-US" smtClean="0"/>
-              <a:t>1/4/2014</a:t>
+              <a:t>1/6/2014</a:t>
             </a:fld>
             <a:endParaRPr lang="en-US" dirty="0"/>
           </a:p>
@@ -3674,7 +3674,7 @@
           <a:p>
             <a:fld id="{0DED02AE-B9A4-47BD-AF8E-97E16144138B}" type="datetimeFigureOut">
               <a:rPr lang="en-US" smtClean="0"/>
-              <a:t>1/4/2014</a:t>
+              <a:t>1/6/2014</a:t>
             </a:fld>
             <a:endParaRPr lang="en-US" dirty="0"/>
           </a:p>
@@ -3859,7 +3859,7 @@
           <a:p>
             <a:fld id="{CF0FD78B-DB02-4362-BCDC-98A55456977C}" type="datetimeFigureOut">
               <a:rPr lang="en-US" smtClean="0"/>
-              <a:t>1/4/2014</a:t>
+              <a:t>1/6/2014</a:t>
             </a:fld>
             <a:endParaRPr lang="en-US" dirty="0"/>
           </a:p>
@@ -4066,7 +4066,7 @@
           <a:p>
             <a:fld id="{99916976-5D93-46E4-A98A-FAD63E4D0EA8}" type="datetimeFigureOut">
               <a:rPr lang="en-US" smtClean="0"/>
-              <a:t>1/4/2014</a:t>
+              <a:t>1/6/2014</a:t>
             </a:fld>
             <a:endParaRPr lang="en-US" dirty="0"/>
           </a:p>
@@ -4335,7 +4335,7 @@
           <a:p>
             <a:fld id="{0F39F4F5-F4D2-4D2A-AB60-88D37ADCB869}" type="datetimeFigureOut">
               <a:rPr lang="en-US" smtClean="0"/>
-              <a:t>1/4/2014</a:t>
+              <a:t>1/6/2014</a:t>
             </a:fld>
             <a:endParaRPr lang="en-US" dirty="0"/>
           </a:p>
@@ -4579,7 +4579,7 @@
           <a:p>
             <a:fld id="{D23BC6CE-6D1E-47E5-8859-F31AC5380EB2}" type="datetimeFigureOut">
               <a:rPr lang="en-US" smtClean="0"/>
-              <a:t>1/4/2014</a:t>
+              <a:t>1/6/2014</a:t>
             </a:fld>
             <a:endParaRPr lang="en-US" dirty="0"/>
           </a:p>
@@ -4986,7 +4986,7 @@
           <a:p>
             <a:fld id="{B1B4E7C4-4DA4-404D-9965-B13F2DD7D8BF}" type="datetimeFigureOut">
               <a:rPr lang="en-US" smtClean="0"/>
-              <a:t>1/4/2014</a:t>
+              <a:t>1/6/2014</a:t>
             </a:fld>
             <a:endParaRPr lang="en-US" dirty="0"/>
           </a:p>
@@ -5109,7 +5109,7 @@
           <a:p>
             <a:fld id="{476FB7AA-4A53-424F-AD41-70827B6504BA}" type="datetimeFigureOut">
               <a:rPr lang="en-US" smtClean="0"/>
-              <a:t>1/4/2014</a:t>
+              <a:t>1/6/2014</a:t>
             </a:fld>
             <a:endParaRPr lang="en-US" dirty="0"/>
           </a:p>
@@ -5209,7 +5209,7 @@
           <a:p>
             <a:fld id="{E7884882-FB12-4BC8-9960-9AD8104D7FAE}" type="datetimeFigureOut">
               <a:rPr lang="en-US" smtClean="0"/>
-              <a:t>1/4/2014</a:t>
+              <a:t>1/6/2014</a:t>
             </a:fld>
             <a:endParaRPr lang="en-US" dirty="0"/>
           </a:p>
@@ -5489,7 +5489,7 @@
           <a:p>
             <a:fld id="{F7D1BD23-6E54-4D9D-AD88-A2813C73CC25}" type="datetimeFigureOut">
               <a:rPr lang="en-US" smtClean="0"/>
-              <a:t>1/4/2014</a:t>
+              <a:t>1/6/2014</a:t>
             </a:fld>
             <a:endParaRPr lang="en-US" dirty="0"/>
           </a:p>
@@ -5777,7 +5777,7 @@
           <a:p>
             <a:fld id="{1471A834-4F3C-4AF9-9C74-05EC35A0F292}" type="datetimeFigureOut">
               <a:rPr lang="en-US" smtClean="0"/>
-              <a:t>1/4/2014</a:t>
+              <a:t>1/6/2014</a:t>
             </a:fld>
             <a:endParaRPr lang="en-US" dirty="0"/>
           </a:p>
@@ -6022,7 +6022,7 @@
           <a:p>
             <a:fld id="{51CF1133-3259-4C45-BABA-5B62D9C6F78D}" type="datetimeFigureOut">
               <a:rPr lang="en-US" smtClean="0"/>
-              <a:t>1/4/2014</a:t>
+              <a:t>1/6/2014</a:t>
             </a:fld>
             <a:endParaRPr lang="en-US" dirty="0"/>
           </a:p>
@@ -6754,7 +6754,7 @@
           <a:p>
             <a:r>
               <a:rPr lang="en-US" dirty="0" smtClean="0"/>
-              <a:t>Object Oriented Programming</a:t>
+              <a:t>Some Python Object Types</a:t>
             </a:r>
             <a:endParaRPr lang="en-US" dirty="0"/>
           </a:p>
@@ -6770,80 +6770,86 @@
             <p:ph idx="1"/>
           </p:nvPr>
         </p:nvSpPr>
-        <p:spPr>
-          <a:xfrm>
-            <a:off x="840000" y="2029767"/>
-            <a:ext cx="7675350" cy="4451420"/>
-          </a:xfrm>
-        </p:spPr>
-        <p:txBody>
-          <a:bodyPr>
-            <a:normAutofit lnSpcReduction="10000"/>
-          </a:bodyPr>
-          <a:lstStyle/>
-          <a:p>
-            <a:r>
-              <a:rPr lang="en-US" dirty="0" smtClean="0"/>
-              <a:t>Objects hold information</a:t>
-            </a:r>
-          </a:p>
+        <p:spPr/>
+        <p:txBody>
+          <a:bodyPr/>
+          <a:lstStyle/>
           <a:p>
             <a:endParaRPr lang="en-US" dirty="0" smtClean="0"/>
           </a:p>
           <a:p>
             <a:r>
               <a:rPr lang="en-US" dirty="0" smtClean="0"/>
-              <a:t>They can contain values</a:t>
-            </a:r>
-          </a:p>
-          <a:p>
+              <a:t>Numbers</a:t>
+            </a:r>
+          </a:p>
+          <a:p>
+            <a:pPr lvl="1"/>
+            <a:r>
+              <a:rPr lang="en-US" dirty="0" smtClean="0"/>
+              <a:t>Integers (whole numbers): 7</a:t>
+            </a:r>
+          </a:p>
+          <a:p>
+            <a:pPr lvl="1"/>
+            <a:r>
+              <a:rPr lang="en-US" dirty="0" smtClean="0"/>
+              <a:t>Floating point numbers: 7.7</a:t>
+            </a:r>
+          </a:p>
+          <a:p>
+            <a:pPr marL="342900" lvl="1" indent="0">
+              <a:buNone/>
+            </a:pPr>
+            <a:endParaRPr lang="en-US" dirty="0"/>
+          </a:p>
+          <a:p>
+            <a:r>
+              <a:rPr lang="en-US" dirty="0" smtClean="0"/>
+              <a:t>String</a:t>
+            </a:r>
+          </a:p>
+          <a:p>
+            <a:pPr lvl="1"/>
+            <a:r>
+              <a:rPr lang="en-US" dirty="0" smtClean="0"/>
+              <a:t>Sequence of characters: “word!”</a:t>
+            </a:r>
+          </a:p>
+          <a:p>
+            <a:pPr lvl="1"/>
+            <a:endParaRPr lang="en-US" dirty="0"/>
+          </a:p>
+          <a:p>
+            <a:r>
+              <a:rPr lang="en-US" dirty="0" smtClean="0"/>
+              <a:t>Set</a:t>
+            </a:r>
+          </a:p>
+          <a:p>
+            <a:pPr lvl="1"/>
+            <a:r>
+              <a:rPr lang="en-US" dirty="0" smtClean="0"/>
+              <a:t>Unordered and unique collection of objects</a:t>
+            </a:r>
+          </a:p>
+          <a:p>
+            <a:pPr lvl="1"/>
             <a:endParaRPr lang="en-US" dirty="0" smtClean="0"/>
           </a:p>
           <a:p>
-            <a:r>
-              <a:rPr lang="en-US" dirty="0" smtClean="0"/>
-              <a:t>They can contain multiple values</a:t>
-            </a:r>
-            <a:endParaRPr lang="en-US" dirty="0"/>
-          </a:p>
-          <a:p>
-            <a:endParaRPr lang="en-US" dirty="0" smtClean="0"/>
-          </a:p>
-          <a:p>
-            <a:r>
-              <a:rPr lang="en-US" dirty="0" smtClean="0"/>
-              <a:t>They can contain </a:t>
-            </a:r>
-            <a:r>
-              <a:rPr lang="en-US" i="1" dirty="0" smtClean="0"/>
-              <a:t>other objects</a:t>
-            </a:r>
-            <a:endParaRPr lang="en-US" dirty="0" smtClean="0"/>
-          </a:p>
-          <a:p>
-            <a:endParaRPr lang="en-US" dirty="0" smtClean="0"/>
-          </a:p>
-          <a:p>
-            <a:r>
-              <a:rPr lang="en-US" dirty="0" smtClean="0"/>
-              <a:t>They have types</a:t>
-            </a:r>
-          </a:p>
-          <a:p>
-            <a:endParaRPr lang="en-US" dirty="0" smtClean="0"/>
-          </a:p>
-          <a:p>
-            <a:r>
-              <a:rPr lang="en-US" dirty="0" smtClean="0"/>
-              <a:t>They can inherit information from others</a:t>
-            </a:r>
+            <a:pPr lvl="1"/>
+            <a:endParaRPr lang="en-US" dirty="0"/>
+          </a:p>
+          <a:p>
+            <a:endParaRPr lang="en-US" dirty="0"/>
           </a:p>
         </p:txBody>
       </p:sp>
     </p:spTree>
     <p:extLst>
       <p:ext uri="{BB962C8B-B14F-4D97-AF65-F5344CB8AC3E}">
-        <p14:creationId xmlns:p14="http://schemas.microsoft.com/office/powerpoint/2010/main" val="4039615631"/>
+        <p14:creationId xmlns:p14="http://schemas.microsoft.com/office/powerpoint/2010/main" val="4015696490"/>
       </p:ext>
     </p:extLst>
   </p:cSld>
@@ -6886,10 +6892,9 @@
           <a:lstStyle/>
           <a:p>
             <a:r>
-              <a:rPr lang="en-US" dirty="0" smtClean="0"/>
+              <a:rPr lang="en-US" dirty="0"/>
               <a:t>Some Python Object Types</a:t>
             </a:r>
-            <a:endParaRPr lang="en-US" dirty="0"/>
           </a:p>
         </p:txBody>
       </p:sp>
@@ -6908,26 +6913,46 @@
           <a:bodyPr/>
           <a:lstStyle/>
           <a:p>
-            <a:endParaRPr lang="en-US" dirty="0" smtClean="0"/>
-          </a:p>
-          <a:p>
-            <a:r>
-              <a:rPr lang="en-US" dirty="0" smtClean="0"/>
-              <a:t>Numbers</a:t>
+            <a:r>
+              <a:rPr lang="en-US" dirty="0"/>
+              <a:t>List</a:t>
             </a:r>
           </a:p>
           <a:p>
             <a:pPr lvl="1"/>
             <a:r>
-              <a:rPr lang="en-US" dirty="0" smtClean="0"/>
-              <a:t>Integers (whole numbers): 7</a:t>
+              <a:rPr lang="en-US" dirty="0"/>
+              <a:t>An ordered list of objects:</a:t>
             </a:r>
           </a:p>
           <a:p>
             <a:pPr lvl="1"/>
             <a:r>
               <a:rPr lang="en-US" dirty="0" smtClean="0"/>
-              <a:t>Floating point numbers: 7.7</a:t>
+              <a:t>[2, 4, 7, 22]</a:t>
+            </a:r>
+          </a:p>
+          <a:p>
+            <a:pPr lvl="1"/>
+            <a:r>
+              <a:rPr lang="en-US" dirty="0" smtClean="0"/>
+              <a:t>[“</a:t>
+            </a:r>
+            <a:r>
+              <a:rPr lang="en-US" dirty="0" err="1" smtClean="0"/>
+              <a:t>acgta</a:t>
+            </a:r>
+            <a:r>
+              <a:rPr lang="en-US" dirty="0" smtClean="0"/>
+              <a:t>”, “</a:t>
+            </a:r>
+            <a:r>
+              <a:rPr lang="en-US" dirty="0" err="1" smtClean="0"/>
+              <a:t>gtaagt</a:t>
+            </a:r>
+            <a:r>
+              <a:rPr lang="en-US" dirty="0" smtClean="0"/>
+              <a:t>”]</a:t>
             </a:r>
           </a:p>
           <a:p>
@@ -6939,39 +6964,34 @@
           <a:p>
             <a:r>
               <a:rPr lang="en-US" dirty="0" smtClean="0"/>
-              <a:t>String</a:t>
+              <a:t>Dictionary</a:t>
             </a:r>
           </a:p>
           <a:p>
             <a:pPr lvl="1"/>
             <a:r>
               <a:rPr lang="en-US" dirty="0" smtClean="0"/>
-              <a:t>Sequence of characters: “word!”</a:t>
-            </a:r>
+              <a:t>“associative arrays”</a:t>
+            </a:r>
+            <a:endParaRPr lang="en-US" dirty="0"/>
           </a:p>
           <a:p>
             <a:pPr lvl="1"/>
-            <a:endParaRPr lang="en-US" dirty="0"/>
-          </a:p>
-          <a:p>
-            <a:r>
-              <a:rPr lang="en-US" dirty="0" smtClean="0"/>
-              <a:t>Set</a:t>
+            <a:r>
+              <a:rPr lang="en-US" dirty="0"/>
+              <a:t>A collection of key -&gt; </a:t>
+            </a:r>
+            <a:r>
+              <a:rPr lang="en-US" dirty="0" smtClean="0"/>
+              <a:t>values</a:t>
             </a:r>
           </a:p>
           <a:p>
             <a:pPr lvl="1"/>
             <a:r>
               <a:rPr lang="en-US" dirty="0" smtClean="0"/>
-              <a:t>Unordered and unique collection of objects</a:t>
-            </a:r>
-          </a:p>
-          <a:p>
-            <a:pPr lvl="1"/>
-            <a:endParaRPr lang="en-US" dirty="0" smtClean="0"/>
-          </a:p>
-          <a:p>
-            <a:pPr lvl="1"/>
+              <a:t>{“age”:13, “address”: “123 street”}</a:t>
+            </a:r>
             <a:endParaRPr lang="en-US" dirty="0"/>
           </a:p>
           <a:p>
@@ -6982,7 +7002,7 @@
     </p:spTree>
     <p:extLst>
       <p:ext uri="{BB962C8B-B14F-4D97-AF65-F5344CB8AC3E}">
-        <p14:creationId xmlns:p14="http://schemas.microsoft.com/office/powerpoint/2010/main" val="4015696490"/>
+        <p14:creationId xmlns:p14="http://schemas.microsoft.com/office/powerpoint/2010/main" val="418909026"/>
       </p:ext>
     </p:extLst>
   </p:cSld>
@@ -7025,109 +7045,147 @@
           <a:lstStyle/>
           <a:p>
             <a:r>
+              <a:rPr lang="en-US" dirty="0" smtClean="0"/>
+              <a:t>Programming Logic</a:t>
+            </a:r>
+            <a:endParaRPr lang="en-US" dirty="0"/>
+          </a:p>
+        </p:txBody>
+      </p:sp>
+      <p:sp>
+        <p:nvSpPr>
+          <p:cNvPr id="3" name="Content Placeholder 2"/>
+          <p:cNvSpPr>
+            <a:spLocks noGrp="1"/>
+          </p:cNvSpPr>
+          <p:nvPr>
+            <p:ph idx="1"/>
+          </p:nvPr>
+        </p:nvSpPr>
+        <p:spPr/>
+        <p:txBody>
+          <a:bodyPr>
+            <a:normAutofit/>
+          </a:bodyPr>
+          <a:lstStyle/>
+          <a:p>
+            <a:r>
+              <a:rPr lang="en-US" dirty="0" smtClean="0"/>
+              <a:t>If/else</a:t>
+            </a:r>
+          </a:p>
+          <a:p>
+            <a:pPr lvl="1"/>
+            <a:r>
+              <a:rPr lang="en-US" dirty="0" smtClean="0"/>
+              <a:t>Conditional logic!</a:t>
+            </a:r>
+          </a:p>
+          <a:p>
+            <a:pPr lvl="1"/>
+            <a:r>
+              <a:rPr lang="en-US" dirty="0" smtClean="0"/>
+              <a:t>Allows you to control the flow of behavior</a:t>
+            </a:r>
+          </a:p>
+          <a:p>
+            <a:pPr lvl="1"/>
+            <a:r>
+              <a:rPr lang="en-US" dirty="0" smtClean="0"/>
+              <a:t>If it rains today </a:t>
+            </a:r>
+            <a:r>
+              <a:rPr lang="en-US" dirty="0" smtClean="0"/>
+              <a:t>I will bring an umbrella</a:t>
+            </a:r>
+          </a:p>
+          <a:p>
+            <a:pPr marL="342900" lvl="1" indent="0">
+              <a:buNone/>
+            </a:pPr>
+            <a:endParaRPr lang="en-US" dirty="0" smtClean="0"/>
+          </a:p>
+          <a:p>
+            <a:pPr marL="342900" lvl="1" indent="0">
+              <a:buNone/>
+            </a:pPr>
+            <a:r>
+              <a:rPr lang="en-US" dirty="0" smtClean="0"/>
+              <a:t>if raining == true:</a:t>
+            </a:r>
+          </a:p>
+          <a:p>
+            <a:pPr marL="342900" lvl="1" indent="0">
+              <a:buNone/>
+            </a:pPr>
+            <a:r>
               <a:rPr lang="en-US" dirty="0"/>
-              <a:t>Some Python Object Types</a:t>
-            </a:r>
-          </a:p>
-        </p:txBody>
-      </p:sp>
-      <p:sp>
-        <p:nvSpPr>
-          <p:cNvPr id="3" name="Content Placeholder 2"/>
-          <p:cNvSpPr>
-            <a:spLocks noGrp="1"/>
-          </p:cNvSpPr>
-          <p:nvPr>
-            <p:ph idx="1"/>
-          </p:nvPr>
-        </p:nvSpPr>
-        <p:spPr/>
-        <p:txBody>
-          <a:bodyPr/>
-          <a:lstStyle/>
-          <a:p>
+              <a:t>	</a:t>
+            </a:r>
+            <a:r>
+              <a:rPr lang="en-US" dirty="0" err="1" smtClean="0"/>
+              <a:t>bring_umbrella</a:t>
+            </a:r>
+            <a:r>
+              <a:rPr lang="en-US" dirty="0" smtClean="0"/>
+              <a:t>()</a:t>
+            </a:r>
+          </a:p>
+          <a:p>
+            <a:pPr marL="342900" lvl="1" indent="0">
+              <a:buNone/>
+            </a:pPr>
+            <a:r>
+              <a:rPr lang="en-US" dirty="0" err="1" smtClean="0"/>
+              <a:t>elif</a:t>
+            </a:r>
+            <a:r>
+              <a:rPr lang="en-US" dirty="0" smtClean="0"/>
+              <a:t> snowing == true:</a:t>
+            </a:r>
+          </a:p>
+          <a:p>
+            <a:pPr marL="342900" lvl="1" indent="0">
+              <a:buNone/>
+            </a:pPr>
             <a:r>
               <a:rPr lang="en-US" dirty="0"/>
-              <a:t>List</a:t>
-            </a:r>
-          </a:p>
-          <a:p>
-            <a:pPr lvl="1"/>
+              <a:t>	</a:t>
+            </a:r>
+            <a:r>
+              <a:rPr lang="en-US" dirty="0" err="1" smtClean="0"/>
+              <a:t>wear_snowboots</a:t>
+            </a:r>
+            <a:r>
+              <a:rPr lang="en-US" dirty="0" smtClean="0"/>
+              <a:t>()</a:t>
+            </a:r>
+          </a:p>
+          <a:p>
+            <a:pPr marL="342900" lvl="1" indent="0">
+              <a:buNone/>
+            </a:pPr>
+            <a:r>
+              <a:rPr lang="en-US" dirty="0" smtClean="0"/>
+              <a:t>else:</a:t>
+            </a:r>
+          </a:p>
+          <a:p>
+            <a:pPr marL="342900" lvl="1" indent="0">
+              <a:buNone/>
+            </a:pPr>
             <a:r>
               <a:rPr lang="en-US" dirty="0"/>
-              <a:t>An ordered list of objects:</a:t>
-            </a:r>
-          </a:p>
-          <a:p>
-            <a:pPr lvl="1"/>
-            <a:r>
-              <a:rPr lang="en-US" dirty="0" smtClean="0"/>
-              <a:t>[2, 4, 7, 22]</a:t>
-            </a:r>
-          </a:p>
-          <a:p>
-            <a:pPr lvl="1"/>
-            <a:r>
-              <a:rPr lang="en-US" dirty="0" smtClean="0"/>
-              <a:t>[“</a:t>
+              <a:t>	</a:t>
             </a:r>
             <a:r>
               <a:rPr lang="en-US" dirty="0" err="1" smtClean="0"/>
-              <a:t>acgta</a:t>
-            </a:r>
-            <a:r>
-              <a:rPr lang="en-US" dirty="0" smtClean="0"/>
-              <a:t>”, “</a:t>
-            </a:r>
-            <a:r>
-              <a:rPr lang="en-US" dirty="0" err="1" smtClean="0"/>
-              <a:t>gtaagt</a:t>
-            </a:r>
-            <a:r>
-              <a:rPr lang="en-US" dirty="0" smtClean="0"/>
-              <a:t>”]</a:t>
-            </a:r>
-          </a:p>
-          <a:p>
-            <a:pPr marL="342900" lvl="1" indent="0">
-              <a:buNone/>
-            </a:pPr>
-            <a:endParaRPr lang="en-US" dirty="0"/>
-          </a:p>
-          <a:p>
-            <a:r>
-              <a:rPr lang="en-US" dirty="0" smtClean="0"/>
-              <a:t>Dictionary</a:t>
-            </a:r>
-          </a:p>
-          <a:p>
-            <a:pPr lvl="1"/>
-            <a:r>
-              <a:rPr lang="en-US" dirty="0" smtClean="0"/>
-              <a:t>“associative arrays”</a:t>
-            </a:r>
-            <a:endParaRPr lang="en-US" dirty="0"/>
-          </a:p>
-          <a:p>
-            <a:pPr lvl="1"/>
-            <a:r>
-              <a:rPr lang="en-US" dirty="0"/>
-              <a:t>A collection of key -&gt; </a:t>
-            </a:r>
-            <a:r>
-              <a:rPr lang="en-US" dirty="0" smtClean="0"/>
-              <a:t>values</a:t>
-            </a:r>
-          </a:p>
-          <a:p>
-            <a:pPr lvl="1"/>
-            <a:r>
-              <a:rPr lang="en-US" dirty="0" smtClean="0"/>
-              <a:t>{“age”:13, “address”: “123 street”}</a:t>
-            </a:r>
-            <a:endParaRPr lang="en-US" dirty="0"/>
-          </a:p>
-          <a:p>
+              <a:t>rock_sunglasses</a:t>
+            </a:r>
+            <a:r>
+              <a:rPr lang="en-US" dirty="0" smtClean="0"/>
+              <a:t>()</a:t>
+            </a:r>
             <a:endParaRPr lang="en-US" dirty="0"/>
           </a:p>
         </p:txBody>
@@ -7135,7 +7193,7 @@
     </p:spTree>
     <p:extLst>
       <p:ext uri="{BB962C8B-B14F-4D97-AF65-F5344CB8AC3E}">
-        <p14:creationId xmlns:p14="http://schemas.microsoft.com/office/powerpoint/2010/main" val="418909026"/>
+        <p14:creationId xmlns:p14="http://schemas.microsoft.com/office/powerpoint/2010/main" val="1882223815"/>
       </p:ext>
     </p:extLst>
   </p:cSld>
@@ -7197,60 +7255,116 @@
         </p:nvSpPr>
         <p:spPr/>
         <p:txBody>
-          <a:bodyPr/>
-          <a:lstStyle/>
-          <a:p>
-            <a:r>
-              <a:rPr lang="en-US" dirty="0" smtClean="0"/>
-              <a:t>If/else</a:t>
+          <a:bodyPr>
+            <a:normAutofit/>
+          </a:bodyPr>
+          <a:lstStyle/>
+          <a:p>
+            <a:r>
+              <a:rPr lang="en-US" dirty="0"/>
+              <a:t>For or while loops</a:t>
             </a:r>
           </a:p>
           <a:p>
             <a:pPr lvl="1"/>
             <a:r>
-              <a:rPr lang="en-US" dirty="0" smtClean="0"/>
-              <a:t>Conditional logic!</a:t>
+              <a:rPr lang="en-US" dirty="0"/>
+              <a:t>Do something several times</a:t>
             </a:r>
           </a:p>
           <a:p>
             <a:pPr lvl="1"/>
             <a:r>
-              <a:rPr lang="en-US" dirty="0" smtClean="0"/>
-              <a:t>Allows you to control the flow of behavior</a:t>
-            </a:r>
-          </a:p>
-          <a:p>
-            <a:pPr lvl="1"/>
-            <a:r>
-              <a:rPr lang="en-US" dirty="0" smtClean="0"/>
-              <a:t>If it rains today </a:t>
-            </a:r>
-            <a:endParaRPr lang="en-US" dirty="0"/>
+              <a:rPr lang="en-US" dirty="0"/>
+              <a:t>Make sure you understand when or if things stop</a:t>
+            </a:r>
+            <a:r>
+              <a:rPr lang="en-US" dirty="0" smtClean="0"/>
+              <a:t>!</a:t>
+            </a:r>
           </a:p>
           <a:p>
             <a:pPr marL="342900" lvl="1" indent="0">
               <a:buNone/>
             </a:pPr>
-            <a:endParaRPr lang="en-US" dirty="0" smtClean="0"/>
-          </a:p>
-          <a:p>
-            <a:r>
-              <a:rPr lang="en-US" dirty="0" smtClean="0"/>
-              <a:t>For or while loops</a:t>
-            </a:r>
-          </a:p>
-          <a:p>
-            <a:pPr lvl="1"/>
-            <a:r>
-              <a:rPr lang="en-US" dirty="0" smtClean="0"/>
-              <a:t>Do something several times</a:t>
-            </a:r>
-          </a:p>
-          <a:p>
-            <a:pPr lvl="1"/>
-            <a:r>
-              <a:rPr lang="en-US" dirty="0" smtClean="0"/>
-              <a:t>Make sure you understand when or if things stop!</a:t>
+            <a:endParaRPr lang="en-US" dirty="0"/>
+          </a:p>
+          <a:p>
+            <a:pPr marL="342900" lvl="1" indent="0">
+              <a:buNone/>
+            </a:pPr>
+            <a:r>
+              <a:rPr lang="en-US" dirty="0"/>
+              <a:t>w</a:t>
+            </a:r>
+            <a:r>
+              <a:rPr lang="en-US" dirty="0" smtClean="0"/>
+              <a:t>hile ben == “awesome”:</a:t>
+            </a:r>
+          </a:p>
+          <a:p>
+            <a:pPr marL="342900" lvl="1" indent="0">
+              <a:buNone/>
+            </a:pPr>
+            <a:r>
+              <a:rPr lang="en-US" dirty="0"/>
+              <a:t>	</a:t>
+            </a:r>
+            <a:r>
+              <a:rPr lang="en-US" dirty="0" smtClean="0"/>
+              <a:t>dance_like_its_1999()</a:t>
+            </a:r>
+          </a:p>
+          <a:p>
+            <a:pPr marL="342900" lvl="1" indent="0">
+              <a:buNone/>
+            </a:pPr>
+            <a:endParaRPr lang="en-US" dirty="0"/>
+          </a:p>
+          <a:p>
+            <a:pPr marL="342900" lvl="1" indent="0">
+              <a:buNone/>
+            </a:pPr>
+            <a:r>
+              <a:rPr lang="en-US" dirty="0" smtClean="0"/>
+              <a:t>for </a:t>
+            </a:r>
+            <a:r>
+              <a:rPr lang="en-US" dirty="0" err="1" smtClean="0"/>
+              <a:t>dance_move</a:t>
+            </a:r>
+            <a:r>
+              <a:rPr lang="en-US" dirty="0" smtClean="0"/>
+              <a:t> in </a:t>
+            </a:r>
+            <a:r>
+              <a:rPr lang="en-US" dirty="0" err="1" smtClean="0"/>
+              <a:t>list_of_dance_moves</a:t>
+            </a:r>
+            <a:r>
+              <a:rPr lang="en-US" dirty="0" smtClean="0"/>
+              <a:t>:</a:t>
+            </a:r>
+          </a:p>
+          <a:p>
+            <a:pPr marL="342900" lvl="1" indent="0">
+              <a:buNone/>
+            </a:pPr>
+            <a:r>
+              <a:rPr lang="en-US" dirty="0"/>
+              <a:t>	</a:t>
+            </a:r>
+            <a:r>
+              <a:rPr lang="en-US" dirty="0" smtClean="0"/>
+              <a:t>dance(</a:t>
+            </a:r>
+            <a:r>
+              <a:rPr lang="en-US" dirty="0" err="1" smtClean="0"/>
+              <a:t>dance_move</a:t>
+            </a:r>
+            <a:r>
+              <a:rPr lang="en-US" dirty="0" smtClean="0"/>
+              <a:t>)</a:t>
             </a:r>
             <a:endParaRPr lang="en-US" dirty="0"/>
           </a:p>
@@ -7259,7 +7373,7 @@
     </p:spTree>
     <p:extLst>
       <p:ext uri="{BB962C8B-B14F-4D97-AF65-F5344CB8AC3E}">
-        <p14:creationId xmlns:p14="http://schemas.microsoft.com/office/powerpoint/2010/main" val="1882223815"/>
+        <p14:creationId xmlns:p14="http://schemas.microsoft.com/office/powerpoint/2010/main" val="989613303"/>
       </p:ext>
     </p:extLst>
   </p:cSld>
@@ -8078,7 +8192,7 @@
             </a:r>
             <a:r>
               <a:rPr lang="en-US" dirty="0" smtClean="0"/>
-              <a:t>range(1,30):</a:t>
+              <a:t>range(1,31):</a:t>
             </a:r>
             <a:endParaRPr lang="en-US" dirty="0"/>
           </a:p>
@@ -8800,8 +8914,8 @@
         </p:nvSpPr>
         <p:spPr>
           <a:xfrm>
-            <a:off x="1" y="1825625"/>
-            <a:ext cx="9287690" cy="4351338"/>
+            <a:off x="348917" y="2523457"/>
+            <a:ext cx="9287690" cy="2710280"/>
           </a:xfrm>
         </p:spPr>
         <p:txBody>
@@ -8814,15 +8928,15 @@
               <a:buNone/>
             </a:pPr>
             <a:r>
-              <a:rPr lang="en-US" dirty="0"/>
+              <a:rPr lang="en-US" sz="1400" dirty="0"/>
               <a:t>for record in </a:t>
             </a:r>
             <a:r>
-              <a:rPr lang="en-US" dirty="0" err="1"/>
+              <a:rPr lang="en-US" sz="1400" dirty="0" err="1"/>
               <a:t>fastq_file</a:t>
             </a:r>
             <a:r>
-              <a:rPr lang="en-US" dirty="0"/>
+              <a:rPr lang="en-US" sz="1400" dirty="0"/>
               <a:t>:</a:t>
             </a:r>
           </a:p>
@@ -8831,7 +8945,7 @@
               <a:buNone/>
             </a:pPr>
             <a:r>
-              <a:rPr lang="en-US" dirty="0"/>
+              <a:rPr lang="en-US" sz="1400" dirty="0"/>
               <a:t>    #sum of quality scores divided by the length</a:t>
             </a:r>
           </a:p>
@@ -8840,39 +8954,39 @@
               <a:buNone/>
             </a:pPr>
             <a:r>
-              <a:rPr lang="en-US" dirty="0"/>
+              <a:rPr lang="en-US" sz="1400" dirty="0"/>
               <a:t>    </a:t>
             </a:r>
             <a:r>
-              <a:rPr lang="en-US" dirty="0" err="1"/>
+              <a:rPr lang="en-US" sz="1400" dirty="0" err="1"/>
               <a:t>avg_qual</a:t>
             </a:r>
             <a:r>
-              <a:rPr lang="en-US" dirty="0"/>
+              <a:rPr lang="en-US" sz="1400" dirty="0"/>
               <a:t> = sum(</a:t>
             </a:r>
             <a:r>
-              <a:rPr lang="en-US" dirty="0" err="1"/>
+              <a:rPr lang="en-US" sz="1400" dirty="0" err="1"/>
               <a:t>record.letter_annotations</a:t>
             </a:r>
             <a:r>
-              <a:rPr lang="en-US" dirty="0"/>
+              <a:rPr lang="en-US" sz="1400" dirty="0"/>
               <a:t>["</a:t>
             </a:r>
             <a:r>
-              <a:rPr lang="en-US" dirty="0" err="1"/>
+              <a:rPr lang="en-US" sz="1400" dirty="0" err="1"/>
               <a:t>phred_quality</a:t>
             </a:r>
             <a:r>
-              <a:rPr lang="en-US" dirty="0"/>
+              <a:rPr lang="en-US" sz="1400" dirty="0"/>
               <a:t>"]) / </a:t>
             </a:r>
             <a:r>
-              <a:rPr lang="en-US" dirty="0" err="1"/>
+              <a:rPr lang="en-US" sz="1400" dirty="0" err="1"/>
               <a:t>len</a:t>
             </a:r>
             <a:r>
-              <a:rPr lang="en-US" dirty="0"/>
+              <a:rPr lang="en-US" sz="1400" dirty="0"/>
               <a:t>(record)</a:t>
             </a:r>
           </a:p>
@@ -8880,14 +8994,14 @@
             <a:pPr marL="0" indent="0">
               <a:buNone/>
             </a:pPr>
-            <a:endParaRPr lang="en-US" dirty="0"/>
+            <a:endParaRPr lang="en-US" sz="1400" dirty="0"/>
           </a:p>
           <a:p>
             <a:pPr marL="0" indent="0">
               <a:buNone/>
             </a:pPr>
             <a:r>
-              <a:rPr lang="en-US" dirty="0"/>
+              <a:rPr lang="en-US" sz="1400" dirty="0"/>
               <a:t>    #if the read is of sufficient average quality</a:t>
             </a:r>
           </a:p>
@@ -8896,23 +9010,23 @@
               <a:buNone/>
             </a:pPr>
             <a:r>
-              <a:rPr lang="en-US" dirty="0"/>
+              <a:rPr lang="en-US" sz="1400" dirty="0"/>
               <a:t>    if </a:t>
             </a:r>
             <a:r>
-              <a:rPr lang="en-US" dirty="0" err="1"/>
+              <a:rPr lang="en-US" sz="1400" dirty="0" err="1"/>
               <a:t>avg_qual</a:t>
             </a:r>
             <a:r>
-              <a:rPr lang="en-US" dirty="0"/>
+              <a:rPr lang="en-US" sz="1400" dirty="0"/>
               <a:t> &gt; </a:t>
             </a:r>
             <a:r>
-              <a:rPr lang="en-US" dirty="0" err="1"/>
+              <a:rPr lang="en-US" sz="1400" dirty="0" err="1"/>
               <a:t>qual_cutoff</a:t>
             </a:r>
             <a:r>
-              <a:rPr lang="en-US" dirty="0"/>
+              <a:rPr lang="en-US" sz="1400" dirty="0"/>
               <a:t>:</a:t>
             </a:r>
           </a:p>
@@ -8921,15 +9035,15 @@
               <a:buNone/>
             </a:pPr>
             <a:r>
-              <a:rPr lang="en-US" dirty="0"/>
+              <a:rPr lang="en-US" sz="1400" dirty="0"/>
               <a:t>        #print it in </a:t>
             </a:r>
             <a:r>
-              <a:rPr lang="en-US" dirty="0" err="1"/>
+              <a:rPr lang="en-US" sz="1400" dirty="0" err="1"/>
               <a:t>fastq</a:t>
             </a:r>
             <a:r>
-              <a:rPr lang="en-US" dirty="0"/>
+              <a:rPr lang="en-US" sz="1400" dirty="0"/>
               <a:t> format</a:t>
             </a:r>
           </a:p>
@@ -8938,23 +9052,23 @@
               <a:buNone/>
             </a:pPr>
             <a:r>
-              <a:rPr lang="en-US" dirty="0"/>
+              <a:rPr lang="en-US" sz="1400" dirty="0"/>
               <a:t>        print </a:t>
             </a:r>
             <a:r>
-              <a:rPr lang="en-US" dirty="0" err="1"/>
+              <a:rPr lang="en-US" sz="1400" dirty="0" err="1"/>
               <a:t>record.format</a:t>
             </a:r>
             <a:r>
-              <a:rPr lang="en-US" dirty="0"/>
+              <a:rPr lang="en-US" sz="1400" dirty="0"/>
               <a:t>("</a:t>
             </a:r>
             <a:r>
-              <a:rPr lang="en-US" dirty="0" err="1"/>
+              <a:rPr lang="en-US" sz="1400" dirty="0" err="1"/>
               <a:t>fastq</a:t>
             </a:r>
             <a:r>
-              <a:rPr lang="en-US" dirty="0"/>
+              <a:rPr lang="en-US" sz="1400" dirty="0"/>
               <a:t>")</a:t>
             </a:r>
           </a:p>
@@ -10105,212 +10219,96 @@
           <a:p>
             <a:r>
               <a:rPr lang="en-US" dirty="0" smtClean="0"/>
-              <a:t>An Excellent Book</a:t>
-            </a:r>
-            <a:endParaRPr lang="en-US" dirty="0"/>
-          </a:p>
-        </p:txBody>
-      </p:sp>
-      <p:pic>
-        <p:nvPicPr>
-          <p:cNvPr id="3078" name="Picture 6" descr="Practical Computing for Biologists"/>
-          <p:cNvPicPr>
-            <a:picLocks noChangeAspect="1" noChangeArrowheads="1"/>
-          </p:cNvPicPr>
-          <p:nvPr/>
-        </p:nvPicPr>
-        <p:blipFill>
-          <a:blip r:embed="rId2">
-            <a:extLst>
-              <a:ext uri="{28A0092B-C50C-407E-A947-70E740481C1C}">
-                <a14:useLocalDpi xmlns:a14="http://schemas.microsoft.com/office/drawing/2010/main" val="0"/>
-              </a:ext>
-            </a:extLst>
-          </a:blip>
-          <a:srcRect/>
-          <a:stretch>
-            <a:fillRect/>
-          </a:stretch>
-        </p:blipFill>
-        <p:spPr bwMode="auto">
-          <a:xfrm>
-            <a:off x="317151" y="2140299"/>
-            <a:ext cx="3307570" cy="4014316"/>
-          </a:xfrm>
-          <a:prstGeom prst="rect">
-            <a:avLst/>
-          </a:prstGeom>
-          <a:noFill/>
-          <a:extLst>
-            <a:ext uri="{909E8E84-426E-40DD-AFC4-6F175D3DCCD1}">
-              <a14:hiddenFill xmlns:a14="http://schemas.microsoft.com/office/drawing/2010/main">
-                <a:solidFill>
-                  <a:srgbClr val="FFFFFF"/>
-                </a:solidFill>
-              </a14:hiddenFill>
-            </a:ext>
-          </a:extLst>
-        </p:spPr>
-      </p:pic>
-      <p:sp>
-        <p:nvSpPr>
-          <p:cNvPr id="4" name="TextBox 3"/>
-          <p:cNvSpPr txBox="1"/>
-          <p:nvPr/>
+              <a:t>Object Oriented Programming</a:t>
+            </a:r>
+            <a:endParaRPr lang="en-US" dirty="0"/>
+          </a:p>
+        </p:txBody>
+      </p:sp>
+      <p:sp>
+        <p:nvSpPr>
+          <p:cNvPr id="3" name="Content Placeholder 2"/>
+          <p:cNvSpPr>
+            <a:spLocks noGrp="1"/>
+          </p:cNvSpPr>
+          <p:nvPr>
+            <p:ph idx="1"/>
+          </p:nvPr>
         </p:nvSpPr>
         <p:spPr>
           <a:xfrm>
-            <a:off x="3808324" y="2140299"/>
-            <a:ext cx="4943790" cy="3970318"/>
+            <a:off x="840000" y="2029767"/>
+            <a:ext cx="7675350" cy="4451420"/>
           </a:xfrm>
-          <a:prstGeom prst="rect">
-            <a:avLst/>
-          </a:prstGeom>
-          <a:noFill/>
         </p:spPr>
         <p:txBody>
-          <a:bodyPr wrap="square" rtlCol="0">
-            <a:spAutoFit/>
+          <a:bodyPr>
+            <a:normAutofit lnSpcReduction="10000"/>
           </a:bodyPr>
           <a:lstStyle/>
           <a:p>
-            <a:pPr>
-              <a:lnSpc>
-                <a:spcPct val="150000"/>
-              </a:lnSpc>
-            </a:pPr>
-            <a:r>
-              <a:rPr lang="en-US" sz="2400" dirty="0" smtClean="0"/>
-              <a:t>Reformatting </a:t>
-            </a:r>
-            <a:r>
-              <a:rPr lang="en-US" sz="2400" dirty="0"/>
-              <a:t>data with </a:t>
-            </a:r>
-            <a:r>
-              <a:rPr lang="en-US" sz="2400" dirty="0" smtClean="0"/>
-              <a:t>regex</a:t>
-            </a:r>
-            <a:endParaRPr lang="en-US" sz="2400" dirty="0"/>
-          </a:p>
-          <a:p>
-            <a:pPr>
-              <a:lnSpc>
-                <a:spcPct val="150000"/>
-              </a:lnSpc>
-            </a:pPr>
-            <a:r>
-              <a:rPr lang="en-US" sz="2400" dirty="0" smtClean="0"/>
-              <a:t>The </a:t>
-            </a:r>
-            <a:r>
-              <a:rPr lang="en-US" sz="2400" dirty="0"/>
-              <a:t>Unix command </a:t>
-            </a:r>
-            <a:r>
-              <a:rPr lang="en-US" sz="2400" dirty="0" smtClean="0"/>
-              <a:t>line</a:t>
-            </a:r>
-            <a:endParaRPr lang="en-US" sz="2400" dirty="0"/>
-          </a:p>
-          <a:p>
-            <a:pPr>
-              <a:lnSpc>
-                <a:spcPct val="150000"/>
-              </a:lnSpc>
-            </a:pPr>
-            <a:r>
-              <a:rPr lang="en-US" sz="2400" dirty="0" smtClean="0"/>
-              <a:t>Combining </a:t>
-            </a:r>
-            <a:r>
-              <a:rPr lang="en-US" sz="2400" dirty="0"/>
-              <a:t>and automating </a:t>
-            </a:r>
-            <a:r>
-              <a:rPr lang="en-US" sz="2400" dirty="0" smtClean="0"/>
-              <a:t>analyses</a:t>
-            </a:r>
-            <a:endParaRPr lang="en-US" sz="2400" dirty="0"/>
-          </a:p>
-          <a:p>
-            <a:pPr>
-              <a:lnSpc>
-                <a:spcPct val="150000"/>
-              </a:lnSpc>
-            </a:pPr>
-            <a:r>
-              <a:rPr lang="en-US" sz="2400" dirty="0" smtClean="0"/>
-              <a:t>Python </a:t>
-            </a:r>
-            <a:r>
-              <a:rPr lang="en-US" sz="2400" dirty="0"/>
-              <a:t>programming and </a:t>
-            </a:r>
-            <a:r>
-              <a:rPr lang="en-US" sz="2400" dirty="0" smtClean="0"/>
-              <a:t>debugging</a:t>
-            </a:r>
-            <a:endParaRPr lang="en-US" sz="2400" dirty="0"/>
-          </a:p>
-          <a:p>
-            <a:pPr>
-              <a:lnSpc>
-                <a:spcPct val="150000"/>
-              </a:lnSpc>
-            </a:pPr>
-            <a:r>
-              <a:rPr lang="en-US" sz="2400" dirty="0" smtClean="0"/>
-              <a:t>Creating </a:t>
-            </a:r>
-            <a:r>
-              <a:rPr lang="en-US" sz="2400" dirty="0"/>
-              <a:t>and editing </a:t>
-            </a:r>
-            <a:r>
-              <a:rPr lang="en-US" sz="2400" dirty="0" smtClean="0"/>
-              <a:t>graphics</a:t>
-            </a:r>
-            <a:endParaRPr lang="en-US" sz="2400" dirty="0"/>
-          </a:p>
-          <a:p>
-            <a:pPr>
-              <a:lnSpc>
-                <a:spcPct val="150000"/>
-              </a:lnSpc>
-            </a:pPr>
-            <a:r>
-              <a:rPr lang="en-US" sz="2400" dirty="0" smtClean="0"/>
-              <a:t>Databases</a:t>
-            </a:r>
-            <a:endParaRPr lang="en-US" sz="2400" dirty="0"/>
-          </a:p>
-          <a:p>
-            <a:pPr>
-              <a:lnSpc>
-                <a:spcPct val="150000"/>
-              </a:lnSpc>
-            </a:pPr>
-            <a:r>
-              <a:rPr lang="en-US" sz="2400" dirty="0" smtClean="0"/>
-              <a:t>Performing </a:t>
-            </a:r>
-            <a:r>
-              <a:rPr lang="en-US" sz="2400" dirty="0"/>
-              <a:t>analyses </a:t>
-            </a:r>
-            <a:r>
-              <a:rPr lang="en-US" sz="2400" dirty="0" smtClean="0"/>
-              <a:t>remotely</a:t>
-            </a:r>
-            <a:endParaRPr lang="en-US" sz="2400" dirty="0"/>
+            <a:r>
+              <a:rPr lang="en-US" dirty="0" smtClean="0"/>
+              <a:t>Objects hold information</a:t>
+            </a:r>
+          </a:p>
+          <a:p>
+            <a:endParaRPr lang="en-US" dirty="0" smtClean="0"/>
+          </a:p>
+          <a:p>
+            <a:r>
+              <a:rPr lang="en-US" dirty="0" smtClean="0"/>
+              <a:t>They can contain values</a:t>
+            </a:r>
+          </a:p>
+          <a:p>
+            <a:endParaRPr lang="en-US" dirty="0" smtClean="0"/>
+          </a:p>
+          <a:p>
+            <a:r>
+              <a:rPr lang="en-US" dirty="0" smtClean="0"/>
+              <a:t>They can contain multiple values</a:t>
+            </a:r>
+            <a:endParaRPr lang="en-US" dirty="0"/>
+          </a:p>
+          <a:p>
+            <a:endParaRPr lang="en-US" dirty="0" smtClean="0"/>
+          </a:p>
+          <a:p>
+            <a:r>
+              <a:rPr lang="en-US" dirty="0" smtClean="0"/>
+              <a:t>They can contain </a:t>
+            </a:r>
+            <a:r>
+              <a:rPr lang="en-US" i="1" dirty="0" smtClean="0"/>
+              <a:t>other objects</a:t>
+            </a:r>
+            <a:endParaRPr lang="en-US" dirty="0" smtClean="0"/>
+          </a:p>
+          <a:p>
+            <a:endParaRPr lang="en-US" dirty="0" smtClean="0"/>
+          </a:p>
+          <a:p>
+            <a:r>
+              <a:rPr lang="en-US" dirty="0" smtClean="0"/>
+              <a:t>They have types</a:t>
+            </a:r>
+          </a:p>
+          <a:p>
+            <a:endParaRPr lang="en-US" dirty="0" smtClean="0"/>
+          </a:p>
+          <a:p>
+            <a:r>
+              <a:rPr lang="en-US" dirty="0" smtClean="0"/>
+              <a:t>They can inherit information from others</a:t>
+            </a:r>
           </a:p>
         </p:txBody>
       </p:sp>
     </p:spTree>
     <p:extLst>
       <p:ext uri="{BB962C8B-B14F-4D97-AF65-F5344CB8AC3E}">
-        <p14:creationId xmlns:p14="http://schemas.microsoft.com/office/powerpoint/2010/main" val="480673781"/>
+        <p14:creationId xmlns:p14="http://schemas.microsoft.com/office/powerpoint/2010/main" val="4039615631"/>
       </p:ext>
     </p:extLst>
   </p:cSld>

--- a/presentations/intro python.pptx
+++ b/presentations/intro python.pptx
@@ -7092,11 +7092,7 @@
             <a:pPr lvl="1"/>
             <a:r>
               <a:rPr lang="en-US" dirty="0" smtClean="0"/>
-              <a:t>If it rains today </a:t>
-            </a:r>
-            <a:r>
-              <a:rPr lang="en-US" dirty="0" smtClean="0"/>
-              <a:t>I will bring an umbrella</a:t>
+              <a:t>If it rains today I will bring an umbrella</a:t>
             </a:r>
           </a:p>
           <a:p>
@@ -8682,7 +8678,7 @@
         </p:spPr>
         <p:txBody>
           <a:bodyPr>
-            <a:normAutofit fontScale="92500" lnSpcReduction="10000"/>
+            <a:normAutofit/>
           </a:bodyPr>
           <a:lstStyle/>
           <a:p>
@@ -8690,23 +8686,23 @@
               <a:buNone/>
             </a:pPr>
             <a:r>
-              <a:rPr lang="en-US" dirty="0"/>
+              <a:rPr lang="en-US" sz="1600" dirty="0"/>
               <a:t>#!/</a:t>
             </a:r>
             <a:r>
-              <a:rPr lang="en-US" dirty="0" err="1"/>
+              <a:rPr lang="en-US" sz="1600" dirty="0" err="1"/>
               <a:t>usr</a:t>
             </a:r>
             <a:r>
-              <a:rPr lang="en-US" dirty="0"/>
+              <a:rPr lang="en-US" sz="1600" dirty="0"/>
               <a:t>/bin/</a:t>
             </a:r>
             <a:r>
-              <a:rPr lang="en-US" dirty="0" err="1"/>
+              <a:rPr lang="en-US" sz="1600" dirty="0" err="1"/>
               <a:t>env</a:t>
             </a:r>
             <a:r>
-              <a:rPr lang="en-US" dirty="0"/>
+              <a:rPr lang="en-US" sz="1600" dirty="0"/>
               <a:t> python</a:t>
             </a:r>
           </a:p>
@@ -8715,27 +8711,27 @@
               <a:buNone/>
             </a:pPr>
             <a:r>
-              <a:rPr lang="en-US" dirty="0"/>
+              <a:rPr lang="en-US" sz="1600" dirty="0"/>
               <a:t>from Bio import </a:t>
             </a:r>
             <a:r>
-              <a:rPr lang="en-US" dirty="0" err="1"/>
+              <a:rPr lang="en-US" sz="1600" dirty="0" err="1"/>
               <a:t>SeqIO</a:t>
             </a:r>
-            <a:endParaRPr lang="en-US" dirty="0"/>
+            <a:endParaRPr lang="en-US" sz="1600" dirty="0"/>
           </a:p>
           <a:p>
             <a:pPr marL="0" indent="0">
               <a:buNone/>
             </a:pPr>
-            <a:endParaRPr lang="en-US" dirty="0"/>
+            <a:endParaRPr lang="en-US" sz="1600" dirty="0"/>
           </a:p>
           <a:p>
             <a:pPr marL="0" indent="0">
               <a:buNone/>
             </a:pPr>
             <a:r>
-              <a:rPr lang="en-US" dirty="0"/>
+              <a:rPr lang="en-US" sz="1600" dirty="0"/>
               <a:t>#set an average quality score cutoff</a:t>
             </a:r>
           </a:p>
@@ -8744,11 +8740,11 @@
               <a:buNone/>
             </a:pPr>
             <a:r>
-              <a:rPr lang="en-US" dirty="0" err="1"/>
+              <a:rPr lang="en-US" sz="1600" dirty="0" err="1"/>
               <a:t>qual_cutoff</a:t>
             </a:r>
             <a:r>
-              <a:rPr lang="en-US" dirty="0"/>
+              <a:rPr lang="en-US" sz="1600" dirty="0"/>
               <a:t> = 25</a:t>
             </a:r>
           </a:p>
@@ -8756,14 +8752,14 @@
             <a:pPr marL="0" indent="0">
               <a:buNone/>
             </a:pPr>
-            <a:endParaRPr lang="en-US" dirty="0"/>
+            <a:endParaRPr lang="en-US" sz="1600" dirty="0"/>
           </a:p>
           <a:p>
             <a:pPr marL="0" indent="0">
               <a:buNone/>
             </a:pPr>
             <a:r>
-              <a:rPr lang="en-US" dirty="0"/>
+              <a:rPr lang="en-US" sz="1600" dirty="0"/>
               <a:t>#initialize the file handle</a:t>
             </a:r>
           </a:p>
@@ -8772,19 +8768,19 @@
               <a:buNone/>
             </a:pPr>
             <a:r>
-              <a:rPr lang="en-US" dirty="0" err="1"/>
+              <a:rPr lang="en-US" sz="1600" dirty="0" err="1"/>
               <a:t>file_handle</a:t>
             </a:r>
             <a:r>
-              <a:rPr lang="en-US" dirty="0"/>
+              <a:rPr lang="en-US" sz="1600" dirty="0"/>
               <a:t> = open("</a:t>
             </a:r>
             <a:r>
-              <a:rPr lang="en-US" dirty="0" err="1"/>
+              <a:rPr lang="en-US" sz="1600" dirty="0" err="1"/>
               <a:t>fastqs</a:t>
             </a:r>
             <a:r>
-              <a:rPr lang="en-US" dirty="0"/>
+              <a:rPr lang="en-US" sz="1600" dirty="0"/>
               <a:t>/Chip2comb_001b.fastq", "r")</a:t>
             </a:r>
           </a:p>
@@ -8792,22 +8788,22 @@
             <a:pPr marL="0" indent="0">
               <a:buNone/>
             </a:pPr>
-            <a:endParaRPr lang="en-US" dirty="0"/>
+            <a:endParaRPr lang="en-US" sz="1600" dirty="0"/>
           </a:p>
           <a:p>
             <a:pPr marL="0" indent="0">
               <a:buNone/>
             </a:pPr>
             <a:r>
-              <a:rPr lang="en-US" dirty="0"/>
+              <a:rPr lang="en-US" sz="1600" dirty="0"/>
               <a:t>#initialize </a:t>
             </a:r>
             <a:r>
-              <a:rPr lang="en-US" dirty="0" err="1"/>
+              <a:rPr lang="en-US" sz="1600" dirty="0" err="1"/>
               <a:t>fastq</a:t>
             </a:r>
             <a:r>
-              <a:rPr lang="en-US" dirty="0"/>
+              <a:rPr lang="en-US" sz="1600" dirty="0"/>
               <a:t> file parser</a:t>
             </a:r>
           </a:p>
@@ -8816,35 +8812,35 @@
               <a:buNone/>
             </a:pPr>
             <a:r>
-              <a:rPr lang="en-US" dirty="0" err="1"/>
+              <a:rPr lang="en-US" sz="1600" dirty="0" err="1"/>
               <a:t>fastq_file</a:t>
             </a:r>
             <a:r>
-              <a:rPr lang="en-US" dirty="0"/>
+              <a:rPr lang="en-US" sz="1600" dirty="0"/>
               <a:t> = </a:t>
             </a:r>
             <a:r>
-              <a:rPr lang="en-US" dirty="0" err="1"/>
+              <a:rPr lang="en-US" sz="1600" dirty="0" err="1"/>
               <a:t>SeqIO.parse</a:t>
             </a:r>
             <a:r>
-              <a:rPr lang="en-US" dirty="0"/>
+              <a:rPr lang="en-US" sz="1600" dirty="0"/>
               <a:t>(</a:t>
             </a:r>
             <a:r>
-              <a:rPr lang="en-US" dirty="0" err="1"/>
+              <a:rPr lang="en-US" sz="1600" dirty="0" err="1"/>
               <a:t>file_handle</a:t>
             </a:r>
             <a:r>
-              <a:rPr lang="en-US" dirty="0"/>
+              <a:rPr lang="en-US" sz="1600" dirty="0"/>
               <a:t>, "</a:t>
             </a:r>
             <a:r>
-              <a:rPr lang="en-US" dirty="0" err="1"/>
+              <a:rPr lang="en-US" sz="1600" dirty="0" err="1"/>
               <a:t>fastq</a:t>
             </a:r>
             <a:r>
-              <a:rPr lang="en-US" dirty="0"/>
+              <a:rPr lang="en-US" sz="1600" dirty="0"/>
               <a:t>")</a:t>
             </a:r>
           </a:p>
@@ -8914,13 +8910,13 @@
         </p:nvSpPr>
         <p:spPr>
           <a:xfrm>
-            <a:off x="348917" y="2523457"/>
-            <a:ext cx="9287690" cy="2710280"/>
+            <a:off x="144379" y="2523457"/>
+            <a:ext cx="9492228" cy="3323890"/>
           </a:xfrm>
         </p:spPr>
         <p:txBody>
           <a:bodyPr>
-            <a:normAutofit/>
+            <a:noAutofit/>
           </a:bodyPr>
           <a:lstStyle/>
           <a:p>
@@ -8928,15 +8924,15 @@
               <a:buNone/>
             </a:pPr>
             <a:r>
-              <a:rPr lang="en-US" sz="1400" dirty="0"/>
+              <a:rPr lang="en-US" sz="1600" dirty="0"/>
               <a:t>for record in </a:t>
             </a:r>
             <a:r>
-              <a:rPr lang="en-US" sz="1400" dirty="0" err="1"/>
+              <a:rPr lang="en-US" sz="1600" dirty="0" err="1"/>
               <a:t>fastq_file</a:t>
             </a:r>
             <a:r>
-              <a:rPr lang="en-US" sz="1400" dirty="0"/>
+              <a:rPr lang="en-US" sz="1600" dirty="0"/>
               <a:t>:</a:t>
             </a:r>
           </a:p>
@@ -8945,7 +8941,7 @@
               <a:buNone/>
             </a:pPr>
             <a:r>
-              <a:rPr lang="en-US" sz="1400" dirty="0"/>
+              <a:rPr lang="en-US" sz="1600" dirty="0"/>
               <a:t>    #sum of quality scores divided by the length</a:t>
             </a:r>
           </a:p>
@@ -8954,54 +8950,72 @@
               <a:buNone/>
             </a:pPr>
             <a:r>
-              <a:rPr lang="en-US" sz="1400" dirty="0"/>
+              <a:rPr lang="en-US" sz="1600" dirty="0"/>
               <a:t>    </a:t>
             </a:r>
             <a:r>
-              <a:rPr lang="en-US" sz="1400" dirty="0" err="1"/>
+              <a:rPr lang="en-US" sz="1600" dirty="0" err="1"/>
               <a:t>avg_qual</a:t>
             </a:r>
             <a:r>
-              <a:rPr lang="en-US" sz="1400" dirty="0"/>
+              <a:rPr lang="en-US" sz="1600" dirty="0"/>
               <a:t> = sum(</a:t>
             </a:r>
             <a:r>
-              <a:rPr lang="en-US" sz="1400" dirty="0" err="1"/>
+              <a:rPr lang="en-US" sz="1600" dirty="0" err="1"/>
               <a:t>record.letter_annotations</a:t>
             </a:r>
             <a:r>
-              <a:rPr lang="en-US" sz="1400" dirty="0"/>
+              <a:rPr lang="en-US" sz="1600" dirty="0"/>
               <a:t>["</a:t>
             </a:r>
             <a:r>
-              <a:rPr lang="en-US" sz="1400" dirty="0" err="1"/>
+              <a:rPr lang="en-US" sz="1600" dirty="0" err="1"/>
               <a:t>phred_quality</a:t>
             </a:r>
             <a:r>
-              <a:rPr lang="en-US" sz="1400" dirty="0"/>
+              <a:rPr lang="en-US" sz="1600" dirty="0"/>
               <a:t>"]) / </a:t>
             </a:r>
-            <a:r>
-              <a:rPr lang="en-US" sz="1400" dirty="0" err="1"/>
+            <a:endParaRPr lang="en-US" sz="1600" dirty="0" smtClean="0"/>
+          </a:p>
+          <a:p>
+            <a:pPr marL="0" indent="0">
+              <a:buNone/>
+            </a:pPr>
+            <a:r>
+              <a:rPr lang="en-US" sz="1600" dirty="0"/>
+              <a:t>	</a:t>
+            </a:r>
+            <a:r>
+              <a:rPr lang="en-US" sz="1600" dirty="0" smtClean="0"/>
+              <a:t>										</a:t>
+            </a:r>
+            <a:r>
+              <a:rPr lang="en-US" sz="1600" dirty="0" err="1" smtClean="0"/>
               <a:t>len</a:t>
             </a:r>
             <a:r>
-              <a:rPr lang="en-US" sz="1400" dirty="0"/>
-              <a:t>(record)</a:t>
+              <a:rPr lang="en-US" sz="1600" dirty="0" smtClean="0"/>
+              <a:t>(record</a:t>
+            </a:r>
+            <a:r>
+              <a:rPr lang="en-US" sz="1600" dirty="0"/>
+              <a:t>)</a:t>
             </a:r>
           </a:p>
           <a:p>
             <a:pPr marL="0" indent="0">
               <a:buNone/>
             </a:pPr>
-            <a:endParaRPr lang="en-US" sz="1400" dirty="0"/>
+            <a:endParaRPr lang="en-US" sz="1600" dirty="0"/>
           </a:p>
           <a:p>
             <a:pPr marL="0" indent="0">
               <a:buNone/>
             </a:pPr>
             <a:r>
-              <a:rPr lang="en-US" sz="1400" dirty="0"/>
+              <a:rPr lang="en-US" sz="1600" dirty="0"/>
               <a:t>    #if the read is of sufficient average quality</a:t>
             </a:r>
           </a:p>
@@ -9010,23 +9024,23 @@
               <a:buNone/>
             </a:pPr>
             <a:r>
-              <a:rPr lang="en-US" sz="1400" dirty="0"/>
+              <a:rPr lang="en-US" sz="1600" dirty="0"/>
               <a:t>    if </a:t>
             </a:r>
             <a:r>
-              <a:rPr lang="en-US" sz="1400" dirty="0" err="1"/>
+              <a:rPr lang="en-US" sz="1600" dirty="0" err="1"/>
               <a:t>avg_qual</a:t>
             </a:r>
             <a:r>
-              <a:rPr lang="en-US" sz="1400" dirty="0"/>
+              <a:rPr lang="en-US" sz="1600" dirty="0"/>
               <a:t> &gt; </a:t>
             </a:r>
             <a:r>
-              <a:rPr lang="en-US" sz="1400" dirty="0" err="1"/>
+              <a:rPr lang="en-US" sz="1600" dirty="0" err="1"/>
               <a:t>qual_cutoff</a:t>
             </a:r>
             <a:r>
-              <a:rPr lang="en-US" sz="1400" dirty="0"/>
+              <a:rPr lang="en-US" sz="1600" dirty="0"/>
               <a:t>:</a:t>
             </a:r>
           </a:p>
@@ -9035,15 +9049,15 @@
               <a:buNone/>
             </a:pPr>
             <a:r>
-              <a:rPr lang="en-US" sz="1400" dirty="0"/>
+              <a:rPr lang="en-US" sz="1600" dirty="0"/>
               <a:t>        #print it in </a:t>
             </a:r>
             <a:r>
-              <a:rPr lang="en-US" sz="1400" dirty="0" err="1"/>
+              <a:rPr lang="en-US" sz="1600" dirty="0" err="1"/>
               <a:t>fastq</a:t>
             </a:r>
             <a:r>
-              <a:rPr lang="en-US" sz="1400" dirty="0"/>
+              <a:rPr lang="en-US" sz="1600" dirty="0"/>
               <a:t> format</a:t>
             </a:r>
           </a:p>
@@ -9052,23 +9066,23 @@
               <a:buNone/>
             </a:pPr>
             <a:r>
-              <a:rPr lang="en-US" sz="1400" dirty="0"/>
+              <a:rPr lang="en-US" sz="1600" dirty="0"/>
               <a:t>        print </a:t>
             </a:r>
             <a:r>
-              <a:rPr lang="en-US" sz="1400" dirty="0" err="1"/>
+              <a:rPr lang="en-US" sz="1600" dirty="0" err="1"/>
               <a:t>record.format</a:t>
             </a:r>
             <a:r>
-              <a:rPr lang="en-US" sz="1400" dirty="0"/>
+              <a:rPr lang="en-US" sz="1600" dirty="0"/>
               <a:t>("</a:t>
             </a:r>
             <a:r>
-              <a:rPr lang="en-US" sz="1400" dirty="0" err="1"/>
+              <a:rPr lang="en-US" sz="1600" dirty="0" err="1"/>
               <a:t>fastq</a:t>
             </a:r>
             <a:r>
-              <a:rPr lang="en-US" sz="1400" dirty="0"/>
+              <a:rPr lang="en-US" sz="1600" dirty="0"/>
               <a:t>")</a:t>
             </a:r>
           </a:p>

--- a/presentations/intro python.pptx
+++ b/presentations/intro python.pptx
@@ -5,32 +5,35 @@
     <p:sldMasterId id="2147483669" r:id="rId1"/>
   </p:sldMasterIdLst>
   <p:notesMasterIdLst>
-    <p:notesMasterId r:id="rId25"/>
+    <p:notesMasterId r:id="rId28"/>
   </p:notesMasterIdLst>
   <p:sldIdLst>
     <p:sldId id="256" r:id="rId2"/>
-    <p:sldId id="282" r:id="rId3"/>
-    <p:sldId id="283" r:id="rId4"/>
-    <p:sldId id="284" r:id="rId5"/>
-    <p:sldId id="278" r:id="rId6"/>
-    <p:sldId id="288" r:id="rId7"/>
-    <p:sldId id="281" r:id="rId8"/>
-    <p:sldId id="285" r:id="rId9"/>
-    <p:sldId id="286" r:id="rId10"/>
-    <p:sldId id="287" r:id="rId11"/>
-    <p:sldId id="296" r:id="rId12"/>
-    <p:sldId id="295" r:id="rId13"/>
-    <p:sldId id="306" r:id="rId14"/>
-    <p:sldId id="297" r:id="rId15"/>
-    <p:sldId id="294" r:id="rId16"/>
-    <p:sldId id="277" r:id="rId17"/>
-    <p:sldId id="298" r:id="rId18"/>
-    <p:sldId id="300" r:id="rId19"/>
-    <p:sldId id="301" r:id="rId20"/>
-    <p:sldId id="299" r:id="rId21"/>
-    <p:sldId id="302" r:id="rId22"/>
-    <p:sldId id="303" r:id="rId23"/>
-    <p:sldId id="304" r:id="rId24"/>
+    <p:sldId id="307" r:id="rId3"/>
+    <p:sldId id="282" r:id="rId4"/>
+    <p:sldId id="283" r:id="rId5"/>
+    <p:sldId id="284" r:id="rId6"/>
+    <p:sldId id="309" r:id="rId7"/>
+    <p:sldId id="278" r:id="rId8"/>
+    <p:sldId id="288" r:id="rId9"/>
+    <p:sldId id="281" r:id="rId10"/>
+    <p:sldId id="285" r:id="rId11"/>
+    <p:sldId id="286" r:id="rId12"/>
+    <p:sldId id="287" r:id="rId13"/>
+    <p:sldId id="296" r:id="rId14"/>
+    <p:sldId id="295" r:id="rId15"/>
+    <p:sldId id="306" r:id="rId16"/>
+    <p:sldId id="297" r:id="rId17"/>
+    <p:sldId id="294" r:id="rId18"/>
+    <p:sldId id="277" r:id="rId19"/>
+    <p:sldId id="298" r:id="rId20"/>
+    <p:sldId id="300" r:id="rId21"/>
+    <p:sldId id="301" r:id="rId22"/>
+    <p:sldId id="299" r:id="rId23"/>
+    <p:sldId id="302" r:id="rId24"/>
+    <p:sldId id="303" r:id="rId25"/>
+    <p:sldId id="304" r:id="rId26"/>
+    <p:sldId id="308" r:id="rId27"/>
   </p:sldIdLst>
   <p:sldSz cx="9144000" cy="6858000" type="screen4x3"/>
   <p:notesSz cx="6858000" cy="9144000"/>
@@ -137,6 +140,4131 @@
 </p:presentation>
 </file>
 
+<file path=ppt/diagrams/colors1.xml><?xml version="1.0" encoding="utf-8"?>
+<dgm:colorsDef xmlns:dgm="http://schemas.openxmlformats.org/drawingml/2006/diagram" xmlns:a="http://schemas.openxmlformats.org/drawingml/2006/main" uniqueId="urn:microsoft.com/office/officeart/2005/8/colors/accent3_1">
+  <dgm:title val=""/>
+  <dgm:desc val=""/>
+  <dgm:catLst>
+    <dgm:cat type="accent3" pri="11100"/>
+  </dgm:catLst>
+  <dgm:styleLbl name="node0">
+    <dgm:fillClrLst meth="repeat">
+      <a:schemeClr val="lt1"/>
+    </dgm:fillClrLst>
+    <dgm:linClrLst meth="repeat">
+      <a:schemeClr val="accent3">
+        <a:shade val="80000"/>
+      </a:schemeClr>
+    </dgm:linClrLst>
+    <dgm:effectClrLst/>
+    <dgm:txLinClrLst/>
+    <dgm:txFillClrLst meth="repeat">
+      <a:schemeClr val="dk1"/>
+    </dgm:txFillClrLst>
+    <dgm:txEffectClrLst/>
+  </dgm:styleLbl>
+  <dgm:styleLbl name="node1">
+    <dgm:fillClrLst meth="repeat">
+      <a:schemeClr val="lt1"/>
+    </dgm:fillClrLst>
+    <dgm:linClrLst meth="repeat">
+      <a:schemeClr val="accent3">
+        <a:shade val="80000"/>
+      </a:schemeClr>
+    </dgm:linClrLst>
+    <dgm:effectClrLst/>
+    <dgm:txLinClrLst/>
+    <dgm:txFillClrLst meth="repeat">
+      <a:schemeClr val="dk1"/>
+    </dgm:txFillClrLst>
+    <dgm:txEffectClrLst/>
+  </dgm:styleLbl>
+  <dgm:styleLbl name="alignNode1">
+    <dgm:fillClrLst meth="repeat">
+      <a:schemeClr val="lt1"/>
+    </dgm:fillClrLst>
+    <dgm:linClrLst meth="repeat">
+      <a:schemeClr val="accent3">
+        <a:shade val="80000"/>
+      </a:schemeClr>
+    </dgm:linClrLst>
+    <dgm:effectClrLst/>
+    <dgm:txLinClrLst/>
+    <dgm:txFillClrLst meth="repeat">
+      <a:schemeClr val="dk1"/>
+    </dgm:txFillClrLst>
+    <dgm:txEffectClrLst/>
+  </dgm:styleLbl>
+  <dgm:styleLbl name="lnNode1">
+    <dgm:fillClrLst meth="repeat">
+      <a:schemeClr val="lt1"/>
+    </dgm:fillClrLst>
+    <dgm:linClrLst meth="repeat">
+      <a:schemeClr val="accent3">
+        <a:shade val="80000"/>
+      </a:schemeClr>
+    </dgm:linClrLst>
+    <dgm:effectClrLst/>
+    <dgm:txLinClrLst/>
+    <dgm:txFillClrLst meth="repeat">
+      <a:schemeClr val="dk1"/>
+    </dgm:txFillClrLst>
+    <dgm:txEffectClrLst/>
+  </dgm:styleLbl>
+  <dgm:styleLbl name="vennNode1">
+    <dgm:fillClrLst meth="repeat">
+      <a:schemeClr val="lt1">
+        <a:alpha val="50000"/>
+      </a:schemeClr>
+    </dgm:fillClrLst>
+    <dgm:linClrLst meth="repeat">
+      <a:schemeClr val="accent3">
+        <a:shade val="80000"/>
+      </a:schemeClr>
+    </dgm:linClrLst>
+    <dgm:effectClrLst/>
+    <dgm:txLinClrLst/>
+    <dgm:txFillClrLst/>
+    <dgm:txEffectClrLst/>
+  </dgm:styleLbl>
+  <dgm:styleLbl name="node2">
+    <dgm:fillClrLst meth="repeat">
+      <a:schemeClr val="lt1"/>
+    </dgm:fillClrLst>
+    <dgm:linClrLst meth="repeat">
+      <a:schemeClr val="accent3">
+        <a:shade val="80000"/>
+      </a:schemeClr>
+    </dgm:linClrLst>
+    <dgm:effectClrLst/>
+    <dgm:txLinClrLst/>
+    <dgm:txFillClrLst meth="repeat">
+      <a:schemeClr val="dk1"/>
+    </dgm:txFillClrLst>
+    <dgm:txEffectClrLst/>
+  </dgm:styleLbl>
+  <dgm:styleLbl name="node3">
+    <dgm:fillClrLst meth="repeat">
+      <a:schemeClr val="lt1"/>
+    </dgm:fillClrLst>
+    <dgm:linClrLst meth="repeat">
+      <a:schemeClr val="accent3">
+        <a:shade val="80000"/>
+      </a:schemeClr>
+    </dgm:linClrLst>
+    <dgm:effectClrLst/>
+    <dgm:txLinClrLst/>
+    <dgm:txFillClrLst meth="repeat">
+      <a:schemeClr val="dk1"/>
+    </dgm:txFillClrLst>
+    <dgm:txEffectClrLst/>
+  </dgm:styleLbl>
+  <dgm:styleLbl name="node4">
+    <dgm:fillClrLst meth="repeat">
+      <a:schemeClr val="lt1"/>
+    </dgm:fillClrLst>
+    <dgm:linClrLst meth="repeat">
+      <a:schemeClr val="accent3">
+        <a:shade val="80000"/>
+      </a:schemeClr>
+    </dgm:linClrLst>
+    <dgm:effectClrLst/>
+    <dgm:txLinClrLst/>
+    <dgm:txFillClrLst meth="repeat">
+      <a:schemeClr val="dk1"/>
+    </dgm:txFillClrLst>
+    <dgm:txEffectClrLst/>
+  </dgm:styleLbl>
+  <dgm:styleLbl name="fgImgPlace1">
+    <dgm:fillClrLst meth="repeat">
+      <a:schemeClr val="accent3">
+        <a:tint val="40000"/>
+      </a:schemeClr>
+    </dgm:fillClrLst>
+    <dgm:linClrLst meth="repeat">
+      <a:schemeClr val="accent3">
+        <a:shade val="80000"/>
+      </a:schemeClr>
+    </dgm:linClrLst>
+    <dgm:effectClrLst/>
+    <dgm:txLinClrLst/>
+    <dgm:txFillClrLst meth="repeat">
+      <a:schemeClr val="lt1"/>
+    </dgm:txFillClrLst>
+    <dgm:txEffectClrLst/>
+  </dgm:styleLbl>
+  <dgm:styleLbl name="alignImgPlace1">
+    <dgm:fillClrLst meth="repeat">
+      <a:schemeClr val="accent3">
+        <a:tint val="40000"/>
+      </a:schemeClr>
+    </dgm:fillClrLst>
+    <dgm:linClrLst meth="repeat">
+      <a:schemeClr val="accent3">
+        <a:shade val="80000"/>
+      </a:schemeClr>
+    </dgm:linClrLst>
+    <dgm:effectClrLst/>
+    <dgm:txLinClrLst/>
+    <dgm:txFillClrLst meth="repeat">
+      <a:schemeClr val="lt1"/>
+    </dgm:txFillClrLst>
+    <dgm:txEffectClrLst/>
+  </dgm:styleLbl>
+  <dgm:styleLbl name="bgImgPlace1">
+    <dgm:fillClrLst meth="repeat">
+      <a:schemeClr val="accent3">
+        <a:tint val="40000"/>
+      </a:schemeClr>
+    </dgm:fillClrLst>
+    <dgm:linClrLst meth="repeat">
+      <a:schemeClr val="accent3">
+        <a:shade val="80000"/>
+      </a:schemeClr>
+    </dgm:linClrLst>
+    <dgm:effectClrLst/>
+    <dgm:txLinClrLst/>
+    <dgm:txFillClrLst meth="repeat">
+      <a:schemeClr val="lt1"/>
+    </dgm:txFillClrLst>
+    <dgm:txEffectClrLst/>
+  </dgm:styleLbl>
+  <dgm:styleLbl name="sibTrans2D1">
+    <dgm:fillClrLst meth="repeat">
+      <a:schemeClr val="accent3">
+        <a:tint val="60000"/>
+      </a:schemeClr>
+    </dgm:fillClrLst>
+    <dgm:linClrLst meth="repeat">
+      <a:schemeClr val="accent3">
+        <a:tint val="60000"/>
+      </a:schemeClr>
+    </dgm:linClrLst>
+    <dgm:effectClrLst/>
+    <dgm:txLinClrLst/>
+    <dgm:txFillClrLst meth="repeat">
+      <a:schemeClr val="dk1"/>
+    </dgm:txFillClrLst>
+    <dgm:txEffectClrLst/>
+  </dgm:styleLbl>
+  <dgm:styleLbl name="fgSibTrans2D1">
+    <dgm:fillClrLst meth="repeat">
+      <a:schemeClr val="accent3">
+        <a:tint val="60000"/>
+      </a:schemeClr>
+    </dgm:fillClrLst>
+    <dgm:linClrLst meth="repeat">
+      <a:schemeClr val="accent3">
+        <a:tint val="60000"/>
+      </a:schemeClr>
+    </dgm:linClrLst>
+    <dgm:effectClrLst/>
+    <dgm:txLinClrLst/>
+    <dgm:txFillClrLst meth="repeat">
+      <a:schemeClr val="dk1"/>
+    </dgm:txFillClrLst>
+    <dgm:txEffectClrLst/>
+  </dgm:styleLbl>
+  <dgm:styleLbl name="bgSibTrans2D1">
+    <dgm:fillClrLst meth="repeat">
+      <a:schemeClr val="accent3">
+        <a:tint val="60000"/>
+      </a:schemeClr>
+    </dgm:fillClrLst>
+    <dgm:linClrLst meth="repeat">
+      <a:schemeClr val="accent3">
+        <a:tint val="60000"/>
+      </a:schemeClr>
+    </dgm:linClrLst>
+    <dgm:effectClrLst/>
+    <dgm:txLinClrLst/>
+    <dgm:txFillClrLst meth="repeat">
+      <a:schemeClr val="dk1"/>
+    </dgm:txFillClrLst>
+    <dgm:txEffectClrLst/>
+  </dgm:styleLbl>
+  <dgm:styleLbl name="sibTrans1D1">
+    <dgm:fillClrLst meth="repeat">
+      <a:schemeClr val="accent3"/>
+    </dgm:fillClrLst>
+    <dgm:linClrLst meth="repeat">
+      <a:schemeClr val="accent3"/>
+    </dgm:linClrLst>
+    <dgm:effectClrLst/>
+    <dgm:txLinClrLst/>
+    <dgm:txFillClrLst meth="repeat">
+      <a:schemeClr val="tx1"/>
+    </dgm:txFillClrLst>
+    <dgm:txEffectClrLst/>
+  </dgm:styleLbl>
+  <dgm:styleLbl name="callout">
+    <dgm:fillClrLst meth="repeat">
+      <a:schemeClr val="accent3"/>
+    </dgm:fillClrLst>
+    <dgm:linClrLst meth="repeat">
+      <a:schemeClr val="accent3"/>
+    </dgm:linClrLst>
+    <dgm:effectClrLst/>
+    <dgm:txLinClrLst/>
+    <dgm:txFillClrLst meth="repeat">
+      <a:schemeClr val="tx1"/>
+    </dgm:txFillClrLst>
+    <dgm:txEffectClrLst/>
+  </dgm:styleLbl>
+  <dgm:styleLbl name="asst0">
+    <dgm:fillClrLst meth="repeat">
+      <a:schemeClr val="lt1"/>
+    </dgm:fillClrLst>
+    <dgm:linClrLst meth="repeat">
+      <a:schemeClr val="accent3">
+        <a:shade val="80000"/>
+      </a:schemeClr>
+    </dgm:linClrLst>
+    <dgm:effectClrLst/>
+    <dgm:txLinClrLst/>
+    <dgm:txFillClrLst meth="repeat">
+      <a:schemeClr val="dk1"/>
+    </dgm:txFillClrLst>
+    <dgm:txEffectClrLst/>
+  </dgm:styleLbl>
+  <dgm:styleLbl name="asst1">
+    <dgm:fillClrLst meth="repeat">
+      <a:schemeClr val="lt1"/>
+    </dgm:fillClrLst>
+    <dgm:linClrLst meth="repeat">
+      <a:schemeClr val="accent3">
+        <a:shade val="80000"/>
+      </a:schemeClr>
+    </dgm:linClrLst>
+    <dgm:effectClrLst/>
+    <dgm:txLinClrLst/>
+    <dgm:txFillClrLst meth="repeat">
+      <a:schemeClr val="dk1"/>
+    </dgm:txFillClrLst>
+    <dgm:txEffectClrLst/>
+  </dgm:styleLbl>
+  <dgm:styleLbl name="asst2">
+    <dgm:fillClrLst meth="repeat">
+      <a:schemeClr val="lt1"/>
+    </dgm:fillClrLst>
+    <dgm:linClrLst meth="repeat">
+      <a:schemeClr val="accent3">
+        <a:shade val="80000"/>
+      </a:schemeClr>
+    </dgm:linClrLst>
+    <dgm:effectClrLst/>
+    <dgm:txLinClrLst/>
+    <dgm:txFillClrLst meth="repeat">
+      <a:schemeClr val="dk1"/>
+    </dgm:txFillClrLst>
+    <dgm:txEffectClrLst/>
+  </dgm:styleLbl>
+  <dgm:styleLbl name="asst3">
+    <dgm:fillClrLst meth="repeat">
+      <a:schemeClr val="lt1"/>
+    </dgm:fillClrLst>
+    <dgm:linClrLst meth="repeat">
+      <a:schemeClr val="accent3">
+        <a:shade val="80000"/>
+      </a:schemeClr>
+    </dgm:linClrLst>
+    <dgm:effectClrLst/>
+    <dgm:txLinClrLst/>
+    <dgm:txFillClrLst meth="repeat">
+      <a:schemeClr val="dk1"/>
+    </dgm:txFillClrLst>
+    <dgm:txEffectClrLst/>
+  </dgm:styleLbl>
+  <dgm:styleLbl name="asst4">
+    <dgm:fillClrLst meth="repeat">
+      <a:schemeClr val="lt1"/>
+    </dgm:fillClrLst>
+    <dgm:linClrLst meth="repeat">
+      <a:schemeClr val="accent3">
+        <a:shade val="80000"/>
+      </a:schemeClr>
+    </dgm:linClrLst>
+    <dgm:effectClrLst/>
+    <dgm:txLinClrLst/>
+    <dgm:txFillClrLst meth="repeat">
+      <a:schemeClr val="dk1"/>
+    </dgm:txFillClrLst>
+    <dgm:txEffectClrLst/>
+  </dgm:styleLbl>
+  <dgm:styleLbl name="parChTrans2D1">
+    <dgm:fillClrLst meth="repeat">
+      <a:schemeClr val="accent3">
+        <a:tint val="60000"/>
+      </a:schemeClr>
+    </dgm:fillClrLst>
+    <dgm:linClrLst meth="repeat">
+      <a:schemeClr val="accent3">
+        <a:tint val="60000"/>
+      </a:schemeClr>
+    </dgm:linClrLst>
+    <dgm:effectClrLst/>
+    <dgm:txLinClrLst/>
+    <dgm:txFillClrLst/>
+    <dgm:txEffectClrLst/>
+  </dgm:styleLbl>
+  <dgm:styleLbl name="parChTrans2D2">
+    <dgm:fillClrLst meth="repeat">
+      <a:schemeClr val="accent3"/>
+    </dgm:fillClrLst>
+    <dgm:linClrLst meth="repeat">
+      <a:schemeClr val="accent3"/>
+    </dgm:linClrLst>
+    <dgm:effectClrLst/>
+    <dgm:txLinClrLst/>
+    <dgm:txFillClrLst/>
+    <dgm:txEffectClrLst/>
+  </dgm:styleLbl>
+  <dgm:styleLbl name="parChTrans2D3">
+    <dgm:fillClrLst meth="repeat">
+      <a:schemeClr val="accent3"/>
+    </dgm:fillClrLst>
+    <dgm:linClrLst meth="repeat">
+      <a:schemeClr val="accent3"/>
+    </dgm:linClrLst>
+    <dgm:effectClrLst/>
+    <dgm:txLinClrLst/>
+    <dgm:txFillClrLst/>
+    <dgm:txEffectClrLst/>
+  </dgm:styleLbl>
+  <dgm:styleLbl name="parChTrans2D4">
+    <dgm:fillClrLst meth="repeat">
+      <a:schemeClr val="accent3"/>
+    </dgm:fillClrLst>
+    <dgm:linClrLst meth="repeat">
+      <a:schemeClr val="accent3"/>
+    </dgm:linClrLst>
+    <dgm:effectClrLst/>
+    <dgm:txLinClrLst/>
+    <dgm:txFillClrLst meth="repeat">
+      <a:schemeClr val="lt1"/>
+    </dgm:txFillClrLst>
+    <dgm:txEffectClrLst/>
+  </dgm:styleLbl>
+  <dgm:styleLbl name="parChTrans1D1">
+    <dgm:fillClrLst meth="repeat">
+      <a:schemeClr val="accent3"/>
+    </dgm:fillClrLst>
+    <dgm:linClrLst meth="repeat">
+      <a:schemeClr val="accent3">
+        <a:shade val="60000"/>
+      </a:schemeClr>
+    </dgm:linClrLst>
+    <dgm:effectClrLst/>
+    <dgm:txLinClrLst/>
+    <dgm:txFillClrLst meth="repeat">
+      <a:schemeClr val="tx1"/>
+    </dgm:txFillClrLst>
+    <dgm:txEffectClrLst/>
+  </dgm:styleLbl>
+  <dgm:styleLbl name="parChTrans1D2">
+    <dgm:fillClrLst meth="repeat">
+      <a:schemeClr val="accent3"/>
+    </dgm:fillClrLst>
+    <dgm:linClrLst meth="repeat">
+      <a:schemeClr val="accent3">
+        <a:shade val="60000"/>
+      </a:schemeClr>
+    </dgm:linClrLst>
+    <dgm:effectClrLst/>
+    <dgm:txLinClrLst/>
+    <dgm:txFillClrLst meth="repeat">
+      <a:schemeClr val="tx1"/>
+    </dgm:txFillClrLst>
+    <dgm:txEffectClrLst/>
+  </dgm:styleLbl>
+  <dgm:styleLbl name="parChTrans1D3">
+    <dgm:fillClrLst meth="repeat">
+      <a:schemeClr val="accent3"/>
+    </dgm:fillClrLst>
+    <dgm:linClrLst meth="repeat">
+      <a:schemeClr val="accent3">
+        <a:shade val="80000"/>
+      </a:schemeClr>
+    </dgm:linClrLst>
+    <dgm:effectClrLst/>
+    <dgm:txLinClrLst/>
+    <dgm:txFillClrLst meth="repeat">
+      <a:schemeClr val="tx1"/>
+    </dgm:txFillClrLst>
+    <dgm:txEffectClrLst/>
+  </dgm:styleLbl>
+  <dgm:styleLbl name="parChTrans1D4">
+    <dgm:fillClrLst meth="repeat">
+      <a:schemeClr val="accent3"/>
+    </dgm:fillClrLst>
+    <dgm:linClrLst meth="repeat">
+      <a:schemeClr val="accent3">
+        <a:shade val="80000"/>
+      </a:schemeClr>
+    </dgm:linClrLst>
+    <dgm:effectClrLst/>
+    <dgm:txLinClrLst/>
+    <dgm:txFillClrLst meth="repeat">
+      <a:schemeClr val="tx1"/>
+    </dgm:txFillClrLst>
+    <dgm:txEffectClrLst/>
+  </dgm:styleLbl>
+  <dgm:styleLbl name="fgAcc1">
+    <dgm:fillClrLst meth="repeat">
+      <a:schemeClr val="accent3">
+        <a:alpha val="90000"/>
+        <a:tint val="40000"/>
+      </a:schemeClr>
+    </dgm:fillClrLst>
+    <dgm:linClrLst meth="repeat">
+      <a:schemeClr val="accent3"/>
+    </dgm:linClrLst>
+    <dgm:effectClrLst/>
+    <dgm:txLinClrLst/>
+    <dgm:txFillClrLst meth="repeat">
+      <a:schemeClr val="dk1"/>
+    </dgm:txFillClrLst>
+    <dgm:txEffectClrLst/>
+  </dgm:styleLbl>
+  <dgm:styleLbl name="conFgAcc1">
+    <dgm:fillClrLst meth="repeat">
+      <a:schemeClr val="accent3">
+        <a:alpha val="90000"/>
+        <a:tint val="40000"/>
+      </a:schemeClr>
+    </dgm:fillClrLst>
+    <dgm:linClrLst meth="repeat">
+      <a:schemeClr val="accent3"/>
+    </dgm:linClrLst>
+    <dgm:effectClrLst/>
+    <dgm:txLinClrLst/>
+    <dgm:txFillClrLst meth="repeat">
+      <a:schemeClr val="dk1"/>
+    </dgm:txFillClrLst>
+    <dgm:txEffectClrLst/>
+  </dgm:styleLbl>
+  <dgm:styleLbl name="alignAcc1">
+    <dgm:fillClrLst meth="repeat">
+      <a:schemeClr val="accent3">
+        <a:alpha val="90000"/>
+        <a:tint val="40000"/>
+      </a:schemeClr>
+    </dgm:fillClrLst>
+    <dgm:linClrLst meth="repeat">
+      <a:schemeClr val="accent3"/>
+    </dgm:linClrLst>
+    <dgm:effectClrLst/>
+    <dgm:txLinClrLst/>
+    <dgm:txFillClrLst meth="repeat">
+      <a:schemeClr val="dk1"/>
+    </dgm:txFillClrLst>
+    <dgm:txEffectClrLst/>
+  </dgm:styleLbl>
+  <dgm:styleLbl name="trAlignAcc1">
+    <dgm:fillClrLst meth="repeat">
+      <a:schemeClr val="accent3">
+        <a:alpha val="40000"/>
+        <a:tint val="40000"/>
+      </a:schemeClr>
+    </dgm:fillClrLst>
+    <dgm:linClrLst meth="repeat">
+      <a:schemeClr val="accent3"/>
+    </dgm:linClrLst>
+    <dgm:effectClrLst/>
+    <dgm:txLinClrLst/>
+    <dgm:txFillClrLst meth="repeat">
+      <a:schemeClr val="dk1"/>
+    </dgm:txFillClrLst>
+    <dgm:txEffectClrLst/>
+  </dgm:styleLbl>
+  <dgm:styleLbl name="bgAcc1">
+    <dgm:fillClrLst meth="repeat">
+      <a:schemeClr val="accent3">
+        <a:alpha val="90000"/>
+        <a:tint val="40000"/>
+      </a:schemeClr>
+    </dgm:fillClrLst>
+    <dgm:linClrLst meth="repeat">
+      <a:schemeClr val="accent3"/>
+    </dgm:linClrLst>
+    <dgm:effectClrLst/>
+    <dgm:txLinClrLst/>
+    <dgm:txFillClrLst meth="repeat">
+      <a:schemeClr val="dk1"/>
+    </dgm:txFillClrLst>
+    <dgm:txEffectClrLst/>
+  </dgm:styleLbl>
+  <dgm:styleLbl name="solidFgAcc1">
+    <dgm:fillClrLst meth="repeat">
+      <a:schemeClr val="lt1"/>
+    </dgm:fillClrLst>
+    <dgm:linClrLst meth="repeat">
+      <a:schemeClr val="accent3"/>
+    </dgm:linClrLst>
+    <dgm:effectClrLst/>
+    <dgm:txLinClrLst/>
+    <dgm:txFillClrLst meth="repeat">
+      <a:schemeClr val="dk1"/>
+    </dgm:txFillClrLst>
+    <dgm:txEffectClrLst/>
+  </dgm:styleLbl>
+  <dgm:styleLbl name="solidAlignAcc1">
+    <dgm:fillClrLst meth="repeat">
+      <a:schemeClr val="lt1"/>
+    </dgm:fillClrLst>
+    <dgm:linClrLst meth="repeat">
+      <a:schemeClr val="accent3"/>
+    </dgm:linClrLst>
+    <dgm:effectClrLst/>
+    <dgm:txLinClrLst/>
+    <dgm:txFillClrLst meth="repeat">
+      <a:schemeClr val="dk1"/>
+    </dgm:txFillClrLst>
+    <dgm:txEffectClrLst/>
+  </dgm:styleLbl>
+  <dgm:styleLbl name="solidBgAcc1">
+    <dgm:fillClrLst meth="repeat">
+      <a:schemeClr val="lt1"/>
+    </dgm:fillClrLst>
+    <dgm:linClrLst meth="repeat">
+      <a:schemeClr val="accent3"/>
+    </dgm:linClrLst>
+    <dgm:effectClrLst/>
+    <dgm:txLinClrLst/>
+    <dgm:txFillClrLst meth="repeat">
+      <a:schemeClr val="dk1"/>
+    </dgm:txFillClrLst>
+    <dgm:txEffectClrLst/>
+  </dgm:styleLbl>
+  <dgm:styleLbl name="fgAccFollowNode1">
+    <dgm:fillClrLst meth="repeat">
+      <a:schemeClr val="lt1">
+        <a:alpha val="90000"/>
+        <a:tint val="40000"/>
+      </a:schemeClr>
+    </dgm:fillClrLst>
+    <dgm:linClrLst meth="repeat">
+      <a:schemeClr val="accent3">
+        <a:alpha val="90000"/>
+      </a:schemeClr>
+    </dgm:linClrLst>
+    <dgm:effectClrLst/>
+    <dgm:txLinClrLst/>
+    <dgm:txFillClrLst meth="repeat">
+      <a:schemeClr val="dk1"/>
+    </dgm:txFillClrLst>
+    <dgm:txEffectClrLst/>
+  </dgm:styleLbl>
+  <dgm:styleLbl name="alignAccFollowNode1">
+    <dgm:fillClrLst meth="repeat">
+      <a:schemeClr val="lt1">
+        <a:alpha val="90000"/>
+        <a:tint val="40000"/>
+      </a:schemeClr>
+    </dgm:fillClrLst>
+    <dgm:linClrLst meth="repeat">
+      <a:schemeClr val="accent3">
+        <a:alpha val="90000"/>
+      </a:schemeClr>
+    </dgm:linClrLst>
+    <dgm:effectClrLst/>
+    <dgm:txLinClrLst/>
+    <dgm:txFillClrLst meth="repeat">
+      <a:schemeClr val="dk1"/>
+    </dgm:txFillClrLst>
+    <dgm:txEffectClrLst/>
+  </dgm:styleLbl>
+  <dgm:styleLbl name="bgAccFollowNode1">
+    <dgm:fillClrLst meth="repeat">
+      <a:schemeClr val="lt1">
+        <a:alpha val="90000"/>
+        <a:tint val="40000"/>
+      </a:schemeClr>
+    </dgm:fillClrLst>
+    <dgm:linClrLst meth="repeat">
+      <a:schemeClr val="accent3">
+        <a:alpha val="90000"/>
+      </a:schemeClr>
+    </dgm:linClrLst>
+    <dgm:effectClrLst/>
+    <dgm:txLinClrLst/>
+    <dgm:txFillClrLst meth="repeat">
+      <a:schemeClr val="dk1"/>
+    </dgm:txFillClrLst>
+    <dgm:txEffectClrLst/>
+  </dgm:styleLbl>
+  <dgm:styleLbl name="fgAcc0">
+    <dgm:fillClrLst meth="repeat">
+      <a:schemeClr val="accent3">
+        <a:alpha val="90000"/>
+        <a:tint val="40000"/>
+      </a:schemeClr>
+    </dgm:fillClrLst>
+    <dgm:linClrLst meth="repeat">
+      <a:schemeClr val="accent3"/>
+    </dgm:linClrLst>
+    <dgm:effectClrLst/>
+    <dgm:txLinClrLst/>
+    <dgm:txFillClrLst meth="repeat">
+      <a:schemeClr val="dk1"/>
+    </dgm:txFillClrLst>
+    <dgm:txEffectClrLst/>
+  </dgm:styleLbl>
+  <dgm:styleLbl name="fgAcc2">
+    <dgm:fillClrLst meth="repeat">
+      <a:schemeClr val="accent3">
+        <a:alpha val="90000"/>
+        <a:tint val="40000"/>
+      </a:schemeClr>
+    </dgm:fillClrLst>
+    <dgm:linClrLst meth="repeat">
+      <a:schemeClr val="accent3"/>
+    </dgm:linClrLst>
+    <dgm:effectClrLst/>
+    <dgm:txLinClrLst/>
+    <dgm:txFillClrLst meth="repeat">
+      <a:schemeClr val="dk1"/>
+    </dgm:txFillClrLst>
+    <dgm:txEffectClrLst/>
+  </dgm:styleLbl>
+  <dgm:styleLbl name="fgAcc3">
+    <dgm:fillClrLst meth="repeat">
+      <a:schemeClr val="accent3">
+        <a:alpha val="90000"/>
+        <a:tint val="40000"/>
+      </a:schemeClr>
+    </dgm:fillClrLst>
+    <dgm:linClrLst meth="repeat">
+      <a:schemeClr val="accent3"/>
+    </dgm:linClrLst>
+    <dgm:effectClrLst/>
+    <dgm:txLinClrLst/>
+    <dgm:txFillClrLst meth="repeat">
+      <a:schemeClr val="dk1"/>
+    </dgm:txFillClrLst>
+    <dgm:txEffectClrLst/>
+  </dgm:styleLbl>
+  <dgm:styleLbl name="fgAcc4">
+    <dgm:fillClrLst meth="repeat">
+      <a:schemeClr val="accent3">
+        <a:alpha val="90000"/>
+        <a:tint val="40000"/>
+      </a:schemeClr>
+    </dgm:fillClrLst>
+    <dgm:linClrLst meth="repeat">
+      <a:schemeClr val="accent3"/>
+    </dgm:linClrLst>
+    <dgm:effectClrLst/>
+    <dgm:txLinClrLst/>
+    <dgm:txFillClrLst meth="repeat">
+      <a:schemeClr val="dk1"/>
+    </dgm:txFillClrLst>
+    <dgm:txEffectClrLst/>
+  </dgm:styleLbl>
+  <dgm:styleLbl name="bgShp">
+    <dgm:fillClrLst meth="repeat">
+      <a:schemeClr val="accent3">
+        <a:tint val="40000"/>
+      </a:schemeClr>
+    </dgm:fillClrLst>
+    <dgm:linClrLst meth="repeat">
+      <a:schemeClr val="accent3"/>
+    </dgm:linClrLst>
+    <dgm:effectClrLst/>
+    <dgm:txLinClrLst/>
+    <dgm:txFillClrLst meth="repeat">
+      <a:schemeClr val="dk1"/>
+    </dgm:txFillClrLst>
+    <dgm:txEffectClrLst/>
+  </dgm:styleLbl>
+  <dgm:styleLbl name="dkBgShp">
+    <dgm:fillClrLst meth="repeat">
+      <a:schemeClr val="accent3">
+        <a:shade val="80000"/>
+      </a:schemeClr>
+    </dgm:fillClrLst>
+    <dgm:linClrLst meth="repeat">
+      <a:schemeClr val="accent3"/>
+    </dgm:linClrLst>
+    <dgm:effectClrLst/>
+    <dgm:txLinClrLst/>
+    <dgm:txFillClrLst meth="repeat">
+      <a:schemeClr val="lt1"/>
+    </dgm:txFillClrLst>
+    <dgm:txEffectClrLst/>
+  </dgm:styleLbl>
+  <dgm:styleLbl name="trBgShp">
+    <dgm:fillClrLst meth="repeat">
+      <a:schemeClr val="accent3">
+        <a:tint val="50000"/>
+        <a:alpha val="40000"/>
+      </a:schemeClr>
+    </dgm:fillClrLst>
+    <dgm:linClrLst meth="repeat">
+      <a:schemeClr val="accent3"/>
+    </dgm:linClrLst>
+    <dgm:effectClrLst/>
+    <dgm:txLinClrLst/>
+    <dgm:txFillClrLst meth="repeat">
+      <a:schemeClr val="lt1"/>
+    </dgm:txFillClrLst>
+    <dgm:txEffectClrLst/>
+  </dgm:styleLbl>
+  <dgm:styleLbl name="fgShp">
+    <dgm:fillClrLst meth="repeat">
+      <a:schemeClr val="accent3">
+        <a:tint val="60000"/>
+      </a:schemeClr>
+    </dgm:fillClrLst>
+    <dgm:linClrLst meth="repeat">
+      <a:schemeClr val="lt1"/>
+    </dgm:linClrLst>
+    <dgm:effectClrLst/>
+    <dgm:txLinClrLst/>
+    <dgm:txFillClrLst meth="repeat">
+      <a:schemeClr val="dk1"/>
+    </dgm:txFillClrLst>
+    <dgm:txEffectClrLst/>
+  </dgm:styleLbl>
+  <dgm:styleLbl name="revTx">
+    <dgm:fillClrLst meth="repeat">
+      <a:schemeClr val="lt1">
+        <a:alpha val="0"/>
+      </a:schemeClr>
+    </dgm:fillClrLst>
+    <dgm:linClrLst meth="repeat">
+      <a:schemeClr val="dk1">
+        <a:alpha val="0"/>
+      </a:schemeClr>
+    </dgm:linClrLst>
+    <dgm:effectClrLst/>
+    <dgm:txLinClrLst/>
+    <dgm:txFillClrLst meth="repeat">
+      <a:schemeClr val="tx1"/>
+    </dgm:txFillClrLst>
+    <dgm:txEffectClrLst/>
+  </dgm:styleLbl>
+</dgm:colorsDef>
+</file>
+
+<file path=ppt/diagrams/data1.xml><?xml version="1.0" encoding="utf-8"?>
+<dgm:dataModel xmlns:dgm="http://schemas.openxmlformats.org/drawingml/2006/diagram" xmlns:a="http://schemas.openxmlformats.org/drawingml/2006/main">
+  <dgm:ptLst>
+    <dgm:pt modelId="{971A4F3E-9ECD-4D28-9374-280E255993A9}" type="doc">
+      <dgm:prSet loTypeId="urn:microsoft.com/office/officeart/2011/layout/HexagonRadial" loCatId="officeonline" qsTypeId="urn:microsoft.com/office/officeart/2005/8/quickstyle/simple1" qsCatId="simple" csTypeId="urn:microsoft.com/office/officeart/2005/8/colors/accent3_1" csCatId="accent3" phldr="1"/>
+      <dgm:spPr/>
+      <dgm:t>
+        <a:bodyPr/>
+        <a:lstStyle/>
+        <a:p>
+          <a:endParaRPr lang="en-US"/>
+        </a:p>
+      </dgm:t>
+    </dgm:pt>
+    <dgm:pt modelId="{D2E0EC13-B370-419D-8916-5096FDF48D81}">
+      <dgm:prSet phldrT="[Text]"/>
+      <dgm:spPr/>
+      <dgm:t>
+        <a:bodyPr/>
+        <a:lstStyle/>
+        <a:p>
+          <a:r>
+            <a:rPr lang="en-US" dirty="0" smtClean="0"/>
+            <a:t>Programming</a:t>
+          </a:r>
+          <a:endParaRPr lang="en-US" dirty="0"/>
+        </a:p>
+      </dgm:t>
+    </dgm:pt>
+    <dgm:pt modelId="{59DD0A5A-577F-4D4C-AD42-95511B0E4EF9}" type="parTrans" cxnId="{791737CC-E73A-4310-98D1-273C6249A318}">
+      <dgm:prSet/>
+      <dgm:spPr/>
+      <dgm:t>
+        <a:bodyPr/>
+        <a:lstStyle/>
+        <a:p>
+          <a:endParaRPr lang="en-US"/>
+        </a:p>
+      </dgm:t>
+    </dgm:pt>
+    <dgm:pt modelId="{830CC704-C4F9-4D60-A1BF-B5A6122BEE04}" type="sibTrans" cxnId="{791737CC-E73A-4310-98D1-273C6249A318}">
+      <dgm:prSet/>
+      <dgm:spPr/>
+      <dgm:t>
+        <a:bodyPr/>
+        <a:lstStyle/>
+        <a:p>
+          <a:endParaRPr lang="en-US"/>
+        </a:p>
+      </dgm:t>
+    </dgm:pt>
+    <dgm:pt modelId="{1771423F-1998-4B3F-A6A8-581F4A2E303B}">
+      <dgm:prSet phldrT="[Text]"/>
+      <dgm:spPr/>
+      <dgm:t>
+        <a:bodyPr/>
+        <a:lstStyle/>
+        <a:p>
+          <a:r>
+            <a:rPr lang="en-US" dirty="0" smtClean="0"/>
+            <a:t>A way of thinking</a:t>
+          </a:r>
+          <a:endParaRPr lang="en-US" dirty="0"/>
+        </a:p>
+      </dgm:t>
+    </dgm:pt>
+    <dgm:pt modelId="{7B5F1B24-373C-4959-A8D8-3BF91F9CF3A5}" type="parTrans" cxnId="{8CD45410-4C94-4732-91EF-33D9A2B7F490}">
+      <dgm:prSet/>
+      <dgm:spPr/>
+      <dgm:t>
+        <a:bodyPr/>
+        <a:lstStyle/>
+        <a:p>
+          <a:endParaRPr lang="en-US"/>
+        </a:p>
+      </dgm:t>
+    </dgm:pt>
+    <dgm:pt modelId="{9B4E751F-9D0E-493B-A2BA-1781240415FC}" type="sibTrans" cxnId="{8CD45410-4C94-4732-91EF-33D9A2B7F490}">
+      <dgm:prSet/>
+      <dgm:spPr/>
+      <dgm:t>
+        <a:bodyPr/>
+        <a:lstStyle/>
+        <a:p>
+          <a:endParaRPr lang="en-US"/>
+        </a:p>
+      </dgm:t>
+    </dgm:pt>
+    <dgm:pt modelId="{7EA2C949-ADC7-4DC8-A9D3-03A86E80CC81}">
+      <dgm:prSet phldrT="[Text]"/>
+      <dgm:spPr/>
+      <dgm:t>
+        <a:bodyPr/>
+        <a:lstStyle/>
+        <a:p>
+          <a:r>
+            <a:rPr lang="en-US" dirty="0" smtClean="0"/>
+            <a:t>Definitions</a:t>
+          </a:r>
+          <a:endParaRPr lang="en-US" dirty="0"/>
+        </a:p>
+      </dgm:t>
+    </dgm:pt>
+    <dgm:pt modelId="{6E9A3879-219F-4C5D-BD96-DF2D678C1C8C}" type="parTrans" cxnId="{B616400D-89F9-4710-9BE1-44BB088603F7}">
+      <dgm:prSet/>
+      <dgm:spPr/>
+      <dgm:t>
+        <a:bodyPr/>
+        <a:lstStyle/>
+        <a:p>
+          <a:endParaRPr lang="en-US"/>
+        </a:p>
+      </dgm:t>
+    </dgm:pt>
+    <dgm:pt modelId="{E9B6DB3F-FE33-4BAC-9884-D8D1F58B5362}" type="sibTrans" cxnId="{B616400D-89F9-4710-9BE1-44BB088603F7}">
+      <dgm:prSet/>
+      <dgm:spPr/>
+      <dgm:t>
+        <a:bodyPr/>
+        <a:lstStyle/>
+        <a:p>
+          <a:endParaRPr lang="en-US"/>
+        </a:p>
+      </dgm:t>
+    </dgm:pt>
+    <dgm:pt modelId="{0CDFF82F-91C0-472E-A6CB-D15494DAD1F3}">
+      <dgm:prSet phldrT="[Text]"/>
+      <dgm:spPr/>
+      <dgm:t>
+        <a:bodyPr/>
+        <a:lstStyle/>
+        <a:p>
+          <a:r>
+            <a:rPr lang="en-US" dirty="0" smtClean="0"/>
+            <a:t>Python</a:t>
+          </a:r>
+          <a:endParaRPr lang="en-US" dirty="0"/>
+        </a:p>
+      </dgm:t>
+    </dgm:pt>
+    <dgm:pt modelId="{C3661F8B-CF87-45AB-B96B-A8F3B14C93F8}" type="parTrans" cxnId="{C9A4092B-D371-4F51-8B45-FF7DE5E761D6}">
+      <dgm:prSet/>
+      <dgm:spPr/>
+      <dgm:t>
+        <a:bodyPr/>
+        <a:lstStyle/>
+        <a:p>
+          <a:endParaRPr lang="en-US"/>
+        </a:p>
+      </dgm:t>
+    </dgm:pt>
+    <dgm:pt modelId="{9F80B5C6-E74B-4366-9CDF-82CD755C36FD}" type="sibTrans" cxnId="{C9A4092B-D371-4F51-8B45-FF7DE5E761D6}">
+      <dgm:prSet/>
+      <dgm:spPr/>
+      <dgm:t>
+        <a:bodyPr/>
+        <a:lstStyle/>
+        <a:p>
+          <a:endParaRPr lang="en-US"/>
+        </a:p>
+      </dgm:t>
+    </dgm:pt>
+    <dgm:pt modelId="{BFC044A6-4ADA-4A9E-849E-618EC556500C}">
+      <dgm:prSet phldrT="[Text]"/>
+      <dgm:spPr/>
+      <dgm:t>
+        <a:bodyPr/>
+        <a:lstStyle/>
+        <a:p>
+          <a:r>
+            <a:rPr lang="en-US" dirty="0" smtClean="0"/>
+            <a:t>Variables Objects Types</a:t>
+          </a:r>
+          <a:endParaRPr lang="en-US" dirty="0"/>
+        </a:p>
+      </dgm:t>
+    </dgm:pt>
+    <dgm:pt modelId="{79402542-84F9-4A9E-9486-E44812A4DEC6}" type="parTrans" cxnId="{08B1B05C-C611-4520-9F68-39A707177382}">
+      <dgm:prSet/>
+      <dgm:spPr/>
+      <dgm:t>
+        <a:bodyPr/>
+        <a:lstStyle/>
+        <a:p>
+          <a:endParaRPr lang="en-US"/>
+        </a:p>
+      </dgm:t>
+    </dgm:pt>
+    <dgm:pt modelId="{843E6F27-3EF9-4F24-B721-EDEC06AEE159}" type="sibTrans" cxnId="{08B1B05C-C611-4520-9F68-39A707177382}">
+      <dgm:prSet/>
+      <dgm:spPr/>
+      <dgm:t>
+        <a:bodyPr/>
+        <a:lstStyle/>
+        <a:p>
+          <a:endParaRPr lang="en-US"/>
+        </a:p>
+      </dgm:t>
+    </dgm:pt>
+    <dgm:pt modelId="{989CC405-E858-4DAA-B680-E8CB5DA804D4}">
+      <dgm:prSet phldrT="[Text]"/>
+      <dgm:spPr/>
+      <dgm:t>
+        <a:bodyPr/>
+        <a:lstStyle/>
+        <a:p>
+          <a:r>
+            <a:rPr lang="en-US" dirty="0" smtClean="0"/>
+            <a:t>Logic</a:t>
+          </a:r>
+          <a:endParaRPr lang="en-US" dirty="0"/>
+        </a:p>
+      </dgm:t>
+    </dgm:pt>
+    <dgm:pt modelId="{86CBFB8C-5175-4DC4-A2D1-727F4A0F20C3}" type="parTrans" cxnId="{5D16E791-8332-40DA-88FE-39FD99E9BCEE}">
+      <dgm:prSet/>
+      <dgm:spPr/>
+      <dgm:t>
+        <a:bodyPr/>
+        <a:lstStyle/>
+        <a:p>
+          <a:endParaRPr lang="en-US"/>
+        </a:p>
+      </dgm:t>
+    </dgm:pt>
+    <dgm:pt modelId="{875BA70A-B48C-46DB-8EA0-18EEA669D8DA}" type="sibTrans" cxnId="{5D16E791-8332-40DA-88FE-39FD99E9BCEE}">
+      <dgm:prSet/>
+      <dgm:spPr/>
+      <dgm:t>
+        <a:bodyPr/>
+        <a:lstStyle/>
+        <a:p>
+          <a:endParaRPr lang="en-US"/>
+        </a:p>
+      </dgm:t>
+    </dgm:pt>
+    <dgm:pt modelId="{959D2369-0CDD-443A-9315-7568896F076B}">
+      <dgm:prSet phldrT="[Text]"/>
+      <dgm:spPr/>
+      <dgm:t>
+        <a:bodyPr/>
+        <a:lstStyle/>
+        <a:p>
+          <a:r>
+            <a:rPr lang="en-US" dirty="0" smtClean="0"/>
+            <a:t>Practice &amp; Examples</a:t>
+          </a:r>
+          <a:endParaRPr lang="en-US" dirty="0"/>
+        </a:p>
+      </dgm:t>
+    </dgm:pt>
+    <dgm:pt modelId="{AF862311-A406-41DD-82A0-539DB535642D}" type="parTrans" cxnId="{0D74E43B-6518-49FF-91ED-7DF480089943}">
+      <dgm:prSet/>
+      <dgm:spPr/>
+      <dgm:t>
+        <a:bodyPr/>
+        <a:lstStyle/>
+        <a:p>
+          <a:endParaRPr lang="en-US"/>
+        </a:p>
+      </dgm:t>
+    </dgm:pt>
+    <dgm:pt modelId="{7A78624C-7C5B-45C6-8680-F9FEDE54E0A3}" type="sibTrans" cxnId="{0D74E43B-6518-49FF-91ED-7DF480089943}">
+      <dgm:prSet/>
+      <dgm:spPr/>
+      <dgm:t>
+        <a:bodyPr/>
+        <a:lstStyle/>
+        <a:p>
+          <a:endParaRPr lang="en-US"/>
+        </a:p>
+      </dgm:t>
+    </dgm:pt>
+    <dgm:pt modelId="{44C74DD0-AB87-4D08-AF38-77BB84DF5F0D}" type="pres">
+      <dgm:prSet presAssocID="{971A4F3E-9ECD-4D28-9374-280E255993A9}" presName="Name0" presStyleCnt="0">
+        <dgm:presLayoutVars>
+          <dgm:chMax val="1"/>
+          <dgm:chPref val="1"/>
+          <dgm:dir/>
+          <dgm:animOne val="branch"/>
+          <dgm:animLvl val="lvl"/>
+        </dgm:presLayoutVars>
+      </dgm:prSet>
+      <dgm:spPr/>
+    </dgm:pt>
+    <dgm:pt modelId="{BDC36404-1C21-4524-8C65-D5C34F9F8594}" type="pres">
+      <dgm:prSet presAssocID="{D2E0EC13-B370-419D-8916-5096FDF48D81}" presName="Parent" presStyleLbl="node0" presStyleIdx="0" presStyleCnt="1">
+        <dgm:presLayoutVars>
+          <dgm:chMax val="6"/>
+          <dgm:chPref val="6"/>
+        </dgm:presLayoutVars>
+      </dgm:prSet>
+      <dgm:spPr/>
+      <dgm:t>
+        <a:bodyPr/>
+        <a:lstStyle/>
+        <a:p>
+          <a:endParaRPr lang="en-US"/>
+        </a:p>
+      </dgm:t>
+    </dgm:pt>
+    <dgm:pt modelId="{5A6F3815-96BE-4927-BA62-77BD0485E19D}" type="pres">
+      <dgm:prSet presAssocID="{1771423F-1998-4B3F-A6A8-581F4A2E303B}" presName="Accent1" presStyleCnt="0"/>
+      <dgm:spPr/>
+    </dgm:pt>
+    <dgm:pt modelId="{60F9D502-5993-40EF-B385-36A77EC49FFC}" type="pres">
+      <dgm:prSet presAssocID="{1771423F-1998-4B3F-A6A8-581F4A2E303B}" presName="Accent" presStyleLbl="bgShp" presStyleIdx="0" presStyleCnt="6"/>
+      <dgm:spPr/>
+    </dgm:pt>
+    <dgm:pt modelId="{ED181B68-CCDA-4DFA-A046-9437A3156FBE}" type="pres">
+      <dgm:prSet presAssocID="{1771423F-1998-4B3F-A6A8-581F4A2E303B}" presName="Child1" presStyleLbl="node1" presStyleIdx="0" presStyleCnt="6">
+        <dgm:presLayoutVars>
+          <dgm:chMax val="0"/>
+          <dgm:chPref val="0"/>
+          <dgm:bulletEnabled val="1"/>
+        </dgm:presLayoutVars>
+      </dgm:prSet>
+      <dgm:spPr/>
+      <dgm:t>
+        <a:bodyPr/>
+        <a:lstStyle/>
+        <a:p>
+          <a:endParaRPr lang="en-US"/>
+        </a:p>
+      </dgm:t>
+    </dgm:pt>
+    <dgm:pt modelId="{ED90D628-0177-416F-8BEB-C2721EC2A223}" type="pres">
+      <dgm:prSet presAssocID="{7EA2C949-ADC7-4DC8-A9D3-03A86E80CC81}" presName="Accent2" presStyleCnt="0"/>
+      <dgm:spPr/>
+    </dgm:pt>
+    <dgm:pt modelId="{BD777956-E05B-42B1-9C77-F5E796A0BF64}" type="pres">
+      <dgm:prSet presAssocID="{7EA2C949-ADC7-4DC8-A9D3-03A86E80CC81}" presName="Accent" presStyleLbl="bgShp" presStyleIdx="1" presStyleCnt="6"/>
+      <dgm:spPr/>
+    </dgm:pt>
+    <dgm:pt modelId="{3D4EB7D8-C8ED-4D65-B5EE-9A020CF4D066}" type="pres">
+      <dgm:prSet presAssocID="{7EA2C949-ADC7-4DC8-A9D3-03A86E80CC81}" presName="Child2" presStyleLbl="node1" presStyleIdx="1" presStyleCnt="6">
+        <dgm:presLayoutVars>
+          <dgm:chMax val="0"/>
+          <dgm:chPref val="0"/>
+          <dgm:bulletEnabled val="1"/>
+        </dgm:presLayoutVars>
+      </dgm:prSet>
+      <dgm:spPr/>
+    </dgm:pt>
+    <dgm:pt modelId="{002B0170-3203-41A4-A966-877CC79F490E}" type="pres">
+      <dgm:prSet presAssocID="{0CDFF82F-91C0-472E-A6CB-D15494DAD1F3}" presName="Accent3" presStyleCnt="0"/>
+      <dgm:spPr/>
+    </dgm:pt>
+    <dgm:pt modelId="{ABB3A6EF-BFB5-4354-A94D-392CFC23BB10}" type="pres">
+      <dgm:prSet presAssocID="{0CDFF82F-91C0-472E-A6CB-D15494DAD1F3}" presName="Accent" presStyleLbl="bgShp" presStyleIdx="2" presStyleCnt="6"/>
+      <dgm:spPr/>
+    </dgm:pt>
+    <dgm:pt modelId="{D1C965B6-7962-4851-B1A1-7A8CFD9ED90D}" type="pres">
+      <dgm:prSet presAssocID="{0CDFF82F-91C0-472E-A6CB-D15494DAD1F3}" presName="Child3" presStyleLbl="node1" presStyleIdx="2" presStyleCnt="6">
+        <dgm:presLayoutVars>
+          <dgm:chMax val="0"/>
+          <dgm:chPref val="0"/>
+          <dgm:bulletEnabled val="1"/>
+        </dgm:presLayoutVars>
+      </dgm:prSet>
+      <dgm:spPr/>
+      <dgm:t>
+        <a:bodyPr/>
+        <a:lstStyle/>
+        <a:p>
+          <a:endParaRPr lang="en-US"/>
+        </a:p>
+      </dgm:t>
+    </dgm:pt>
+    <dgm:pt modelId="{DAFA55D1-E1EA-47FE-B244-7A2D1973A092}" type="pres">
+      <dgm:prSet presAssocID="{BFC044A6-4ADA-4A9E-849E-618EC556500C}" presName="Accent4" presStyleCnt="0"/>
+      <dgm:spPr/>
+    </dgm:pt>
+    <dgm:pt modelId="{105F6132-0383-4569-B2CE-A0233D79305D}" type="pres">
+      <dgm:prSet presAssocID="{BFC044A6-4ADA-4A9E-849E-618EC556500C}" presName="Accent" presStyleLbl="bgShp" presStyleIdx="3" presStyleCnt="6"/>
+      <dgm:spPr/>
+    </dgm:pt>
+    <dgm:pt modelId="{97888FC7-8ECE-4921-AEC1-B6447AB8177B}" type="pres">
+      <dgm:prSet presAssocID="{BFC044A6-4ADA-4A9E-849E-618EC556500C}" presName="Child4" presStyleLbl="node1" presStyleIdx="3" presStyleCnt="6">
+        <dgm:presLayoutVars>
+          <dgm:chMax val="0"/>
+          <dgm:chPref val="0"/>
+          <dgm:bulletEnabled val="1"/>
+        </dgm:presLayoutVars>
+      </dgm:prSet>
+      <dgm:spPr/>
+      <dgm:t>
+        <a:bodyPr/>
+        <a:lstStyle/>
+        <a:p>
+          <a:endParaRPr lang="en-US"/>
+        </a:p>
+      </dgm:t>
+    </dgm:pt>
+    <dgm:pt modelId="{6E3870F8-4558-4395-B630-B2A3BFF842D9}" type="pres">
+      <dgm:prSet presAssocID="{989CC405-E858-4DAA-B680-E8CB5DA804D4}" presName="Accent5" presStyleCnt="0"/>
+      <dgm:spPr/>
+    </dgm:pt>
+    <dgm:pt modelId="{86A271F4-7CDC-4CD4-BEDF-3EA396745A53}" type="pres">
+      <dgm:prSet presAssocID="{989CC405-E858-4DAA-B680-E8CB5DA804D4}" presName="Accent" presStyleLbl="bgShp" presStyleIdx="4" presStyleCnt="6"/>
+      <dgm:spPr/>
+    </dgm:pt>
+    <dgm:pt modelId="{E5F24C4A-BE0A-4147-9336-57D3D63F7F28}" type="pres">
+      <dgm:prSet presAssocID="{989CC405-E858-4DAA-B680-E8CB5DA804D4}" presName="Child5" presStyleLbl="node1" presStyleIdx="4" presStyleCnt="6">
+        <dgm:presLayoutVars>
+          <dgm:chMax val="0"/>
+          <dgm:chPref val="0"/>
+          <dgm:bulletEnabled val="1"/>
+        </dgm:presLayoutVars>
+      </dgm:prSet>
+      <dgm:spPr/>
+    </dgm:pt>
+    <dgm:pt modelId="{912676F7-ED3F-4698-9274-5EBBDC0E9C84}" type="pres">
+      <dgm:prSet presAssocID="{959D2369-0CDD-443A-9315-7568896F076B}" presName="Accent6" presStyleCnt="0"/>
+      <dgm:spPr/>
+    </dgm:pt>
+    <dgm:pt modelId="{7870C9A0-9C15-4F9E-AAAB-8CEF047CD6A0}" type="pres">
+      <dgm:prSet presAssocID="{959D2369-0CDD-443A-9315-7568896F076B}" presName="Accent" presStyleLbl="bgShp" presStyleIdx="5" presStyleCnt="6"/>
+      <dgm:spPr/>
+    </dgm:pt>
+    <dgm:pt modelId="{F1CCADF5-4678-406B-9D3D-0DA1968052DD}" type="pres">
+      <dgm:prSet presAssocID="{959D2369-0CDD-443A-9315-7568896F076B}" presName="Child6" presStyleLbl="node1" presStyleIdx="5" presStyleCnt="6">
+        <dgm:presLayoutVars>
+          <dgm:chMax val="0"/>
+          <dgm:chPref val="0"/>
+          <dgm:bulletEnabled val="1"/>
+        </dgm:presLayoutVars>
+      </dgm:prSet>
+      <dgm:spPr/>
+      <dgm:t>
+        <a:bodyPr/>
+        <a:lstStyle/>
+        <a:p>
+          <a:endParaRPr lang="en-US"/>
+        </a:p>
+      </dgm:t>
+    </dgm:pt>
+  </dgm:ptLst>
+  <dgm:cxnLst>
+    <dgm:cxn modelId="{FE3F334E-E252-44FA-8AA7-FD558F64A120}" type="presOf" srcId="{BFC044A6-4ADA-4A9E-849E-618EC556500C}" destId="{97888FC7-8ECE-4921-AEC1-B6447AB8177B}" srcOrd="0" destOrd="0" presId="urn:microsoft.com/office/officeart/2011/layout/HexagonRadial"/>
+    <dgm:cxn modelId="{8CD45410-4C94-4732-91EF-33D9A2B7F490}" srcId="{D2E0EC13-B370-419D-8916-5096FDF48D81}" destId="{1771423F-1998-4B3F-A6A8-581F4A2E303B}" srcOrd="0" destOrd="0" parTransId="{7B5F1B24-373C-4959-A8D8-3BF91F9CF3A5}" sibTransId="{9B4E751F-9D0E-493B-A2BA-1781240415FC}"/>
+    <dgm:cxn modelId="{0D74E43B-6518-49FF-91ED-7DF480089943}" srcId="{D2E0EC13-B370-419D-8916-5096FDF48D81}" destId="{959D2369-0CDD-443A-9315-7568896F076B}" srcOrd="5" destOrd="0" parTransId="{AF862311-A406-41DD-82A0-539DB535642D}" sibTransId="{7A78624C-7C5B-45C6-8680-F9FEDE54E0A3}"/>
+    <dgm:cxn modelId="{1A11B5CF-434F-406D-83C2-2641779E5F44}" type="presOf" srcId="{989CC405-E858-4DAA-B680-E8CB5DA804D4}" destId="{E5F24C4A-BE0A-4147-9336-57D3D63F7F28}" srcOrd="0" destOrd="0" presId="urn:microsoft.com/office/officeart/2011/layout/HexagonRadial"/>
+    <dgm:cxn modelId="{4DAE5004-2012-487D-994F-22339A379C2D}" type="presOf" srcId="{D2E0EC13-B370-419D-8916-5096FDF48D81}" destId="{BDC36404-1C21-4524-8C65-D5C34F9F8594}" srcOrd="0" destOrd="0" presId="urn:microsoft.com/office/officeart/2011/layout/HexagonRadial"/>
+    <dgm:cxn modelId="{1533FF8D-6259-47EC-8863-A06FA18F2215}" type="presOf" srcId="{959D2369-0CDD-443A-9315-7568896F076B}" destId="{F1CCADF5-4678-406B-9D3D-0DA1968052DD}" srcOrd="0" destOrd="0" presId="urn:microsoft.com/office/officeart/2011/layout/HexagonRadial"/>
+    <dgm:cxn modelId="{5D16E791-8332-40DA-88FE-39FD99E9BCEE}" srcId="{D2E0EC13-B370-419D-8916-5096FDF48D81}" destId="{989CC405-E858-4DAA-B680-E8CB5DA804D4}" srcOrd="4" destOrd="0" parTransId="{86CBFB8C-5175-4DC4-A2D1-727F4A0F20C3}" sibTransId="{875BA70A-B48C-46DB-8EA0-18EEA669D8DA}"/>
+    <dgm:cxn modelId="{C9A4092B-D371-4F51-8B45-FF7DE5E761D6}" srcId="{D2E0EC13-B370-419D-8916-5096FDF48D81}" destId="{0CDFF82F-91C0-472E-A6CB-D15494DAD1F3}" srcOrd="2" destOrd="0" parTransId="{C3661F8B-CF87-45AB-B96B-A8F3B14C93F8}" sibTransId="{9F80B5C6-E74B-4366-9CDF-82CD755C36FD}"/>
+    <dgm:cxn modelId="{66B8FEDD-563A-4D1C-BDFB-2D32E71580C9}" type="presOf" srcId="{0CDFF82F-91C0-472E-A6CB-D15494DAD1F3}" destId="{D1C965B6-7962-4851-B1A1-7A8CFD9ED90D}" srcOrd="0" destOrd="0" presId="urn:microsoft.com/office/officeart/2011/layout/HexagonRadial"/>
+    <dgm:cxn modelId="{B616400D-89F9-4710-9BE1-44BB088603F7}" srcId="{D2E0EC13-B370-419D-8916-5096FDF48D81}" destId="{7EA2C949-ADC7-4DC8-A9D3-03A86E80CC81}" srcOrd="1" destOrd="0" parTransId="{6E9A3879-219F-4C5D-BD96-DF2D678C1C8C}" sibTransId="{E9B6DB3F-FE33-4BAC-9884-D8D1F58B5362}"/>
+    <dgm:cxn modelId="{791737CC-E73A-4310-98D1-273C6249A318}" srcId="{971A4F3E-9ECD-4D28-9374-280E255993A9}" destId="{D2E0EC13-B370-419D-8916-5096FDF48D81}" srcOrd="0" destOrd="0" parTransId="{59DD0A5A-577F-4D4C-AD42-95511B0E4EF9}" sibTransId="{830CC704-C4F9-4D60-A1BF-B5A6122BEE04}"/>
+    <dgm:cxn modelId="{DB3975CA-4F47-4307-901D-3922346BE40F}" type="presOf" srcId="{971A4F3E-9ECD-4D28-9374-280E255993A9}" destId="{44C74DD0-AB87-4D08-AF38-77BB84DF5F0D}" srcOrd="0" destOrd="0" presId="urn:microsoft.com/office/officeart/2011/layout/HexagonRadial"/>
+    <dgm:cxn modelId="{19111049-E415-4163-9659-66B81B8EADA3}" type="presOf" srcId="{1771423F-1998-4B3F-A6A8-581F4A2E303B}" destId="{ED181B68-CCDA-4DFA-A046-9437A3156FBE}" srcOrd="0" destOrd="0" presId="urn:microsoft.com/office/officeart/2011/layout/HexagonRadial"/>
+    <dgm:cxn modelId="{08B1B05C-C611-4520-9F68-39A707177382}" srcId="{D2E0EC13-B370-419D-8916-5096FDF48D81}" destId="{BFC044A6-4ADA-4A9E-849E-618EC556500C}" srcOrd="3" destOrd="0" parTransId="{79402542-84F9-4A9E-9486-E44812A4DEC6}" sibTransId="{843E6F27-3EF9-4F24-B721-EDEC06AEE159}"/>
+    <dgm:cxn modelId="{0CF1ACF7-54F7-49C3-852B-12D7F5E14379}" type="presOf" srcId="{7EA2C949-ADC7-4DC8-A9D3-03A86E80CC81}" destId="{3D4EB7D8-C8ED-4D65-B5EE-9A020CF4D066}" srcOrd="0" destOrd="0" presId="urn:microsoft.com/office/officeart/2011/layout/HexagonRadial"/>
+    <dgm:cxn modelId="{39796D3B-87A3-43AF-8DE2-9B3FF6DA64DA}" type="presParOf" srcId="{44C74DD0-AB87-4D08-AF38-77BB84DF5F0D}" destId="{BDC36404-1C21-4524-8C65-D5C34F9F8594}" srcOrd="0" destOrd="0" presId="urn:microsoft.com/office/officeart/2011/layout/HexagonRadial"/>
+    <dgm:cxn modelId="{32F3606D-75E0-4ACF-B547-CD27985018BE}" type="presParOf" srcId="{44C74DD0-AB87-4D08-AF38-77BB84DF5F0D}" destId="{5A6F3815-96BE-4927-BA62-77BD0485E19D}" srcOrd="1" destOrd="0" presId="urn:microsoft.com/office/officeart/2011/layout/HexagonRadial"/>
+    <dgm:cxn modelId="{D5705F6E-623F-4F0D-9D52-3EAE9FC80DA9}" type="presParOf" srcId="{5A6F3815-96BE-4927-BA62-77BD0485E19D}" destId="{60F9D502-5993-40EF-B385-36A77EC49FFC}" srcOrd="0" destOrd="0" presId="urn:microsoft.com/office/officeart/2011/layout/HexagonRadial"/>
+    <dgm:cxn modelId="{BD7E9B88-083B-482C-9FBE-7864279FA538}" type="presParOf" srcId="{44C74DD0-AB87-4D08-AF38-77BB84DF5F0D}" destId="{ED181B68-CCDA-4DFA-A046-9437A3156FBE}" srcOrd="2" destOrd="0" presId="urn:microsoft.com/office/officeart/2011/layout/HexagonRadial"/>
+    <dgm:cxn modelId="{B3C4227C-0CE6-40D1-8FE2-F2D9A4CBBEA5}" type="presParOf" srcId="{44C74DD0-AB87-4D08-AF38-77BB84DF5F0D}" destId="{ED90D628-0177-416F-8BEB-C2721EC2A223}" srcOrd="3" destOrd="0" presId="urn:microsoft.com/office/officeart/2011/layout/HexagonRadial"/>
+    <dgm:cxn modelId="{232D5277-0085-4E43-AF95-AAD0490C1C94}" type="presParOf" srcId="{ED90D628-0177-416F-8BEB-C2721EC2A223}" destId="{BD777956-E05B-42B1-9C77-F5E796A0BF64}" srcOrd="0" destOrd="0" presId="urn:microsoft.com/office/officeart/2011/layout/HexagonRadial"/>
+    <dgm:cxn modelId="{B34607F6-2AD9-494D-B5D8-573934BBBAC8}" type="presParOf" srcId="{44C74DD0-AB87-4D08-AF38-77BB84DF5F0D}" destId="{3D4EB7D8-C8ED-4D65-B5EE-9A020CF4D066}" srcOrd="4" destOrd="0" presId="urn:microsoft.com/office/officeart/2011/layout/HexagonRadial"/>
+    <dgm:cxn modelId="{7B1D8E73-0118-4370-A971-DA731835A44F}" type="presParOf" srcId="{44C74DD0-AB87-4D08-AF38-77BB84DF5F0D}" destId="{002B0170-3203-41A4-A966-877CC79F490E}" srcOrd="5" destOrd="0" presId="urn:microsoft.com/office/officeart/2011/layout/HexagonRadial"/>
+    <dgm:cxn modelId="{68B97B08-F666-4D28-9353-98D14837ABCF}" type="presParOf" srcId="{002B0170-3203-41A4-A966-877CC79F490E}" destId="{ABB3A6EF-BFB5-4354-A94D-392CFC23BB10}" srcOrd="0" destOrd="0" presId="urn:microsoft.com/office/officeart/2011/layout/HexagonRadial"/>
+    <dgm:cxn modelId="{A67B75A1-441A-4A59-A62D-C30F22657ECF}" type="presParOf" srcId="{44C74DD0-AB87-4D08-AF38-77BB84DF5F0D}" destId="{D1C965B6-7962-4851-B1A1-7A8CFD9ED90D}" srcOrd="6" destOrd="0" presId="urn:microsoft.com/office/officeart/2011/layout/HexagonRadial"/>
+    <dgm:cxn modelId="{8833B024-4EF8-41BD-95E9-9E354AC66016}" type="presParOf" srcId="{44C74DD0-AB87-4D08-AF38-77BB84DF5F0D}" destId="{DAFA55D1-E1EA-47FE-B244-7A2D1973A092}" srcOrd="7" destOrd="0" presId="urn:microsoft.com/office/officeart/2011/layout/HexagonRadial"/>
+    <dgm:cxn modelId="{1D6F3A49-48D0-4530-AAC4-424C9AD001BA}" type="presParOf" srcId="{DAFA55D1-E1EA-47FE-B244-7A2D1973A092}" destId="{105F6132-0383-4569-B2CE-A0233D79305D}" srcOrd="0" destOrd="0" presId="urn:microsoft.com/office/officeart/2011/layout/HexagonRadial"/>
+    <dgm:cxn modelId="{23E6BC11-7714-43E1-93D4-47CF11BD1A89}" type="presParOf" srcId="{44C74DD0-AB87-4D08-AF38-77BB84DF5F0D}" destId="{97888FC7-8ECE-4921-AEC1-B6447AB8177B}" srcOrd="8" destOrd="0" presId="urn:microsoft.com/office/officeart/2011/layout/HexagonRadial"/>
+    <dgm:cxn modelId="{7D77C898-1078-4EC2-9992-C73C17663CCD}" type="presParOf" srcId="{44C74DD0-AB87-4D08-AF38-77BB84DF5F0D}" destId="{6E3870F8-4558-4395-B630-B2A3BFF842D9}" srcOrd="9" destOrd="0" presId="urn:microsoft.com/office/officeart/2011/layout/HexagonRadial"/>
+    <dgm:cxn modelId="{0BE62216-FEEA-40F1-9386-E9999DF35BE7}" type="presParOf" srcId="{6E3870F8-4558-4395-B630-B2A3BFF842D9}" destId="{86A271F4-7CDC-4CD4-BEDF-3EA396745A53}" srcOrd="0" destOrd="0" presId="urn:microsoft.com/office/officeart/2011/layout/HexagonRadial"/>
+    <dgm:cxn modelId="{5EB0D3E7-0A13-41C2-BB8F-EB9843C84374}" type="presParOf" srcId="{44C74DD0-AB87-4D08-AF38-77BB84DF5F0D}" destId="{E5F24C4A-BE0A-4147-9336-57D3D63F7F28}" srcOrd="10" destOrd="0" presId="urn:microsoft.com/office/officeart/2011/layout/HexagonRadial"/>
+    <dgm:cxn modelId="{9F93D36A-17ED-46E9-8656-EF5C0ADF6C5A}" type="presParOf" srcId="{44C74DD0-AB87-4D08-AF38-77BB84DF5F0D}" destId="{912676F7-ED3F-4698-9274-5EBBDC0E9C84}" srcOrd="11" destOrd="0" presId="urn:microsoft.com/office/officeart/2011/layout/HexagonRadial"/>
+    <dgm:cxn modelId="{74D533C9-3049-4BE9-9819-19D86717F079}" type="presParOf" srcId="{912676F7-ED3F-4698-9274-5EBBDC0E9C84}" destId="{7870C9A0-9C15-4F9E-AAAB-8CEF047CD6A0}" srcOrd="0" destOrd="0" presId="urn:microsoft.com/office/officeart/2011/layout/HexagonRadial"/>
+    <dgm:cxn modelId="{AA370864-3626-4F27-8190-7E9E0F60EDEC}" type="presParOf" srcId="{44C74DD0-AB87-4D08-AF38-77BB84DF5F0D}" destId="{F1CCADF5-4678-406B-9D3D-0DA1968052DD}" srcOrd="12" destOrd="0" presId="urn:microsoft.com/office/officeart/2011/layout/HexagonRadial"/>
+  </dgm:cxnLst>
+  <dgm:bg/>
+  <dgm:whole/>
+  <dgm:extLst>
+    <a:ext uri="http://schemas.microsoft.com/office/drawing/2008/diagram">
+      <dsp:dataModelExt xmlns:dsp="http://schemas.microsoft.com/office/drawing/2008/diagram" relId="rId6" minVer="http://schemas.openxmlformats.org/drawingml/2006/diagram"/>
+    </a:ext>
+  </dgm:extLst>
+</dgm:dataModel>
+</file>
+
+<file path=ppt/diagrams/drawing1.xml><?xml version="1.0" encoding="utf-8"?>
+<dsp:drawing xmlns:dgm="http://schemas.openxmlformats.org/drawingml/2006/diagram" xmlns:dsp="http://schemas.microsoft.com/office/drawing/2008/diagram" xmlns:a="http://schemas.openxmlformats.org/drawingml/2006/main">
+  <dsp:spTree>
+    <dsp:nvGrpSpPr>
+      <dsp:cNvPr id="0" name=""/>
+      <dsp:cNvGrpSpPr/>
+    </dsp:nvGrpSpPr>
+    <dsp:grpSpPr/>
+    <dsp:sp modelId="{BDC36404-1C21-4524-8C65-D5C34F9F8594}">
+      <dsp:nvSpPr>
+        <dsp:cNvPr id="0" name=""/>
+        <dsp:cNvSpPr/>
+      </dsp:nvSpPr>
+      <dsp:spPr>
+        <a:xfrm>
+          <a:off x="2324531" y="2125040"/>
+          <a:ext cx="2701019" cy="2336490"/>
+        </a:xfrm>
+        <a:prstGeom prst="hexagon">
+          <a:avLst>
+            <a:gd name="adj" fmla="val 28570"/>
+            <a:gd name="vf" fmla="val 115470"/>
+          </a:avLst>
+        </a:prstGeom>
+        <a:solidFill>
+          <a:schemeClr val="lt1">
+            <a:hueOff val="0"/>
+            <a:satOff val="0"/>
+            <a:lumOff val="0"/>
+            <a:alphaOff val="0"/>
+          </a:schemeClr>
+        </a:solidFill>
+        <a:ln w="12700" cap="flat" cmpd="sng" algn="ctr">
+          <a:solidFill>
+            <a:schemeClr val="accent3">
+              <a:shade val="80000"/>
+              <a:hueOff val="0"/>
+              <a:satOff val="0"/>
+              <a:lumOff val="0"/>
+              <a:alphaOff val="0"/>
+            </a:schemeClr>
+          </a:solidFill>
+          <a:prstDash val="solid"/>
+          <a:miter lim="800000"/>
+        </a:ln>
+        <a:effectLst/>
+      </dsp:spPr>
+      <dsp:style>
+        <a:lnRef idx="2">
+          <a:scrgbClr r="0" g="0" b="0"/>
+        </a:lnRef>
+        <a:fillRef idx="1">
+          <a:scrgbClr r="0" g="0" b="0"/>
+        </a:fillRef>
+        <a:effectRef idx="0">
+          <a:scrgbClr r="0" g="0" b="0"/>
+        </a:effectRef>
+        <a:fontRef idx="minor">
+          <a:schemeClr val="lt1"/>
+        </a:fontRef>
+      </dsp:style>
+      <dsp:txBody>
+        <a:bodyPr spcFirstLastPara="0" vert="horz" wrap="square" lIns="29210" tIns="29210" rIns="29210" bIns="29210" numCol="1" spcCol="1270" anchor="ctr" anchorCtr="0">
+          <a:noAutofit/>
+        </a:bodyPr>
+        <a:lstStyle/>
+        <a:p>
+          <a:pPr lvl="0" algn="ctr" defTabSz="1022350">
+            <a:lnSpc>
+              <a:spcPct val="90000"/>
+            </a:lnSpc>
+            <a:spcBef>
+              <a:spcPct val="0"/>
+            </a:spcBef>
+            <a:spcAft>
+              <a:spcPct val="35000"/>
+            </a:spcAft>
+          </a:pPr>
+          <a:r>
+            <a:rPr lang="en-US" sz="2300" kern="1200" dirty="0" smtClean="0"/>
+            <a:t>Programming</a:t>
+          </a:r>
+          <a:endParaRPr lang="en-US" sz="2300" kern="1200" dirty="0"/>
+        </a:p>
+      </dsp:txBody>
+      <dsp:txXfrm>
+        <a:off x="2772128" y="2512229"/>
+        <a:ext cx="1805825" cy="1562112"/>
+      </dsp:txXfrm>
+    </dsp:sp>
+    <dsp:sp modelId="{BD777956-E05B-42B1-9C77-F5E796A0BF64}">
+      <dsp:nvSpPr>
+        <dsp:cNvPr id="0" name=""/>
+        <dsp:cNvSpPr/>
+      </dsp:nvSpPr>
+      <dsp:spPr>
+        <a:xfrm>
+          <a:off x="4015888" y="1007187"/>
+          <a:ext cx="1019086" cy="878077"/>
+        </a:xfrm>
+        <a:prstGeom prst="hexagon">
+          <a:avLst>
+            <a:gd name="adj" fmla="val 28900"/>
+            <a:gd name="vf" fmla="val 115470"/>
+          </a:avLst>
+        </a:prstGeom>
+        <a:solidFill>
+          <a:schemeClr val="accent3">
+            <a:tint val="40000"/>
+            <a:hueOff val="0"/>
+            <a:satOff val="0"/>
+            <a:lumOff val="0"/>
+            <a:alphaOff val="0"/>
+          </a:schemeClr>
+        </a:solidFill>
+        <a:ln>
+          <a:noFill/>
+        </a:ln>
+        <a:effectLst/>
+      </dsp:spPr>
+      <dsp:style>
+        <a:lnRef idx="0">
+          <a:scrgbClr r="0" g="0" b="0"/>
+        </a:lnRef>
+        <a:fillRef idx="1">
+          <a:scrgbClr r="0" g="0" b="0"/>
+        </a:fillRef>
+        <a:effectRef idx="0">
+          <a:scrgbClr r="0" g="0" b="0"/>
+        </a:effectRef>
+        <a:fontRef idx="minor"/>
+      </dsp:style>
+    </dsp:sp>
+    <dsp:sp modelId="{ED181B68-CCDA-4DFA-A046-9437A3156FBE}">
+      <dsp:nvSpPr>
+        <dsp:cNvPr id="0" name=""/>
+        <dsp:cNvSpPr/>
+      </dsp:nvSpPr>
+      <dsp:spPr>
+        <a:xfrm>
+          <a:off x="2573334" y="0"/>
+          <a:ext cx="2213465" cy="1914908"/>
+        </a:xfrm>
+        <a:prstGeom prst="hexagon">
+          <a:avLst>
+            <a:gd name="adj" fmla="val 28570"/>
+            <a:gd name="vf" fmla="val 115470"/>
+          </a:avLst>
+        </a:prstGeom>
+        <a:solidFill>
+          <a:schemeClr val="lt1">
+            <a:hueOff val="0"/>
+            <a:satOff val="0"/>
+            <a:lumOff val="0"/>
+            <a:alphaOff val="0"/>
+          </a:schemeClr>
+        </a:solidFill>
+        <a:ln w="12700" cap="flat" cmpd="sng" algn="ctr">
+          <a:solidFill>
+            <a:schemeClr val="accent3">
+              <a:shade val="80000"/>
+              <a:hueOff val="0"/>
+              <a:satOff val="0"/>
+              <a:lumOff val="0"/>
+              <a:alphaOff val="0"/>
+            </a:schemeClr>
+          </a:solidFill>
+          <a:prstDash val="solid"/>
+          <a:miter lim="800000"/>
+        </a:ln>
+        <a:effectLst/>
+      </dsp:spPr>
+      <dsp:style>
+        <a:lnRef idx="2">
+          <a:scrgbClr r="0" g="0" b="0"/>
+        </a:lnRef>
+        <a:fillRef idx="1">
+          <a:scrgbClr r="0" g="0" b="0"/>
+        </a:fillRef>
+        <a:effectRef idx="0">
+          <a:scrgbClr r="0" g="0" b="0"/>
+        </a:effectRef>
+        <a:fontRef idx="minor">
+          <a:schemeClr val="lt1"/>
+        </a:fontRef>
+      </dsp:style>
+      <dsp:txBody>
+        <a:bodyPr spcFirstLastPara="0" vert="horz" wrap="square" lIns="29210" tIns="29210" rIns="29210" bIns="29210" numCol="1" spcCol="1270" anchor="ctr" anchorCtr="0">
+          <a:noAutofit/>
+        </a:bodyPr>
+        <a:lstStyle/>
+        <a:p>
+          <a:pPr lvl="0" algn="ctr" defTabSz="1022350">
+            <a:lnSpc>
+              <a:spcPct val="90000"/>
+            </a:lnSpc>
+            <a:spcBef>
+              <a:spcPct val="0"/>
+            </a:spcBef>
+            <a:spcAft>
+              <a:spcPct val="35000"/>
+            </a:spcAft>
+          </a:pPr>
+          <a:r>
+            <a:rPr lang="en-US" sz="2300" kern="1200" dirty="0" smtClean="0"/>
+            <a:t>A way of thinking</a:t>
+          </a:r>
+          <a:endParaRPr lang="en-US" sz="2300" kern="1200" dirty="0"/>
+        </a:p>
+      </dsp:txBody>
+      <dsp:txXfrm>
+        <a:off x="2940152" y="317341"/>
+        <a:ext cx="1479829" cy="1280226"/>
+      </dsp:txXfrm>
+    </dsp:sp>
+    <dsp:sp modelId="{ABB3A6EF-BFB5-4354-A94D-392CFC23BB10}">
+      <dsp:nvSpPr>
+        <dsp:cNvPr id="0" name=""/>
+        <dsp:cNvSpPr/>
+      </dsp:nvSpPr>
+      <dsp:spPr>
+        <a:xfrm>
+          <a:off x="5205241" y="2648725"/>
+          <a:ext cx="1019086" cy="878077"/>
+        </a:xfrm>
+        <a:prstGeom prst="hexagon">
+          <a:avLst>
+            <a:gd name="adj" fmla="val 28900"/>
+            <a:gd name="vf" fmla="val 115470"/>
+          </a:avLst>
+        </a:prstGeom>
+        <a:solidFill>
+          <a:schemeClr val="accent3">
+            <a:tint val="40000"/>
+            <a:hueOff val="0"/>
+            <a:satOff val="0"/>
+            <a:lumOff val="0"/>
+            <a:alphaOff val="0"/>
+          </a:schemeClr>
+        </a:solidFill>
+        <a:ln>
+          <a:noFill/>
+        </a:ln>
+        <a:effectLst/>
+      </dsp:spPr>
+      <dsp:style>
+        <a:lnRef idx="0">
+          <a:scrgbClr r="0" g="0" b="0"/>
+        </a:lnRef>
+        <a:fillRef idx="1">
+          <a:scrgbClr r="0" g="0" b="0"/>
+        </a:fillRef>
+        <a:effectRef idx="0">
+          <a:scrgbClr r="0" g="0" b="0"/>
+        </a:effectRef>
+        <a:fontRef idx="minor"/>
+      </dsp:style>
+    </dsp:sp>
+    <dsp:sp modelId="{3D4EB7D8-C8ED-4D65-B5EE-9A020CF4D066}">
+      <dsp:nvSpPr>
+        <dsp:cNvPr id="0" name=""/>
+        <dsp:cNvSpPr/>
+      </dsp:nvSpPr>
+      <dsp:spPr>
+        <a:xfrm>
+          <a:off x="4603339" y="1177796"/>
+          <a:ext cx="2213465" cy="1914908"/>
+        </a:xfrm>
+        <a:prstGeom prst="hexagon">
+          <a:avLst>
+            <a:gd name="adj" fmla="val 28570"/>
+            <a:gd name="vf" fmla="val 115470"/>
+          </a:avLst>
+        </a:prstGeom>
+        <a:solidFill>
+          <a:schemeClr val="lt1">
+            <a:hueOff val="0"/>
+            <a:satOff val="0"/>
+            <a:lumOff val="0"/>
+            <a:alphaOff val="0"/>
+          </a:schemeClr>
+        </a:solidFill>
+        <a:ln w="12700" cap="flat" cmpd="sng" algn="ctr">
+          <a:solidFill>
+            <a:schemeClr val="accent3">
+              <a:shade val="80000"/>
+              <a:hueOff val="0"/>
+              <a:satOff val="0"/>
+              <a:lumOff val="0"/>
+              <a:alphaOff val="0"/>
+            </a:schemeClr>
+          </a:solidFill>
+          <a:prstDash val="solid"/>
+          <a:miter lim="800000"/>
+        </a:ln>
+        <a:effectLst/>
+      </dsp:spPr>
+      <dsp:style>
+        <a:lnRef idx="2">
+          <a:scrgbClr r="0" g="0" b="0"/>
+        </a:lnRef>
+        <a:fillRef idx="1">
+          <a:scrgbClr r="0" g="0" b="0"/>
+        </a:fillRef>
+        <a:effectRef idx="0">
+          <a:scrgbClr r="0" g="0" b="0"/>
+        </a:effectRef>
+        <a:fontRef idx="minor">
+          <a:schemeClr val="lt1"/>
+        </a:fontRef>
+      </dsp:style>
+      <dsp:txBody>
+        <a:bodyPr spcFirstLastPara="0" vert="horz" wrap="square" lIns="29210" tIns="29210" rIns="29210" bIns="29210" numCol="1" spcCol="1270" anchor="ctr" anchorCtr="0">
+          <a:noAutofit/>
+        </a:bodyPr>
+        <a:lstStyle/>
+        <a:p>
+          <a:pPr lvl="0" algn="ctr" defTabSz="1022350">
+            <a:lnSpc>
+              <a:spcPct val="90000"/>
+            </a:lnSpc>
+            <a:spcBef>
+              <a:spcPct val="0"/>
+            </a:spcBef>
+            <a:spcAft>
+              <a:spcPct val="35000"/>
+            </a:spcAft>
+          </a:pPr>
+          <a:r>
+            <a:rPr lang="en-US" sz="2300" kern="1200" dirty="0" smtClean="0"/>
+            <a:t>Definitions</a:t>
+          </a:r>
+          <a:endParaRPr lang="en-US" sz="2300" kern="1200" dirty="0"/>
+        </a:p>
+      </dsp:txBody>
+      <dsp:txXfrm>
+        <a:off x="4970157" y="1495137"/>
+        <a:ext cx="1479829" cy="1280226"/>
+      </dsp:txXfrm>
+    </dsp:sp>
+    <dsp:sp modelId="{105F6132-0383-4569-B2CE-A0233D79305D}">
+      <dsp:nvSpPr>
+        <dsp:cNvPr id="0" name=""/>
+        <dsp:cNvSpPr/>
+      </dsp:nvSpPr>
+      <dsp:spPr>
+        <a:xfrm>
+          <a:off x="4379040" y="4501713"/>
+          <a:ext cx="1019086" cy="878077"/>
+        </a:xfrm>
+        <a:prstGeom prst="hexagon">
+          <a:avLst>
+            <a:gd name="adj" fmla="val 28900"/>
+            <a:gd name="vf" fmla="val 115470"/>
+          </a:avLst>
+        </a:prstGeom>
+        <a:solidFill>
+          <a:schemeClr val="accent3">
+            <a:tint val="40000"/>
+            <a:hueOff val="0"/>
+            <a:satOff val="0"/>
+            <a:lumOff val="0"/>
+            <a:alphaOff val="0"/>
+          </a:schemeClr>
+        </a:solidFill>
+        <a:ln>
+          <a:noFill/>
+        </a:ln>
+        <a:effectLst/>
+      </dsp:spPr>
+      <dsp:style>
+        <a:lnRef idx="0">
+          <a:scrgbClr r="0" g="0" b="0"/>
+        </a:lnRef>
+        <a:fillRef idx="1">
+          <a:scrgbClr r="0" g="0" b="0"/>
+        </a:fillRef>
+        <a:effectRef idx="0">
+          <a:scrgbClr r="0" g="0" b="0"/>
+        </a:effectRef>
+        <a:fontRef idx="minor"/>
+      </dsp:style>
+    </dsp:sp>
+    <dsp:sp modelId="{D1C965B6-7962-4851-B1A1-7A8CFD9ED90D}">
+      <dsp:nvSpPr>
+        <dsp:cNvPr id="0" name=""/>
+        <dsp:cNvSpPr/>
+      </dsp:nvSpPr>
+      <dsp:spPr>
+        <a:xfrm>
+          <a:off x="4603339" y="3493208"/>
+          <a:ext cx="2213465" cy="1914908"/>
+        </a:xfrm>
+        <a:prstGeom prst="hexagon">
+          <a:avLst>
+            <a:gd name="adj" fmla="val 28570"/>
+            <a:gd name="vf" fmla="val 115470"/>
+          </a:avLst>
+        </a:prstGeom>
+        <a:solidFill>
+          <a:schemeClr val="lt1">
+            <a:hueOff val="0"/>
+            <a:satOff val="0"/>
+            <a:lumOff val="0"/>
+            <a:alphaOff val="0"/>
+          </a:schemeClr>
+        </a:solidFill>
+        <a:ln w="12700" cap="flat" cmpd="sng" algn="ctr">
+          <a:solidFill>
+            <a:schemeClr val="accent3">
+              <a:shade val="80000"/>
+              <a:hueOff val="0"/>
+              <a:satOff val="0"/>
+              <a:lumOff val="0"/>
+              <a:alphaOff val="0"/>
+            </a:schemeClr>
+          </a:solidFill>
+          <a:prstDash val="solid"/>
+          <a:miter lim="800000"/>
+        </a:ln>
+        <a:effectLst/>
+      </dsp:spPr>
+      <dsp:style>
+        <a:lnRef idx="2">
+          <a:scrgbClr r="0" g="0" b="0"/>
+        </a:lnRef>
+        <a:fillRef idx="1">
+          <a:scrgbClr r="0" g="0" b="0"/>
+        </a:fillRef>
+        <a:effectRef idx="0">
+          <a:scrgbClr r="0" g="0" b="0"/>
+        </a:effectRef>
+        <a:fontRef idx="minor">
+          <a:schemeClr val="lt1"/>
+        </a:fontRef>
+      </dsp:style>
+      <dsp:txBody>
+        <a:bodyPr spcFirstLastPara="0" vert="horz" wrap="square" lIns="29210" tIns="29210" rIns="29210" bIns="29210" numCol="1" spcCol="1270" anchor="ctr" anchorCtr="0">
+          <a:noAutofit/>
+        </a:bodyPr>
+        <a:lstStyle/>
+        <a:p>
+          <a:pPr lvl="0" algn="ctr" defTabSz="1022350">
+            <a:lnSpc>
+              <a:spcPct val="90000"/>
+            </a:lnSpc>
+            <a:spcBef>
+              <a:spcPct val="0"/>
+            </a:spcBef>
+            <a:spcAft>
+              <a:spcPct val="35000"/>
+            </a:spcAft>
+          </a:pPr>
+          <a:r>
+            <a:rPr lang="en-US" sz="2300" kern="1200" dirty="0" smtClean="0"/>
+            <a:t>Python</a:t>
+          </a:r>
+          <a:endParaRPr lang="en-US" sz="2300" kern="1200" dirty="0"/>
+        </a:p>
+      </dsp:txBody>
+      <dsp:txXfrm>
+        <a:off x="4970157" y="3810549"/>
+        <a:ext cx="1479829" cy="1280226"/>
+      </dsp:txXfrm>
+    </dsp:sp>
+    <dsp:sp modelId="{86A271F4-7CDC-4CD4-BEDF-3EA396745A53}">
+      <dsp:nvSpPr>
+        <dsp:cNvPr id="0" name=""/>
+        <dsp:cNvSpPr/>
+      </dsp:nvSpPr>
+      <dsp:spPr>
+        <a:xfrm>
+          <a:off x="2329558" y="4694060"/>
+          <a:ext cx="1019086" cy="878077"/>
+        </a:xfrm>
+        <a:prstGeom prst="hexagon">
+          <a:avLst>
+            <a:gd name="adj" fmla="val 28900"/>
+            <a:gd name="vf" fmla="val 115470"/>
+          </a:avLst>
+        </a:prstGeom>
+        <a:solidFill>
+          <a:schemeClr val="accent3">
+            <a:tint val="40000"/>
+            <a:hueOff val="0"/>
+            <a:satOff val="0"/>
+            <a:lumOff val="0"/>
+            <a:alphaOff val="0"/>
+          </a:schemeClr>
+        </a:solidFill>
+        <a:ln>
+          <a:noFill/>
+        </a:ln>
+        <a:effectLst/>
+      </dsp:spPr>
+      <dsp:style>
+        <a:lnRef idx="0">
+          <a:scrgbClr r="0" g="0" b="0"/>
+        </a:lnRef>
+        <a:fillRef idx="1">
+          <a:scrgbClr r="0" g="0" b="0"/>
+        </a:fillRef>
+        <a:effectRef idx="0">
+          <a:scrgbClr r="0" g="0" b="0"/>
+        </a:effectRef>
+        <a:fontRef idx="minor"/>
+      </dsp:style>
+    </dsp:sp>
+    <dsp:sp modelId="{97888FC7-8ECE-4921-AEC1-B6447AB8177B}">
+      <dsp:nvSpPr>
+        <dsp:cNvPr id="0" name=""/>
+        <dsp:cNvSpPr/>
+      </dsp:nvSpPr>
+      <dsp:spPr>
+        <a:xfrm>
+          <a:off x="2573334" y="4672322"/>
+          <a:ext cx="2213465" cy="1914908"/>
+        </a:xfrm>
+        <a:prstGeom prst="hexagon">
+          <a:avLst>
+            <a:gd name="adj" fmla="val 28570"/>
+            <a:gd name="vf" fmla="val 115470"/>
+          </a:avLst>
+        </a:prstGeom>
+        <a:solidFill>
+          <a:schemeClr val="lt1">
+            <a:hueOff val="0"/>
+            <a:satOff val="0"/>
+            <a:lumOff val="0"/>
+            <a:alphaOff val="0"/>
+          </a:schemeClr>
+        </a:solidFill>
+        <a:ln w="12700" cap="flat" cmpd="sng" algn="ctr">
+          <a:solidFill>
+            <a:schemeClr val="accent3">
+              <a:shade val="80000"/>
+              <a:hueOff val="0"/>
+              <a:satOff val="0"/>
+              <a:lumOff val="0"/>
+              <a:alphaOff val="0"/>
+            </a:schemeClr>
+          </a:solidFill>
+          <a:prstDash val="solid"/>
+          <a:miter lim="800000"/>
+        </a:ln>
+        <a:effectLst/>
+      </dsp:spPr>
+      <dsp:style>
+        <a:lnRef idx="2">
+          <a:scrgbClr r="0" g="0" b="0"/>
+        </a:lnRef>
+        <a:fillRef idx="1">
+          <a:scrgbClr r="0" g="0" b="0"/>
+        </a:fillRef>
+        <a:effectRef idx="0">
+          <a:scrgbClr r="0" g="0" b="0"/>
+        </a:effectRef>
+        <a:fontRef idx="minor">
+          <a:schemeClr val="lt1"/>
+        </a:fontRef>
+      </dsp:style>
+      <dsp:txBody>
+        <a:bodyPr spcFirstLastPara="0" vert="horz" wrap="square" lIns="29210" tIns="29210" rIns="29210" bIns="29210" numCol="1" spcCol="1270" anchor="ctr" anchorCtr="0">
+          <a:noAutofit/>
+        </a:bodyPr>
+        <a:lstStyle/>
+        <a:p>
+          <a:pPr lvl="0" algn="ctr" defTabSz="1022350">
+            <a:lnSpc>
+              <a:spcPct val="90000"/>
+            </a:lnSpc>
+            <a:spcBef>
+              <a:spcPct val="0"/>
+            </a:spcBef>
+            <a:spcAft>
+              <a:spcPct val="35000"/>
+            </a:spcAft>
+          </a:pPr>
+          <a:r>
+            <a:rPr lang="en-US" sz="2300" kern="1200" dirty="0" smtClean="0"/>
+            <a:t>Variables Objects Types</a:t>
+          </a:r>
+          <a:endParaRPr lang="en-US" sz="2300" kern="1200" dirty="0"/>
+        </a:p>
+      </dsp:txBody>
+      <dsp:txXfrm>
+        <a:off x="2940152" y="4989663"/>
+        <a:ext cx="1479829" cy="1280226"/>
+      </dsp:txXfrm>
+    </dsp:sp>
+    <dsp:sp modelId="{7870C9A0-9C15-4F9E-AAAB-8CEF047CD6A0}">
+      <dsp:nvSpPr>
+        <dsp:cNvPr id="0" name=""/>
+        <dsp:cNvSpPr/>
+      </dsp:nvSpPr>
+      <dsp:spPr>
+        <a:xfrm>
+          <a:off x="1120727" y="3053181"/>
+          <a:ext cx="1019086" cy="878077"/>
+        </a:xfrm>
+        <a:prstGeom prst="hexagon">
+          <a:avLst>
+            <a:gd name="adj" fmla="val 28900"/>
+            <a:gd name="vf" fmla="val 115470"/>
+          </a:avLst>
+        </a:prstGeom>
+        <a:solidFill>
+          <a:schemeClr val="accent3">
+            <a:tint val="40000"/>
+            <a:hueOff val="0"/>
+            <a:satOff val="0"/>
+            <a:lumOff val="0"/>
+            <a:alphaOff val="0"/>
+          </a:schemeClr>
+        </a:solidFill>
+        <a:ln>
+          <a:noFill/>
+        </a:ln>
+        <a:effectLst/>
+      </dsp:spPr>
+      <dsp:style>
+        <a:lnRef idx="0">
+          <a:scrgbClr r="0" g="0" b="0"/>
+        </a:lnRef>
+        <a:fillRef idx="1">
+          <a:scrgbClr r="0" g="0" b="0"/>
+        </a:fillRef>
+        <a:effectRef idx="0">
+          <a:scrgbClr r="0" g="0" b="0"/>
+        </a:effectRef>
+        <a:fontRef idx="minor"/>
+      </dsp:style>
+    </dsp:sp>
+    <dsp:sp modelId="{E5F24C4A-BE0A-4147-9336-57D3D63F7F28}">
+      <dsp:nvSpPr>
+        <dsp:cNvPr id="0" name=""/>
+        <dsp:cNvSpPr/>
+      </dsp:nvSpPr>
+      <dsp:spPr>
+        <a:xfrm>
+          <a:off x="533905" y="3494526"/>
+          <a:ext cx="2213465" cy="1914908"/>
+        </a:xfrm>
+        <a:prstGeom prst="hexagon">
+          <a:avLst>
+            <a:gd name="adj" fmla="val 28570"/>
+            <a:gd name="vf" fmla="val 115470"/>
+          </a:avLst>
+        </a:prstGeom>
+        <a:solidFill>
+          <a:schemeClr val="lt1">
+            <a:hueOff val="0"/>
+            <a:satOff val="0"/>
+            <a:lumOff val="0"/>
+            <a:alphaOff val="0"/>
+          </a:schemeClr>
+        </a:solidFill>
+        <a:ln w="12700" cap="flat" cmpd="sng" algn="ctr">
+          <a:solidFill>
+            <a:schemeClr val="accent3">
+              <a:shade val="80000"/>
+              <a:hueOff val="0"/>
+              <a:satOff val="0"/>
+              <a:lumOff val="0"/>
+              <a:alphaOff val="0"/>
+            </a:schemeClr>
+          </a:solidFill>
+          <a:prstDash val="solid"/>
+          <a:miter lim="800000"/>
+        </a:ln>
+        <a:effectLst/>
+      </dsp:spPr>
+      <dsp:style>
+        <a:lnRef idx="2">
+          <a:scrgbClr r="0" g="0" b="0"/>
+        </a:lnRef>
+        <a:fillRef idx="1">
+          <a:scrgbClr r="0" g="0" b="0"/>
+        </a:fillRef>
+        <a:effectRef idx="0">
+          <a:scrgbClr r="0" g="0" b="0"/>
+        </a:effectRef>
+        <a:fontRef idx="minor">
+          <a:schemeClr val="lt1"/>
+        </a:fontRef>
+      </dsp:style>
+      <dsp:txBody>
+        <a:bodyPr spcFirstLastPara="0" vert="horz" wrap="square" lIns="29210" tIns="29210" rIns="29210" bIns="29210" numCol="1" spcCol="1270" anchor="ctr" anchorCtr="0">
+          <a:noAutofit/>
+        </a:bodyPr>
+        <a:lstStyle/>
+        <a:p>
+          <a:pPr lvl="0" algn="ctr" defTabSz="1022350">
+            <a:lnSpc>
+              <a:spcPct val="90000"/>
+            </a:lnSpc>
+            <a:spcBef>
+              <a:spcPct val="0"/>
+            </a:spcBef>
+            <a:spcAft>
+              <a:spcPct val="35000"/>
+            </a:spcAft>
+          </a:pPr>
+          <a:r>
+            <a:rPr lang="en-US" sz="2300" kern="1200" dirty="0" smtClean="0"/>
+            <a:t>Logic</a:t>
+          </a:r>
+          <a:endParaRPr lang="en-US" sz="2300" kern="1200" dirty="0"/>
+        </a:p>
+      </dsp:txBody>
+      <dsp:txXfrm>
+        <a:off x="900723" y="3811867"/>
+        <a:ext cx="1479829" cy="1280226"/>
+      </dsp:txXfrm>
+    </dsp:sp>
+    <dsp:sp modelId="{F1CCADF5-4678-406B-9D3D-0DA1968052DD}">
+      <dsp:nvSpPr>
+        <dsp:cNvPr id="0" name=""/>
+        <dsp:cNvSpPr/>
+      </dsp:nvSpPr>
+      <dsp:spPr>
+        <a:xfrm>
+          <a:off x="533905" y="1175162"/>
+          <a:ext cx="2213465" cy="1914908"/>
+        </a:xfrm>
+        <a:prstGeom prst="hexagon">
+          <a:avLst>
+            <a:gd name="adj" fmla="val 28570"/>
+            <a:gd name="vf" fmla="val 115470"/>
+          </a:avLst>
+        </a:prstGeom>
+        <a:solidFill>
+          <a:schemeClr val="lt1">
+            <a:hueOff val="0"/>
+            <a:satOff val="0"/>
+            <a:lumOff val="0"/>
+            <a:alphaOff val="0"/>
+          </a:schemeClr>
+        </a:solidFill>
+        <a:ln w="12700" cap="flat" cmpd="sng" algn="ctr">
+          <a:solidFill>
+            <a:schemeClr val="accent3">
+              <a:shade val="80000"/>
+              <a:hueOff val="0"/>
+              <a:satOff val="0"/>
+              <a:lumOff val="0"/>
+              <a:alphaOff val="0"/>
+            </a:schemeClr>
+          </a:solidFill>
+          <a:prstDash val="solid"/>
+          <a:miter lim="800000"/>
+        </a:ln>
+        <a:effectLst/>
+      </dsp:spPr>
+      <dsp:style>
+        <a:lnRef idx="2">
+          <a:scrgbClr r="0" g="0" b="0"/>
+        </a:lnRef>
+        <a:fillRef idx="1">
+          <a:scrgbClr r="0" g="0" b="0"/>
+        </a:fillRef>
+        <a:effectRef idx="0">
+          <a:scrgbClr r="0" g="0" b="0"/>
+        </a:effectRef>
+        <a:fontRef idx="minor">
+          <a:schemeClr val="lt1"/>
+        </a:fontRef>
+      </dsp:style>
+      <dsp:txBody>
+        <a:bodyPr spcFirstLastPara="0" vert="horz" wrap="square" lIns="29210" tIns="29210" rIns="29210" bIns="29210" numCol="1" spcCol="1270" anchor="ctr" anchorCtr="0">
+          <a:noAutofit/>
+        </a:bodyPr>
+        <a:lstStyle/>
+        <a:p>
+          <a:pPr lvl="0" algn="ctr" defTabSz="1022350">
+            <a:lnSpc>
+              <a:spcPct val="90000"/>
+            </a:lnSpc>
+            <a:spcBef>
+              <a:spcPct val="0"/>
+            </a:spcBef>
+            <a:spcAft>
+              <a:spcPct val="35000"/>
+            </a:spcAft>
+          </a:pPr>
+          <a:r>
+            <a:rPr lang="en-US" sz="2300" kern="1200" dirty="0" smtClean="0"/>
+            <a:t>Practice &amp; Examples</a:t>
+          </a:r>
+          <a:endParaRPr lang="en-US" sz="2300" kern="1200" dirty="0"/>
+        </a:p>
+      </dsp:txBody>
+      <dsp:txXfrm>
+        <a:off x="900723" y="1492503"/>
+        <a:ext cx="1479829" cy="1280226"/>
+      </dsp:txXfrm>
+    </dsp:sp>
+  </dsp:spTree>
+</dsp:drawing>
+</file>
+
+<file path=ppt/diagrams/layout1.xml><?xml version="1.0" encoding="utf-8"?>
+<dgm:layoutDef xmlns:dgm="http://schemas.openxmlformats.org/drawingml/2006/diagram" xmlns:a="http://schemas.openxmlformats.org/drawingml/2006/main" uniqueId="urn:microsoft.com/office/officeart/2011/layout/HexagonRadial">
+  <dgm:title val="Hexagon Radial"/>
+  <dgm:desc val="Use to show a sequential process that relates to a central idea or theme. Limited to six Level 2 shapes. Works best with small amounts of text. Unused text does not appear, but remains available if you switch layouts."/>
+  <dgm:catLst>
+    <dgm:cat type="cycle" pri="8500"/>
+    <dgm:cat type="officeonline" pri="9000"/>
+  </dgm:catLst>
+  <dgm:sampData>
+    <dgm:dataModel>
+      <dgm:ptLst>
+        <dgm:pt modelId="0" type="doc"/>
+        <dgm:pt modelId="10">
+          <dgm:prSet phldr="1"/>
+        </dgm:pt>
+        <dgm:pt modelId="11">
+          <dgm:prSet phldr="1"/>
+        </dgm:pt>
+        <dgm:pt modelId="12">
+          <dgm:prSet phldr="1"/>
+        </dgm:pt>
+        <dgm:pt modelId="13">
+          <dgm:prSet phldr="1"/>
+        </dgm:pt>
+        <dgm:pt modelId="14">
+          <dgm:prSet phldr="1"/>
+        </dgm:pt>
+        <dgm:pt modelId="15">
+          <dgm:prSet phldr="1"/>
+        </dgm:pt>
+        <dgm:pt modelId="16">
+          <dgm:prSet phldr="1"/>
+        </dgm:pt>
+      </dgm:ptLst>
+      <dgm:cxnLst>
+        <dgm:cxn modelId="40" srcId="0" destId="10" srcOrd="0" destOrd="0"/>
+        <dgm:cxn modelId="50" srcId="10" destId="11" srcOrd="0" destOrd="0"/>
+        <dgm:cxn modelId="60" srcId="10" destId="12" srcOrd="0" destOrd="0"/>
+        <dgm:cxn modelId="70" srcId="10" destId="13" srcOrd="0" destOrd="0"/>
+        <dgm:cxn modelId="80" srcId="10" destId="14" srcOrd="0" destOrd="0"/>
+        <dgm:cxn modelId="90" srcId="10" destId="15" srcOrd="0" destOrd="0"/>
+        <dgm:cxn modelId="100" srcId="10" destId="16" srcOrd="0" destOrd="0"/>
+      </dgm:cxnLst>
+      <dgm:bg/>
+      <dgm:whole/>
+    </dgm:dataModel>
+  </dgm:sampData>
+  <dgm:styleData>
+    <dgm:dataModel>
+      <dgm:ptLst>
+        <dgm:pt modelId="0" type="doc"/>
+        <dgm:pt modelId="10">
+          <dgm:prSet phldr="1"/>
+        </dgm:pt>
+        <dgm:pt modelId="11">
+          <dgm:prSet phldr="1"/>
+        </dgm:pt>
+        <dgm:pt modelId="12">
+          <dgm:prSet phldr="1"/>
+        </dgm:pt>
+        <dgm:pt modelId="13">
+          <dgm:prSet phldr="1"/>
+        </dgm:pt>
+      </dgm:ptLst>
+      <dgm:cxnLst>
+        <dgm:cxn modelId="40" srcId="0" destId="10" srcOrd="0" destOrd="0"/>
+        <dgm:cxn modelId="50" srcId="10" destId="11" srcOrd="0" destOrd="0"/>
+        <dgm:cxn modelId="60" srcId="10" destId="12" srcOrd="0" destOrd="0"/>
+        <dgm:cxn modelId="70" srcId="10" destId="13" srcOrd="0" destOrd="0"/>
+      </dgm:cxnLst>
+      <dgm:bg/>
+      <dgm:whole/>
+    </dgm:dataModel>
+  </dgm:styleData>
+  <dgm:clrData>
+    <dgm:dataModel>
+      <dgm:ptLst>
+        <dgm:pt modelId="0" type="doc"/>
+        <dgm:pt modelId="10">
+          <dgm:prSet phldr="1"/>
+        </dgm:pt>
+        <dgm:pt modelId="11">
+          <dgm:prSet phldr="1"/>
+        </dgm:pt>
+        <dgm:pt modelId="12">
+          <dgm:prSet phldr="1"/>
+        </dgm:pt>
+        <dgm:pt modelId="13">
+          <dgm:prSet phldr="1"/>
+        </dgm:pt>
+        <dgm:pt modelId="14">
+          <dgm:prSet phldr="1"/>
+        </dgm:pt>
+        <dgm:pt modelId="15">
+          <dgm:prSet phldr="1"/>
+        </dgm:pt>
+        <dgm:pt modelId="16">
+          <dgm:prSet phldr="1"/>
+        </dgm:pt>
+      </dgm:ptLst>
+      <dgm:cxnLst>
+        <dgm:cxn modelId="40" srcId="0" destId="10" srcOrd="0" destOrd="0"/>
+        <dgm:cxn modelId="50" srcId="10" destId="11" srcOrd="0" destOrd="0"/>
+        <dgm:cxn modelId="60" srcId="10" destId="12" srcOrd="0" destOrd="0"/>
+        <dgm:cxn modelId="70" srcId="10" destId="13" srcOrd="0" destOrd="0"/>
+        <dgm:cxn modelId="80" srcId="10" destId="14" srcOrd="0" destOrd="0"/>
+        <dgm:cxn modelId="90" srcId="10" destId="15" srcOrd="0" destOrd="0"/>
+        <dgm:cxn modelId="100" srcId="10" destId="16" srcOrd="0" destOrd="0"/>
+      </dgm:cxnLst>
+      <dgm:bg/>
+      <dgm:whole/>
+    </dgm:dataModel>
+  </dgm:clrData>
+  <dgm:layoutNode name="Name0">
+    <dgm:varLst>
+      <dgm:chMax val="1"/>
+      <dgm:chPref val="1"/>
+      <dgm:dir/>
+      <dgm:animOne val="branch"/>
+      <dgm:animLvl val="lvl"/>
+    </dgm:varLst>
+    <dgm:shape xmlns:r="http://schemas.openxmlformats.org/officeDocument/2006/relationships" r:blip="">
+      <dgm:adjLst/>
+    </dgm:shape>
+    <dgm:choose name="Name1">
+      <dgm:if name="Name2" func="var" arg="dir" op="equ" val="norm">
+        <dgm:choose name="Name3">
+          <dgm:if name="Name4" axis="ch ch" ptType="node node" st="1 1" cnt="1 0" func="cnt" op="equ" val="0">
+            <dgm:alg type="composite">
+              <dgm:param type="ar" val="1.1561"/>
+            </dgm:alg>
+            <dgm:constrLst>
+              <dgm:constr type="primFontSz" for="des" forName="Parent" val="65"/>
+              <dgm:constr type="l" for="ch" forName="Parent" refType="w" fact="0"/>
+              <dgm:constr type="t" for="ch" forName="Parent" refType="h" fact="0"/>
+              <dgm:constr type="w" for="ch" forName="Parent" refType="w"/>
+              <dgm:constr type="h" for="ch" forName="Parent" refType="h"/>
+            </dgm:constrLst>
+          </dgm:if>
+          <dgm:if name="Name5" axis="ch ch" ptType="node node" st="1 1" cnt="1 0" func="cnt" op="lte" val="1">
+            <dgm:alg type="composite">
+              <dgm:param type="ar" val="1.368"/>
+            </dgm:alg>
+            <dgm:constrLst>
+              <dgm:constr type="primFontSz" for="des" forName="Parent" val="65"/>
+              <dgm:constr type="primFontSz" for="des" forName="Child1" val="65"/>
+              <dgm:constr type="primFontSz" for="des" forName="Child1" refType="primFontSz" refFor="des" refForName="Parent" op="lte"/>
+              <dgm:constr type="l" for="ch" forName="Accent1" refType="w" fact="0.1685"/>
+              <dgm:constr type="t" for="ch" forName="Accent1" refType="h" fact="0.2946"/>
+              <dgm:constr type="w" for="ch" forName="Accent1" refType="w" fact="0.462"/>
+              <dgm:constr type="h" for="ch" forName="Accent1" refType="h" fact="0.5472"/>
+              <dgm:constr type="l" for="ch" forName="Parent" refType="w" fact="0"/>
+              <dgm:constr type="t" for="ch" forName="Parent" refType="h" fact="0.2885"/>
+              <dgm:constr type="w" for="ch" forName="Parent" refType="w" fact="0.6013"/>
+              <dgm:constr type="h" for="ch" forName="Parent" refType="h" fact="0.7115"/>
+              <dgm:constr type="l" for="ch" forName="Child1" refType="w" fact="0.5073"/>
+              <dgm:constr type="t" for="ch" forName="Child1" refType="h" fact="0"/>
+              <dgm:constr type="w" for="ch" forName="Child1" refType="w" fact="0.4927"/>
+              <dgm:constr type="h" for="ch" forName="Child1" refType="h" fact="0.5831"/>
+            </dgm:constrLst>
+          </dgm:if>
+          <dgm:if name="Name6" axis="ch ch" ptType="node node" st="1 1" cnt="1 0" func="cnt" op="equ" val="2">
+            <dgm:alg type="composite">
+              <dgm:param type="ar" val="1.0619"/>
+            </dgm:alg>
+            <dgm:constrLst>
+              <dgm:constr type="primFontSz" for="des" forName="Parent" val="65"/>
+              <dgm:constr type="primFontSz" for="des" forName="Child1" val="65"/>
+              <dgm:constr type="primFontSz" for="des" forName="Child1" refType="primFontSz" refFor="des" refForName="Parent" op="lte"/>
+              <dgm:constr type="primFontSz" for="des" forName="Child2" refType="primFontSz" refFor="des" refForName="Parent" op="lte"/>
+              <dgm:constr type="primFontSz" for="des" forName="Child2" refType="primFontSz" refFor="des" refForName="Child1" op="equ"/>
+              <dgm:constr type="l" for="ch" forName="Accent2" refType="w" fact="0.6413"/>
+              <dgm:constr type="t" for="ch" forName="Accent2" refType="h" fact="0.3477"/>
+              <dgm:constr type="w" for="ch" forName="Accent2" refType="w" fact="0.2269"/>
+              <dgm:constr type="h" for="ch" forName="Accent2" refType="h" fact="0.2076"/>
+              <dgm:constr type="l" for="ch" forName="Accent1" refType="w" fact="0"/>
+              <dgm:constr type="t" for="ch" forName="Accent1" refType="h" fact="0"/>
+              <dgm:constr type="w" for="ch" forName="Accent1" refType="w" fact="0"/>
+              <dgm:constr type="h" for="ch" forName="Accent1" refType="h" fact="0"/>
+              <dgm:constr type="l" for="ch" forName="Parent" refType="w" fact="0"/>
+              <dgm:constr type="t" for="ch" forName="Parent" refType="h" fact="0.2239"/>
+              <dgm:constr type="w" for="ch" forName="Parent" refType="w" fact="0.6013"/>
+              <dgm:constr type="h" for="ch" forName="Parent" refType="h" fact="0.5523"/>
+              <dgm:constr type="l" for="ch" forName="Child1" refType="w" fact="0.5073"/>
+              <dgm:constr type="t" for="ch" forName="Child1" refType="h" fact="0"/>
+              <dgm:constr type="w" for="ch" forName="Child1" refType="w" fact="0.4927"/>
+              <dgm:constr type="h" for="ch" forName="Child1" refType="h" fact="0.4527"/>
+              <dgm:constr type="l" for="ch" forName="Child2" refType="w" fact="0.5073"/>
+              <dgm:constr type="t" for="ch" forName="Child2" refType="h" fact="0.5473"/>
+              <dgm:constr type="w" for="ch" forName="Child2" refType="w" fact="0.4927"/>
+              <dgm:constr type="h" for="ch" forName="Child2" refType="h" fact="0.4527"/>
+            </dgm:constrLst>
+          </dgm:if>
+          <dgm:if name="Name7" axis="ch ch" ptType="node node" st="1 1" cnt="1 0" func="cnt" op="equ" val="3">
+            <dgm:alg type="composite">
+              <dgm:param type="ar" val="0.8305"/>
+            </dgm:alg>
+            <dgm:constrLst>
+              <dgm:constr type="primFontSz" for="des" forName="Parent" val="65"/>
+              <dgm:constr type="primFontSz" for="des" forName="Child1" val="65"/>
+              <dgm:constr type="primFontSz" for="des" forName="Child1" refType="primFontSz" refFor="des" refForName="Parent" op="lte"/>
+              <dgm:constr type="primFontSz" for="des" forName="Child2" refType="primFontSz" refFor="des" refForName="Parent" op="lte"/>
+              <dgm:constr type="primFontSz" for="des" forName="Child3" refType="primFontSz" refFor="des" refForName="Parent" op="lte"/>
+              <dgm:constr type="primFontSz" for="des" forName="Child2" refType="primFontSz" refFor="des" refForName="Child1" op="equ"/>
+              <dgm:constr type="primFontSz" for="des" forName="Child3" refType="primFontSz" refFor="des" refForName="Child1" op="equ"/>
+              <dgm:constr type="l" for="ch" forName="Accent3" refType="w" fact="0.4573"/>
+              <dgm:constr type="t" for="ch" forName="Accent3" refType="h" fact="0.6145"/>
+              <dgm:constr type="w" for="ch" forName="Accent3" refType="w" fact="0.2269"/>
+              <dgm:constr type="h" for="ch" forName="Accent3" refType="h" fact="0.1623"/>
+              <dgm:constr type="l" for="ch" forName="Accent2" refType="w" fact="0.6413"/>
+              <dgm:constr type="t" for="ch" forName="Accent2" refType="h" fact="0.2719"/>
+              <dgm:constr type="w" for="ch" forName="Accent2" refType="w" fact="0.2269"/>
+              <dgm:constr type="h" for="ch" forName="Accent2" refType="h" fact="0.1623"/>
+              <dgm:constr type="l" for="ch" forName="Accent1" refType="w" fact="0"/>
+              <dgm:constr type="t" for="ch" forName="Accent1" refType="h" fact="0"/>
+              <dgm:constr type="w" for="ch" forName="Accent1" refType="w" fact="0"/>
+              <dgm:constr type="h" for="ch" forName="Accent1" refType="h" fact="0"/>
+              <dgm:constr type="l" for="ch" forName="Child3" refType="w" fact="0.0554"/>
+              <dgm:constr type="t" for="ch" forName="Child3" refType="h" fact="0.646"/>
+              <dgm:constr type="w" for="ch" forName="Child3" refType="w" fact="0.4927"/>
+              <dgm:constr type="h" for="ch" forName="Child3" refType="h" fact="0.354"/>
+              <dgm:constr type="l" for="ch" forName="Parent" refType="w" fact="0"/>
+              <dgm:constr type="t" for="ch" forName="Parent" refType="h" fact="0.1751"/>
+              <dgm:constr type="w" for="ch" forName="Parent" refType="w" fact="0.6013"/>
+              <dgm:constr type="h" for="ch" forName="Parent" refType="h" fact="0.4319"/>
+              <dgm:constr type="l" for="ch" forName="Child1" refType="w" fact="0.5073"/>
+              <dgm:constr type="t" for="ch" forName="Child1" refType="h" fact="0"/>
+              <dgm:constr type="w" for="ch" forName="Child1" refType="w" fact="0.4927"/>
+              <dgm:constr type="h" for="ch" forName="Child1" refType="h" fact="0.354"/>
+              <dgm:constr type="l" for="ch" forName="Child2" refType="w" fact="0.5073"/>
+              <dgm:constr type="t" for="ch" forName="Child2" refType="h" fact="0.428"/>
+              <dgm:constr type="w" for="ch" forName="Child2" refType="w" fact="0.4927"/>
+              <dgm:constr type="h" for="ch" forName="Child2" refType="h" fact="0.354"/>
+            </dgm:constrLst>
+          </dgm:if>
+          <dgm:if name="Name8" axis="ch ch" ptType="node node" st="1 1" cnt="1 0" func="cnt" op="equ" val="4">
+            <dgm:alg type="composite">
+              <dgm:param type="ar" val="0.682"/>
+            </dgm:alg>
+            <dgm:constrLst>
+              <dgm:constr type="primFontSz" for="des" forName="Parent" val="65"/>
+              <dgm:constr type="primFontSz" for="des" forName="Child1" val="65"/>
+              <dgm:constr type="primFontSz" for="des" forName="Child1" refType="primFontSz" refFor="des" refForName="Parent" op="lte"/>
+              <dgm:constr type="primFontSz" for="des" forName="Child2" refType="primFontSz" refFor="des" refForName="Parent" op="lte"/>
+              <dgm:constr type="primFontSz" for="des" forName="Child3" refType="primFontSz" refFor="des" refForName="Parent" op="lte"/>
+              <dgm:constr type="primFontSz" for="des" forName="Child4" refType="primFontSz" refFor="des" refForName="Parent" op="lte"/>
+              <dgm:constr type="primFontSz" for="des" forName="Child2" refType="primFontSz" refFor="des" refForName="Child1" op="equ"/>
+              <dgm:constr type="primFontSz" for="des" forName="Child3" refType="primFontSz" refFor="des" refForName="Child1" op="equ"/>
+              <dgm:constr type="primFontSz" for="des" forName="Child4" refType="primFontSz" refFor="des" refForName="Child1" op="equ"/>
+              <dgm:constr type="l" for="ch" forName="Accent4" refType="w" fact="0.4573"/>
+              <dgm:constr type="t" for="ch" forName="Accent4" refType="h" fact="0.6834"/>
+              <dgm:constr type="w" for="ch" forName="Accent4" refType="w" fact="0.2269"/>
+              <dgm:constr type="h" for="ch" forName="Accent4" refType="h" fact="0.1333"/>
+              <dgm:constr type="l" for="ch" forName="Accent3" refType="w" fact="0.6413"/>
+              <dgm:constr type="t" for="ch" forName="Accent3" refType="h" fact="0.4021"/>
+              <dgm:constr type="w" for="ch" forName="Accent3" refType="w" fact="0.2269"/>
+              <dgm:constr type="h" for="ch" forName="Accent3" refType="h" fact="0.1333"/>
+              <dgm:constr type="l" for="ch" forName="Accent2" refType="w" fact="0.3765"/>
+              <dgm:constr type="t" for="ch" forName="Accent2" refType="h" fact="0.1529"/>
+              <dgm:constr type="w" for="ch" forName="Accent2" refType="w" fact="0.2269"/>
+              <dgm:constr type="h" for="ch" forName="Accent2" refType="h" fact="0.1333"/>
+              <dgm:constr type="l" for="ch" forName="Accent1" refType="w" fact="0"/>
+              <dgm:constr type="t" for="ch" forName="Accent1" refType="h" fact="0"/>
+              <dgm:constr type="w" for="ch" forName="Accent1" refType="w" fact="0"/>
+              <dgm:constr type="h" for="ch" forName="Accent1" refType="h" fact="0"/>
+              <dgm:constr type="l" for="ch" forName="Child4" refType="w" fact="0.0554"/>
+              <dgm:constr type="t" for="ch" forName="Child4" refType="h" fact="0.7093"/>
+              <dgm:constr type="w" for="ch" forName="Child4" refType="w" fact="0.4927"/>
+              <dgm:constr type="h" for="ch" forName="Child4" refType="h" fact="0.2907"/>
+              <dgm:constr type="l" for="ch" forName="Parent" refType="w" fact="0"/>
+              <dgm:constr type="t" for="ch" forName="Parent" refType="h" fact="0.3226"/>
+              <dgm:constr type="w" for="ch" forName="Parent" refType="w" fact="0.6013"/>
+              <dgm:constr type="h" for="ch" forName="Parent" refType="h" fact="0.3547"/>
+              <dgm:constr type="l" for="ch" forName="Child2" refType="w" fact="0.5073"/>
+              <dgm:constr type="t" for="ch" forName="Child2" refType="h" fact="0.1788"/>
+              <dgm:constr type="w" for="ch" forName="Child2" refType="w" fact="0.4927"/>
+              <dgm:constr type="h" for="ch" forName="Child2" refType="h" fact="0.2907"/>
+              <dgm:constr type="l" for="ch" forName="Child3" refType="w" fact="0.5073"/>
+              <dgm:constr type="t" for="ch" forName="Child3" refType="h" fact="0.5303"/>
+              <dgm:constr type="w" for="ch" forName="Child3" refType="w" fact="0.4927"/>
+              <dgm:constr type="h" for="ch" forName="Child3" refType="h" fact="0.2907"/>
+              <dgm:constr type="l" for="ch" forName="Child1" refType="w" fact="0.0554"/>
+              <dgm:constr type="t" for="ch" forName="Child1" refType="h" fact="0"/>
+              <dgm:constr type="w" for="ch" forName="Child1" refType="w" fact="0.4927"/>
+              <dgm:constr type="h" for="ch" forName="Child1" refType="h" fact="0.2907"/>
+            </dgm:constrLst>
+          </dgm:if>
+          <dgm:if name="Name9" axis="ch ch" ptType="node node" st="1 1" cnt="1 0" func="cnt" op="equ" val="5">
+            <dgm:alg type="composite">
+              <dgm:param type="ar" val="0.9538"/>
+            </dgm:alg>
+            <dgm:constrLst>
+              <dgm:constr type="primFontSz" for="des" forName="Parent" val="65"/>
+              <dgm:constr type="primFontSz" for="des" forName="Child1" val="65"/>
+              <dgm:constr type="primFontSz" for="des" forName="Child1" refType="primFontSz" refFor="des" refForName="Parent" op="lte"/>
+              <dgm:constr type="primFontSz" for="des" forName="Child2" refType="primFontSz" refFor="des" refForName="Parent" op="lte"/>
+              <dgm:constr type="primFontSz" for="des" forName="Child3" refType="primFontSz" refFor="des" refForName="Parent" op="lte"/>
+              <dgm:constr type="primFontSz" for="des" forName="Child4" refType="primFontSz" refFor="des" refForName="Parent" op="lte"/>
+              <dgm:constr type="primFontSz" for="des" forName="Child5" refType="primFontSz" refFor="des" refForName="Parent" op="lte"/>
+              <dgm:constr type="primFontSz" for="des" forName="Child2" refType="primFontSz" refFor="des" refForName="Child1" op="equ"/>
+              <dgm:constr type="primFontSz" for="des" forName="Child3" refType="primFontSz" refFor="des" refForName="Child1" op="equ"/>
+              <dgm:constr type="primFontSz" for="des" forName="Child4" refType="primFontSz" refFor="des" refForName="Child1" op="equ"/>
+              <dgm:constr type="primFontSz" for="des" forName="Child5" refType="primFontSz" refFor="des" refForName="Child1" op="equ"/>
+              <dgm:constr type="l" for="ch" forName="Accent5" refType="w" fact="0.2858"/>
+              <dgm:constr type="t" for="ch" forName="Accent5" refType="h" fact="0.7126"/>
+              <dgm:constr type="w" for="ch" forName="Accent5" refType="w" fact="0.1622"/>
+              <dgm:constr type="h" for="ch" forName="Accent5" refType="h" fact="0.1333"/>
+              <dgm:constr type="l" for="ch" forName="Accent4" refType="w" fact="0.612"/>
+              <dgm:constr type="t" for="ch" forName="Accent4" refType="h" fact="0.6834"/>
+              <dgm:constr type="w" for="ch" forName="Accent4" refType="w" fact="0.1622"/>
+              <dgm:constr type="h" for="ch" forName="Accent4" refType="h" fact="0.1333"/>
+              <dgm:constr type="l" for="ch" forName="Accent3" refType="w" fact="0.7435"/>
+              <dgm:constr type="t" for="ch" forName="Accent3" refType="h" fact="0.4021"/>
+              <dgm:constr type="w" for="ch" forName="Accent3" refType="w" fact="0.1622"/>
+              <dgm:constr type="h" for="ch" forName="Accent3" refType="h" fact="0.1333"/>
+              <dgm:constr type="l" for="ch" forName="Accent2" refType="w" fact="0.5542"/>
+              <dgm:constr type="t" for="ch" forName="Accent2" refType="h" fact="0.1529"/>
+              <dgm:constr type="w" for="ch" forName="Accent2" refType="w" fact="0.1622"/>
+              <dgm:constr type="h" for="ch" forName="Accent2" refType="h" fact="0.1333"/>
+              <dgm:constr type="l" for="ch" forName="Accent1" refType="w" fact="0"/>
+              <dgm:constr type="t" for="ch" forName="Accent1" refType="h" fact="0"/>
+              <dgm:constr type="w" for="ch" forName="Accent1" refType="w" fact="0"/>
+              <dgm:constr type="h" for="ch" forName="Accent1" refType="h" fact="0"/>
+              <dgm:constr type="l" for="ch" forName="Child4" refType="w" fact="0.3246"/>
+              <dgm:constr type="t" for="ch" forName="Child4" refType="h" fact="0.7093"/>
+              <dgm:constr type="w" for="ch" forName="Child4" refType="w" fact="0.3523"/>
+              <dgm:constr type="h" for="ch" forName="Child4" refType="h" fact="0.2907"/>
+              <dgm:constr type="l" for="ch" forName="Parent" refType="w" fact="0.285"/>
+              <dgm:constr type="t" for="ch" forName="Parent" refType="h" fact="0.3226"/>
+              <dgm:constr type="w" for="ch" forName="Parent" refType="w" fact="0.4299"/>
+              <dgm:constr type="h" for="ch" forName="Parent" refType="h" fact="0.3547"/>
+              <dgm:constr type="l" for="ch" forName="Child2" refType="w" fact="0.6477"/>
+              <dgm:constr type="t" for="ch" forName="Child2" refType="h" fact="0.1788"/>
+              <dgm:constr type="w" for="ch" forName="Child2" refType="w" fact="0.3523"/>
+              <dgm:constr type="h" for="ch" forName="Child2" refType="h" fact="0.2907"/>
+              <dgm:constr type="l" for="ch" forName="Child3" refType="w" fact="0.6477"/>
+              <dgm:constr type="t" for="ch" forName="Child3" refType="h" fact="0.5303"/>
+              <dgm:constr type="w" for="ch" forName="Child3" refType="w" fact="0.3523"/>
+              <dgm:constr type="h" for="ch" forName="Child3" refType="h" fact="0.2907"/>
+              <dgm:constr type="l" for="ch" forName="Child5" refType="w" fact="0"/>
+              <dgm:constr type="t" for="ch" forName="Child5" refType="h" fact="0.5305"/>
+              <dgm:constr type="w" for="ch" forName="Child5" refType="w" fact="0.3523"/>
+              <dgm:constr type="h" for="ch" forName="Child5" refType="h" fact="0.2907"/>
+              <dgm:constr type="l" for="ch" forName="Child1" refType="w" fact="0.3246"/>
+              <dgm:constr type="t" for="ch" forName="Child1" refType="h" fact="0"/>
+              <dgm:constr type="w" for="ch" forName="Child1" refType="w" fact="0.3523"/>
+              <dgm:constr type="h" for="ch" forName="Child1" refType="h" fact="0.2907"/>
+            </dgm:constrLst>
+          </dgm:if>
+          <dgm:else name="Name10">
+            <dgm:alg type="composite">
+              <dgm:param type="ar" val="0.9538"/>
+            </dgm:alg>
+            <dgm:constrLst>
+              <dgm:constr type="primFontSz" for="des" forName="Parent" val="65"/>
+              <dgm:constr type="primFontSz" for="des" forName="Child1" val="65"/>
+              <dgm:constr type="primFontSz" for="des" forName="Child1" refType="primFontSz" refFor="des" refForName="Parent" op="lte"/>
+              <dgm:constr type="primFontSz" for="des" forName="Child2" refType="primFontSz" refFor="des" refForName="Parent" op="lte"/>
+              <dgm:constr type="primFontSz" for="des" forName="Child3" refType="primFontSz" refFor="des" refForName="Parent" op="lte"/>
+              <dgm:constr type="primFontSz" for="des" forName="Child4" refType="primFontSz" refFor="des" refForName="Parent" op="lte"/>
+              <dgm:constr type="primFontSz" for="des" forName="Child5" refType="primFontSz" refFor="des" refForName="Parent" op="lte"/>
+              <dgm:constr type="primFontSz" for="des" forName="Child6" refType="primFontSz" refFor="des" refForName="Parent" op="lte"/>
+              <dgm:constr type="primFontSz" for="des" forName="Child7" refType="primFontSz" refFor="des" refForName="Parent" op="lte"/>
+              <dgm:constr type="primFontSz" for="des" forName="Child2" refType="primFontSz" refFor="des" refForName="Child1" op="equ"/>
+              <dgm:constr type="primFontSz" for="des" forName="Child3" refType="primFontSz" refFor="des" refForName="Child1" op="equ"/>
+              <dgm:constr type="primFontSz" for="des" forName="Child4" refType="primFontSz" refFor="des" refForName="Child1" op="equ"/>
+              <dgm:constr type="primFontSz" for="des" forName="Child5" refType="primFontSz" refFor="des" refForName="Child1" op="equ"/>
+              <dgm:constr type="primFontSz" for="des" forName="Child6" refType="primFontSz" refFor="des" refForName="Child1" op="equ"/>
+              <dgm:constr type="primFontSz" for="des" forName="Child7" refType="primFontSz" refFor="des" refForName="Child1" op="equ"/>
+              <dgm:constr type="primFontSz" for="des" ptType="node" op="equ" val="65"/>
+              <dgm:constr type="l" for="ch" forName="Accent6" refType="w" fact="0.0934"/>
+              <dgm:constr type="t" for="ch" forName="Accent6" refType="h" fact="0.4635"/>
+              <dgm:constr type="w" for="ch" forName="Accent6" refType="w" fact="0.1622"/>
+              <dgm:constr type="h" for="ch" forName="Accent6" refType="h" fact="0.1333"/>
+              <dgm:constr type="l" for="ch" forName="Accent5" refType="w" fact="0.2858"/>
+              <dgm:constr type="t" for="ch" forName="Accent5" refType="h" fact="0.7126"/>
+              <dgm:constr type="w" for="ch" forName="Accent5" refType="w" fact="0.1622"/>
+              <dgm:constr type="h" for="ch" forName="Accent5" refType="h" fact="0.1333"/>
+              <dgm:constr type="l" for="ch" forName="Accent4" refType="w" fact="0.612"/>
+              <dgm:constr type="t" for="ch" forName="Accent4" refType="h" fact="0.6834"/>
+              <dgm:constr type="w" for="ch" forName="Accent4" refType="w" fact="0.1622"/>
+              <dgm:constr type="h" for="ch" forName="Accent4" refType="h" fact="0.1333"/>
+              <dgm:constr type="l" for="ch" forName="Accent3" refType="w" fact="0.7435"/>
+              <dgm:constr type="t" for="ch" forName="Accent3" refType="h" fact="0.4021"/>
+              <dgm:constr type="w" for="ch" forName="Accent3" refType="w" fact="0.1622"/>
+              <dgm:constr type="h" for="ch" forName="Accent3" refType="h" fact="0.1333"/>
+              <dgm:constr type="l" for="ch" forName="Accent2" refType="w" fact="0.5542"/>
+              <dgm:constr type="t" for="ch" forName="Accent2" refType="h" fact="0.1529"/>
+              <dgm:constr type="w" for="ch" forName="Accent2" refType="w" fact="0.1622"/>
+              <dgm:constr type="h" for="ch" forName="Accent2" refType="h" fact="0.1333"/>
+              <dgm:constr type="l" for="ch" forName="Accent1" refType="w" fact="0"/>
+              <dgm:constr type="t" for="ch" forName="Accent1" refType="h" fact="0"/>
+              <dgm:constr type="w" for="ch" forName="Accent1" refType="w" fact="0"/>
+              <dgm:constr type="h" for="ch" forName="Accent1" refType="h" fact="0"/>
+              <dgm:constr type="l" for="ch" forName="Child4" refType="w" fact="0.3246"/>
+              <dgm:constr type="t" for="ch" forName="Child4" refType="h" fact="0.7093"/>
+              <dgm:constr type="w" for="ch" forName="Child4" refType="w" fact="0.3523"/>
+              <dgm:constr type="h" for="ch" forName="Child4" refType="h" fact="0.2907"/>
+              <dgm:constr type="l" for="ch" forName="Parent" refType="w" fact="0.285"/>
+              <dgm:constr type="t" for="ch" forName="Parent" refType="h" fact="0.3226"/>
+              <dgm:constr type="w" for="ch" forName="Parent" refType="w" fact="0.4299"/>
+              <dgm:constr type="h" for="ch" forName="Parent" refType="h" fact="0.3547"/>
+              <dgm:constr type="l" for="ch" forName="Child2" refType="w" fact="0.6477"/>
+              <dgm:constr type="t" for="ch" forName="Child2" refType="h" fact="0.1788"/>
+              <dgm:constr type="w" for="ch" forName="Child2" refType="w" fact="0.3523"/>
+              <dgm:constr type="h" for="ch" forName="Child2" refType="h" fact="0.2907"/>
+              <dgm:constr type="l" for="ch" forName="Child3" refType="w" fact="0.6477"/>
+              <dgm:constr type="t" for="ch" forName="Child3" refType="h" fact="0.5303"/>
+              <dgm:constr type="w" for="ch" forName="Child3" refType="w" fact="0.3523"/>
+              <dgm:constr type="h" for="ch" forName="Child3" refType="h" fact="0.2907"/>
+              <dgm:constr type="l" for="ch" forName="Child5" refType="w" fact="0"/>
+              <dgm:constr type="t" for="ch" forName="Child5" refType="h" fact="0.5305"/>
+              <dgm:constr type="w" for="ch" forName="Child5" refType="w" fact="0.3523"/>
+              <dgm:constr type="h" for="ch" forName="Child5" refType="h" fact="0.2907"/>
+              <dgm:constr type="l" for="ch" forName="Child6" refType="w" fact="0"/>
+              <dgm:constr type="t" for="ch" forName="Child6" refType="h" fact="0.1784"/>
+              <dgm:constr type="w" for="ch" forName="Child6" refType="w" fact="0.3523"/>
+              <dgm:constr type="h" for="ch" forName="Child6" refType="h" fact="0.2907"/>
+              <dgm:constr type="l" for="ch" forName="Child1" refType="w" fact="0.3246"/>
+              <dgm:constr type="t" for="ch" forName="Child1" refType="h" fact="0"/>
+              <dgm:constr type="w" for="ch" forName="Child1" refType="w" fact="0.3523"/>
+              <dgm:constr type="h" for="ch" forName="Child1" refType="h" fact="0.2907"/>
+            </dgm:constrLst>
+          </dgm:else>
+        </dgm:choose>
+      </dgm:if>
+      <dgm:else name="Name11">
+        <dgm:choose name="Name12">
+          <dgm:if name="Name13" axis="ch ch" ptType="node node" st="1 1" cnt="1 0" func="cnt" op="equ" val="0">
+            <dgm:alg type="composite">
+              <dgm:param type="ar" val="1.1561"/>
+            </dgm:alg>
+            <dgm:constrLst>
+              <dgm:constr type="primFontSz" for="des" forName="Parent" val="65"/>
+              <dgm:constr type="l" for="ch" forName="Parent" refType="w" fact="0"/>
+              <dgm:constr type="t" for="ch" forName="Parent" refType="h" fact="0"/>
+              <dgm:constr type="w" for="ch" forName="Parent" refType="w"/>
+              <dgm:constr type="h" for="ch" forName="Parent" refType="h"/>
+            </dgm:constrLst>
+          </dgm:if>
+          <dgm:if name="Name14" axis="ch ch" ptType="node node" st="1 1" cnt="1 0" func="cnt" op="lte" val="1">
+            <dgm:alg type="composite">
+              <dgm:param type="ar" val="1.368"/>
+            </dgm:alg>
+            <dgm:constrLst>
+              <dgm:constr type="primFontSz" for="des" forName="Parent" val="65"/>
+              <dgm:constr type="primFontSz" for="des" forName="Child1" val="65"/>
+              <dgm:constr type="primFontSz" for="des" forName="Child1" refType="primFontSz" refFor="des" refForName="Parent" op="lte"/>
+              <dgm:constr type="r" for="ch" forName="Accent1" refType="w" fact="0.8315"/>
+              <dgm:constr type="t" for="ch" forName="Accent1" refType="h" fact="0.2946"/>
+              <dgm:constr type="w" for="ch" forName="Accent1" refType="w" fact="0.462"/>
+              <dgm:constr type="h" for="ch" forName="Accent1" refType="h" fact="0.5472"/>
+              <dgm:constr type="r" for="ch" forName="Parent" refType="w"/>
+              <dgm:constr type="t" for="ch" forName="Parent" refType="h" fact="0.2885"/>
+              <dgm:constr type="w" for="ch" forName="Parent" refType="w" fact="0.6013"/>
+              <dgm:constr type="h" for="ch" forName="Parent" refType="h" fact="0.7115"/>
+              <dgm:constr type="r" for="ch" forName="Child1" refType="w" fact="0.4927"/>
+              <dgm:constr type="t" for="ch" forName="Child1" refType="h" fact="0"/>
+              <dgm:constr type="w" for="ch" forName="Child1" refType="w" fact="0.4927"/>
+              <dgm:constr type="h" for="ch" forName="Child1" refType="h" fact="0.5831"/>
+            </dgm:constrLst>
+          </dgm:if>
+          <dgm:if name="Name15" axis="ch ch" ptType="node node" st="1 1" cnt="1 0" func="cnt" op="equ" val="2">
+            <dgm:alg type="composite">
+              <dgm:param type="ar" val="1.0619"/>
+            </dgm:alg>
+            <dgm:constrLst>
+              <dgm:constr type="primFontSz" for="des" forName="Parent" val="65"/>
+              <dgm:constr type="primFontSz" for="des" forName="Child1" val="65"/>
+              <dgm:constr type="primFontSz" for="des" forName="Child1" refType="primFontSz" refFor="des" refForName="Parent" op="lte"/>
+              <dgm:constr type="primFontSz" for="des" forName="Child2" refType="primFontSz" refFor="des" refForName="Parent" op="lte"/>
+              <dgm:constr type="primFontSz" for="des" forName="Child2" refType="primFontSz" refFor="des" refForName="Child1" op="equ"/>
+              <dgm:constr type="r" for="ch" forName="Accent2" refType="w" fact="0.3587"/>
+              <dgm:constr type="t" for="ch" forName="Accent2" refType="h" fact="0.3477"/>
+              <dgm:constr type="w" for="ch" forName="Accent2" refType="w" fact="0.2269"/>
+              <dgm:constr type="h" for="ch" forName="Accent2" refType="h" fact="0.2076"/>
+              <dgm:constr type="r" for="ch" forName="Accent1" refType="w" fact="0"/>
+              <dgm:constr type="t" for="ch" forName="Accent1" refType="h" fact="0"/>
+              <dgm:constr type="w" for="ch" forName="Accent1" refType="w" fact="0"/>
+              <dgm:constr type="h" for="ch" forName="Accent1" refType="h" fact="0"/>
+              <dgm:constr type="r" for="ch" forName="Parent" refType="w"/>
+              <dgm:constr type="t" for="ch" forName="Parent" refType="h" fact="0.2239"/>
+              <dgm:constr type="w" for="ch" forName="Parent" refType="w" fact="0.6013"/>
+              <dgm:constr type="h" for="ch" forName="Parent" refType="h" fact="0.5523"/>
+              <dgm:constr type="r" for="ch" forName="Child1" refType="w" fact="0.4927"/>
+              <dgm:constr type="t" for="ch" forName="Child1" refType="h" fact="0"/>
+              <dgm:constr type="w" for="ch" forName="Child1" refType="w" fact="0.4927"/>
+              <dgm:constr type="h" for="ch" forName="Child1" refType="h" fact="0.4527"/>
+              <dgm:constr type="r" for="ch" forName="Child2" refType="w" fact="0.5073"/>
+              <dgm:constr type="t" for="ch" forName="Child2" refType="h" fact="0.5473"/>
+              <dgm:constr type="w" for="ch" forName="Child2" refType="w" fact="0.4927"/>
+              <dgm:constr type="h" for="ch" forName="Child2" refType="h" fact="0.4527"/>
+            </dgm:constrLst>
+          </dgm:if>
+          <dgm:if name="Name16" axis="ch ch" ptType="node node" st="1 1" cnt="1 0" func="cnt" op="equ" val="3">
+            <dgm:alg type="composite">
+              <dgm:param type="ar" val="0.8305"/>
+            </dgm:alg>
+            <dgm:constrLst>
+              <dgm:constr type="primFontSz" for="des" forName="Parent" val="65"/>
+              <dgm:constr type="primFontSz" for="des" forName="Child1" val="65"/>
+              <dgm:constr type="primFontSz" for="des" forName="Child1" refType="primFontSz" refFor="des" refForName="Parent" op="lte"/>
+              <dgm:constr type="primFontSz" for="des" forName="Child2" refType="primFontSz" refFor="des" refForName="Parent" op="lte"/>
+              <dgm:constr type="primFontSz" for="des" forName="Child3" refType="primFontSz" refFor="des" refForName="Parent" op="lte"/>
+              <dgm:constr type="primFontSz" for="des" forName="Child2" refType="primFontSz" refFor="des" refForName="Child1" op="equ"/>
+              <dgm:constr type="primFontSz" for="des" forName="Child3" refType="primFontSz" refFor="des" refForName="Child1" op="equ"/>
+              <dgm:constr type="r" for="ch" forName="Accent3" refType="w" fact="0.5427"/>
+              <dgm:constr type="t" for="ch" forName="Accent3" refType="h" fact="0.6145"/>
+              <dgm:constr type="w" for="ch" forName="Accent3" refType="w" fact="0.2269"/>
+              <dgm:constr type="h" for="ch" forName="Accent3" refType="h" fact="0.1623"/>
+              <dgm:constr type="r" for="ch" forName="Accent2" refType="w" fact="0.3587"/>
+              <dgm:constr type="t" for="ch" forName="Accent2" refType="h" fact="0.2719"/>
+              <dgm:constr type="w" for="ch" forName="Accent2" refType="w" fact="0.2269"/>
+              <dgm:constr type="h" for="ch" forName="Accent2" refType="h" fact="0.1623"/>
+              <dgm:constr type="r" for="ch" forName="Accent1" refType="w" fact="0"/>
+              <dgm:constr type="t" for="ch" forName="Accent1" refType="h" fact="0"/>
+              <dgm:constr type="w" for="ch" forName="Accent1" refType="w" fact="0"/>
+              <dgm:constr type="h" for="ch" forName="Accent1" refType="h" fact="0"/>
+              <dgm:constr type="r" for="ch" forName="Child3" refType="w" fact="0.9446"/>
+              <dgm:constr type="t" for="ch" forName="Child3" refType="h" fact="0.646"/>
+              <dgm:constr type="w" for="ch" forName="Child3" refType="w" fact="0.4927"/>
+              <dgm:constr type="h" for="ch" forName="Child3" refType="h" fact="0.354"/>
+              <dgm:constr type="r" for="ch" forName="Parent" refType="w"/>
+              <dgm:constr type="t" for="ch" forName="Parent" refType="h" fact="0.1751"/>
+              <dgm:constr type="w" for="ch" forName="Parent" refType="w" fact="0.6013"/>
+              <dgm:constr type="h" for="ch" forName="Parent" refType="h" fact="0.4319"/>
+              <dgm:constr type="r" for="ch" forName="Child1" refType="w" fact="0.4927"/>
+              <dgm:constr type="t" for="ch" forName="Child1" refType="h" fact="0"/>
+              <dgm:constr type="w" for="ch" forName="Child1" refType="w" fact="0.4927"/>
+              <dgm:constr type="h" for="ch" forName="Child1" refType="h" fact="0.354"/>
+              <dgm:constr type="r" for="ch" forName="Child2" refType="w" fact="0.4927"/>
+              <dgm:constr type="t" for="ch" forName="Child2" refType="h" fact="0.428"/>
+              <dgm:constr type="w" for="ch" forName="Child2" refType="w" fact="0.4927"/>
+              <dgm:constr type="h" for="ch" forName="Child2" refType="h" fact="0.354"/>
+            </dgm:constrLst>
+          </dgm:if>
+          <dgm:if name="Name17" axis="ch ch" ptType="node node" st="1 1" cnt="1 0" func="cnt" op="equ" val="4">
+            <dgm:alg type="composite">
+              <dgm:param type="ar" val="0.682"/>
+            </dgm:alg>
+            <dgm:constrLst>
+              <dgm:constr type="primFontSz" for="des" forName="Parent" val="65"/>
+              <dgm:constr type="primFontSz" for="des" forName="Child1" val="65"/>
+              <dgm:constr type="primFontSz" for="des" forName="Child1" refType="primFontSz" refFor="des" refForName="Parent" op="lte"/>
+              <dgm:constr type="primFontSz" for="des" forName="Child2" refType="primFontSz" refFor="des" refForName="Parent" op="lte"/>
+              <dgm:constr type="primFontSz" for="des" forName="Child3" refType="primFontSz" refFor="des" refForName="Parent" op="lte"/>
+              <dgm:constr type="primFontSz" for="des" forName="Child4" refType="primFontSz" refFor="des" refForName="Parent" op="lte"/>
+              <dgm:constr type="primFontSz" for="des" forName="Child2" refType="primFontSz" refFor="des" refForName="Child1" op="equ"/>
+              <dgm:constr type="primFontSz" for="des" forName="Child3" refType="primFontSz" refFor="des" refForName="Child1" op="equ"/>
+              <dgm:constr type="primFontSz" for="des" forName="Child4" refType="primFontSz" refFor="des" refForName="Child1" op="equ"/>
+              <dgm:constr type="r" for="ch" forName="Accent4" refType="w" fact="0.5427"/>
+              <dgm:constr type="t" for="ch" forName="Accent4" refType="h" fact="0.6834"/>
+              <dgm:constr type="w" for="ch" forName="Accent4" refType="w" fact="0.2269"/>
+              <dgm:constr type="h" for="ch" forName="Accent4" refType="h" fact="0.1333"/>
+              <dgm:constr type="r" for="ch" forName="Accent3" refType="w" fact="0.3587"/>
+              <dgm:constr type="t" for="ch" forName="Accent3" refType="h" fact="0.4021"/>
+              <dgm:constr type="w" for="ch" forName="Accent3" refType="w" fact="0.2269"/>
+              <dgm:constr type="h" for="ch" forName="Accent3" refType="h" fact="0.1333"/>
+              <dgm:constr type="r" for="ch" forName="Accent2" refType="w" fact="0.6235"/>
+              <dgm:constr type="t" for="ch" forName="Accent2" refType="h" fact="0.1529"/>
+              <dgm:constr type="w" for="ch" forName="Accent2" refType="w" fact="0.2269"/>
+              <dgm:constr type="h" for="ch" forName="Accent2" refType="h" fact="0.1333"/>
+              <dgm:constr type="r" for="ch" forName="Accent1" refType="w" fact="0"/>
+              <dgm:constr type="t" for="ch" forName="Accent1" refType="h" fact="0"/>
+              <dgm:constr type="w" for="ch" forName="Accent1" refType="w" fact="0"/>
+              <dgm:constr type="h" for="ch" forName="Accent1" refType="h" fact="0"/>
+              <dgm:constr type="r" for="ch" forName="Child4" refType="w" fact="0.9446"/>
+              <dgm:constr type="t" for="ch" forName="Child4" refType="h" fact="0.7093"/>
+              <dgm:constr type="w" for="ch" forName="Child4" refType="w" fact="0.4927"/>
+              <dgm:constr type="h" for="ch" forName="Child4" refType="h" fact="0.2907"/>
+              <dgm:constr type="r" for="ch" forName="Parent" refType="w"/>
+              <dgm:constr type="t" for="ch" forName="Parent" refType="h" fact="0.3226"/>
+              <dgm:constr type="w" for="ch" forName="Parent" refType="w" fact="0.6013"/>
+              <dgm:constr type="h" for="ch" forName="Parent" refType="h" fact="0.3547"/>
+              <dgm:constr type="r" for="ch" forName="Child2" refType="w" fact="0.4927"/>
+              <dgm:constr type="t" for="ch" forName="Child2" refType="h" fact="0.1788"/>
+              <dgm:constr type="w" for="ch" forName="Child2" refType="w" fact="0.4927"/>
+              <dgm:constr type="h" for="ch" forName="Child2" refType="h" fact="0.2907"/>
+              <dgm:constr type="r" for="ch" forName="Child3" refType="w" fact="0.4927"/>
+              <dgm:constr type="t" for="ch" forName="Child3" refType="h" fact="0.5303"/>
+              <dgm:constr type="w" for="ch" forName="Child3" refType="w" fact="0.4927"/>
+              <dgm:constr type="h" for="ch" forName="Child3" refType="h" fact="0.2907"/>
+              <dgm:constr type="r" for="ch" forName="Child1" refType="w" fact="0.9446"/>
+              <dgm:constr type="t" for="ch" forName="Child1" refType="h" fact="0"/>
+              <dgm:constr type="w" for="ch" forName="Child1" refType="w" fact="0.4927"/>
+              <dgm:constr type="h" for="ch" forName="Child1" refType="h" fact="0.2907"/>
+            </dgm:constrLst>
+          </dgm:if>
+          <dgm:if name="Name18" axis="ch ch" ptType="node node" st="1 1" cnt="1 0" func="cnt" op="equ" val="5">
+            <dgm:alg type="composite">
+              <dgm:param type="ar" val="0.9538"/>
+            </dgm:alg>
+            <dgm:constrLst>
+              <dgm:constr type="primFontSz" for="des" forName="Parent" val="65"/>
+              <dgm:constr type="primFontSz" for="des" forName="Child1" val="65"/>
+              <dgm:constr type="primFontSz" for="des" forName="Child1" refType="primFontSz" refFor="des" refForName="Parent" op="lte"/>
+              <dgm:constr type="primFontSz" for="des" forName="Child2" refType="primFontSz" refFor="des" refForName="Parent" op="lte"/>
+              <dgm:constr type="primFontSz" for="des" forName="Child3" refType="primFontSz" refFor="des" refForName="Parent" op="lte"/>
+              <dgm:constr type="primFontSz" for="des" forName="Child4" refType="primFontSz" refFor="des" refForName="Parent" op="lte"/>
+              <dgm:constr type="primFontSz" for="des" forName="Child5" refType="primFontSz" refFor="des" refForName="Parent" op="lte"/>
+              <dgm:constr type="primFontSz" for="des" forName="Child2" refType="primFontSz" refFor="des" refForName="Child1" op="equ"/>
+              <dgm:constr type="primFontSz" for="des" forName="Child3" refType="primFontSz" refFor="des" refForName="Child1" op="equ"/>
+              <dgm:constr type="primFontSz" for="des" forName="Child4" refType="primFontSz" refFor="des" refForName="Child1" op="equ"/>
+              <dgm:constr type="primFontSz" for="des" forName="Child5" refType="primFontSz" refFor="des" refForName="Child1" op="equ"/>
+              <dgm:constr type="r" for="ch" forName="Accent5" refType="w" fact="0.7142"/>
+              <dgm:constr type="t" for="ch" forName="Accent5" refType="h" fact="0.7126"/>
+              <dgm:constr type="w" for="ch" forName="Accent5" refType="w" fact="0.1622"/>
+              <dgm:constr type="h" for="ch" forName="Accent5" refType="h" fact="0.1333"/>
+              <dgm:constr type="r" for="ch" forName="Accent4" refType="w" fact="0.388"/>
+              <dgm:constr type="t" for="ch" forName="Accent4" refType="h" fact="0.6834"/>
+              <dgm:constr type="w" for="ch" forName="Accent4" refType="w" fact="0.1622"/>
+              <dgm:constr type="h" for="ch" forName="Accent4" refType="h" fact="0.1333"/>
+              <dgm:constr type="r" for="ch" forName="Accent3" refType="w" fact="0.2565"/>
+              <dgm:constr type="t" for="ch" forName="Accent3" refType="h" fact="0.4021"/>
+              <dgm:constr type="w" for="ch" forName="Accent3" refType="w" fact="0.1622"/>
+              <dgm:constr type="h" for="ch" forName="Accent3" refType="h" fact="0.1333"/>
+              <dgm:constr type="r" for="ch" forName="Accent2" refType="w" fact="0.4458"/>
+              <dgm:constr type="t" for="ch" forName="Accent2" refType="h" fact="0.1529"/>
+              <dgm:constr type="w" for="ch" forName="Accent2" refType="w" fact="0.1622"/>
+              <dgm:constr type="h" for="ch" forName="Accent2" refType="h" fact="0.1333"/>
+              <dgm:constr type="r" for="ch" forName="Accent1" refType="w" fact="0"/>
+              <dgm:constr type="t" for="ch" forName="Accent1" refType="h" fact="0"/>
+              <dgm:constr type="w" for="ch" forName="Accent1" refType="w" fact="0"/>
+              <dgm:constr type="h" for="ch" forName="Accent1" refType="h" fact="0"/>
+              <dgm:constr type="r" for="ch" forName="Child4" refType="w" fact="0.6754"/>
+              <dgm:constr type="t" for="ch" forName="Child4" refType="h" fact="0.7093"/>
+              <dgm:constr type="w" for="ch" forName="Child4" refType="w" fact="0.3523"/>
+              <dgm:constr type="h" for="ch" forName="Child4" refType="h" fact="0.2907"/>
+              <dgm:constr type="r" for="ch" forName="Parent" refType="w" fact="0.715"/>
+              <dgm:constr type="t" for="ch" forName="Parent" refType="h" fact="0.3226"/>
+              <dgm:constr type="w" for="ch" forName="Parent" refType="w" fact="0.4299"/>
+              <dgm:constr type="h" for="ch" forName="Parent" refType="h" fact="0.3547"/>
+              <dgm:constr type="r" for="ch" forName="Child2" refType="w" fact="0.3523"/>
+              <dgm:constr type="t" for="ch" forName="Child2" refType="h" fact="0.1788"/>
+              <dgm:constr type="w" for="ch" forName="Child2" refType="w" fact="0.3523"/>
+              <dgm:constr type="h" for="ch" forName="Child2" refType="h" fact="0.2907"/>
+              <dgm:constr type="r" for="ch" forName="Child3" refType="w" fact="0.3523"/>
+              <dgm:constr type="t" for="ch" forName="Child3" refType="h" fact="0.5303"/>
+              <dgm:constr type="w" for="ch" forName="Child3" refType="w" fact="0.3523"/>
+              <dgm:constr type="h" for="ch" forName="Child3" refType="h" fact="0.2907"/>
+              <dgm:constr type="r" for="ch" forName="Child5" refType="w"/>
+              <dgm:constr type="t" for="ch" forName="Child5" refType="h" fact="0.5305"/>
+              <dgm:constr type="w" for="ch" forName="Child5" refType="w" fact="0.3523"/>
+              <dgm:constr type="h" for="ch" forName="Child5" refType="h" fact="0.2907"/>
+              <dgm:constr type="r" for="ch" forName="Child1" refType="w" fact="0.6754"/>
+              <dgm:constr type="t" for="ch" forName="Child1" refType="h" fact="0"/>
+              <dgm:constr type="w" for="ch" forName="Child1" refType="w" fact="0.3523"/>
+              <dgm:constr type="h" for="ch" forName="Child1" refType="h" fact="0.2907"/>
+            </dgm:constrLst>
+          </dgm:if>
+          <dgm:else name="Name19">
+            <dgm:alg type="composite">
+              <dgm:param type="ar" val="0.9538"/>
+            </dgm:alg>
+            <dgm:constrLst>
+              <dgm:constr type="primFontSz" for="des" forName="Parent" val="65"/>
+              <dgm:constr type="primFontSz" for="des" forName="Child1" val="65"/>
+              <dgm:constr type="primFontSz" for="des" forName="Child1" refType="primFontSz" refFor="des" refForName="Parent" op="lte"/>
+              <dgm:constr type="primFontSz" for="des" forName="Child2" refType="primFontSz" refFor="des" refForName="Parent" op="lte"/>
+              <dgm:constr type="primFontSz" for="des" forName="Child3" refType="primFontSz" refFor="des" refForName="Parent" op="lte"/>
+              <dgm:constr type="primFontSz" for="des" forName="Child4" refType="primFontSz" refFor="des" refForName="Parent" op="lte"/>
+              <dgm:constr type="primFontSz" for="des" forName="Child5" refType="primFontSz" refFor="des" refForName="Parent" op="lte"/>
+              <dgm:constr type="primFontSz" for="des" forName="Child6" refType="primFontSz" refFor="des" refForName="Parent" op="lte"/>
+              <dgm:constr type="primFontSz" for="des" forName="Child7" refType="primFontSz" refFor="des" refForName="Parent" op="lte"/>
+              <dgm:constr type="primFontSz" for="des" forName="Child2" refType="primFontSz" refFor="des" refForName="Child1" op="equ"/>
+              <dgm:constr type="primFontSz" for="des" forName="Child3" refType="primFontSz" refFor="des" refForName="Child1" op="equ"/>
+              <dgm:constr type="primFontSz" for="des" forName="Child4" refType="primFontSz" refFor="des" refForName="Child1" op="equ"/>
+              <dgm:constr type="primFontSz" for="des" forName="Child5" refType="primFontSz" refFor="des" refForName="Child1" op="equ"/>
+              <dgm:constr type="primFontSz" for="des" forName="Child6" refType="primFontSz" refFor="des" refForName="Child1" op="equ"/>
+              <dgm:constr type="primFontSz" for="des" forName="Child7" refType="primFontSz" refFor="des" refForName="Child1" op="equ"/>
+              <dgm:constr type="primFontSz" for="des" ptType="node" op="equ" val="65"/>
+              <dgm:constr type="r" for="ch" forName="Accent6" refType="w" fact="0.9066"/>
+              <dgm:constr type="t" for="ch" forName="Accent6" refType="h" fact="0.4635"/>
+              <dgm:constr type="w" for="ch" forName="Accent6" refType="w" fact="0.1622"/>
+              <dgm:constr type="h" for="ch" forName="Accent6" refType="h" fact="0.1333"/>
+              <dgm:constr type="r" for="ch" forName="Accent5" refType="w" fact="0.7142"/>
+              <dgm:constr type="t" for="ch" forName="Accent5" refType="h" fact="0.7126"/>
+              <dgm:constr type="w" for="ch" forName="Accent5" refType="w" fact="0.1622"/>
+              <dgm:constr type="h" for="ch" forName="Accent5" refType="h" fact="0.1333"/>
+              <dgm:constr type="r" for="ch" forName="Accent4" refType="w" fact="0.388"/>
+              <dgm:constr type="t" for="ch" forName="Accent4" refType="h" fact="0.6834"/>
+              <dgm:constr type="w" for="ch" forName="Accent4" refType="w" fact="0.1622"/>
+              <dgm:constr type="h" for="ch" forName="Accent4" refType="h" fact="0.1333"/>
+              <dgm:constr type="r" for="ch" forName="Accent3" refType="w" fact="0.2565"/>
+              <dgm:constr type="t" for="ch" forName="Accent3" refType="h" fact="0.4021"/>
+              <dgm:constr type="w" for="ch" forName="Accent3" refType="w" fact="0.1622"/>
+              <dgm:constr type="h" for="ch" forName="Accent3" refType="h" fact="0.1333"/>
+              <dgm:constr type="r" for="ch" forName="Accent2" refType="w" fact="0.4458"/>
+              <dgm:constr type="t" for="ch" forName="Accent2" refType="h" fact="0.1529"/>
+              <dgm:constr type="w" for="ch" forName="Accent2" refType="w" fact="0.1622"/>
+              <dgm:constr type="h" for="ch" forName="Accent2" refType="h" fact="0.1333"/>
+              <dgm:constr type="r" for="ch" forName="Accent1" refType="w" fact="0"/>
+              <dgm:constr type="t" for="ch" forName="Accent1" refType="h" fact="0"/>
+              <dgm:constr type="w" for="ch" forName="Accent1" refType="w" fact="0"/>
+              <dgm:constr type="h" for="ch" forName="Accent1" refType="h" fact="0"/>
+              <dgm:constr type="r" for="ch" forName="Child4" refType="w" fact="0.6754"/>
+              <dgm:constr type="t" for="ch" forName="Child4" refType="h" fact="0.7093"/>
+              <dgm:constr type="w" for="ch" forName="Child4" refType="w" fact="0.3523"/>
+              <dgm:constr type="h" for="ch" forName="Child4" refType="h" fact="0.2907"/>
+              <dgm:constr type="r" for="ch" forName="Parent" refType="w" fact="0.715"/>
+              <dgm:constr type="t" for="ch" forName="Parent" refType="h" fact="0.3226"/>
+              <dgm:constr type="w" for="ch" forName="Parent" refType="w" fact="0.4299"/>
+              <dgm:constr type="h" for="ch" forName="Parent" refType="h" fact="0.3547"/>
+              <dgm:constr type="r" for="ch" forName="Child2" refType="w" fact="0.3523"/>
+              <dgm:constr type="t" for="ch" forName="Child2" refType="h" fact="0.1788"/>
+              <dgm:constr type="w" for="ch" forName="Child2" refType="w" fact="0.3523"/>
+              <dgm:constr type="h" for="ch" forName="Child2" refType="h" fact="0.2907"/>
+              <dgm:constr type="r" for="ch" forName="Child3" refType="w" fact="0.3523"/>
+              <dgm:constr type="t" for="ch" forName="Child3" refType="h" fact="0.5303"/>
+              <dgm:constr type="w" for="ch" forName="Child3" refType="w" fact="0.3523"/>
+              <dgm:constr type="h" for="ch" forName="Child3" refType="h" fact="0.2907"/>
+              <dgm:constr type="r" for="ch" forName="Child5" refType="w"/>
+              <dgm:constr type="t" for="ch" forName="Child5" refType="h" fact="0.5305"/>
+              <dgm:constr type="w" for="ch" forName="Child5" refType="w" fact="0.3523"/>
+              <dgm:constr type="h" for="ch" forName="Child5" refType="h" fact="0.2907"/>
+              <dgm:constr type="r" for="ch" forName="Child6" refType="w"/>
+              <dgm:constr type="t" for="ch" forName="Child6" refType="h" fact="0.1784"/>
+              <dgm:constr type="w" for="ch" forName="Child6" refType="w" fact="0.3523"/>
+              <dgm:constr type="h" for="ch" forName="Child6" refType="h" fact="0.2907"/>
+              <dgm:constr type="r" for="ch" forName="Child1" refType="w" fact="0.6754"/>
+              <dgm:constr type="t" for="ch" forName="Child1" refType="h" fact="0"/>
+              <dgm:constr type="w" for="ch" forName="Child1" refType="w" fact="0.3523"/>
+              <dgm:constr type="h" for="ch" forName="Child1" refType="h" fact="0.2907"/>
+            </dgm:constrLst>
+          </dgm:else>
+        </dgm:choose>
+      </dgm:else>
+    </dgm:choose>
+    <dgm:forEach name="wrapper" axis="self" ptType="parTrans">
+      <dgm:forEach name="accentRepeat" axis="self">
+        <dgm:layoutNode name="Accent" styleLbl="bgShp">
+          <dgm:alg type="sp"/>
+          <dgm:shape xmlns:r="http://schemas.openxmlformats.org/officeDocument/2006/relationships" type="hexagon" r:blip="" zOrderOff="-2">
+            <dgm:adjLst>
+              <dgm:adj idx="1" val="0.289"/>
+              <dgm:adj idx="2" val="1.1547"/>
+            </dgm:adjLst>
+          </dgm:shape>
+          <dgm:presOf/>
+        </dgm:layoutNode>
+      </dgm:forEach>
+    </dgm:forEach>
+    <dgm:forEach name="Name20" axis="ch" ptType="node" cnt="1">
+      <dgm:layoutNode name="Parent" styleLbl="node0">
+        <dgm:varLst>
+          <dgm:chMax val="6"/>
+          <dgm:chPref val="6"/>
+        </dgm:varLst>
+        <dgm:alg type="tx"/>
+        <dgm:shape xmlns:r="http://schemas.openxmlformats.org/officeDocument/2006/relationships" type="hexagon" r:blip="">
+          <dgm:adjLst>
+            <dgm:adj idx="1" val="0.2857"/>
+            <dgm:adj idx="2" val="1.1547"/>
+          </dgm:adjLst>
+        </dgm:shape>
+        <dgm:presOf axis="self"/>
+        <dgm:constrLst>
+          <dgm:constr type="lMarg" refType="primFontSz" fact="0.1"/>
+          <dgm:constr type="rMarg" refType="primFontSz" fact="0.1"/>
+          <dgm:constr type="tMarg" refType="primFontSz" fact="0.1"/>
+          <dgm:constr type="bMarg" refType="primFontSz" fact="0.1"/>
+        </dgm:constrLst>
+        <dgm:ruleLst>
+          <dgm:rule type="primFontSz" val="5" fact="NaN" max="NaN"/>
+        </dgm:ruleLst>
+      </dgm:layoutNode>
+    </dgm:forEach>
+    <dgm:forEach name="Name21" axis="ch ch" ptType="node node" st="1 1" cnt="1 1">
+      <dgm:layoutNode name="Accent1">
+        <dgm:alg type="sp"/>
+        <dgm:shape xmlns:r="http://schemas.openxmlformats.org/officeDocument/2006/relationships" r:blip="" zOrderOff="-2">
+          <dgm:adjLst/>
+        </dgm:shape>
+        <dgm:presOf/>
+        <dgm:constrLst/>
+        <dgm:forEach name="Name22" ref="accentRepeat"/>
+      </dgm:layoutNode>
+      <dgm:layoutNode name="Child1" styleLbl="node1">
+        <dgm:varLst>
+          <dgm:chMax val="0"/>
+          <dgm:chPref val="0"/>
+          <dgm:bulletEnabled val="1"/>
+        </dgm:varLst>
+        <dgm:alg type="tx">
+          <dgm:param type="shpTxLTRAlignCh" val="ctr"/>
+          <dgm:param type="txAnchorVertCh" val="mid"/>
+        </dgm:alg>
+        <dgm:shape xmlns:r="http://schemas.openxmlformats.org/officeDocument/2006/relationships" type="hexagon" r:blip="">
+          <dgm:adjLst>
+            <dgm:adj idx="1" val="0.2857"/>
+            <dgm:adj idx="2" val="1.1547"/>
+          </dgm:adjLst>
+        </dgm:shape>
+        <dgm:presOf axis="desOrSelf" ptType="node"/>
+        <dgm:constrLst>
+          <dgm:constr type="lMarg" refType="primFontSz" fact="0.1"/>
+          <dgm:constr type="rMarg" refType="primFontSz" fact="0.1"/>
+          <dgm:constr type="tMarg" refType="primFontSz" fact="0.1"/>
+          <dgm:constr type="bMarg" refType="primFontSz" fact="0.1"/>
+        </dgm:constrLst>
+        <dgm:ruleLst>
+          <dgm:rule type="primFontSz" val="5" fact="NaN" max="NaN"/>
+        </dgm:ruleLst>
+      </dgm:layoutNode>
+    </dgm:forEach>
+    <dgm:forEach name="Name23" axis="ch ch" ptType="node node" st="1 2" cnt="1 1">
+      <dgm:layoutNode name="Accent2">
+        <dgm:alg type="sp"/>
+        <dgm:shape xmlns:r="http://schemas.openxmlformats.org/officeDocument/2006/relationships" r:blip="" zOrderOff="-2">
+          <dgm:adjLst/>
+        </dgm:shape>
+        <dgm:presOf/>
+        <dgm:constrLst/>
+        <dgm:forEach name="Name24" ref="accentRepeat"/>
+      </dgm:layoutNode>
+      <dgm:layoutNode name="Child2" styleLbl="node1">
+        <dgm:varLst>
+          <dgm:chMax val="0"/>
+          <dgm:chPref val="0"/>
+          <dgm:bulletEnabled val="1"/>
+        </dgm:varLst>
+        <dgm:alg type="tx">
+          <dgm:param type="shpTxLTRAlignCh" val="ctr"/>
+          <dgm:param type="txAnchorVertCh" val="mid"/>
+        </dgm:alg>
+        <dgm:shape xmlns:r="http://schemas.openxmlformats.org/officeDocument/2006/relationships" type="hexagon" r:blip="">
+          <dgm:adjLst>
+            <dgm:adj idx="1" val="0.2857"/>
+            <dgm:adj idx="2" val="1.1547"/>
+          </dgm:adjLst>
+        </dgm:shape>
+        <dgm:presOf axis="desOrSelf" ptType="node"/>
+        <dgm:constrLst>
+          <dgm:constr type="lMarg" refType="primFontSz" fact="0.1"/>
+          <dgm:constr type="rMarg" refType="primFontSz" fact="0.1"/>
+          <dgm:constr type="tMarg" refType="primFontSz" fact="0.1"/>
+          <dgm:constr type="bMarg" refType="primFontSz" fact="0.1"/>
+        </dgm:constrLst>
+        <dgm:ruleLst>
+          <dgm:rule type="primFontSz" val="5" fact="NaN" max="NaN"/>
+        </dgm:ruleLst>
+      </dgm:layoutNode>
+    </dgm:forEach>
+    <dgm:forEach name="Name25" axis="ch ch" ptType="node node" st="1 3" cnt="1 1">
+      <dgm:layoutNode name="Accent3">
+        <dgm:alg type="sp"/>
+        <dgm:shape xmlns:r="http://schemas.openxmlformats.org/officeDocument/2006/relationships" r:blip="" zOrderOff="-2">
+          <dgm:adjLst/>
+        </dgm:shape>
+        <dgm:presOf/>
+        <dgm:constrLst/>
+        <dgm:forEach name="Name26" ref="accentRepeat"/>
+      </dgm:layoutNode>
+      <dgm:layoutNode name="Child3" styleLbl="node1">
+        <dgm:varLst>
+          <dgm:chMax val="0"/>
+          <dgm:chPref val="0"/>
+          <dgm:bulletEnabled val="1"/>
+        </dgm:varLst>
+        <dgm:alg type="tx">
+          <dgm:param type="shpTxLTRAlignCh" val="ctr"/>
+          <dgm:param type="txAnchorVertCh" val="mid"/>
+        </dgm:alg>
+        <dgm:shape xmlns:r="http://schemas.openxmlformats.org/officeDocument/2006/relationships" type="hexagon" r:blip="">
+          <dgm:adjLst>
+            <dgm:adj idx="1" val="0.2857"/>
+            <dgm:adj idx="2" val="1.1547"/>
+          </dgm:adjLst>
+        </dgm:shape>
+        <dgm:presOf axis="desOrSelf" ptType="node"/>
+        <dgm:constrLst>
+          <dgm:constr type="lMarg" refType="primFontSz" fact="0.1"/>
+          <dgm:constr type="rMarg" refType="primFontSz" fact="0.1"/>
+          <dgm:constr type="tMarg" refType="primFontSz" fact="0.1"/>
+          <dgm:constr type="bMarg" refType="primFontSz" fact="0.1"/>
+        </dgm:constrLst>
+        <dgm:ruleLst>
+          <dgm:rule type="primFontSz" val="5" fact="NaN" max="NaN"/>
+        </dgm:ruleLst>
+      </dgm:layoutNode>
+    </dgm:forEach>
+    <dgm:forEach name="Name27" axis="ch ch" ptType="node node" st="1 4" cnt="1 1">
+      <dgm:layoutNode name="Accent4">
+        <dgm:alg type="sp"/>
+        <dgm:shape xmlns:r="http://schemas.openxmlformats.org/officeDocument/2006/relationships" r:blip="">
+          <dgm:adjLst/>
+        </dgm:shape>
+        <dgm:presOf/>
+        <dgm:constrLst/>
+        <dgm:forEach name="Name28" ref="accentRepeat"/>
+      </dgm:layoutNode>
+      <dgm:layoutNode name="Child4" styleLbl="node1">
+        <dgm:varLst>
+          <dgm:chMax val="0"/>
+          <dgm:chPref val="0"/>
+          <dgm:bulletEnabled val="1"/>
+        </dgm:varLst>
+        <dgm:alg type="tx">
+          <dgm:param type="shpTxLTRAlignCh" val="ctr"/>
+          <dgm:param type="txAnchorVertCh" val="mid"/>
+        </dgm:alg>
+        <dgm:shape xmlns:r="http://schemas.openxmlformats.org/officeDocument/2006/relationships" type="hexagon" r:blip="">
+          <dgm:adjLst>
+            <dgm:adj idx="1" val="0.2857"/>
+            <dgm:adj idx="2" val="1.1547"/>
+          </dgm:adjLst>
+        </dgm:shape>
+        <dgm:presOf axis="desOrSelf" ptType="node"/>
+        <dgm:constrLst>
+          <dgm:constr type="lMarg" refType="primFontSz" fact="0.1"/>
+          <dgm:constr type="rMarg" refType="primFontSz" fact="0.1"/>
+          <dgm:constr type="tMarg" refType="primFontSz" fact="0.1"/>
+          <dgm:constr type="bMarg" refType="primFontSz" fact="0.1"/>
+        </dgm:constrLst>
+        <dgm:ruleLst>
+          <dgm:rule type="primFontSz" val="5" fact="NaN" max="NaN"/>
+        </dgm:ruleLst>
+      </dgm:layoutNode>
+    </dgm:forEach>
+    <dgm:forEach name="Name29" axis="ch ch" ptType="node node" st="1 5" cnt="1 1">
+      <dgm:layoutNode name="Accent5">
+        <dgm:alg type="sp"/>
+        <dgm:shape xmlns:r="http://schemas.openxmlformats.org/officeDocument/2006/relationships" r:blip="">
+          <dgm:adjLst/>
+        </dgm:shape>
+        <dgm:presOf/>
+        <dgm:constrLst/>
+        <dgm:forEach name="Name30" ref="accentRepeat"/>
+      </dgm:layoutNode>
+      <dgm:layoutNode name="Child5" styleLbl="node1">
+        <dgm:varLst>
+          <dgm:chMax val="0"/>
+          <dgm:chPref val="0"/>
+          <dgm:bulletEnabled val="1"/>
+        </dgm:varLst>
+        <dgm:alg type="tx">
+          <dgm:param type="shpTxLTRAlignCh" val="ctr"/>
+          <dgm:param type="txAnchorVertCh" val="mid"/>
+        </dgm:alg>
+        <dgm:shape xmlns:r="http://schemas.openxmlformats.org/officeDocument/2006/relationships" type="hexagon" r:blip="">
+          <dgm:adjLst>
+            <dgm:adj idx="1" val="0.2857"/>
+            <dgm:adj idx="2" val="1.1547"/>
+          </dgm:adjLst>
+        </dgm:shape>
+        <dgm:presOf axis="desOrSelf" ptType="node"/>
+        <dgm:constrLst>
+          <dgm:constr type="lMarg" refType="primFontSz" fact="0.1"/>
+          <dgm:constr type="rMarg" refType="primFontSz" fact="0.1"/>
+          <dgm:constr type="tMarg" refType="primFontSz" fact="0.1"/>
+          <dgm:constr type="bMarg" refType="primFontSz" fact="0.1"/>
+        </dgm:constrLst>
+        <dgm:ruleLst>
+          <dgm:rule type="primFontSz" val="5" fact="NaN" max="NaN"/>
+        </dgm:ruleLst>
+      </dgm:layoutNode>
+    </dgm:forEach>
+    <dgm:forEach name="Name31" axis="ch ch" ptType="node node" st="1 6" cnt="1 1">
+      <dgm:layoutNode name="Accent6">
+        <dgm:alg type="sp"/>
+        <dgm:shape xmlns:r="http://schemas.openxmlformats.org/officeDocument/2006/relationships" r:blip="">
+          <dgm:adjLst/>
+        </dgm:shape>
+        <dgm:presOf/>
+        <dgm:constrLst/>
+        <dgm:forEach name="Name32" ref="accentRepeat"/>
+      </dgm:layoutNode>
+      <dgm:layoutNode name="Child6" styleLbl="node1">
+        <dgm:varLst>
+          <dgm:chMax val="0"/>
+          <dgm:chPref val="0"/>
+          <dgm:bulletEnabled val="1"/>
+        </dgm:varLst>
+        <dgm:alg type="tx">
+          <dgm:param type="shpTxLTRAlignCh" val="ctr"/>
+          <dgm:param type="txAnchorVertCh" val="mid"/>
+        </dgm:alg>
+        <dgm:shape xmlns:r="http://schemas.openxmlformats.org/officeDocument/2006/relationships" type="hexagon" r:blip="">
+          <dgm:adjLst>
+            <dgm:adj idx="1" val="0.2857"/>
+            <dgm:adj idx="2" val="1.1547"/>
+          </dgm:adjLst>
+        </dgm:shape>
+        <dgm:presOf axis="desOrSelf" ptType="node"/>
+        <dgm:constrLst>
+          <dgm:constr type="lMarg" refType="primFontSz" fact="0.1"/>
+          <dgm:constr type="rMarg" refType="primFontSz" fact="0.1"/>
+          <dgm:constr type="tMarg" refType="primFontSz" fact="0.1"/>
+          <dgm:constr type="bMarg" refType="primFontSz" fact="0.1"/>
+        </dgm:constrLst>
+        <dgm:ruleLst>
+          <dgm:rule type="primFontSz" val="5" fact="NaN" max="NaN"/>
+        </dgm:ruleLst>
+      </dgm:layoutNode>
+    </dgm:forEach>
+  </dgm:layoutNode>
+</dgm:layoutDef>
+</file>
+
+<file path=ppt/diagrams/quickStyle1.xml><?xml version="1.0" encoding="utf-8"?>
+<dgm:styleDef xmlns:dgm="http://schemas.openxmlformats.org/drawingml/2006/diagram" xmlns:a="http://schemas.openxmlformats.org/drawingml/2006/main" uniqueId="urn:microsoft.com/office/officeart/2005/8/quickstyle/simple1">
+  <dgm:title val=""/>
+  <dgm:desc val=""/>
+  <dgm:catLst>
+    <dgm:cat type="simple" pri="10100"/>
+  </dgm:catLst>
+  <dgm:scene3d>
+    <a:camera prst="orthographicFront"/>
+    <a:lightRig rig="threePt" dir="t"/>
+  </dgm:scene3d>
+  <dgm:styleLbl name="node0">
+    <dgm:scene3d>
+      <a:camera prst="orthographicFront"/>
+      <a:lightRig rig="threePt" dir="t"/>
+    </dgm:scene3d>
+    <dgm:sp3d/>
+    <dgm:txPr/>
+    <dgm:style>
+      <a:lnRef idx="2">
+        <a:scrgbClr r="0" g="0" b="0"/>
+      </a:lnRef>
+      <a:fillRef idx="1">
+        <a:scrgbClr r="0" g="0" b="0"/>
+      </a:fillRef>
+      <a:effectRef idx="0">
+        <a:scrgbClr r="0" g="0" b="0"/>
+      </a:effectRef>
+      <a:fontRef idx="minor">
+        <a:schemeClr val="lt1"/>
+      </a:fontRef>
+    </dgm:style>
+  </dgm:styleLbl>
+  <dgm:styleLbl name="lnNode1">
+    <dgm:scene3d>
+      <a:camera prst="orthographicFront"/>
+      <a:lightRig rig="threePt" dir="t"/>
+    </dgm:scene3d>
+    <dgm:sp3d/>
+    <dgm:txPr/>
+    <dgm:style>
+      <a:lnRef idx="2">
+        <a:scrgbClr r="0" g="0" b="0"/>
+      </a:lnRef>
+      <a:fillRef idx="1">
+        <a:scrgbClr r="0" g="0" b="0"/>
+      </a:fillRef>
+      <a:effectRef idx="0">
+        <a:scrgbClr r="0" g="0" b="0"/>
+      </a:effectRef>
+      <a:fontRef idx="minor">
+        <a:schemeClr val="lt1"/>
+      </a:fontRef>
+    </dgm:style>
+  </dgm:styleLbl>
+  <dgm:styleLbl name="vennNode1">
+    <dgm:scene3d>
+      <a:camera prst="orthographicFront"/>
+      <a:lightRig rig="threePt" dir="t"/>
+    </dgm:scene3d>
+    <dgm:sp3d/>
+    <dgm:txPr/>
+    <dgm:style>
+      <a:lnRef idx="2">
+        <a:scrgbClr r="0" g="0" b="0"/>
+      </a:lnRef>
+      <a:fillRef idx="1">
+        <a:scrgbClr r="0" g="0" b="0"/>
+      </a:fillRef>
+      <a:effectRef idx="0">
+        <a:scrgbClr r="0" g="0" b="0"/>
+      </a:effectRef>
+      <a:fontRef idx="minor">
+        <a:schemeClr val="tx1"/>
+      </a:fontRef>
+    </dgm:style>
+  </dgm:styleLbl>
+  <dgm:styleLbl name="alignNode1">
+    <dgm:scene3d>
+      <a:camera prst="orthographicFront"/>
+      <a:lightRig rig="threePt" dir="t"/>
+    </dgm:scene3d>
+    <dgm:sp3d/>
+    <dgm:txPr/>
+    <dgm:style>
+      <a:lnRef idx="2">
+        <a:scrgbClr r="0" g="0" b="0"/>
+      </a:lnRef>
+      <a:fillRef idx="1">
+        <a:scrgbClr r="0" g="0" b="0"/>
+      </a:fillRef>
+      <a:effectRef idx="0">
+        <a:scrgbClr r="0" g="0" b="0"/>
+      </a:effectRef>
+      <a:fontRef idx="minor">
+        <a:schemeClr val="lt1"/>
+      </a:fontRef>
+    </dgm:style>
+  </dgm:styleLbl>
+  <dgm:styleLbl name="node1">
+    <dgm:scene3d>
+      <a:camera prst="orthographicFront"/>
+      <a:lightRig rig="threePt" dir="t"/>
+    </dgm:scene3d>
+    <dgm:sp3d/>
+    <dgm:txPr/>
+    <dgm:style>
+      <a:lnRef idx="2">
+        <a:scrgbClr r="0" g="0" b="0"/>
+      </a:lnRef>
+      <a:fillRef idx="1">
+        <a:scrgbClr r="0" g="0" b="0"/>
+      </a:fillRef>
+      <a:effectRef idx="0">
+        <a:scrgbClr r="0" g="0" b="0"/>
+      </a:effectRef>
+      <a:fontRef idx="minor">
+        <a:schemeClr val="lt1"/>
+      </a:fontRef>
+    </dgm:style>
+  </dgm:styleLbl>
+  <dgm:styleLbl name="node2">
+    <dgm:scene3d>
+      <a:camera prst="orthographicFront"/>
+      <a:lightRig rig="threePt" dir="t"/>
+    </dgm:scene3d>
+    <dgm:sp3d/>
+    <dgm:txPr/>
+    <dgm:style>
+      <a:lnRef idx="2">
+        <a:scrgbClr r="0" g="0" b="0"/>
+      </a:lnRef>
+      <a:fillRef idx="1">
+        <a:scrgbClr r="0" g="0" b="0"/>
+      </a:fillRef>
+      <a:effectRef idx="0">
+        <a:scrgbClr r="0" g="0" b="0"/>
+      </a:effectRef>
+      <a:fontRef idx="minor">
+        <a:schemeClr val="lt1"/>
+      </a:fontRef>
+    </dgm:style>
+  </dgm:styleLbl>
+  <dgm:styleLbl name="node3">
+    <dgm:scene3d>
+      <a:camera prst="orthographicFront"/>
+      <a:lightRig rig="threePt" dir="t"/>
+    </dgm:scene3d>
+    <dgm:sp3d/>
+    <dgm:txPr/>
+    <dgm:style>
+      <a:lnRef idx="2">
+        <a:scrgbClr r="0" g="0" b="0"/>
+      </a:lnRef>
+      <a:fillRef idx="1">
+        <a:scrgbClr r="0" g="0" b="0"/>
+      </a:fillRef>
+      <a:effectRef idx="0">
+        <a:scrgbClr r="0" g="0" b="0"/>
+      </a:effectRef>
+      <a:fontRef idx="minor">
+        <a:schemeClr val="lt1"/>
+      </a:fontRef>
+    </dgm:style>
+  </dgm:styleLbl>
+  <dgm:styleLbl name="node4">
+    <dgm:scene3d>
+      <a:camera prst="orthographicFront"/>
+      <a:lightRig rig="threePt" dir="t"/>
+    </dgm:scene3d>
+    <dgm:sp3d/>
+    <dgm:txPr/>
+    <dgm:style>
+      <a:lnRef idx="2">
+        <a:scrgbClr r="0" g="0" b="0"/>
+      </a:lnRef>
+      <a:fillRef idx="1">
+        <a:scrgbClr r="0" g="0" b="0"/>
+      </a:fillRef>
+      <a:effectRef idx="0">
+        <a:scrgbClr r="0" g="0" b="0"/>
+      </a:effectRef>
+      <a:fontRef idx="minor">
+        <a:schemeClr val="lt1"/>
+      </a:fontRef>
+    </dgm:style>
+  </dgm:styleLbl>
+  <dgm:styleLbl name="fgImgPlace1">
+    <dgm:scene3d>
+      <a:camera prst="orthographicFront"/>
+      <a:lightRig rig="threePt" dir="t"/>
+    </dgm:scene3d>
+    <dgm:sp3d/>
+    <dgm:txPr/>
+    <dgm:style>
+      <a:lnRef idx="2">
+        <a:scrgbClr r="0" g="0" b="0"/>
+      </a:lnRef>
+      <a:fillRef idx="1">
+        <a:scrgbClr r="0" g="0" b="0"/>
+      </a:fillRef>
+      <a:effectRef idx="0">
+        <a:scrgbClr r="0" g="0" b="0"/>
+      </a:effectRef>
+      <a:fontRef idx="minor"/>
+    </dgm:style>
+  </dgm:styleLbl>
+  <dgm:styleLbl name="alignImgPlace1">
+    <dgm:scene3d>
+      <a:camera prst="orthographicFront"/>
+      <a:lightRig rig="threePt" dir="t"/>
+    </dgm:scene3d>
+    <dgm:sp3d/>
+    <dgm:txPr/>
+    <dgm:style>
+      <a:lnRef idx="2">
+        <a:scrgbClr r="0" g="0" b="0"/>
+      </a:lnRef>
+      <a:fillRef idx="1">
+        <a:scrgbClr r="0" g="0" b="0"/>
+      </a:fillRef>
+      <a:effectRef idx="0">
+        <a:scrgbClr r="0" g="0" b="0"/>
+      </a:effectRef>
+      <a:fontRef idx="minor"/>
+    </dgm:style>
+  </dgm:styleLbl>
+  <dgm:styleLbl name="bgImgPlace1">
+    <dgm:scene3d>
+      <a:camera prst="orthographicFront"/>
+      <a:lightRig rig="threePt" dir="t"/>
+    </dgm:scene3d>
+    <dgm:sp3d/>
+    <dgm:txPr/>
+    <dgm:style>
+      <a:lnRef idx="2">
+        <a:scrgbClr r="0" g="0" b="0"/>
+      </a:lnRef>
+      <a:fillRef idx="1">
+        <a:scrgbClr r="0" g="0" b="0"/>
+      </a:fillRef>
+      <a:effectRef idx="0">
+        <a:scrgbClr r="0" g="0" b="0"/>
+      </a:effectRef>
+      <a:fontRef idx="minor"/>
+    </dgm:style>
+  </dgm:styleLbl>
+  <dgm:styleLbl name="sibTrans2D1">
+    <dgm:scene3d>
+      <a:camera prst="orthographicFront"/>
+      <a:lightRig rig="threePt" dir="t"/>
+    </dgm:scene3d>
+    <dgm:sp3d/>
+    <dgm:txPr/>
+    <dgm:style>
+      <a:lnRef idx="0">
+        <a:scrgbClr r="0" g="0" b="0"/>
+      </a:lnRef>
+      <a:fillRef idx="1">
+        <a:scrgbClr r="0" g="0" b="0"/>
+      </a:fillRef>
+      <a:effectRef idx="0">
+        <a:scrgbClr r="0" g="0" b="0"/>
+      </a:effectRef>
+      <a:fontRef idx="minor">
+        <a:schemeClr val="lt1"/>
+      </a:fontRef>
+    </dgm:style>
+  </dgm:styleLbl>
+  <dgm:styleLbl name="fgSibTrans2D1">
+    <dgm:scene3d>
+      <a:camera prst="orthographicFront"/>
+      <a:lightRig rig="threePt" dir="t"/>
+    </dgm:scene3d>
+    <dgm:sp3d/>
+    <dgm:txPr/>
+    <dgm:style>
+      <a:lnRef idx="0">
+        <a:scrgbClr r="0" g="0" b="0"/>
+      </a:lnRef>
+      <a:fillRef idx="1">
+        <a:scrgbClr r="0" g="0" b="0"/>
+      </a:fillRef>
+      <a:effectRef idx="0">
+        <a:scrgbClr r="0" g="0" b="0"/>
+      </a:effectRef>
+      <a:fontRef idx="minor">
+        <a:schemeClr val="lt1"/>
+      </a:fontRef>
+    </dgm:style>
+  </dgm:styleLbl>
+  <dgm:styleLbl name="bgSibTrans2D1">
+    <dgm:scene3d>
+      <a:camera prst="orthographicFront"/>
+      <a:lightRig rig="threePt" dir="t"/>
+    </dgm:scene3d>
+    <dgm:sp3d/>
+    <dgm:txPr/>
+    <dgm:style>
+      <a:lnRef idx="0">
+        <a:scrgbClr r="0" g="0" b="0"/>
+      </a:lnRef>
+      <a:fillRef idx="1">
+        <a:scrgbClr r="0" g="0" b="0"/>
+      </a:fillRef>
+      <a:effectRef idx="0">
+        <a:scrgbClr r="0" g="0" b="0"/>
+      </a:effectRef>
+      <a:fontRef idx="minor">
+        <a:schemeClr val="lt1"/>
+      </a:fontRef>
+    </dgm:style>
+  </dgm:styleLbl>
+  <dgm:styleLbl name="sibTrans1D1">
+    <dgm:scene3d>
+      <a:camera prst="orthographicFront"/>
+      <a:lightRig rig="threePt" dir="t"/>
+    </dgm:scene3d>
+    <dgm:sp3d/>
+    <dgm:txPr/>
+    <dgm:style>
+      <a:lnRef idx="1">
+        <a:scrgbClr r="0" g="0" b="0"/>
+      </a:lnRef>
+      <a:fillRef idx="0">
+        <a:scrgbClr r="0" g="0" b="0"/>
+      </a:fillRef>
+      <a:effectRef idx="0">
+        <a:scrgbClr r="0" g="0" b="0"/>
+      </a:effectRef>
+      <a:fontRef idx="minor"/>
+    </dgm:style>
+  </dgm:styleLbl>
+  <dgm:styleLbl name="callout">
+    <dgm:scene3d>
+      <a:camera prst="orthographicFront"/>
+      <a:lightRig rig="threePt" dir="t"/>
+    </dgm:scene3d>
+    <dgm:sp3d/>
+    <dgm:txPr/>
+    <dgm:style>
+      <a:lnRef idx="2">
+        <a:scrgbClr r="0" g="0" b="0"/>
+      </a:lnRef>
+      <a:fillRef idx="1">
+        <a:scrgbClr r="0" g="0" b="0"/>
+      </a:fillRef>
+      <a:effectRef idx="0">
+        <a:scrgbClr r="0" g="0" b="0"/>
+      </a:effectRef>
+      <a:fontRef idx="minor"/>
+    </dgm:style>
+  </dgm:styleLbl>
+  <dgm:styleLbl name="asst0">
+    <dgm:scene3d>
+      <a:camera prst="orthographicFront"/>
+      <a:lightRig rig="threePt" dir="t"/>
+    </dgm:scene3d>
+    <dgm:sp3d/>
+    <dgm:txPr/>
+    <dgm:style>
+      <a:lnRef idx="2">
+        <a:scrgbClr r="0" g="0" b="0"/>
+      </a:lnRef>
+      <a:fillRef idx="1">
+        <a:scrgbClr r="0" g="0" b="0"/>
+      </a:fillRef>
+      <a:effectRef idx="0">
+        <a:scrgbClr r="0" g="0" b="0"/>
+      </a:effectRef>
+      <a:fontRef idx="minor">
+        <a:schemeClr val="lt1"/>
+      </a:fontRef>
+    </dgm:style>
+  </dgm:styleLbl>
+  <dgm:styleLbl name="asst1">
+    <dgm:scene3d>
+      <a:camera prst="orthographicFront"/>
+      <a:lightRig rig="threePt" dir="t"/>
+    </dgm:scene3d>
+    <dgm:sp3d/>
+    <dgm:txPr/>
+    <dgm:style>
+      <a:lnRef idx="2">
+        <a:scrgbClr r="0" g="0" b="0"/>
+      </a:lnRef>
+      <a:fillRef idx="1">
+        <a:scrgbClr r="0" g="0" b="0"/>
+      </a:fillRef>
+      <a:effectRef idx="0">
+        <a:scrgbClr r="0" g="0" b="0"/>
+      </a:effectRef>
+      <a:fontRef idx="minor">
+        <a:schemeClr val="lt1"/>
+      </a:fontRef>
+    </dgm:style>
+  </dgm:styleLbl>
+  <dgm:styleLbl name="asst2">
+    <dgm:scene3d>
+      <a:camera prst="orthographicFront"/>
+      <a:lightRig rig="threePt" dir="t"/>
+    </dgm:scene3d>
+    <dgm:sp3d/>
+    <dgm:txPr/>
+    <dgm:style>
+      <a:lnRef idx="2">
+        <a:scrgbClr r="0" g="0" b="0"/>
+      </a:lnRef>
+      <a:fillRef idx="1">
+        <a:scrgbClr r="0" g="0" b="0"/>
+      </a:fillRef>
+      <a:effectRef idx="0">
+        <a:scrgbClr r="0" g="0" b="0"/>
+      </a:effectRef>
+      <a:fontRef idx="minor">
+        <a:schemeClr val="lt1"/>
+      </a:fontRef>
+    </dgm:style>
+  </dgm:styleLbl>
+  <dgm:styleLbl name="asst3">
+    <dgm:scene3d>
+      <a:camera prst="orthographicFront"/>
+      <a:lightRig rig="threePt" dir="t"/>
+    </dgm:scene3d>
+    <dgm:sp3d/>
+    <dgm:txPr/>
+    <dgm:style>
+      <a:lnRef idx="2">
+        <a:scrgbClr r="0" g="0" b="0"/>
+      </a:lnRef>
+      <a:fillRef idx="1">
+        <a:scrgbClr r="0" g="0" b="0"/>
+      </a:fillRef>
+      <a:effectRef idx="0">
+        <a:scrgbClr r="0" g="0" b="0"/>
+      </a:effectRef>
+      <a:fontRef idx="minor">
+        <a:schemeClr val="lt1"/>
+      </a:fontRef>
+    </dgm:style>
+  </dgm:styleLbl>
+  <dgm:styleLbl name="asst4">
+    <dgm:scene3d>
+      <a:camera prst="orthographicFront"/>
+      <a:lightRig rig="threePt" dir="t"/>
+    </dgm:scene3d>
+    <dgm:sp3d/>
+    <dgm:txPr/>
+    <dgm:style>
+      <a:lnRef idx="2">
+        <a:scrgbClr r="0" g="0" b="0"/>
+      </a:lnRef>
+      <a:fillRef idx="1">
+        <a:scrgbClr r="0" g="0" b="0"/>
+      </a:fillRef>
+      <a:effectRef idx="0">
+        <a:scrgbClr r="0" g="0" b="0"/>
+      </a:effectRef>
+      <a:fontRef idx="minor">
+        <a:schemeClr val="lt1"/>
+      </a:fontRef>
+    </dgm:style>
+  </dgm:styleLbl>
+  <dgm:styleLbl name="parChTrans2D1">
+    <dgm:scene3d>
+      <a:camera prst="orthographicFront"/>
+      <a:lightRig rig="threePt" dir="t"/>
+    </dgm:scene3d>
+    <dgm:sp3d/>
+    <dgm:txPr/>
+    <dgm:style>
+      <a:lnRef idx="2">
+        <a:scrgbClr r="0" g="0" b="0"/>
+      </a:lnRef>
+      <a:fillRef idx="1">
+        <a:scrgbClr r="0" g="0" b="0"/>
+      </a:fillRef>
+      <a:effectRef idx="0">
+        <a:scrgbClr r="0" g="0" b="0"/>
+      </a:effectRef>
+      <a:fontRef idx="minor">
+        <a:schemeClr val="lt1"/>
+      </a:fontRef>
+    </dgm:style>
+  </dgm:styleLbl>
+  <dgm:styleLbl name="parChTrans2D2">
+    <dgm:scene3d>
+      <a:camera prst="orthographicFront"/>
+      <a:lightRig rig="threePt" dir="t"/>
+    </dgm:scene3d>
+    <dgm:sp3d/>
+    <dgm:txPr/>
+    <dgm:style>
+      <a:lnRef idx="2">
+        <a:scrgbClr r="0" g="0" b="0"/>
+      </a:lnRef>
+      <a:fillRef idx="1">
+        <a:scrgbClr r="0" g="0" b="0"/>
+      </a:fillRef>
+      <a:effectRef idx="0">
+        <a:scrgbClr r="0" g="0" b="0"/>
+      </a:effectRef>
+      <a:fontRef idx="minor">
+        <a:schemeClr val="lt1"/>
+      </a:fontRef>
+    </dgm:style>
+  </dgm:styleLbl>
+  <dgm:styleLbl name="parChTrans2D3">
+    <dgm:scene3d>
+      <a:camera prst="orthographicFront"/>
+      <a:lightRig rig="threePt" dir="t"/>
+    </dgm:scene3d>
+    <dgm:sp3d/>
+    <dgm:txPr/>
+    <dgm:style>
+      <a:lnRef idx="2">
+        <a:scrgbClr r="0" g="0" b="0"/>
+      </a:lnRef>
+      <a:fillRef idx="1">
+        <a:scrgbClr r="0" g="0" b="0"/>
+      </a:fillRef>
+      <a:effectRef idx="0">
+        <a:scrgbClr r="0" g="0" b="0"/>
+      </a:effectRef>
+      <a:fontRef idx="minor">
+        <a:schemeClr val="lt1"/>
+      </a:fontRef>
+    </dgm:style>
+  </dgm:styleLbl>
+  <dgm:styleLbl name="parChTrans2D4">
+    <dgm:scene3d>
+      <a:camera prst="orthographicFront"/>
+      <a:lightRig rig="threePt" dir="t"/>
+    </dgm:scene3d>
+    <dgm:sp3d/>
+    <dgm:txPr/>
+    <dgm:style>
+      <a:lnRef idx="2">
+        <a:scrgbClr r="0" g="0" b="0"/>
+      </a:lnRef>
+      <a:fillRef idx="1">
+        <a:scrgbClr r="0" g="0" b="0"/>
+      </a:fillRef>
+      <a:effectRef idx="0">
+        <a:scrgbClr r="0" g="0" b="0"/>
+      </a:effectRef>
+      <a:fontRef idx="minor">
+        <a:schemeClr val="lt1"/>
+      </a:fontRef>
+    </dgm:style>
+  </dgm:styleLbl>
+  <dgm:styleLbl name="parChTrans1D1">
+    <dgm:scene3d>
+      <a:camera prst="orthographicFront"/>
+      <a:lightRig rig="threePt" dir="t"/>
+    </dgm:scene3d>
+    <dgm:sp3d/>
+    <dgm:txPr/>
+    <dgm:style>
+      <a:lnRef idx="2">
+        <a:scrgbClr r="0" g="0" b="0"/>
+      </a:lnRef>
+      <a:fillRef idx="0">
+        <a:scrgbClr r="0" g="0" b="0"/>
+      </a:fillRef>
+      <a:effectRef idx="0">
+        <a:scrgbClr r="0" g="0" b="0"/>
+      </a:effectRef>
+      <a:fontRef idx="minor"/>
+    </dgm:style>
+  </dgm:styleLbl>
+  <dgm:styleLbl name="parChTrans1D2">
+    <dgm:scene3d>
+      <a:camera prst="orthographicFront"/>
+      <a:lightRig rig="threePt" dir="t"/>
+    </dgm:scene3d>
+    <dgm:sp3d/>
+    <dgm:txPr/>
+    <dgm:style>
+      <a:lnRef idx="2">
+        <a:scrgbClr r="0" g="0" b="0"/>
+      </a:lnRef>
+      <a:fillRef idx="0">
+        <a:scrgbClr r="0" g="0" b="0"/>
+      </a:fillRef>
+      <a:effectRef idx="0">
+        <a:scrgbClr r="0" g="0" b="0"/>
+      </a:effectRef>
+      <a:fontRef idx="minor"/>
+    </dgm:style>
+  </dgm:styleLbl>
+  <dgm:styleLbl name="parChTrans1D3">
+    <dgm:scene3d>
+      <a:camera prst="orthographicFront"/>
+      <a:lightRig rig="threePt" dir="t"/>
+    </dgm:scene3d>
+    <dgm:sp3d/>
+    <dgm:txPr/>
+    <dgm:style>
+      <a:lnRef idx="2">
+        <a:scrgbClr r="0" g="0" b="0"/>
+      </a:lnRef>
+      <a:fillRef idx="0">
+        <a:scrgbClr r="0" g="0" b="0"/>
+      </a:fillRef>
+      <a:effectRef idx="0">
+        <a:scrgbClr r="0" g="0" b="0"/>
+      </a:effectRef>
+      <a:fontRef idx="minor"/>
+    </dgm:style>
+  </dgm:styleLbl>
+  <dgm:styleLbl name="parChTrans1D4">
+    <dgm:scene3d>
+      <a:camera prst="orthographicFront"/>
+      <a:lightRig rig="threePt" dir="t"/>
+    </dgm:scene3d>
+    <dgm:sp3d/>
+    <dgm:txPr/>
+    <dgm:style>
+      <a:lnRef idx="2">
+        <a:scrgbClr r="0" g="0" b="0"/>
+      </a:lnRef>
+      <a:fillRef idx="0">
+        <a:scrgbClr r="0" g="0" b="0"/>
+      </a:fillRef>
+      <a:effectRef idx="0">
+        <a:scrgbClr r="0" g="0" b="0"/>
+      </a:effectRef>
+      <a:fontRef idx="minor"/>
+    </dgm:style>
+  </dgm:styleLbl>
+  <dgm:styleLbl name="fgAcc1">
+    <dgm:scene3d>
+      <a:camera prst="orthographicFront"/>
+      <a:lightRig rig="threePt" dir="t"/>
+    </dgm:scene3d>
+    <dgm:sp3d/>
+    <dgm:txPr/>
+    <dgm:style>
+      <a:lnRef idx="2">
+        <a:scrgbClr r="0" g="0" b="0"/>
+      </a:lnRef>
+      <a:fillRef idx="1">
+        <a:scrgbClr r="0" g="0" b="0"/>
+      </a:fillRef>
+      <a:effectRef idx="0">
+        <a:scrgbClr r="0" g="0" b="0"/>
+      </a:effectRef>
+      <a:fontRef idx="minor"/>
+    </dgm:style>
+  </dgm:styleLbl>
+  <dgm:styleLbl name="conFgAcc1">
+    <dgm:scene3d>
+      <a:camera prst="orthographicFront"/>
+      <a:lightRig rig="threePt" dir="t"/>
+    </dgm:scene3d>
+    <dgm:sp3d/>
+    <dgm:txPr/>
+    <dgm:style>
+      <a:lnRef idx="2">
+        <a:scrgbClr r="0" g="0" b="0"/>
+      </a:lnRef>
+      <a:fillRef idx="1">
+        <a:scrgbClr r="0" g="0" b="0"/>
+      </a:fillRef>
+      <a:effectRef idx="0">
+        <a:scrgbClr r="0" g="0" b="0"/>
+      </a:effectRef>
+      <a:fontRef idx="minor"/>
+    </dgm:style>
+  </dgm:styleLbl>
+  <dgm:styleLbl name="alignAcc1">
+    <dgm:scene3d>
+      <a:camera prst="orthographicFront"/>
+      <a:lightRig rig="threePt" dir="t"/>
+    </dgm:scene3d>
+    <dgm:sp3d/>
+    <dgm:txPr/>
+    <dgm:style>
+      <a:lnRef idx="2">
+        <a:scrgbClr r="0" g="0" b="0"/>
+      </a:lnRef>
+      <a:fillRef idx="1">
+        <a:scrgbClr r="0" g="0" b="0"/>
+      </a:fillRef>
+      <a:effectRef idx="0">
+        <a:scrgbClr r="0" g="0" b="0"/>
+      </a:effectRef>
+      <a:fontRef idx="minor"/>
+    </dgm:style>
+  </dgm:styleLbl>
+  <dgm:styleLbl name="trAlignAcc1">
+    <dgm:scene3d>
+      <a:camera prst="orthographicFront"/>
+      <a:lightRig rig="threePt" dir="t"/>
+    </dgm:scene3d>
+    <dgm:sp3d/>
+    <dgm:txPr/>
+    <dgm:style>
+      <a:lnRef idx="1">
+        <a:scrgbClr r="0" g="0" b="0"/>
+      </a:lnRef>
+      <a:fillRef idx="1">
+        <a:scrgbClr r="0" g="0" b="0"/>
+      </a:fillRef>
+      <a:effectRef idx="0">
+        <a:scrgbClr r="0" g="0" b="0"/>
+      </a:effectRef>
+      <a:fontRef idx="minor"/>
+    </dgm:style>
+  </dgm:styleLbl>
+  <dgm:styleLbl name="bgAcc1">
+    <dgm:scene3d>
+      <a:camera prst="orthographicFront"/>
+      <a:lightRig rig="threePt" dir="t"/>
+    </dgm:scene3d>
+    <dgm:sp3d/>
+    <dgm:txPr/>
+    <dgm:style>
+      <a:lnRef idx="2">
+        <a:scrgbClr r="0" g="0" b="0"/>
+      </a:lnRef>
+      <a:fillRef idx="1">
+        <a:scrgbClr r="0" g="0" b="0"/>
+      </a:fillRef>
+      <a:effectRef idx="0">
+        <a:scrgbClr r="0" g="0" b="0"/>
+      </a:effectRef>
+      <a:fontRef idx="minor"/>
+    </dgm:style>
+  </dgm:styleLbl>
+  <dgm:styleLbl name="solidFgAcc1">
+    <dgm:scene3d>
+      <a:camera prst="orthographicFront"/>
+      <a:lightRig rig="threePt" dir="t"/>
+    </dgm:scene3d>
+    <dgm:sp3d/>
+    <dgm:txPr/>
+    <dgm:style>
+      <a:lnRef idx="2">
+        <a:scrgbClr r="0" g="0" b="0"/>
+      </a:lnRef>
+      <a:fillRef idx="1">
+        <a:scrgbClr r="0" g="0" b="0"/>
+      </a:fillRef>
+      <a:effectRef idx="0">
+        <a:scrgbClr r="0" g="0" b="0"/>
+      </a:effectRef>
+      <a:fontRef idx="minor"/>
+    </dgm:style>
+  </dgm:styleLbl>
+  <dgm:styleLbl name="solidAlignAcc1">
+    <dgm:scene3d>
+      <a:camera prst="orthographicFront"/>
+      <a:lightRig rig="threePt" dir="t"/>
+    </dgm:scene3d>
+    <dgm:sp3d/>
+    <dgm:txPr/>
+    <dgm:style>
+      <a:lnRef idx="2">
+        <a:scrgbClr r="0" g="0" b="0"/>
+      </a:lnRef>
+      <a:fillRef idx="1">
+        <a:scrgbClr r="0" g="0" b="0"/>
+      </a:fillRef>
+      <a:effectRef idx="0">
+        <a:scrgbClr r="0" g="0" b="0"/>
+      </a:effectRef>
+      <a:fontRef idx="minor"/>
+    </dgm:style>
+  </dgm:styleLbl>
+  <dgm:styleLbl name="solidBgAcc1">
+    <dgm:scene3d>
+      <a:camera prst="orthographicFront"/>
+      <a:lightRig rig="threePt" dir="t"/>
+    </dgm:scene3d>
+    <dgm:sp3d/>
+    <dgm:txPr/>
+    <dgm:style>
+      <a:lnRef idx="2">
+        <a:scrgbClr r="0" g="0" b="0"/>
+      </a:lnRef>
+      <a:fillRef idx="1">
+        <a:scrgbClr r="0" g="0" b="0"/>
+      </a:fillRef>
+      <a:effectRef idx="0">
+        <a:scrgbClr r="0" g="0" b="0"/>
+      </a:effectRef>
+      <a:fontRef idx="minor"/>
+    </dgm:style>
+  </dgm:styleLbl>
+  <dgm:styleLbl name="fgAccFollowNode1">
+    <dgm:scene3d>
+      <a:camera prst="orthographicFront"/>
+      <a:lightRig rig="threePt" dir="t"/>
+    </dgm:scene3d>
+    <dgm:sp3d/>
+    <dgm:txPr/>
+    <dgm:style>
+      <a:lnRef idx="2">
+        <a:scrgbClr r="0" g="0" b="0"/>
+      </a:lnRef>
+      <a:fillRef idx="1">
+        <a:scrgbClr r="0" g="0" b="0"/>
+      </a:fillRef>
+      <a:effectRef idx="0">
+        <a:scrgbClr r="0" g="0" b="0"/>
+      </a:effectRef>
+      <a:fontRef idx="minor"/>
+    </dgm:style>
+  </dgm:styleLbl>
+  <dgm:styleLbl name="alignAccFollowNode1">
+    <dgm:scene3d>
+      <a:camera prst="orthographicFront"/>
+      <a:lightRig rig="threePt" dir="t"/>
+    </dgm:scene3d>
+    <dgm:sp3d/>
+    <dgm:txPr/>
+    <dgm:style>
+      <a:lnRef idx="2">
+        <a:scrgbClr r="0" g="0" b="0"/>
+      </a:lnRef>
+      <a:fillRef idx="1">
+        <a:scrgbClr r="0" g="0" b="0"/>
+      </a:fillRef>
+      <a:effectRef idx="0">
+        <a:scrgbClr r="0" g="0" b="0"/>
+      </a:effectRef>
+      <a:fontRef idx="minor"/>
+    </dgm:style>
+  </dgm:styleLbl>
+  <dgm:styleLbl name="bgAccFollowNode1">
+    <dgm:scene3d>
+      <a:camera prst="orthographicFront"/>
+      <a:lightRig rig="threePt" dir="t"/>
+    </dgm:scene3d>
+    <dgm:sp3d/>
+    <dgm:txPr/>
+    <dgm:style>
+      <a:lnRef idx="2">
+        <a:scrgbClr r="0" g="0" b="0"/>
+      </a:lnRef>
+      <a:fillRef idx="1">
+        <a:scrgbClr r="0" g="0" b="0"/>
+      </a:fillRef>
+      <a:effectRef idx="0">
+        <a:scrgbClr r="0" g="0" b="0"/>
+      </a:effectRef>
+      <a:fontRef idx="minor"/>
+    </dgm:style>
+  </dgm:styleLbl>
+  <dgm:styleLbl name="fgAcc0">
+    <dgm:scene3d>
+      <a:camera prst="orthographicFront"/>
+      <a:lightRig rig="threePt" dir="t"/>
+    </dgm:scene3d>
+    <dgm:sp3d/>
+    <dgm:txPr/>
+    <dgm:style>
+      <a:lnRef idx="2">
+        <a:scrgbClr r="0" g="0" b="0"/>
+      </a:lnRef>
+      <a:fillRef idx="1">
+        <a:scrgbClr r="0" g="0" b="0"/>
+      </a:fillRef>
+      <a:effectRef idx="0">
+        <a:scrgbClr r="0" g="0" b="0"/>
+      </a:effectRef>
+      <a:fontRef idx="minor"/>
+    </dgm:style>
+  </dgm:styleLbl>
+  <dgm:styleLbl name="fgAcc2">
+    <dgm:scene3d>
+      <a:camera prst="orthographicFront"/>
+      <a:lightRig rig="threePt" dir="t"/>
+    </dgm:scene3d>
+    <dgm:sp3d/>
+    <dgm:txPr/>
+    <dgm:style>
+      <a:lnRef idx="2">
+        <a:scrgbClr r="0" g="0" b="0"/>
+      </a:lnRef>
+      <a:fillRef idx="1">
+        <a:scrgbClr r="0" g="0" b="0"/>
+      </a:fillRef>
+      <a:effectRef idx="0">
+        <a:scrgbClr r="0" g="0" b="0"/>
+      </a:effectRef>
+      <a:fontRef idx="minor"/>
+    </dgm:style>
+  </dgm:styleLbl>
+  <dgm:styleLbl name="fgAcc3">
+    <dgm:scene3d>
+      <a:camera prst="orthographicFront"/>
+      <a:lightRig rig="threePt" dir="t"/>
+    </dgm:scene3d>
+    <dgm:sp3d/>
+    <dgm:txPr/>
+    <dgm:style>
+      <a:lnRef idx="2">
+        <a:scrgbClr r="0" g="0" b="0"/>
+      </a:lnRef>
+      <a:fillRef idx="1">
+        <a:scrgbClr r="0" g="0" b="0"/>
+      </a:fillRef>
+      <a:effectRef idx="0">
+        <a:scrgbClr r="0" g="0" b="0"/>
+      </a:effectRef>
+      <a:fontRef idx="minor"/>
+    </dgm:style>
+  </dgm:styleLbl>
+  <dgm:styleLbl name="fgAcc4">
+    <dgm:scene3d>
+      <a:camera prst="orthographicFront"/>
+      <a:lightRig rig="threePt" dir="t"/>
+    </dgm:scene3d>
+    <dgm:sp3d/>
+    <dgm:txPr/>
+    <dgm:style>
+      <a:lnRef idx="2">
+        <a:scrgbClr r="0" g="0" b="0"/>
+      </a:lnRef>
+      <a:fillRef idx="1">
+        <a:scrgbClr r="0" g="0" b="0"/>
+      </a:fillRef>
+      <a:effectRef idx="0">
+        <a:scrgbClr r="0" g="0" b="0"/>
+      </a:effectRef>
+      <a:fontRef idx="minor"/>
+    </dgm:style>
+  </dgm:styleLbl>
+  <dgm:styleLbl name="bgShp">
+    <dgm:scene3d>
+      <a:camera prst="orthographicFront"/>
+      <a:lightRig rig="threePt" dir="t"/>
+    </dgm:scene3d>
+    <dgm:sp3d/>
+    <dgm:txPr/>
+    <dgm:style>
+      <a:lnRef idx="0">
+        <a:scrgbClr r="0" g="0" b="0"/>
+      </a:lnRef>
+      <a:fillRef idx="1">
+        <a:scrgbClr r="0" g="0" b="0"/>
+      </a:fillRef>
+      <a:effectRef idx="0">
+        <a:scrgbClr r="0" g="0" b="0"/>
+      </a:effectRef>
+      <a:fontRef idx="minor"/>
+    </dgm:style>
+  </dgm:styleLbl>
+  <dgm:styleLbl name="dkBgShp">
+    <dgm:scene3d>
+      <a:camera prst="orthographicFront"/>
+      <a:lightRig rig="threePt" dir="t"/>
+    </dgm:scene3d>
+    <dgm:sp3d/>
+    <dgm:txPr/>
+    <dgm:style>
+      <a:lnRef idx="0">
+        <a:scrgbClr r="0" g="0" b="0"/>
+      </a:lnRef>
+      <a:fillRef idx="1">
+        <a:scrgbClr r="0" g="0" b="0"/>
+      </a:fillRef>
+      <a:effectRef idx="0">
+        <a:scrgbClr r="0" g="0" b="0"/>
+      </a:effectRef>
+      <a:fontRef idx="minor"/>
+    </dgm:style>
+  </dgm:styleLbl>
+  <dgm:styleLbl name="trBgShp">
+    <dgm:scene3d>
+      <a:camera prst="orthographicFront"/>
+      <a:lightRig rig="threePt" dir="t"/>
+    </dgm:scene3d>
+    <dgm:sp3d/>
+    <dgm:txPr/>
+    <dgm:style>
+      <a:lnRef idx="0">
+        <a:scrgbClr r="0" g="0" b="0"/>
+      </a:lnRef>
+      <a:fillRef idx="1">
+        <a:scrgbClr r="0" g="0" b="0"/>
+      </a:fillRef>
+      <a:effectRef idx="0">
+        <a:scrgbClr r="0" g="0" b="0"/>
+      </a:effectRef>
+      <a:fontRef idx="minor"/>
+    </dgm:style>
+  </dgm:styleLbl>
+  <dgm:styleLbl name="fgShp">
+    <dgm:scene3d>
+      <a:camera prst="orthographicFront"/>
+      <a:lightRig rig="threePt" dir="t"/>
+    </dgm:scene3d>
+    <dgm:sp3d/>
+    <dgm:txPr/>
+    <dgm:style>
+      <a:lnRef idx="2">
+        <a:scrgbClr r="0" g="0" b="0"/>
+      </a:lnRef>
+      <a:fillRef idx="1">
+        <a:scrgbClr r="0" g="0" b="0"/>
+      </a:fillRef>
+      <a:effectRef idx="0">
+        <a:scrgbClr r="0" g="0" b="0"/>
+      </a:effectRef>
+      <a:fontRef idx="minor"/>
+    </dgm:style>
+  </dgm:styleLbl>
+  <dgm:styleLbl name="revTx">
+    <dgm:scene3d>
+      <a:camera prst="orthographicFront"/>
+      <a:lightRig rig="threePt" dir="t"/>
+    </dgm:scene3d>
+    <dgm:sp3d/>
+    <dgm:txPr/>
+    <dgm:style>
+      <a:lnRef idx="0">
+        <a:scrgbClr r="0" g="0" b="0"/>
+      </a:lnRef>
+      <a:fillRef idx="0">
+        <a:scrgbClr r="0" g="0" b="0"/>
+      </a:fillRef>
+      <a:effectRef idx="0">
+        <a:scrgbClr r="0" g="0" b="0"/>
+      </a:effectRef>
+      <a:fontRef idx="minor"/>
+    </dgm:style>
+  </dgm:styleLbl>
+</dgm:styleDef>
+</file>
+
 <file path=ppt/notesMasters/notesMaster1.xml><?xml version="1.0" encoding="utf-8"?>
 <p:notesMaster xmlns:a="http://schemas.openxmlformats.org/drawingml/2006/main" xmlns:r="http://schemas.openxmlformats.org/officeDocument/2006/relationships" xmlns:p="http://schemas.openxmlformats.org/presentationml/2006/main">
   <p:cSld>
@@ -219,7 +4347,7 @@
           <a:p>
             <a:fld id="{4DF0DEF9-CF53-407B-BB1F-ECAB7603E458}" type="datetimeFigureOut">
               <a:rPr lang="en-US" smtClean="0"/>
-              <a:t>1/6/2014</a:t>
+              <a:t>1/7/2014</a:t>
             </a:fld>
             <a:endParaRPr lang="en-US"/>
           </a:p>
@@ -552,7 +4680,7 @@
           <a:p>
             <a:fld id="{BD230D4F-C3EB-4AF4-809D-43587FCC13EB}" type="slidenum">
               <a:rPr lang="en-US" smtClean="0"/>
-              <a:t>2</a:t>
+              <a:t>3</a:t>
             </a:fld>
             <a:endParaRPr lang="en-US"/>
           </a:p>
@@ -662,7 +4790,7 @@
           <a:p>
             <a:fld id="{BD230D4F-C3EB-4AF4-809D-43587FCC13EB}" type="slidenum">
               <a:rPr lang="en-US" smtClean="0"/>
-              <a:t>3</a:t>
+              <a:t>4</a:t>
             </a:fld>
             <a:endParaRPr lang="en-US"/>
           </a:p>
@@ -750,7 +4878,7 @@
           <a:p>
             <a:fld id="{BD230D4F-C3EB-4AF4-809D-43587FCC13EB}" type="slidenum">
               <a:rPr lang="en-US" smtClean="0"/>
-              <a:t>4</a:t>
+              <a:t>5</a:t>
             </a:fld>
             <a:endParaRPr lang="en-US"/>
           </a:p>
@@ -931,7 +5059,7 @@
           <a:p>
             <a:fld id="{ECD19FB2-3AAB-4D03-B13A-2960828C78E3}" type="datetimeFigureOut">
               <a:rPr lang="en-US" smtClean="0"/>
-              <a:t>1/6/2014</a:t>
+              <a:t>1/7/2014</a:t>
             </a:fld>
             <a:endParaRPr lang="en-US" dirty="0"/>
           </a:p>
@@ -1218,7 +5346,7 @@
           <a:p>
             <a:fld id="{1B80C674-7DFC-42FE-B9CD-82963CDB1557}" type="datetimeFigureOut">
               <a:rPr lang="en-US" smtClean="0"/>
-              <a:t>1/6/2014</a:t>
+              <a:t>1/7/2014</a:t>
             </a:fld>
             <a:endParaRPr lang="en-US" dirty="0"/>
           </a:p>
@@ -1415,7 +5543,7 @@
           <a:p>
             <a:fld id="{2076456F-F47D-4F25-8053-2A695DA0CA7D}" type="datetimeFigureOut">
               <a:rPr lang="en-US" smtClean="0"/>
-              <a:t>1/6/2014</a:t>
+              <a:t>1/7/2014</a:t>
             </a:fld>
             <a:endParaRPr lang="en-US" dirty="0"/>
           </a:p>
@@ -1681,7 +5809,7 @@
           <a:p>
             <a:fld id="{5D6C7379-69CC-4837-9905-BEBA22830C8A}" type="datetimeFigureOut">
               <a:rPr lang="en-US" smtClean="0"/>
-              <a:t>1/6/2014</a:t>
+              <a:t>1/7/2014</a:t>
             </a:fld>
             <a:endParaRPr lang="en-US" dirty="0"/>
           </a:p>
@@ -2112,7 +6240,7 @@
           <a:p>
             <a:fld id="{49EB8B7E-8AEE-4F10-BFEE-C999AD004D36}" type="datetimeFigureOut">
               <a:rPr lang="en-US" smtClean="0"/>
-              <a:t>1/6/2014</a:t>
+              <a:t>1/7/2014</a:t>
             </a:fld>
             <a:endParaRPr lang="en-US" dirty="0"/>
           </a:p>
@@ -2663,7 +6791,7 @@
           <a:p>
             <a:fld id="{8668F3F9-58BC-440B-B37B-805B9055EF92}" type="datetimeFigureOut">
               <a:rPr lang="en-US" smtClean="0"/>
-              <a:t>1/6/2014</a:t>
+              <a:t>1/7/2014</a:t>
             </a:fld>
             <a:endParaRPr lang="en-US" dirty="0"/>
           </a:p>
@@ -3499,7 +7627,7 @@
           <a:p>
             <a:fld id="{0D5A53AF-48EA-489D-8260-9DCAB666386A}" type="datetimeFigureOut">
               <a:rPr lang="en-US" smtClean="0"/>
-              <a:t>1/6/2014</a:t>
+              <a:t>1/7/2014</a:t>
             </a:fld>
             <a:endParaRPr lang="en-US" dirty="0"/>
           </a:p>
@@ -3674,7 +7802,7 @@
           <a:p>
             <a:fld id="{0DED02AE-B9A4-47BD-AF8E-97E16144138B}" type="datetimeFigureOut">
               <a:rPr lang="en-US" smtClean="0"/>
-              <a:t>1/6/2014</a:t>
+              <a:t>1/7/2014</a:t>
             </a:fld>
             <a:endParaRPr lang="en-US" dirty="0"/>
           </a:p>
@@ -3859,7 +7987,7 @@
           <a:p>
             <a:fld id="{CF0FD78B-DB02-4362-BCDC-98A55456977C}" type="datetimeFigureOut">
               <a:rPr lang="en-US" smtClean="0"/>
-              <a:t>1/6/2014</a:t>
+              <a:t>1/7/2014</a:t>
             </a:fld>
             <a:endParaRPr lang="en-US" dirty="0"/>
           </a:p>
@@ -4066,7 +8194,7 @@
           <a:p>
             <a:fld id="{99916976-5D93-46E4-A98A-FAD63E4D0EA8}" type="datetimeFigureOut">
               <a:rPr lang="en-US" smtClean="0"/>
-              <a:t>1/6/2014</a:t>
+              <a:t>1/7/2014</a:t>
             </a:fld>
             <a:endParaRPr lang="en-US" dirty="0"/>
           </a:p>
@@ -4335,7 +8463,7 @@
           <a:p>
             <a:fld id="{0F39F4F5-F4D2-4D2A-AB60-88D37ADCB869}" type="datetimeFigureOut">
               <a:rPr lang="en-US" smtClean="0"/>
-              <a:t>1/6/2014</a:t>
+              <a:t>1/7/2014</a:t>
             </a:fld>
             <a:endParaRPr lang="en-US" dirty="0"/>
           </a:p>
@@ -4579,7 +8707,7 @@
           <a:p>
             <a:fld id="{D23BC6CE-6D1E-47E5-8859-F31AC5380EB2}" type="datetimeFigureOut">
               <a:rPr lang="en-US" smtClean="0"/>
-              <a:t>1/6/2014</a:t>
+              <a:t>1/7/2014</a:t>
             </a:fld>
             <a:endParaRPr lang="en-US" dirty="0"/>
           </a:p>
@@ -4986,7 +9114,7 @@
           <a:p>
             <a:fld id="{B1B4E7C4-4DA4-404D-9965-B13F2DD7D8BF}" type="datetimeFigureOut">
               <a:rPr lang="en-US" smtClean="0"/>
-              <a:t>1/6/2014</a:t>
+              <a:t>1/7/2014</a:t>
             </a:fld>
             <a:endParaRPr lang="en-US" dirty="0"/>
           </a:p>
@@ -5109,7 +9237,7 @@
           <a:p>
             <a:fld id="{476FB7AA-4A53-424F-AD41-70827B6504BA}" type="datetimeFigureOut">
               <a:rPr lang="en-US" smtClean="0"/>
-              <a:t>1/6/2014</a:t>
+              <a:t>1/7/2014</a:t>
             </a:fld>
             <a:endParaRPr lang="en-US" dirty="0"/>
           </a:p>
@@ -5209,7 +9337,7 @@
           <a:p>
             <a:fld id="{E7884882-FB12-4BC8-9960-9AD8104D7FAE}" type="datetimeFigureOut">
               <a:rPr lang="en-US" smtClean="0"/>
-              <a:t>1/6/2014</a:t>
+              <a:t>1/7/2014</a:t>
             </a:fld>
             <a:endParaRPr lang="en-US" dirty="0"/>
           </a:p>
@@ -5489,7 +9617,7 @@
           <a:p>
             <a:fld id="{F7D1BD23-6E54-4D9D-AD88-A2813C73CC25}" type="datetimeFigureOut">
               <a:rPr lang="en-US" smtClean="0"/>
-              <a:t>1/6/2014</a:t>
+              <a:t>1/7/2014</a:t>
             </a:fld>
             <a:endParaRPr lang="en-US" dirty="0"/>
           </a:p>
@@ -5777,7 +9905,7 @@
           <a:p>
             <a:fld id="{1471A834-4F3C-4AF9-9C74-05EC35A0F292}" type="datetimeFigureOut">
               <a:rPr lang="en-US" smtClean="0"/>
-              <a:t>1/6/2014</a:t>
+              <a:t>1/7/2014</a:t>
             </a:fld>
             <a:endParaRPr lang="en-US" dirty="0"/>
           </a:p>
@@ -6022,7 +10150,7 @@
           <a:p>
             <a:fld id="{51CF1133-3259-4C45-BABA-5B62D9C6F78D}" type="datetimeFigureOut">
               <a:rPr lang="en-US" smtClean="0"/>
-              <a:t>1/6/2014</a:t>
+              <a:t>1/7/2014</a:t>
             </a:fld>
             <a:endParaRPr lang="en-US" dirty="0"/>
           </a:p>
@@ -6617,7 +10745,25 @@
               <a:rPr lang="en-US" dirty="0" smtClean="0">
                 <a:latin typeface="Source Code Pro Semibold" panose="020B0609030403020204" pitchFamily="49" charset="0"/>
               </a:rPr>
-              <a:t>A blitz through programming concepts</a:t>
+              <a:t>A blitz </a:t>
+            </a:r>
+            <a:r>
+              <a:rPr lang="en-US" smtClean="0">
+                <a:latin typeface="Source Code Pro Semibold" panose="020B0609030403020204" pitchFamily="49" charset="0"/>
+              </a:rPr>
+              <a:t>through </a:t>
+            </a:r>
+            <a:r>
+              <a:rPr lang="en-US" smtClean="0">
+                <a:latin typeface="Source Code Pro Semibold" panose="020B0609030403020204" pitchFamily="49" charset="0"/>
+              </a:rPr>
+              <a:t>some programming </a:t>
+            </a:r>
+            <a:r>
+              <a:rPr lang="en-US" dirty="0" smtClean="0">
+                <a:latin typeface="Source Code Pro Semibold" panose="020B0609030403020204" pitchFamily="49" charset="0"/>
+              </a:rPr>
+              <a:t>concepts</a:t>
             </a:r>
             <a:endParaRPr lang="en-US" dirty="0">
               <a:latin typeface="Source Code Pro Semibold" panose="020B0609030403020204" pitchFamily="49" charset="0"/>
@@ -6682,8 +10828,8 @@
         </p:blipFill>
         <p:spPr bwMode="auto">
           <a:xfrm>
-            <a:off x="5486399" y="2237861"/>
-            <a:ext cx="2260879" cy="2939145"/>
+            <a:off x="5888095" y="2539358"/>
+            <a:ext cx="1797039" cy="2336152"/>
           </a:xfrm>
           <a:prstGeom prst="rect">
             <a:avLst/>
@@ -6754,7 +10900,7 @@
           <a:p>
             <a:r>
               <a:rPr lang="en-US" dirty="0" smtClean="0"/>
-              <a:t>Some Python Object Types</a:t>
+              <a:t>Some useful python environments</a:t>
             </a:r>
             <a:endParaRPr lang="en-US" dirty="0"/>
           </a:p>
@@ -6780,66 +10926,72 @@
           <a:p>
             <a:r>
               <a:rPr lang="en-US" dirty="0" smtClean="0"/>
-              <a:t>Numbers</a:t>
+              <a:t>Komodo Edit</a:t>
             </a:r>
           </a:p>
           <a:p>
             <a:pPr lvl="1"/>
             <a:r>
-              <a:rPr lang="en-US" dirty="0" smtClean="0"/>
-              <a:t>Integers (whole numbers): 7</a:t>
-            </a:r>
-          </a:p>
-          <a:p>
-            <a:pPr lvl="1"/>
-            <a:r>
-              <a:rPr lang="en-US" dirty="0" smtClean="0"/>
-              <a:t>Floating point numbers: 7.7</a:t>
-            </a:r>
-          </a:p>
-          <a:p>
-            <a:pPr marL="342900" lvl="1" indent="0">
-              <a:buNone/>
-            </a:pPr>
-            <a:endParaRPr lang="en-US" dirty="0"/>
-          </a:p>
-          <a:p>
-            <a:r>
-              <a:rPr lang="en-US" dirty="0" smtClean="0"/>
-              <a:t>String</a:t>
-            </a:r>
-          </a:p>
-          <a:p>
-            <a:pPr lvl="1"/>
-            <a:r>
-              <a:rPr lang="en-US" dirty="0" smtClean="0"/>
-              <a:t>Sequence of characters: “word!”</a:t>
-            </a:r>
-          </a:p>
-          <a:p>
-            <a:pPr lvl="1"/>
-            <a:endParaRPr lang="en-US" dirty="0"/>
-          </a:p>
-          <a:p>
-            <a:r>
-              <a:rPr lang="en-US" dirty="0" smtClean="0"/>
-              <a:t>Set</a:t>
-            </a:r>
-          </a:p>
-          <a:p>
-            <a:pPr lvl="1"/>
-            <a:r>
-              <a:rPr lang="en-US" dirty="0" smtClean="0"/>
-              <a:t>Unordered and unique collection of objects</a:t>
-            </a:r>
+              <a:rPr lang="en-US" dirty="0">
+                <a:hlinkClick r:id="rId2"/>
+              </a:rPr>
+              <a:t>http://</a:t>
+            </a:r>
+            <a:r>
+              <a:rPr lang="en-US" dirty="0" smtClean="0">
+                <a:hlinkClick r:id="rId2"/>
+              </a:rPr>
+              <a:t>www.activestate.com/komodo-edit</a:t>
+            </a:r>
+            <a:endParaRPr lang="en-US" dirty="0"/>
           </a:p>
           <a:p>
             <a:pPr lvl="1"/>
             <a:endParaRPr lang="en-US" dirty="0" smtClean="0"/>
           </a:p>
           <a:p>
+            <a:r>
+              <a:rPr lang="en-US" dirty="0" err="1" smtClean="0"/>
+              <a:t>PyCharm</a:t>
+            </a:r>
+            <a:endParaRPr lang="en-US" dirty="0"/>
+          </a:p>
+          <a:p>
             <a:pPr lvl="1"/>
-            <a:endParaRPr lang="en-US" dirty="0"/>
+            <a:r>
+              <a:rPr lang="en-US" dirty="0">
+                <a:hlinkClick r:id="rId3"/>
+              </a:rPr>
+              <a:t>http://www.jetbrains.com/pycharm</a:t>
+            </a:r>
+            <a:r>
+              <a:rPr lang="en-US" dirty="0" smtClean="0">
+                <a:hlinkClick r:id="rId3"/>
+              </a:rPr>
+              <a:t>/</a:t>
+            </a:r>
+            <a:endParaRPr lang="en-US" dirty="0" smtClean="0"/>
+          </a:p>
+          <a:p>
+            <a:pPr lvl="1"/>
+            <a:endParaRPr lang="en-US" dirty="0"/>
+          </a:p>
+          <a:p>
+            <a:r>
+              <a:rPr lang="en-US" dirty="0" err="1" smtClean="0"/>
+              <a:t>PythonTutor</a:t>
+            </a:r>
+            <a:endParaRPr lang="en-US" dirty="0" smtClean="0"/>
+          </a:p>
+          <a:p>
+            <a:pPr lvl="1"/>
+            <a:r>
+              <a:rPr lang="en-US" dirty="0">
+                <a:hlinkClick r:id="rId4"/>
+              </a:rPr>
+              <a:t>http://www.pythontutor.com</a:t>
+            </a:r>
+            <a:endParaRPr lang="en-US" dirty="0" smtClean="0"/>
           </a:p>
           <a:p>
             <a:endParaRPr lang="en-US" dirty="0"/>
@@ -6849,7 +11001,7 @@
     </p:spTree>
     <p:extLst>
       <p:ext uri="{BB962C8B-B14F-4D97-AF65-F5344CB8AC3E}">
-        <p14:creationId xmlns:p14="http://schemas.microsoft.com/office/powerpoint/2010/main" val="4015696490"/>
+        <p14:creationId xmlns:p14="http://schemas.microsoft.com/office/powerpoint/2010/main" val="3741982114"/>
       </p:ext>
     </p:extLst>
   </p:cSld>
@@ -6892,9 +11044,10 @@
           <a:lstStyle/>
           <a:p>
             <a:r>
-              <a:rPr lang="en-US" dirty="0"/>
-              <a:t>Some Python Object Types</a:t>
-            </a:r>
+              <a:rPr lang="en-US" dirty="0" smtClean="0"/>
+              <a:t>Object Oriented Programming</a:t>
+            </a:r>
+            <a:endParaRPr lang="en-US" dirty="0"/>
           </a:p>
         </p:txBody>
       </p:sp>
@@ -6908,101 +11061,80 @@
             <p:ph idx="1"/>
           </p:nvPr>
         </p:nvSpPr>
-        <p:spPr/>
-        <p:txBody>
-          <a:bodyPr/>
+        <p:spPr>
+          <a:xfrm>
+            <a:off x="840000" y="2029767"/>
+            <a:ext cx="7675350" cy="4451420"/>
+          </a:xfrm>
+        </p:spPr>
+        <p:txBody>
+          <a:bodyPr>
+            <a:normAutofit lnSpcReduction="10000"/>
+          </a:bodyPr>
           <a:lstStyle/>
           <a:p>
             <a:r>
-              <a:rPr lang="en-US" dirty="0"/>
-              <a:t>List</a:t>
-            </a:r>
-          </a:p>
-          <a:p>
-            <a:pPr lvl="1"/>
-            <a:r>
-              <a:rPr lang="en-US" dirty="0"/>
-              <a:t>An ordered list of objects:</a:t>
-            </a:r>
-          </a:p>
-          <a:p>
-            <a:pPr lvl="1"/>
-            <a:r>
               <a:rPr lang="en-US" dirty="0" smtClean="0"/>
-              <a:t>[2, 4, 7, 22]</a:t>
-            </a:r>
-          </a:p>
-          <a:p>
-            <a:pPr lvl="1"/>
+              <a:t>Objects hold information</a:t>
+            </a:r>
+          </a:p>
+          <a:p>
+            <a:endParaRPr lang="en-US" dirty="0" smtClean="0"/>
+          </a:p>
+          <a:p>
             <a:r>
               <a:rPr lang="en-US" dirty="0" smtClean="0"/>
-              <a:t>[“</a:t>
-            </a:r>
-            <a:r>
-              <a:rPr lang="en-US" dirty="0" err="1" smtClean="0"/>
-              <a:t>acgta</a:t>
-            </a:r>
+              <a:t>They can contain values</a:t>
+            </a:r>
+          </a:p>
+          <a:p>
+            <a:endParaRPr lang="en-US" dirty="0" smtClean="0"/>
+          </a:p>
+          <a:p>
             <a:r>
               <a:rPr lang="en-US" dirty="0" smtClean="0"/>
-              <a:t>”, “</a:t>
-            </a:r>
-            <a:r>
-              <a:rPr lang="en-US" dirty="0" err="1" smtClean="0"/>
-              <a:t>gtaagt</a:t>
-            </a:r>
+              <a:t>They can contain multiple values</a:t>
+            </a:r>
+            <a:endParaRPr lang="en-US" dirty="0"/>
+          </a:p>
+          <a:p>
+            <a:endParaRPr lang="en-US" dirty="0" smtClean="0"/>
+          </a:p>
+          <a:p>
             <a:r>
               <a:rPr lang="en-US" dirty="0" smtClean="0"/>
-              <a:t>”]</a:t>
-            </a:r>
-          </a:p>
-          <a:p>
-            <a:pPr marL="342900" lvl="1" indent="0">
-              <a:buNone/>
-            </a:pPr>
-            <a:endParaRPr lang="en-US" dirty="0"/>
+              <a:t>They can contain </a:t>
+            </a:r>
+            <a:r>
+              <a:rPr lang="en-US" i="1" dirty="0" smtClean="0"/>
+              <a:t>other objects</a:t>
+            </a:r>
+            <a:endParaRPr lang="en-US" dirty="0" smtClean="0"/>
+          </a:p>
+          <a:p>
+            <a:endParaRPr lang="en-US" dirty="0" smtClean="0"/>
           </a:p>
           <a:p>
             <a:r>
               <a:rPr lang="en-US" dirty="0" smtClean="0"/>
-              <a:t>Dictionary</a:t>
-            </a:r>
-          </a:p>
-          <a:p>
-            <a:pPr lvl="1"/>
+              <a:t>They have types</a:t>
+            </a:r>
+          </a:p>
+          <a:p>
+            <a:endParaRPr lang="en-US" dirty="0" smtClean="0"/>
+          </a:p>
+          <a:p>
             <a:r>
               <a:rPr lang="en-US" dirty="0" smtClean="0"/>
-              <a:t>“associative arrays”</a:t>
-            </a:r>
-            <a:endParaRPr lang="en-US" dirty="0"/>
-          </a:p>
-          <a:p>
-            <a:pPr lvl="1"/>
-            <a:r>
-              <a:rPr lang="en-US" dirty="0"/>
-              <a:t>A collection of key -&gt; </a:t>
-            </a:r>
-            <a:r>
-              <a:rPr lang="en-US" dirty="0" smtClean="0"/>
-              <a:t>values</a:t>
-            </a:r>
-          </a:p>
-          <a:p>
-            <a:pPr lvl="1"/>
-            <a:r>
-              <a:rPr lang="en-US" dirty="0" smtClean="0"/>
-              <a:t>{“age”:13, “address”: “123 street”}</a:t>
-            </a:r>
-            <a:endParaRPr lang="en-US" dirty="0"/>
-          </a:p>
-          <a:p>
-            <a:endParaRPr lang="en-US" dirty="0"/>
+              <a:t>They can inherit information from others</a:t>
+            </a:r>
           </a:p>
         </p:txBody>
       </p:sp>
     </p:spTree>
     <p:extLst>
       <p:ext uri="{BB962C8B-B14F-4D97-AF65-F5344CB8AC3E}">
-        <p14:creationId xmlns:p14="http://schemas.microsoft.com/office/powerpoint/2010/main" val="418909026"/>
+        <p14:creationId xmlns:p14="http://schemas.microsoft.com/office/powerpoint/2010/main" val="4039615631"/>
       </p:ext>
     </p:extLst>
   </p:cSld>
@@ -7046,7 +11178,7 @@
           <a:p>
             <a:r>
               <a:rPr lang="en-US" dirty="0" smtClean="0"/>
-              <a:t>Programming Logic</a:t>
+              <a:t>Some Python Object Types</a:t>
             </a:r>
             <a:endParaRPr lang="en-US" dirty="0"/>
           </a:p>
@@ -7064,124 +11196,76 @@
         </p:nvSpPr>
         <p:spPr/>
         <p:txBody>
-          <a:bodyPr>
-            <a:normAutofit/>
-          </a:bodyPr>
+          <a:bodyPr/>
           <a:lstStyle/>
           <a:p>
+            <a:endParaRPr lang="en-US" dirty="0" smtClean="0"/>
+          </a:p>
+          <a:p>
             <a:r>
               <a:rPr lang="en-US" dirty="0" smtClean="0"/>
-              <a:t>If/else</a:t>
+              <a:t>Numbers</a:t>
             </a:r>
           </a:p>
           <a:p>
             <a:pPr lvl="1"/>
             <a:r>
               <a:rPr lang="en-US" dirty="0" smtClean="0"/>
-              <a:t>Conditional logic!</a:t>
+              <a:t>Integers (whole numbers): 7</a:t>
             </a:r>
           </a:p>
           <a:p>
             <a:pPr lvl="1"/>
             <a:r>
               <a:rPr lang="en-US" dirty="0" smtClean="0"/>
-              <a:t>Allows you to control the flow of behavior</a:t>
+              <a:t>Floating point numbers: 7.7</a:t>
+            </a:r>
+          </a:p>
+          <a:p>
+            <a:pPr marL="342900" lvl="1" indent="0">
+              <a:buNone/>
+            </a:pPr>
+            <a:endParaRPr lang="en-US" dirty="0"/>
+          </a:p>
+          <a:p>
+            <a:r>
+              <a:rPr lang="en-US" dirty="0" smtClean="0"/>
+              <a:t>String</a:t>
             </a:r>
           </a:p>
           <a:p>
             <a:pPr lvl="1"/>
             <a:r>
               <a:rPr lang="en-US" dirty="0" smtClean="0"/>
-              <a:t>If it rains today I will bring an umbrella</a:t>
-            </a:r>
-          </a:p>
-          <a:p>
-            <a:pPr marL="342900" lvl="1" indent="0">
-              <a:buNone/>
-            </a:pPr>
+              <a:t>Sequence of characters: “word!”</a:t>
+            </a:r>
+          </a:p>
+          <a:p>
+            <a:pPr lvl="1"/>
+            <a:endParaRPr lang="en-US" dirty="0"/>
+          </a:p>
+          <a:p>
+            <a:r>
+              <a:rPr lang="en-US" dirty="0" smtClean="0"/>
+              <a:t>Set</a:t>
+            </a:r>
+          </a:p>
+          <a:p>
+            <a:pPr lvl="1"/>
+            <a:r>
+              <a:rPr lang="en-US" dirty="0" smtClean="0"/>
+              <a:t>Unordered and unique collection of objects</a:t>
+            </a:r>
+          </a:p>
+          <a:p>
+            <a:pPr lvl="1"/>
             <a:endParaRPr lang="en-US" dirty="0" smtClean="0"/>
           </a:p>
           <a:p>
-            <a:pPr marL="342900" lvl="1" indent="0">
-              <a:buNone/>
-            </a:pPr>
-            <a:r>
-              <a:rPr lang="en-US" dirty="0" smtClean="0"/>
-              <a:t>if raining == true:</a:t>
-            </a:r>
-          </a:p>
-          <a:p>
-            <a:pPr marL="342900" lvl="1" indent="0">
-              <a:buNone/>
-            </a:pPr>
-            <a:r>
-              <a:rPr lang="en-US" dirty="0"/>
-              <a:t>	</a:t>
-            </a:r>
-            <a:r>
-              <a:rPr lang="en-US" dirty="0" err="1" smtClean="0"/>
-              <a:t>bring_umbrella</a:t>
-            </a:r>
-            <a:r>
-              <a:rPr lang="en-US" dirty="0" smtClean="0"/>
-              <a:t>()</a:t>
-            </a:r>
-          </a:p>
-          <a:p>
-            <a:pPr marL="342900" lvl="1" indent="0">
-              <a:buNone/>
-            </a:pPr>
-            <a:r>
-              <a:rPr lang="en-US" dirty="0" err="1" smtClean="0"/>
-              <a:t>elif</a:t>
-            </a:r>
-            <a:r>
-              <a:rPr lang="en-US" dirty="0" smtClean="0"/>
-              <a:t> snowing == true:</a:t>
-            </a:r>
-          </a:p>
-          <a:p>
-            <a:pPr marL="342900" lvl="1" indent="0">
-              <a:buNone/>
-            </a:pPr>
-            <a:r>
-              <a:rPr lang="en-US" dirty="0"/>
-              <a:t>	</a:t>
-            </a:r>
-            <a:r>
-              <a:rPr lang="en-US" dirty="0" err="1" smtClean="0"/>
-              <a:t>wear_snowboots</a:t>
-            </a:r>
-            <a:r>
-              <a:rPr lang="en-US" dirty="0" smtClean="0"/>
-              <a:t>()</a:t>
-            </a:r>
-          </a:p>
-          <a:p>
-            <a:pPr marL="342900" lvl="1" indent="0">
-              <a:buNone/>
-            </a:pPr>
-            <a:r>
-              <a:rPr lang="en-US" dirty="0" smtClean="0"/>
-              <a:t>else:</a:t>
-            </a:r>
-          </a:p>
-          <a:p>
-            <a:pPr marL="342900" lvl="1" indent="0">
-              <a:buNone/>
-            </a:pPr>
-            <a:r>
-              <a:rPr lang="en-US" dirty="0"/>
-              <a:t>	</a:t>
-            </a:r>
-            <a:r>
-              <a:rPr lang="en-US" dirty="0" err="1" smtClean="0"/>
-              <a:t>rock_sunglasses</a:t>
-            </a:r>
-            <a:r>
-              <a:rPr lang="en-US" dirty="0" smtClean="0"/>
-              <a:t>()</a:t>
-            </a:r>
+            <a:pPr lvl="1"/>
+            <a:endParaRPr lang="en-US" dirty="0"/>
+          </a:p>
+          <a:p>
             <a:endParaRPr lang="en-US" dirty="0"/>
           </a:p>
         </p:txBody>
@@ -7189,7 +11273,7 @@
     </p:spTree>
     <p:extLst>
       <p:ext uri="{BB962C8B-B14F-4D97-AF65-F5344CB8AC3E}">
-        <p14:creationId xmlns:p14="http://schemas.microsoft.com/office/powerpoint/2010/main" val="1882223815"/>
+        <p14:creationId xmlns:p14="http://schemas.microsoft.com/office/powerpoint/2010/main" val="4015696490"/>
       </p:ext>
     </p:extLst>
   </p:cSld>
@@ -7232,136 +11316,109 @@
           <a:lstStyle/>
           <a:p>
             <a:r>
+              <a:rPr lang="en-US" dirty="0"/>
+              <a:t>Some Python Object Types</a:t>
+            </a:r>
+          </a:p>
+        </p:txBody>
+      </p:sp>
+      <p:sp>
+        <p:nvSpPr>
+          <p:cNvPr id="3" name="Content Placeholder 2"/>
+          <p:cNvSpPr>
+            <a:spLocks noGrp="1"/>
+          </p:cNvSpPr>
+          <p:nvPr>
+            <p:ph idx="1"/>
+          </p:nvPr>
+        </p:nvSpPr>
+        <p:spPr/>
+        <p:txBody>
+          <a:bodyPr/>
+          <a:lstStyle/>
+          <a:p>
+            <a:r>
+              <a:rPr lang="en-US" dirty="0"/>
+              <a:t>List</a:t>
+            </a:r>
+          </a:p>
+          <a:p>
+            <a:pPr lvl="1"/>
+            <a:r>
+              <a:rPr lang="en-US" dirty="0"/>
+              <a:t>An ordered list of objects:</a:t>
+            </a:r>
+          </a:p>
+          <a:p>
+            <a:pPr lvl="1"/>
+            <a:r>
               <a:rPr lang="en-US" dirty="0" smtClean="0"/>
-              <a:t>Programming Logic</a:t>
-            </a:r>
-            <a:endParaRPr lang="en-US" dirty="0"/>
-          </a:p>
-        </p:txBody>
-      </p:sp>
-      <p:sp>
-        <p:nvSpPr>
-          <p:cNvPr id="3" name="Content Placeholder 2"/>
-          <p:cNvSpPr>
-            <a:spLocks noGrp="1"/>
-          </p:cNvSpPr>
-          <p:nvPr>
-            <p:ph idx="1"/>
-          </p:nvPr>
-        </p:nvSpPr>
-        <p:spPr/>
-        <p:txBody>
-          <a:bodyPr>
-            <a:normAutofit/>
-          </a:bodyPr>
-          <a:lstStyle/>
-          <a:p>
+              <a:t>[2, 4, 7, 22]</a:t>
+            </a:r>
+          </a:p>
+          <a:p>
+            <a:pPr lvl="1"/>
+            <a:r>
+              <a:rPr lang="en-US" dirty="0" smtClean="0"/>
+              <a:t>[“</a:t>
+            </a:r>
+            <a:r>
+              <a:rPr lang="en-US" dirty="0" err="1" smtClean="0"/>
+              <a:t>acgta</a:t>
+            </a:r>
+            <a:r>
+              <a:rPr lang="en-US" dirty="0" smtClean="0"/>
+              <a:t>”, “</a:t>
+            </a:r>
+            <a:r>
+              <a:rPr lang="en-US" dirty="0" err="1" smtClean="0"/>
+              <a:t>gtaagt</a:t>
+            </a:r>
+            <a:r>
+              <a:rPr lang="en-US" dirty="0" smtClean="0"/>
+              <a:t>”]</a:t>
+            </a:r>
+          </a:p>
+          <a:p>
+            <a:pPr marL="342900" lvl="1" indent="0">
+              <a:buNone/>
+            </a:pPr>
+            <a:endParaRPr lang="en-US" dirty="0"/>
+          </a:p>
+          <a:p>
+            <a:r>
+              <a:rPr lang="en-US" dirty="0" smtClean="0"/>
+              <a:t>Dictionary</a:t>
+            </a:r>
+          </a:p>
+          <a:p>
+            <a:pPr lvl="1"/>
+            <a:r>
+              <a:rPr lang="en-US" dirty="0" smtClean="0"/>
+              <a:t>“associative arrays”</a:t>
+            </a:r>
+            <a:endParaRPr lang="en-US" dirty="0"/>
+          </a:p>
+          <a:p>
+            <a:pPr lvl="1"/>
             <a:r>
               <a:rPr lang="en-US" dirty="0"/>
-              <a:t>For or while loops</a:t>
+              <a:t>A collection of key -&gt; </a:t>
+            </a:r>
+            <a:r>
+              <a:rPr lang="en-US" dirty="0" smtClean="0"/>
+              <a:t>values</a:t>
             </a:r>
           </a:p>
           <a:p>
             <a:pPr lvl="1"/>
             <a:r>
-              <a:rPr lang="en-US" dirty="0"/>
-              <a:t>Do something several times</a:t>
-            </a:r>
-          </a:p>
-          <a:p>
-            <a:pPr lvl="1"/>
-            <a:r>
-              <a:rPr lang="en-US" dirty="0"/>
-              <a:t>Make sure you understand when or if things stop</a:t>
-            </a:r>
-            <a:r>
               <a:rPr lang="en-US" dirty="0" smtClean="0"/>
-              <a:t>!</a:t>
-            </a:r>
-          </a:p>
-          <a:p>
-            <a:pPr marL="342900" lvl="1" indent="0">
-              <a:buNone/>
-            </a:pPr>
-            <a:endParaRPr lang="en-US" dirty="0"/>
-          </a:p>
-          <a:p>
-            <a:pPr marL="342900" lvl="1" indent="0">
-              <a:buNone/>
-            </a:pPr>
-            <a:r>
-              <a:rPr lang="en-US" dirty="0"/>
-              <a:t>w</a:t>
-            </a:r>
-            <a:r>
-              <a:rPr lang="en-US" dirty="0" smtClean="0"/>
-              <a:t>hile ben == “awesome”:</a:t>
-            </a:r>
-          </a:p>
-          <a:p>
-            <a:pPr marL="342900" lvl="1" indent="0">
-              <a:buNone/>
-            </a:pPr>
-            <a:r>
-              <a:rPr lang="en-US" dirty="0"/>
-              <a:t>	</a:t>
-            </a:r>
-            <a:r>
-              <a:rPr lang="en-US" dirty="0" smtClean="0"/>
-              <a:t>dance_like_its_1999()</a:t>
-            </a:r>
-          </a:p>
-          <a:p>
-            <a:pPr marL="342900" lvl="1" indent="0">
-              <a:buNone/>
-            </a:pPr>
-            <a:endParaRPr lang="en-US" dirty="0"/>
-          </a:p>
-          <a:p>
-            <a:pPr marL="342900" lvl="1" indent="0">
-              <a:buNone/>
-            </a:pPr>
-            <a:r>
-              <a:rPr lang="en-US" dirty="0" smtClean="0"/>
-              <a:t>for </a:t>
-            </a:r>
-            <a:r>
-              <a:rPr lang="en-US" dirty="0" err="1" smtClean="0"/>
-              <a:t>dance_move</a:t>
-            </a:r>
-            <a:r>
-              <a:rPr lang="en-US" dirty="0" smtClean="0"/>
-              <a:t> in </a:t>
-            </a:r>
-            <a:r>
-              <a:rPr lang="en-US" dirty="0" err="1" smtClean="0"/>
-              <a:t>list_of_dance_moves</a:t>
-            </a:r>
-            <a:r>
-              <a:rPr lang="en-US" dirty="0" smtClean="0"/>
-              <a:t>:</a:t>
-            </a:r>
-          </a:p>
-          <a:p>
-            <a:pPr marL="342900" lvl="1" indent="0">
-              <a:buNone/>
-            </a:pPr>
-            <a:r>
-              <a:rPr lang="en-US" dirty="0"/>
-              <a:t>	</a:t>
-            </a:r>
-            <a:r>
-              <a:rPr lang="en-US" dirty="0" smtClean="0"/>
-              <a:t>dance(</a:t>
-            </a:r>
-            <a:r>
-              <a:rPr lang="en-US" dirty="0" err="1" smtClean="0"/>
-              <a:t>dance_move</a:t>
-            </a:r>
-            <a:r>
-              <a:rPr lang="en-US" dirty="0" smtClean="0"/>
-              <a:t>)</a:t>
-            </a:r>
+              <a:t>{“age”:13, “address”: “123 street”}</a:t>
+            </a:r>
+            <a:endParaRPr lang="en-US" dirty="0"/>
+          </a:p>
+          <a:p>
             <a:endParaRPr lang="en-US" dirty="0"/>
           </a:p>
         </p:txBody>
@@ -7369,7 +11426,7 @@
     </p:spTree>
     <p:extLst>
       <p:ext uri="{BB962C8B-B14F-4D97-AF65-F5344CB8AC3E}">
-        <p14:creationId xmlns:p14="http://schemas.microsoft.com/office/powerpoint/2010/main" val="989613303"/>
+        <p14:creationId xmlns:p14="http://schemas.microsoft.com/office/powerpoint/2010/main" val="418909026"/>
       </p:ext>
     </p:extLst>
   </p:cSld>
@@ -7413,7 +11470,7 @@
           <a:p>
             <a:r>
               <a:rPr lang="en-US" dirty="0" smtClean="0"/>
-              <a:t>Functions</a:t>
+              <a:t>Programming Logic</a:t>
             </a:r>
             <a:endParaRPr lang="en-US" dirty="0"/>
           </a:p>
@@ -7431,104 +11488,123 @@
         </p:nvSpPr>
         <p:spPr/>
         <p:txBody>
-          <a:bodyPr/>
+          <a:bodyPr>
+            <a:normAutofit/>
+          </a:bodyPr>
           <a:lstStyle/>
           <a:p>
             <a:r>
               <a:rPr lang="en-US" dirty="0" smtClean="0"/>
-              <a:t>Modularized sets of instructions you can re-use</a:t>
-            </a:r>
-          </a:p>
-          <a:p>
+              <a:t>If/else</a:t>
+            </a:r>
+          </a:p>
+          <a:p>
+            <a:pPr lvl="1"/>
             <a:r>
               <a:rPr lang="en-US" dirty="0" smtClean="0"/>
-              <a:t>Mini-programs</a:t>
-            </a:r>
-          </a:p>
-          <a:p>
+              <a:t>Conditional logic!</a:t>
+            </a:r>
+          </a:p>
+          <a:p>
+            <a:pPr lvl="1"/>
             <a:r>
               <a:rPr lang="en-US" dirty="0" smtClean="0"/>
-              <a:t>Do something or return an object</a:t>
-            </a:r>
-          </a:p>
-          <a:p>
+              <a:t>Allows you to control the flow of behavior</a:t>
+            </a:r>
+          </a:p>
+          <a:p>
+            <a:pPr lvl="1"/>
+            <a:r>
+              <a:rPr lang="en-US" dirty="0" smtClean="0"/>
+              <a:t>If it rains today I will bring an umbrella</a:t>
+            </a:r>
+          </a:p>
+          <a:p>
+            <a:pPr marL="342900" lvl="1" indent="0">
+              <a:buNone/>
+            </a:pPr>
             <a:endParaRPr lang="en-US" dirty="0" smtClean="0"/>
           </a:p>
           <a:p>
+            <a:pPr marL="342900" lvl="1" indent="0">
+              <a:buNone/>
+            </a:pPr>
+            <a:r>
+              <a:rPr lang="en-US" dirty="0" smtClean="0"/>
+              <a:t>if raining == true:</a:t>
+            </a:r>
+          </a:p>
+          <a:p>
+            <a:pPr marL="342900" lvl="1" indent="0">
+              <a:buNone/>
+            </a:pPr>
+            <a:r>
+              <a:rPr lang="en-US" dirty="0"/>
+              <a:t>	</a:t>
+            </a:r>
             <a:r>
               <a:rPr lang="en-US" dirty="0" err="1" smtClean="0"/>
-              <a:t>run_pcr</a:t>
+              <a:t>bring_umbrella</a:t>
             </a:r>
             <a:r>
               <a:rPr lang="en-US" dirty="0" smtClean="0"/>
-              <a:t>(</a:t>
-            </a:r>
+              <a:t>()</a:t>
+            </a:r>
+          </a:p>
+          <a:p>
+            <a:pPr marL="342900" lvl="1" indent="0">
+              <a:buNone/>
+            </a:pPr>
             <a:r>
               <a:rPr lang="en-US" dirty="0" err="1" smtClean="0"/>
-              <a:t>DNA_source</a:t>
+              <a:t>elif</a:t>
             </a:r>
             <a:r>
               <a:rPr lang="en-US" dirty="0" smtClean="0"/>
-              <a:t>=“”,</a:t>
-            </a:r>
-          </a:p>
-          <a:p>
-            <a:pPr marL="0" indent="0">
+              <a:t> snowing == true:</a:t>
+            </a:r>
+          </a:p>
+          <a:p>
+            <a:pPr marL="342900" lvl="1" indent="0">
               <a:buNone/>
             </a:pPr>
             <a:r>
               <a:rPr lang="en-US" dirty="0"/>
-              <a:t> </a:t>
+              <a:t>	</a:t>
+            </a:r>
+            <a:r>
+              <a:rPr lang="en-US" dirty="0" err="1" smtClean="0"/>
+              <a:t>wear_snowboots</a:t>
             </a:r>
             <a:r>
               <a:rPr lang="en-US" dirty="0" smtClean="0"/>
-              <a:t>        program=touchdown,</a:t>
-            </a:r>
-          </a:p>
-          <a:p>
-            <a:pPr marL="0" indent="0">
+              <a:t>()</a:t>
+            </a:r>
+          </a:p>
+          <a:p>
+            <a:pPr marL="342900" lvl="1" indent="0">
               <a:buNone/>
             </a:pPr>
             <a:r>
+              <a:rPr lang="en-US" dirty="0" smtClean="0"/>
+              <a:t>else:</a:t>
+            </a:r>
+          </a:p>
+          <a:p>
+            <a:pPr marL="342900" lvl="1" indent="0">
+              <a:buNone/>
+            </a:pPr>
+            <a:r>
               <a:rPr lang="en-US" dirty="0"/>
-              <a:t> </a:t>
+              <a:t>	</a:t>
+            </a:r>
+            <a:r>
+              <a:rPr lang="en-US" dirty="0" err="1" smtClean="0"/>
+              <a:t>rock_sunglasses</a:t>
             </a:r>
             <a:r>
               <a:rPr lang="en-US" dirty="0" smtClean="0"/>
-              <a:t>        </a:t>
-            </a:r>
-            <a:r>
-              <a:rPr lang="en-US" dirty="0" err="1" smtClean="0"/>
-              <a:t>forward_primer</a:t>
-            </a:r>
-            <a:r>
-              <a:rPr lang="en-US" dirty="0" smtClean="0"/>
-              <a:t>=“ITS1-F”,</a:t>
-            </a:r>
-          </a:p>
-          <a:p>
-            <a:pPr marL="0" indent="0">
-              <a:buNone/>
-            </a:pPr>
-            <a:r>
-              <a:rPr lang="en-US" dirty="0"/>
-              <a:t> </a:t>
-            </a:r>
-            <a:r>
-              <a:rPr lang="en-US" dirty="0" smtClean="0"/>
-              <a:t>        </a:t>
-            </a:r>
-            <a:r>
-              <a:rPr lang="en-US" dirty="0" err="1"/>
-              <a:t>forward_primer</a:t>
-            </a:r>
-            <a:r>
-              <a:rPr lang="en-US" dirty="0"/>
-              <a:t>=“</a:t>
-            </a:r>
-            <a:r>
-              <a:rPr lang="en-US" dirty="0" smtClean="0"/>
-              <a:t>ITS1-R”)</a:t>
+              <a:t>()</a:t>
             </a:r>
             <a:endParaRPr lang="en-US" dirty="0"/>
           </a:p>
@@ -7537,7 +11613,7 @@
     </p:spTree>
     <p:extLst>
       <p:ext uri="{BB962C8B-B14F-4D97-AF65-F5344CB8AC3E}">
-        <p14:creationId xmlns:p14="http://schemas.microsoft.com/office/powerpoint/2010/main" val="1536629832"/>
+        <p14:creationId xmlns:p14="http://schemas.microsoft.com/office/powerpoint/2010/main" val="1882223815"/>
       </p:ext>
     </p:extLst>
   </p:cSld>
@@ -7581,7 +11657,7 @@
           <a:p>
             <a:r>
               <a:rPr lang="en-US" dirty="0" smtClean="0"/>
-              <a:t>Namespaces (“Frames”)</a:t>
+              <a:t>Programming Logic</a:t>
             </a:r>
             <a:endParaRPr lang="en-US" dirty="0"/>
           </a:p>
@@ -7599,30 +11675,117 @@
         </p:nvSpPr>
         <p:spPr/>
         <p:txBody>
-          <a:bodyPr/>
+          <a:bodyPr>
+            <a:normAutofit/>
+          </a:bodyPr>
           <a:lstStyle/>
           <a:p>
             <a:r>
+              <a:rPr lang="en-US" dirty="0"/>
+              <a:t>For or while loops</a:t>
+            </a:r>
+          </a:p>
+          <a:p>
+            <a:pPr lvl="1"/>
+            <a:r>
+              <a:rPr lang="en-US" dirty="0"/>
+              <a:t>Do something several times</a:t>
+            </a:r>
+          </a:p>
+          <a:p>
+            <a:pPr lvl="1"/>
+            <a:r>
+              <a:rPr lang="en-US" dirty="0"/>
+              <a:t>Make sure you understand when or if things stop</a:t>
+            </a:r>
+            <a:r>
               <a:rPr lang="en-US" dirty="0" smtClean="0"/>
-              <a:t>Abstract container for your objects</a:t>
-            </a:r>
-          </a:p>
-          <a:p>
+              <a:t>!</a:t>
+            </a:r>
+          </a:p>
+          <a:p>
+            <a:pPr marL="342900" lvl="1" indent="0">
+              <a:buNone/>
+            </a:pPr>
+            <a:endParaRPr lang="en-US" dirty="0"/>
+          </a:p>
+          <a:p>
+            <a:pPr marL="342900" lvl="1" indent="0">
+              <a:buNone/>
+            </a:pPr>
+            <a:r>
+              <a:rPr lang="en-US" dirty="0"/>
+              <a:t>w</a:t>
+            </a:r>
             <a:r>
               <a:rPr lang="en-US" dirty="0" smtClean="0"/>
-              <a:t>Context for names of things</a:t>
-            </a:r>
-          </a:p>
-          <a:p>
-            <a:endParaRPr lang="en-US" dirty="0" smtClean="0"/>
-          </a:p>
-          <a:p>
+              <a:t>hile ben == “awesome”:</a:t>
+            </a:r>
+          </a:p>
+          <a:p>
+            <a:pPr marL="342900" lvl="1" indent="0">
+              <a:buNone/>
+            </a:pPr>
+            <a:r>
+              <a:rPr lang="en-US" dirty="0"/>
+              <a:t>	</a:t>
+            </a:r>
             <a:r>
               <a:rPr lang="en-US" dirty="0" smtClean="0"/>
-              <a:t>Analogy: file and folder names</a:t>
-            </a:r>
-          </a:p>
-          <a:p>
+              <a:t>dance_like_its_1999()</a:t>
+            </a:r>
+          </a:p>
+          <a:p>
+            <a:pPr marL="342900" lvl="1" indent="0">
+              <a:buNone/>
+            </a:pPr>
+            <a:endParaRPr lang="en-US" dirty="0"/>
+          </a:p>
+          <a:p>
+            <a:pPr marL="342900" lvl="1" indent="0">
+              <a:buNone/>
+            </a:pPr>
+            <a:r>
+              <a:rPr lang="en-US" dirty="0" smtClean="0"/>
+              <a:t>for </a:t>
+            </a:r>
+            <a:r>
+              <a:rPr lang="en-US" dirty="0" err="1" smtClean="0"/>
+              <a:t>dance_move</a:t>
+            </a:r>
+            <a:r>
+              <a:rPr lang="en-US" dirty="0" smtClean="0"/>
+              <a:t> in </a:t>
+            </a:r>
+            <a:r>
+              <a:rPr lang="en-US" dirty="0" err="1" smtClean="0"/>
+              <a:t>list_of_dance_moves</a:t>
+            </a:r>
+            <a:r>
+              <a:rPr lang="en-US" dirty="0" smtClean="0"/>
+              <a:t>:</a:t>
+            </a:r>
+          </a:p>
+          <a:p>
+            <a:pPr marL="342900" lvl="1" indent="0">
+              <a:buNone/>
+            </a:pPr>
+            <a:r>
+              <a:rPr lang="en-US" dirty="0"/>
+              <a:t>	</a:t>
+            </a:r>
+            <a:r>
+              <a:rPr lang="en-US" dirty="0" smtClean="0"/>
+              <a:t>dance(</a:t>
+            </a:r>
+            <a:r>
+              <a:rPr lang="en-US" dirty="0" err="1" smtClean="0"/>
+              <a:t>dance_move</a:t>
+            </a:r>
+            <a:r>
+              <a:rPr lang="en-US" dirty="0" smtClean="0"/>
+              <a:t>)</a:t>
+            </a:r>
             <a:endParaRPr lang="en-US" dirty="0"/>
           </a:p>
         </p:txBody>
@@ -7630,7 +11793,7 @@
     </p:spTree>
     <p:extLst>
       <p:ext uri="{BB962C8B-B14F-4D97-AF65-F5344CB8AC3E}">
-        <p14:creationId xmlns:p14="http://schemas.microsoft.com/office/powerpoint/2010/main" val="2794070451"/>
+        <p14:creationId xmlns:p14="http://schemas.microsoft.com/office/powerpoint/2010/main" val="989613303"/>
       </p:ext>
     </p:extLst>
   </p:cSld>
@@ -7672,7 +11835,11 @@
           <a:bodyPr/>
           <a:lstStyle/>
           <a:p>
-            <a:endParaRPr lang="en-US"/>
+            <a:r>
+              <a:rPr lang="en-US" dirty="0" smtClean="0"/>
+              <a:t>Functions</a:t>
+            </a:r>
+            <a:endParaRPr lang="en-US" dirty="0"/>
           </a:p>
         </p:txBody>
       </p:sp>
@@ -7688,26 +11855,105 @@
         </p:nvSpPr>
         <p:spPr/>
         <p:txBody>
-          <a:bodyPr>
-            <a:normAutofit/>
-          </a:bodyPr>
+          <a:bodyPr/>
           <a:lstStyle/>
           <a:p>
+            <a:r>
+              <a:rPr lang="en-US" dirty="0" smtClean="0"/>
+              <a:t>Modularized sets of instructions you can re-use</a:t>
+            </a:r>
+          </a:p>
+          <a:p>
+            <a:r>
+              <a:rPr lang="en-US" dirty="0" smtClean="0"/>
+              <a:t>Mini-programs</a:t>
+            </a:r>
+          </a:p>
+          <a:p>
+            <a:r>
+              <a:rPr lang="en-US" dirty="0" smtClean="0"/>
+              <a:t>Do something or return an object</a:t>
+            </a:r>
+          </a:p>
+          <a:p>
+            <a:endParaRPr lang="en-US" dirty="0" smtClean="0"/>
+          </a:p>
+          <a:p>
+            <a:r>
+              <a:rPr lang="en-US" dirty="0" err="1" smtClean="0"/>
+              <a:t>run_pcr</a:t>
+            </a:r>
+            <a:r>
+              <a:rPr lang="en-US" dirty="0" smtClean="0"/>
+              <a:t>(</a:t>
+            </a:r>
+            <a:r>
+              <a:rPr lang="en-US" dirty="0" err="1" smtClean="0"/>
+              <a:t>DNA_source</a:t>
+            </a:r>
+            <a:r>
+              <a:rPr lang="en-US" dirty="0" smtClean="0"/>
+              <a:t>=“”,</a:t>
+            </a:r>
+          </a:p>
+          <a:p>
             <a:pPr marL="0" indent="0">
               <a:buNone/>
             </a:pPr>
             <a:r>
-              <a:rPr lang="en-US" dirty="0" smtClean="0">
-                <a:hlinkClick r:id="rId2"/>
-              </a:rPr>
-              <a:t>Interactive tutorial</a:t>
-            </a:r>
-            <a:endParaRPr lang="en-US" dirty="0" smtClean="0"/>
+              <a:rPr lang="en-US" dirty="0"/>
+              <a:t> </a:t>
+            </a:r>
+            <a:r>
+              <a:rPr lang="en-US" dirty="0" smtClean="0"/>
+              <a:t>        program=touchdown,</a:t>
+            </a:r>
           </a:p>
           <a:p>
             <a:pPr marL="0" indent="0">
               <a:buNone/>
             </a:pPr>
+            <a:r>
+              <a:rPr lang="en-US" dirty="0"/>
+              <a:t> </a:t>
+            </a:r>
+            <a:r>
+              <a:rPr lang="en-US" dirty="0" smtClean="0"/>
+              <a:t>        </a:t>
+            </a:r>
+            <a:r>
+              <a:rPr lang="en-US" dirty="0" err="1" smtClean="0"/>
+              <a:t>forward_primer</a:t>
+            </a:r>
+            <a:r>
+              <a:rPr lang="en-US" dirty="0" smtClean="0"/>
+              <a:t>=“ITS1-F”,</a:t>
+            </a:r>
+          </a:p>
+          <a:p>
+            <a:pPr marL="0" indent="0">
+              <a:buNone/>
+            </a:pPr>
+            <a:r>
+              <a:rPr lang="en-US" dirty="0"/>
+              <a:t> </a:t>
+            </a:r>
+            <a:r>
+              <a:rPr lang="en-US" dirty="0" smtClean="0"/>
+              <a:t>        </a:t>
+            </a:r>
+            <a:r>
+              <a:rPr lang="en-US" dirty="0" err="1"/>
+              <a:t>forward_primer</a:t>
+            </a:r>
+            <a:r>
+              <a:rPr lang="en-US" dirty="0"/>
+              <a:t>=“</a:t>
+            </a:r>
+            <a:r>
+              <a:rPr lang="en-US" dirty="0" smtClean="0"/>
+              <a:t>ITS1-R”)</a:t>
+            </a:r>
             <a:endParaRPr lang="en-US" dirty="0"/>
           </a:p>
         </p:txBody>
@@ -7715,7 +11961,7 @@
     </p:spTree>
     <p:extLst>
       <p:ext uri="{BB962C8B-B14F-4D97-AF65-F5344CB8AC3E}">
-        <p14:creationId xmlns:p14="http://schemas.microsoft.com/office/powerpoint/2010/main" val="2468222665"/>
+        <p14:creationId xmlns:p14="http://schemas.microsoft.com/office/powerpoint/2010/main" val="1536629832"/>
       </p:ext>
     </p:extLst>
   </p:cSld>
@@ -7759,7 +12005,7 @@
           <a:p>
             <a:r>
               <a:rPr lang="en-US" dirty="0" smtClean="0"/>
-              <a:t>Group assignment</a:t>
+              <a:t>Namespaces (“Frames”)</a:t>
             </a:r>
             <a:endParaRPr lang="en-US" dirty="0"/>
           </a:p>
@@ -7775,22 +12021,32 @@
             <p:ph idx="1"/>
           </p:nvPr>
         </p:nvSpPr>
-        <p:spPr>
-          <a:xfrm>
-            <a:off x="840000" y="1825625"/>
-            <a:ext cx="7675350" cy="4715852"/>
-          </a:xfrm>
-        </p:spPr>
-        <p:txBody>
-          <a:bodyPr>
-            <a:normAutofit/>
-          </a:bodyPr>
+        <p:spPr/>
+        <p:txBody>
+          <a:bodyPr/>
           <a:lstStyle/>
           <a:p>
             <a:r>
               <a:rPr lang="en-US" dirty="0" smtClean="0"/>
-              <a:t>Write a python script that outputs the numbers 1 to 30</a:t>
-            </a:r>
+              <a:t>Abstract container for your objects</a:t>
+            </a:r>
+          </a:p>
+          <a:p>
+            <a:r>
+              <a:rPr lang="en-US" dirty="0" smtClean="0"/>
+              <a:t>Context for names of things</a:t>
+            </a:r>
+          </a:p>
+          <a:p>
+            <a:endParaRPr lang="en-US" dirty="0" smtClean="0"/>
+          </a:p>
+          <a:p>
+            <a:r>
+              <a:rPr lang="en-US" dirty="0" smtClean="0"/>
+              <a:t>Analogy: file and folder names</a:t>
+            </a:r>
+          </a:p>
+          <a:p>
             <a:endParaRPr lang="en-US" dirty="0"/>
           </a:p>
         </p:txBody>
@@ -7798,7 +12054,7 @@
     </p:spTree>
     <p:extLst>
       <p:ext uri="{BB962C8B-B14F-4D97-AF65-F5344CB8AC3E}">
-        <p14:creationId xmlns:p14="http://schemas.microsoft.com/office/powerpoint/2010/main" val="1514165822"/>
+        <p14:creationId xmlns:p14="http://schemas.microsoft.com/office/powerpoint/2010/main" val="2794070451"/>
       </p:ext>
     </p:extLst>
   </p:cSld>
@@ -7827,71 +12083,54 @@
       </p:grpSpPr>
       <p:sp>
         <p:nvSpPr>
-          <p:cNvPr id="2" name="Title 1"/>
-          <p:cNvSpPr>
-            <a:spLocks noGrp="1"/>
-          </p:cNvSpPr>
-          <p:nvPr>
-            <p:ph type="title"/>
+          <p:cNvPr id="3" name="Content Placeholder 2"/>
+          <p:cNvSpPr>
+            <a:spLocks noGrp="1"/>
+          </p:cNvSpPr>
+          <p:nvPr>
+            <p:ph idx="1"/>
           </p:nvPr>
         </p:nvSpPr>
         <p:spPr/>
-        <p:txBody>
-          <a:bodyPr/>
-          <a:lstStyle/>
-          <a:p>
-            <a:r>
-              <a:rPr lang="en-US" dirty="0" smtClean="0"/>
-              <a:t>Group assignment</a:t>
-            </a:r>
-            <a:endParaRPr lang="en-US" dirty="0"/>
-          </a:p>
-        </p:txBody>
-      </p:sp>
-      <p:sp>
-        <p:nvSpPr>
-          <p:cNvPr id="3" name="Content Placeholder 2"/>
-          <p:cNvSpPr>
-            <a:spLocks noGrp="1"/>
-          </p:cNvSpPr>
-          <p:nvPr>
-            <p:ph idx="1"/>
-          </p:nvPr>
-        </p:nvSpPr>
-        <p:spPr>
-          <a:xfrm>
-            <a:off x="840000" y="1825625"/>
-            <a:ext cx="7675350" cy="4715852"/>
-          </a:xfrm>
-        </p:spPr>
         <p:txBody>
           <a:bodyPr>
             <a:normAutofit/>
           </a:bodyPr>
           <a:lstStyle/>
           <a:p>
-            <a:r>
-              <a:rPr lang="en-US" dirty="0" smtClean="0"/>
-              <a:t>Write </a:t>
-            </a:r>
+            <a:pPr marL="0" indent="0">
+              <a:buNone/>
+            </a:pPr>
+            <a:r>
+              <a:rPr lang="en-US" dirty="0" smtClean="0">
+                <a:hlinkClick r:id="rId2"/>
+              </a:rPr>
+              <a:t>Interactive tutorial</a:t>
+            </a:r>
+            <a:endParaRPr lang="en-US" dirty="0" smtClean="0"/>
+          </a:p>
+          <a:p>
+            <a:pPr marL="0" indent="0">
+              <a:buNone/>
+            </a:pPr>
+            <a:endParaRPr lang="en-US" dirty="0" smtClean="0"/>
+          </a:p>
+          <a:p>
+            <a:pPr marL="0" indent="0">
+              <a:buNone/>
+            </a:pPr>
             <a:r>
               <a:rPr lang="en-US" dirty="0"/>
-              <a:t>a python script that outputs the numbers 1 to </a:t>
-            </a:r>
-            <a:r>
-              <a:rPr lang="en-US" dirty="0" smtClean="0"/>
-              <a:t>30, replacing any number divisible by 3 with the word “evolution”</a:t>
-            </a:r>
-          </a:p>
-          <a:p>
-            <a:endParaRPr lang="en-US" dirty="0" smtClean="0"/>
+              <a:t>http://bit.ly/1iPEg4M</a:t>
+            </a:r>
+            <a:endParaRPr lang="en-US" dirty="0"/>
           </a:p>
         </p:txBody>
       </p:sp>
     </p:spTree>
     <p:extLst>
       <p:ext uri="{BB962C8B-B14F-4D97-AF65-F5344CB8AC3E}">
-        <p14:creationId xmlns:p14="http://schemas.microsoft.com/office/powerpoint/2010/main" val="2176828010"/>
+        <p14:creationId xmlns:p14="http://schemas.microsoft.com/office/powerpoint/2010/main" val="2468222665"/>
       </p:ext>
     </p:extLst>
   </p:cSld>
@@ -7965,15 +12204,7 @@
           <a:p>
             <a:r>
               <a:rPr lang="en-US" dirty="0" smtClean="0"/>
-              <a:t>Write </a:t>
-            </a:r>
-            <a:r>
-              <a:rPr lang="en-US" dirty="0"/>
-              <a:t>a python script that outputs the numbers 1 to 30, replacing any number divisible by 3 with the word “evolution</a:t>
-            </a:r>
-            <a:r>
-              <a:rPr lang="en-US" dirty="0" smtClean="0"/>
-              <a:t>” and any number divisible by 5 with the word “ecology”</a:t>
+              <a:t>Write a python script that outputs the numbers 1 to 30</a:t>
             </a:r>
             <a:endParaRPr lang="en-US" dirty="0"/>
           </a:p>
@@ -7982,7 +12213,7 @@
     </p:spTree>
     <p:extLst>
       <p:ext uri="{BB962C8B-B14F-4D97-AF65-F5344CB8AC3E}">
-        <p14:creationId xmlns:p14="http://schemas.microsoft.com/office/powerpoint/2010/main" val="4015131137"/>
+        <p14:creationId xmlns:p14="http://schemas.microsoft.com/office/powerpoint/2010/main" val="1514165822"/>
       </p:ext>
     </p:extLst>
   </p:cSld>
@@ -8009,104 +12240,32 @@
           <a:chExt cx="0" cy="0"/>
         </a:xfrm>
       </p:grpSpPr>
-      <p:sp>
-        <p:nvSpPr>
-          <p:cNvPr id="2" name="Title 1"/>
-          <p:cNvSpPr>
-            <a:spLocks noGrp="1"/>
-          </p:cNvSpPr>
-          <p:nvPr>
-            <p:ph type="title"/>
-          </p:nvPr>
-        </p:nvSpPr>
-        <p:spPr/>
-        <p:txBody>
-          <a:bodyPr/>
-          <a:lstStyle/>
-          <a:p>
-            <a:r>
-              <a:rPr lang="en-US" dirty="0" smtClean="0"/>
-              <a:t>Programming</a:t>
-            </a:r>
-            <a:endParaRPr lang="en-US" dirty="0"/>
-          </a:p>
-        </p:txBody>
-      </p:sp>
-      <p:sp>
-        <p:nvSpPr>
-          <p:cNvPr id="3" name="Content Placeholder 2"/>
-          <p:cNvSpPr>
-            <a:spLocks noGrp="1"/>
-          </p:cNvSpPr>
-          <p:nvPr>
-            <p:ph idx="1"/>
-          </p:nvPr>
-        </p:nvSpPr>
-        <p:spPr/>
-        <p:txBody>
-          <a:bodyPr/>
-          <a:lstStyle/>
-          <a:p>
-            <a:endParaRPr lang="en-US" dirty="0" smtClean="0"/>
-          </a:p>
-          <a:p>
-            <a:r>
-              <a:rPr lang="en-US" dirty="0" smtClean="0"/>
-              <a:t>Environment</a:t>
-            </a:r>
-          </a:p>
-          <a:p>
-            <a:pPr lvl="1"/>
-            <a:r>
-              <a:rPr lang="en-US" dirty="0" smtClean="0"/>
-              <a:t>Installed </a:t>
-            </a:r>
-            <a:r>
-              <a:rPr lang="en-US" dirty="0"/>
-              <a:t>on the </a:t>
-            </a:r>
-            <a:r>
-              <a:rPr lang="en-US" dirty="0" smtClean="0"/>
-              <a:t>computer</a:t>
-            </a:r>
-          </a:p>
-          <a:p>
-            <a:pPr lvl="2"/>
-            <a:r>
-              <a:rPr lang="en-US" dirty="0" smtClean="0"/>
-              <a:t>10100101 -&gt; 100010101010011110</a:t>
-            </a:r>
-          </a:p>
-          <a:p>
-            <a:endParaRPr lang="en-US" dirty="0" smtClean="0"/>
-          </a:p>
-          <a:p>
-            <a:r>
-              <a:rPr lang="en-US" dirty="0" smtClean="0"/>
-              <a:t>Language</a:t>
-            </a:r>
-          </a:p>
-          <a:p>
-            <a:pPr lvl="1"/>
-            <a:r>
-              <a:rPr lang="en-US" dirty="0" smtClean="0"/>
-              <a:t>Installed in the human</a:t>
-            </a:r>
-          </a:p>
-          <a:p>
-            <a:pPr lvl="2"/>
-            <a:r>
-              <a:rPr lang="en-US" dirty="0" smtClean="0"/>
-              <a:t>These words and symbols, when put together have meaning to the computer</a:t>
-            </a:r>
-            <a:endParaRPr lang="en-US" dirty="0"/>
-          </a:p>
-        </p:txBody>
-      </p:sp>
+      <p:graphicFrame>
+        <p:nvGraphicFramePr>
+          <p:cNvPr id="4" name="Diagram 3"/>
+          <p:cNvGraphicFramePr/>
+          <p:nvPr>
+            <p:extLst>
+              <p:ext uri="{D42A27DB-BD31-4B8C-83A1-F6EECF244321}">
+                <p14:modId xmlns:p14="http://schemas.microsoft.com/office/powerpoint/2010/main" val="1240658538"/>
+              </p:ext>
+            </p:extLst>
+          </p:nvPr>
+        </p:nvGraphicFramePr>
+        <p:xfrm>
+          <a:off x="905522" y="97654"/>
+          <a:ext cx="7350711" cy="6587231"/>
+        </p:xfrm>
+        <a:graphic>
+          <a:graphicData uri="http://schemas.openxmlformats.org/drawingml/2006/diagram">
+            <dgm:relIds xmlns:dgm="http://schemas.openxmlformats.org/drawingml/2006/diagram" xmlns:r="http://schemas.openxmlformats.org/officeDocument/2006/relationships" r:dm="rId2" r:lo="rId3" r:qs="rId4" r:cs="rId5"/>
+          </a:graphicData>
+        </a:graphic>
+      </p:graphicFrame>
     </p:spTree>
     <p:extLst>
       <p:ext uri="{BB962C8B-B14F-4D97-AF65-F5344CB8AC3E}">
-        <p14:creationId xmlns:p14="http://schemas.microsoft.com/office/powerpoint/2010/main" val="3448352079"/>
+        <p14:creationId xmlns:p14="http://schemas.microsoft.com/office/powerpoint/2010/main" val="4114313669"/>
       </p:ext>
     </p:extLst>
   </p:cSld>
@@ -8150,7 +12309,7 @@
           <a:p>
             <a:r>
               <a:rPr lang="en-US" dirty="0" smtClean="0"/>
-              <a:t>My solution</a:t>
+              <a:t>Group assignment</a:t>
             </a:r>
             <a:endParaRPr lang="en-US" dirty="0"/>
           </a:p>
@@ -8166,233 +12325,40 @@
             <p:ph idx="1"/>
           </p:nvPr>
         </p:nvSpPr>
-        <p:spPr/>
-        <p:txBody>
-          <a:bodyPr/>
+        <p:spPr>
+          <a:xfrm>
+            <a:off x="840000" y="1825625"/>
+            <a:ext cx="7675350" cy="4715852"/>
+          </a:xfrm>
+        </p:spPr>
+        <p:txBody>
+          <a:bodyPr>
+            <a:normAutofit/>
+          </a:bodyPr>
           <a:lstStyle/>
           <a:p>
-            <a:pPr marL="0" indent="0">
-              <a:buNone/>
-            </a:pPr>
+            <a:r>
+              <a:rPr lang="en-US" dirty="0" smtClean="0"/>
+              <a:t>Write </a:t>
+            </a:r>
             <a:r>
               <a:rPr lang="en-US" dirty="0"/>
-              <a:t>for </a:t>
+              <a:t>a python script that outputs the numbers 1 to </a:t>
             </a:r>
             <a:r>
               <a:rPr lang="en-US" dirty="0" smtClean="0"/>
-              <a:t>number </a:t>
-            </a:r>
-            <a:r>
-              <a:rPr lang="en-US" dirty="0"/>
-              <a:t>in </a:t>
-            </a:r>
-            <a:r>
-              <a:rPr lang="en-US" dirty="0" smtClean="0"/>
-              <a:t>range(1,31):</a:t>
-            </a:r>
-            <a:endParaRPr lang="en-US" dirty="0"/>
-          </a:p>
-          <a:p>
-            <a:pPr marL="0" indent="0">
-              <a:buNone/>
-            </a:pPr>
-            <a:r>
-              <a:rPr lang="en-US" dirty="0"/>
-              <a:t>    if </a:t>
-            </a:r>
-            <a:r>
-              <a:rPr lang="en-US" dirty="0" smtClean="0"/>
-              <a:t>number </a:t>
-            </a:r>
-            <a:r>
-              <a:rPr lang="en-US" dirty="0"/>
-              <a:t>% </a:t>
-            </a:r>
-            <a:r>
-              <a:rPr lang="en-US" dirty="0" smtClean="0"/>
-              <a:t>15 </a:t>
-            </a:r>
-            <a:r>
-              <a:rPr lang="en-US" dirty="0"/>
-              <a:t>== </a:t>
-            </a:r>
-            <a:r>
-              <a:rPr lang="en-US" dirty="0" smtClean="0"/>
-              <a:t>0:</a:t>
-            </a:r>
-            <a:endParaRPr lang="en-US" dirty="0"/>
-          </a:p>
-          <a:p>
-            <a:pPr marL="0" indent="0">
-              <a:buNone/>
-            </a:pPr>
-            <a:r>
-              <a:rPr lang="en-US" dirty="0"/>
-              <a:t>        </a:t>
-            </a:r>
-            <a:r>
-              <a:rPr lang="en-US" dirty="0" smtClean="0"/>
-              <a:t>out </a:t>
-            </a:r>
-            <a:r>
-              <a:rPr lang="en-US" dirty="0"/>
-              <a:t>= </a:t>
-            </a:r>
-            <a:r>
-              <a:rPr lang="en-US" dirty="0" smtClean="0"/>
-              <a:t>"evolution and ecology"</a:t>
-            </a:r>
-            <a:endParaRPr lang="en-US" dirty="0"/>
-          </a:p>
-          <a:p>
-            <a:pPr marL="0" indent="0">
-              <a:buNone/>
-            </a:pPr>
-            <a:r>
-              <a:rPr lang="en-US" dirty="0"/>
-              <a:t>    </a:t>
-            </a:r>
-            <a:r>
-              <a:rPr lang="en-US" dirty="0" err="1"/>
-              <a:t>elif</a:t>
-            </a:r>
-            <a:r>
-              <a:rPr lang="en-US" dirty="0"/>
-              <a:t> </a:t>
-            </a:r>
-            <a:r>
-              <a:rPr lang="en-US" dirty="0" smtClean="0"/>
-              <a:t>number </a:t>
-            </a:r>
-            <a:r>
-              <a:rPr lang="en-US" dirty="0"/>
-              <a:t>% 3 == 0:</a:t>
-            </a:r>
-          </a:p>
-          <a:p>
-            <a:pPr marL="0" indent="0">
-              <a:buNone/>
-            </a:pPr>
-            <a:r>
-              <a:rPr lang="en-US" dirty="0"/>
-              <a:t>        </a:t>
-            </a:r>
-            <a:r>
-              <a:rPr lang="en-US" dirty="0" smtClean="0"/>
-              <a:t>out </a:t>
-            </a:r>
-            <a:r>
-              <a:rPr lang="en-US" dirty="0"/>
-              <a:t>= </a:t>
-            </a:r>
-            <a:r>
-              <a:rPr lang="en-US" dirty="0" smtClean="0"/>
-              <a:t>"evolution"</a:t>
-            </a:r>
-            <a:endParaRPr lang="en-US" dirty="0"/>
-          </a:p>
-          <a:p>
-            <a:pPr marL="0" indent="0">
-              <a:buNone/>
-            </a:pPr>
-            <a:r>
-              <a:rPr lang="en-US" dirty="0"/>
-              <a:t>    </a:t>
-            </a:r>
-            <a:r>
-              <a:rPr lang="en-US" dirty="0" err="1"/>
-              <a:t>elif</a:t>
-            </a:r>
-            <a:r>
-              <a:rPr lang="en-US" dirty="0"/>
-              <a:t> </a:t>
-            </a:r>
-            <a:r>
-              <a:rPr lang="en-US" dirty="0" smtClean="0"/>
-              <a:t>number </a:t>
-            </a:r>
-            <a:r>
-              <a:rPr lang="en-US" dirty="0"/>
-              <a:t>% 5 == 0:</a:t>
-            </a:r>
-          </a:p>
-          <a:p>
-            <a:pPr marL="0" indent="0">
-              <a:buNone/>
-            </a:pPr>
-            <a:r>
-              <a:rPr lang="en-US" dirty="0"/>
-              <a:t>        </a:t>
-            </a:r>
-            <a:r>
-              <a:rPr lang="en-US" dirty="0" smtClean="0"/>
-              <a:t>out </a:t>
-            </a:r>
-            <a:r>
-              <a:rPr lang="en-US" dirty="0"/>
-              <a:t>= </a:t>
-            </a:r>
-            <a:r>
-              <a:rPr lang="en-US" dirty="0" smtClean="0"/>
-              <a:t>"ecology"</a:t>
-            </a:r>
-            <a:endParaRPr lang="en-US" dirty="0"/>
-          </a:p>
-          <a:p>
-            <a:pPr marL="0" indent="0">
-              <a:buNone/>
-            </a:pPr>
-            <a:r>
-              <a:rPr lang="en-US" dirty="0"/>
-              <a:t>    else:</a:t>
-            </a:r>
-          </a:p>
-          <a:p>
-            <a:pPr marL="0" indent="0">
-              <a:buNone/>
-            </a:pPr>
-            <a:r>
-              <a:rPr lang="en-US" dirty="0"/>
-              <a:t>        </a:t>
-            </a:r>
-            <a:r>
-              <a:rPr lang="en-US" dirty="0" smtClean="0"/>
-              <a:t>out </a:t>
-            </a:r>
-            <a:r>
-              <a:rPr lang="en-US" dirty="0"/>
-              <a:t>= </a:t>
-            </a:r>
-            <a:r>
-              <a:rPr lang="en-US" dirty="0" err="1" smtClean="0"/>
-              <a:t>str</a:t>
-            </a:r>
-            <a:r>
-              <a:rPr lang="en-US" dirty="0" smtClean="0"/>
-              <a:t>(number)</a:t>
-            </a:r>
-            <a:endParaRPr lang="en-US" dirty="0"/>
-          </a:p>
-          <a:p>
-            <a:pPr marL="0" indent="0">
-              <a:buNone/>
-            </a:pPr>
-            <a:r>
-              <a:rPr lang="en-US" dirty="0"/>
-              <a:t>    </a:t>
-            </a:r>
-            <a:r>
-              <a:rPr lang="en-US" dirty="0" smtClean="0"/>
-              <a:t>print(out)</a:t>
-            </a:r>
-            <a:endParaRPr lang="en-US" dirty="0"/>
+              <a:t>30, replacing any number divisible by 3 with the word “evolution”</a:t>
+            </a:r>
+          </a:p>
+          <a:p>
+            <a:endParaRPr lang="en-US" dirty="0" smtClean="0"/>
           </a:p>
         </p:txBody>
       </p:sp>
     </p:spTree>
     <p:extLst>
       <p:ext uri="{BB962C8B-B14F-4D97-AF65-F5344CB8AC3E}">
-        <p14:creationId xmlns:p14="http://schemas.microsoft.com/office/powerpoint/2010/main" val="2976355226"/>
+        <p14:creationId xmlns:p14="http://schemas.microsoft.com/office/powerpoint/2010/main" val="2176828010"/>
       </p:ext>
     </p:extLst>
   </p:cSld>
@@ -8421,6 +12387,383 @@
       </p:grpSpPr>
       <p:sp>
         <p:nvSpPr>
+          <p:cNvPr id="2" name="Title 1"/>
+          <p:cNvSpPr>
+            <a:spLocks noGrp="1"/>
+          </p:cNvSpPr>
+          <p:nvPr>
+            <p:ph type="title"/>
+          </p:nvPr>
+        </p:nvSpPr>
+        <p:spPr/>
+        <p:txBody>
+          <a:bodyPr/>
+          <a:lstStyle/>
+          <a:p>
+            <a:r>
+              <a:rPr lang="en-US" dirty="0" smtClean="0"/>
+              <a:t>Group assignment</a:t>
+            </a:r>
+            <a:endParaRPr lang="en-US" dirty="0"/>
+          </a:p>
+        </p:txBody>
+      </p:sp>
+      <p:sp>
+        <p:nvSpPr>
+          <p:cNvPr id="3" name="Content Placeholder 2"/>
+          <p:cNvSpPr>
+            <a:spLocks noGrp="1"/>
+          </p:cNvSpPr>
+          <p:nvPr>
+            <p:ph idx="1"/>
+          </p:nvPr>
+        </p:nvSpPr>
+        <p:spPr>
+          <a:xfrm>
+            <a:off x="840000" y="1825625"/>
+            <a:ext cx="7675350" cy="4715852"/>
+          </a:xfrm>
+        </p:spPr>
+        <p:txBody>
+          <a:bodyPr>
+            <a:normAutofit/>
+          </a:bodyPr>
+          <a:lstStyle/>
+          <a:p>
+            <a:r>
+              <a:rPr lang="en-US" dirty="0" smtClean="0"/>
+              <a:t>Write </a:t>
+            </a:r>
+            <a:r>
+              <a:rPr lang="en-US" dirty="0"/>
+              <a:t>a python script that outputs the numbers 1 to 30, replacing any number divisible by 3 with the word “evolution</a:t>
+            </a:r>
+            <a:r>
+              <a:rPr lang="en-US" dirty="0" smtClean="0"/>
+              <a:t>” and any number divisible by 5 with the word “ecology”</a:t>
+            </a:r>
+            <a:endParaRPr lang="en-US" dirty="0"/>
+          </a:p>
+        </p:txBody>
+      </p:sp>
+    </p:spTree>
+    <p:extLst>
+      <p:ext uri="{BB962C8B-B14F-4D97-AF65-F5344CB8AC3E}">
+        <p14:creationId xmlns:p14="http://schemas.microsoft.com/office/powerpoint/2010/main" val="4015131137"/>
+      </p:ext>
+    </p:extLst>
+  </p:cSld>
+  <p:clrMapOvr>
+    <a:masterClrMapping/>
+  </p:clrMapOvr>
+</p:sld>
+</file>
+
+<file path=ppt/slides/slide22.xml><?xml version="1.0" encoding="utf-8"?>
+<p:sld xmlns:a="http://schemas.openxmlformats.org/drawingml/2006/main" xmlns:r="http://schemas.openxmlformats.org/officeDocument/2006/relationships" xmlns:p="http://schemas.openxmlformats.org/presentationml/2006/main">
+  <p:cSld>
+    <p:spTree>
+      <p:nvGrpSpPr>
+        <p:cNvPr id="1" name=""/>
+        <p:cNvGrpSpPr/>
+        <p:nvPr/>
+      </p:nvGrpSpPr>
+      <p:grpSpPr>
+        <a:xfrm>
+          <a:off x="0" y="0"/>
+          <a:ext cx="0" cy="0"/>
+          <a:chOff x="0" y="0"/>
+          <a:chExt cx="0" cy="0"/>
+        </a:xfrm>
+      </p:grpSpPr>
+      <p:sp>
+        <p:nvSpPr>
+          <p:cNvPr id="2" name="Title 1"/>
+          <p:cNvSpPr>
+            <a:spLocks noGrp="1"/>
+          </p:cNvSpPr>
+          <p:nvPr>
+            <p:ph type="title"/>
+          </p:nvPr>
+        </p:nvSpPr>
+        <p:spPr/>
+        <p:txBody>
+          <a:bodyPr/>
+          <a:lstStyle/>
+          <a:p>
+            <a:r>
+              <a:rPr lang="en-US" dirty="0" smtClean="0"/>
+              <a:t>My solution</a:t>
+            </a:r>
+            <a:endParaRPr lang="en-US" dirty="0"/>
+          </a:p>
+        </p:txBody>
+      </p:sp>
+      <p:sp>
+        <p:nvSpPr>
+          <p:cNvPr id="3" name="Content Placeholder 2"/>
+          <p:cNvSpPr>
+            <a:spLocks noGrp="1"/>
+          </p:cNvSpPr>
+          <p:nvPr>
+            <p:ph idx="1"/>
+          </p:nvPr>
+        </p:nvSpPr>
+        <p:spPr/>
+        <p:txBody>
+          <a:bodyPr/>
+          <a:lstStyle/>
+          <a:p>
+            <a:pPr marL="0" indent="0">
+              <a:buNone/>
+            </a:pPr>
+            <a:r>
+              <a:rPr lang="en-US" dirty="0"/>
+              <a:t>for </a:t>
+            </a:r>
+            <a:r>
+              <a:rPr lang="en-US" dirty="0" smtClean="0"/>
+              <a:t>number </a:t>
+            </a:r>
+            <a:r>
+              <a:rPr lang="en-US" dirty="0"/>
+              <a:t>in </a:t>
+            </a:r>
+            <a:r>
+              <a:rPr lang="en-US" dirty="0" smtClean="0"/>
+              <a:t>range(1,31):</a:t>
+            </a:r>
+            <a:endParaRPr lang="en-US" dirty="0"/>
+          </a:p>
+          <a:p>
+            <a:pPr marL="0" indent="0">
+              <a:buNone/>
+            </a:pPr>
+            <a:r>
+              <a:rPr lang="en-US" dirty="0"/>
+              <a:t>    if </a:t>
+            </a:r>
+            <a:r>
+              <a:rPr lang="en-US" dirty="0" smtClean="0"/>
+              <a:t>number </a:t>
+            </a:r>
+            <a:r>
+              <a:rPr lang="en-US" dirty="0"/>
+              <a:t>% </a:t>
+            </a:r>
+            <a:r>
+              <a:rPr lang="en-US" dirty="0" smtClean="0"/>
+              <a:t>15 </a:t>
+            </a:r>
+            <a:r>
+              <a:rPr lang="en-US" dirty="0"/>
+              <a:t>== </a:t>
+            </a:r>
+            <a:r>
+              <a:rPr lang="en-US" dirty="0" smtClean="0"/>
+              <a:t>0:</a:t>
+            </a:r>
+            <a:endParaRPr lang="en-US" dirty="0"/>
+          </a:p>
+          <a:p>
+            <a:pPr marL="0" indent="0">
+              <a:buNone/>
+            </a:pPr>
+            <a:r>
+              <a:rPr lang="en-US" dirty="0"/>
+              <a:t>        </a:t>
+            </a:r>
+            <a:r>
+              <a:rPr lang="en-US" dirty="0" smtClean="0"/>
+              <a:t>out </a:t>
+            </a:r>
+            <a:r>
+              <a:rPr lang="en-US" dirty="0"/>
+              <a:t>= </a:t>
+            </a:r>
+            <a:r>
+              <a:rPr lang="en-US" dirty="0" smtClean="0"/>
+              <a:t>"evolution and ecology"</a:t>
+            </a:r>
+            <a:endParaRPr lang="en-US" dirty="0"/>
+          </a:p>
+          <a:p>
+            <a:pPr marL="0" indent="0">
+              <a:buNone/>
+            </a:pPr>
+            <a:r>
+              <a:rPr lang="en-US" dirty="0"/>
+              <a:t>    </a:t>
+            </a:r>
+            <a:r>
+              <a:rPr lang="en-US" dirty="0" err="1"/>
+              <a:t>elif</a:t>
+            </a:r>
+            <a:r>
+              <a:rPr lang="en-US" dirty="0"/>
+              <a:t> </a:t>
+            </a:r>
+            <a:r>
+              <a:rPr lang="en-US" dirty="0" smtClean="0"/>
+              <a:t>number </a:t>
+            </a:r>
+            <a:r>
+              <a:rPr lang="en-US" dirty="0"/>
+              <a:t>% 3 == 0:</a:t>
+            </a:r>
+          </a:p>
+          <a:p>
+            <a:pPr marL="0" indent="0">
+              <a:buNone/>
+            </a:pPr>
+            <a:r>
+              <a:rPr lang="en-US" dirty="0"/>
+              <a:t>        </a:t>
+            </a:r>
+            <a:r>
+              <a:rPr lang="en-US" dirty="0" smtClean="0"/>
+              <a:t>out </a:t>
+            </a:r>
+            <a:r>
+              <a:rPr lang="en-US" dirty="0"/>
+              <a:t>= </a:t>
+            </a:r>
+            <a:r>
+              <a:rPr lang="en-US" dirty="0" smtClean="0"/>
+              <a:t>"evolution"</a:t>
+            </a:r>
+            <a:endParaRPr lang="en-US" dirty="0"/>
+          </a:p>
+          <a:p>
+            <a:pPr marL="0" indent="0">
+              <a:buNone/>
+            </a:pPr>
+            <a:r>
+              <a:rPr lang="en-US" dirty="0"/>
+              <a:t>    </a:t>
+            </a:r>
+            <a:r>
+              <a:rPr lang="en-US" dirty="0" err="1"/>
+              <a:t>elif</a:t>
+            </a:r>
+            <a:r>
+              <a:rPr lang="en-US" dirty="0"/>
+              <a:t> </a:t>
+            </a:r>
+            <a:r>
+              <a:rPr lang="en-US" dirty="0" smtClean="0"/>
+              <a:t>number </a:t>
+            </a:r>
+            <a:r>
+              <a:rPr lang="en-US" dirty="0"/>
+              <a:t>% 5 == 0:</a:t>
+            </a:r>
+          </a:p>
+          <a:p>
+            <a:pPr marL="0" indent="0">
+              <a:buNone/>
+            </a:pPr>
+            <a:r>
+              <a:rPr lang="en-US" dirty="0"/>
+              <a:t>        </a:t>
+            </a:r>
+            <a:r>
+              <a:rPr lang="en-US" dirty="0" smtClean="0"/>
+              <a:t>out </a:t>
+            </a:r>
+            <a:r>
+              <a:rPr lang="en-US" dirty="0"/>
+              <a:t>= </a:t>
+            </a:r>
+            <a:r>
+              <a:rPr lang="en-US" dirty="0" smtClean="0"/>
+              <a:t>"ecology"</a:t>
+            </a:r>
+            <a:endParaRPr lang="en-US" dirty="0"/>
+          </a:p>
+          <a:p>
+            <a:pPr marL="0" indent="0">
+              <a:buNone/>
+            </a:pPr>
+            <a:r>
+              <a:rPr lang="en-US" dirty="0"/>
+              <a:t>    else:</a:t>
+            </a:r>
+          </a:p>
+          <a:p>
+            <a:pPr marL="0" indent="0">
+              <a:buNone/>
+            </a:pPr>
+            <a:r>
+              <a:rPr lang="en-US" dirty="0"/>
+              <a:t>        </a:t>
+            </a:r>
+            <a:r>
+              <a:rPr lang="en-US" dirty="0" smtClean="0"/>
+              <a:t>out </a:t>
+            </a:r>
+            <a:r>
+              <a:rPr lang="en-US" dirty="0"/>
+              <a:t>= </a:t>
+            </a:r>
+            <a:r>
+              <a:rPr lang="en-US" dirty="0" err="1" smtClean="0"/>
+              <a:t>str</a:t>
+            </a:r>
+            <a:r>
+              <a:rPr lang="en-US" dirty="0" smtClean="0"/>
+              <a:t>(number)</a:t>
+            </a:r>
+            <a:endParaRPr lang="en-US" dirty="0"/>
+          </a:p>
+          <a:p>
+            <a:pPr marL="0" indent="0">
+              <a:buNone/>
+            </a:pPr>
+            <a:r>
+              <a:rPr lang="en-US" dirty="0"/>
+              <a:t>    </a:t>
+            </a:r>
+            <a:r>
+              <a:rPr lang="en-US" dirty="0" smtClean="0"/>
+              <a:t>print(out)</a:t>
+            </a:r>
+            <a:endParaRPr lang="en-US" dirty="0"/>
+          </a:p>
+        </p:txBody>
+      </p:sp>
+    </p:spTree>
+    <p:extLst>
+      <p:ext uri="{BB962C8B-B14F-4D97-AF65-F5344CB8AC3E}">
+        <p14:creationId xmlns:p14="http://schemas.microsoft.com/office/powerpoint/2010/main" val="2976355226"/>
+      </p:ext>
+    </p:extLst>
+  </p:cSld>
+  <p:clrMapOvr>
+    <a:masterClrMapping/>
+  </p:clrMapOvr>
+</p:sld>
+</file>
+
+<file path=ppt/slides/slide23.xml><?xml version="1.0" encoding="utf-8"?>
+<p:sld xmlns:a="http://schemas.openxmlformats.org/drawingml/2006/main" xmlns:r="http://schemas.openxmlformats.org/officeDocument/2006/relationships" xmlns:p="http://schemas.openxmlformats.org/presentationml/2006/main">
+  <p:cSld>
+    <p:spTree>
+      <p:nvGrpSpPr>
+        <p:cNvPr id="1" name=""/>
+        <p:cNvGrpSpPr/>
+        <p:nvPr/>
+      </p:nvGrpSpPr>
+      <p:grpSpPr>
+        <a:xfrm>
+          <a:off x="0" y="0"/>
+          <a:ext cx="0" cy="0"/>
+          <a:chOff x="0" y="0"/>
+          <a:chExt cx="0" cy="0"/>
+        </a:xfrm>
+      </p:grpSpPr>
+      <p:sp>
+        <p:nvSpPr>
           <p:cNvPr id="3" name="Content Placeholder 2"/>
           <p:cNvSpPr>
             <a:spLocks noGrp="1"/>
@@ -8589,7 +12932,7 @@
         </p:blipFill>
         <p:spPr bwMode="auto">
           <a:xfrm>
-            <a:off x="1305535" y="0"/>
+            <a:off x="1332168" y="168676"/>
             <a:ext cx="6532929" cy="1837387"/>
           </a:xfrm>
           <a:prstGeom prst="rect">
@@ -8620,7 +12963,7 @@
 </p:sld>
 </file>
 
-<file path=ppt/slides/slide22.xml><?xml version="1.0" encoding="utf-8"?>
+<file path=ppt/slides/slide24.xml><?xml version="1.0" encoding="utf-8"?>
 <p:sld xmlns:a="http://schemas.openxmlformats.org/drawingml/2006/main" xmlns:r="http://schemas.openxmlformats.org/officeDocument/2006/relationships" xmlns:p="http://schemas.openxmlformats.org/presentationml/2006/main">
   <p:cSld>
     <p:spTree>
@@ -8653,8 +12996,20 @@
           <a:lstStyle/>
           <a:p>
             <a:r>
+              <a:rPr lang="en-US" dirty="0" err="1" smtClean="0"/>
+              <a:t>Fastq</a:t>
+            </a:r>
+            <a:r>
               <a:rPr lang="en-US" dirty="0" smtClean="0"/>
-              <a:t>An example</a:t>
+              <a:t> q/c </a:t>
+            </a:r>
+            <a:r>
+              <a:rPr lang="en-US" dirty="0" err="1" smtClean="0"/>
+              <a:t>pt</a:t>
+            </a:r>
+            <a:r>
+              <a:rPr lang="en-US" dirty="0" smtClean="0"/>
+              <a:t> 1</a:t>
             </a:r>
             <a:endParaRPr lang="en-US" dirty="0"/>
           </a:p>
@@ -8859,7 +13214,7 @@
 </p:sld>
 </file>
 
-<file path=ppt/slides/slide23.xml><?xml version="1.0" encoding="utf-8"?>
+<file path=ppt/slides/slide25.xml><?xml version="1.0" encoding="utf-8"?>
 <p:sld xmlns:a="http://schemas.openxmlformats.org/drawingml/2006/main" xmlns:r="http://schemas.openxmlformats.org/officeDocument/2006/relationships" xmlns:p="http://schemas.openxmlformats.org/presentationml/2006/main">
   <p:cSld>
     <p:spTree>
@@ -8892,9 +13247,26 @@
           <a:lstStyle/>
           <a:p>
             <a:r>
+              <a:rPr lang="en-US" dirty="0" err="1"/>
+              <a:t>Fastq</a:t>
+            </a:r>
+            <a:r>
               <a:rPr lang="en-US" dirty="0"/>
-              <a:t>An example</a:t>
-            </a:r>
+              <a:t> q/c </a:t>
+            </a:r>
+            <a:r>
+              <a:rPr lang="en-US" dirty="0" err="1"/>
+              <a:t>pt</a:t>
+            </a:r>
+            <a:r>
+              <a:rPr lang="en-US" dirty="0"/>
+              <a:t> </a:t>
+            </a:r>
+            <a:r>
+              <a:rPr lang="en-US" dirty="0" smtClean="0"/>
+              <a:t>2</a:t>
+            </a:r>
+            <a:endParaRPr lang="en-US" dirty="0"/>
           </a:p>
         </p:txBody>
       </p:sp>
@@ -9092,6 +13464,317 @@
     <p:extLst>
       <p:ext uri="{BB962C8B-B14F-4D97-AF65-F5344CB8AC3E}">
         <p14:creationId xmlns:p14="http://schemas.microsoft.com/office/powerpoint/2010/main" val="849856333"/>
+      </p:ext>
+    </p:extLst>
+  </p:cSld>
+  <p:clrMapOvr>
+    <a:masterClrMapping/>
+  </p:clrMapOvr>
+</p:sld>
+</file>
+
+<file path=ppt/slides/slide26.xml><?xml version="1.0" encoding="utf-8"?>
+<p:sld xmlns:a="http://schemas.openxmlformats.org/drawingml/2006/main" xmlns:r="http://schemas.openxmlformats.org/officeDocument/2006/relationships" xmlns:p="http://schemas.openxmlformats.org/presentationml/2006/main">
+  <p:cSld>
+    <p:spTree>
+      <p:nvGrpSpPr>
+        <p:cNvPr id="1" name=""/>
+        <p:cNvGrpSpPr/>
+        <p:nvPr/>
+      </p:nvGrpSpPr>
+      <p:grpSpPr>
+        <a:xfrm>
+          <a:off x="0" y="0"/>
+          <a:ext cx="0" cy="0"/>
+          <a:chOff x="0" y="0"/>
+          <a:chExt cx="0" cy="0"/>
+        </a:xfrm>
+      </p:grpSpPr>
+      <p:sp>
+        <p:nvSpPr>
+          <p:cNvPr id="2" name="Title 1"/>
+          <p:cNvSpPr>
+            <a:spLocks noGrp="1"/>
+          </p:cNvSpPr>
+          <p:nvPr>
+            <p:ph type="title"/>
+          </p:nvPr>
+        </p:nvSpPr>
+        <p:spPr/>
+        <p:txBody>
+          <a:bodyPr/>
+          <a:lstStyle/>
+          <a:p>
+            <a:r>
+              <a:rPr lang="en-US" dirty="0" smtClean="0"/>
+              <a:t>Histogram of sequence lengths</a:t>
+            </a:r>
+            <a:endParaRPr lang="en-US" dirty="0"/>
+          </a:p>
+        </p:txBody>
+      </p:sp>
+      <p:sp>
+        <p:nvSpPr>
+          <p:cNvPr id="3" name="Content Placeholder 2"/>
+          <p:cNvSpPr>
+            <a:spLocks noGrp="1"/>
+          </p:cNvSpPr>
+          <p:nvPr>
+            <p:ph idx="1"/>
+          </p:nvPr>
+        </p:nvSpPr>
+        <p:spPr>
+          <a:xfrm>
+            <a:off x="88777" y="1825625"/>
+            <a:ext cx="9055223" cy="4708340"/>
+          </a:xfrm>
+        </p:spPr>
+        <p:txBody>
+          <a:bodyPr>
+            <a:noAutofit/>
+          </a:bodyPr>
+          <a:lstStyle/>
+          <a:p>
+            <a:pPr marL="0" indent="0">
+              <a:buNone/>
+            </a:pPr>
+            <a:r>
+              <a:rPr lang="en-US" sz="1800" dirty="0"/>
+              <a:t>#!/</a:t>
+            </a:r>
+            <a:r>
+              <a:rPr lang="en-US" sz="1800" dirty="0" err="1"/>
+              <a:t>usr</a:t>
+            </a:r>
+            <a:r>
+              <a:rPr lang="en-US" sz="1800" dirty="0"/>
+              <a:t>/bin/</a:t>
+            </a:r>
+            <a:r>
+              <a:rPr lang="en-US" sz="1800" dirty="0" err="1"/>
+              <a:t>env</a:t>
+            </a:r>
+            <a:r>
+              <a:rPr lang="en-US" sz="1800" dirty="0"/>
+              <a:t> python</a:t>
+            </a:r>
+          </a:p>
+          <a:p>
+            <a:pPr marL="0" indent="0">
+              <a:buNone/>
+            </a:pPr>
+            <a:r>
+              <a:rPr lang="en-US" sz="1800" dirty="0"/>
+              <a:t>import sys</a:t>
+            </a:r>
+          </a:p>
+          <a:p>
+            <a:pPr marL="0" indent="0">
+              <a:buNone/>
+            </a:pPr>
+            <a:r>
+              <a:rPr lang="en-US" sz="1800" dirty="0"/>
+              <a:t>from Bio import </a:t>
+            </a:r>
+            <a:r>
+              <a:rPr lang="en-US" sz="1800" dirty="0" err="1"/>
+              <a:t>SeqIO</a:t>
+            </a:r>
+            <a:endParaRPr lang="en-US" sz="1800" dirty="0"/>
+          </a:p>
+          <a:p>
+            <a:pPr marL="0" indent="0">
+              <a:buNone/>
+            </a:pPr>
+            <a:r>
+              <a:rPr lang="en-US" sz="1800" dirty="0"/>
+              <a:t>from </a:t>
+            </a:r>
+            <a:r>
+              <a:rPr lang="en-US" sz="1800" dirty="0" err="1"/>
+              <a:t>matplotlib</a:t>
+            </a:r>
+            <a:r>
+              <a:rPr lang="en-US" sz="1800" dirty="0"/>
+              <a:t> import </a:t>
+            </a:r>
+            <a:r>
+              <a:rPr lang="en-US" sz="1800" dirty="0" err="1"/>
+              <a:t>pyplot</a:t>
+            </a:r>
+            <a:r>
+              <a:rPr lang="en-US" sz="1800" dirty="0"/>
+              <a:t> as </a:t>
+            </a:r>
+            <a:r>
+              <a:rPr lang="en-US" sz="1800" dirty="0" err="1"/>
+              <a:t>plt</a:t>
+            </a:r>
+            <a:endParaRPr lang="en-US" sz="1800" dirty="0"/>
+          </a:p>
+          <a:p>
+            <a:pPr marL="0" indent="0">
+              <a:buNone/>
+            </a:pPr>
+            <a:endParaRPr lang="en-US" sz="1800" dirty="0"/>
+          </a:p>
+          <a:p>
+            <a:pPr marL="0" indent="0">
+              <a:buNone/>
+            </a:pPr>
+            <a:r>
+              <a:rPr lang="en-US" sz="1800" dirty="0"/>
+              <a:t>sizes = [</a:t>
+            </a:r>
+            <a:r>
+              <a:rPr lang="en-US" sz="1800" dirty="0" err="1"/>
+              <a:t>len</a:t>
+            </a:r>
+            <a:r>
+              <a:rPr lang="en-US" sz="1800" dirty="0"/>
+              <a:t>(rec) for rec in </a:t>
+            </a:r>
+            <a:r>
+              <a:rPr lang="en-US" sz="1800" dirty="0" err="1"/>
+              <a:t>SeqIO.parse</a:t>
+            </a:r>
+            <a:r>
+              <a:rPr lang="en-US" sz="1800" dirty="0"/>
+              <a:t>(</a:t>
+            </a:r>
+            <a:r>
+              <a:rPr lang="en-US" sz="1800" dirty="0" err="1"/>
+              <a:t>sys.argv</a:t>
+            </a:r>
+            <a:r>
+              <a:rPr lang="en-US" sz="1800" dirty="0"/>
+              <a:t>[1], "</a:t>
+            </a:r>
+            <a:r>
+              <a:rPr lang="en-US" sz="1800" dirty="0" err="1"/>
+              <a:t>fasta</a:t>
+            </a:r>
+            <a:r>
+              <a:rPr lang="en-US" sz="1800" dirty="0"/>
+              <a:t>")]</a:t>
+            </a:r>
+          </a:p>
+          <a:p>
+            <a:pPr marL="0" indent="0">
+              <a:buNone/>
+            </a:pPr>
+            <a:endParaRPr lang="en-US" sz="1800" dirty="0"/>
+          </a:p>
+          <a:p>
+            <a:pPr marL="0" indent="0">
+              <a:buNone/>
+            </a:pPr>
+            <a:r>
+              <a:rPr lang="en-US" sz="1800" dirty="0" err="1"/>
+              <a:t>plt.hist</a:t>
+            </a:r>
+            <a:r>
+              <a:rPr lang="en-US" sz="1800" dirty="0"/>
+              <a:t>(sizes, bins=50)</a:t>
+            </a:r>
+          </a:p>
+          <a:p>
+            <a:pPr marL="0" indent="0">
+              <a:buNone/>
+            </a:pPr>
+            <a:r>
+              <a:rPr lang="en-US" sz="1800" dirty="0" err="1"/>
+              <a:t>plt.title</a:t>
+            </a:r>
+            <a:r>
+              <a:rPr lang="en-US" sz="1800" dirty="0"/>
+              <a:t>("{} orchid sequences\</a:t>
+            </a:r>
+            <a:r>
+              <a:rPr lang="en-US" sz="1800" dirty="0" err="1"/>
+              <a:t>nLengths</a:t>
+            </a:r>
+            <a:r>
+              <a:rPr lang="en-US" sz="1800" dirty="0"/>
+              <a:t> {} to {}".format(</a:t>
+            </a:r>
+          </a:p>
+          <a:p>
+            <a:pPr marL="0" indent="0">
+              <a:buNone/>
+            </a:pPr>
+            <a:r>
+              <a:rPr lang="en-US" sz="1800" dirty="0"/>
+              <a:t>            </a:t>
+            </a:r>
+            <a:r>
+              <a:rPr lang="en-US" sz="1800" dirty="0" err="1"/>
+              <a:t>len</a:t>
+            </a:r>
+            <a:r>
+              <a:rPr lang="en-US" sz="1800" dirty="0"/>
+              <a:t>(sizes), min(sizes), max(sizes)))</a:t>
+            </a:r>
+          </a:p>
+          <a:p>
+            <a:pPr marL="0" indent="0">
+              <a:buNone/>
+            </a:pPr>
+            <a:r>
+              <a:rPr lang="en-US" sz="1800" dirty="0" err="1"/>
+              <a:t>plt.xlabel</a:t>
+            </a:r>
+            <a:r>
+              <a:rPr lang="en-US" sz="1800" dirty="0"/>
+              <a:t>("Sequence length (</a:t>
+            </a:r>
+            <a:r>
+              <a:rPr lang="en-US" sz="1800" dirty="0" err="1"/>
+              <a:t>bp</a:t>
+            </a:r>
+            <a:r>
+              <a:rPr lang="en-US" sz="1800" dirty="0"/>
+              <a:t>)")</a:t>
+            </a:r>
+          </a:p>
+          <a:p>
+            <a:pPr marL="0" indent="0">
+              <a:buNone/>
+            </a:pPr>
+            <a:r>
+              <a:rPr lang="en-US" sz="1800" dirty="0" err="1"/>
+              <a:t>plt.ylabel</a:t>
+            </a:r>
+            <a:r>
+              <a:rPr lang="en-US" sz="1800" dirty="0"/>
+              <a:t>("Count")</a:t>
+            </a:r>
+          </a:p>
+          <a:p>
+            <a:pPr marL="0" indent="0">
+              <a:buNone/>
+            </a:pPr>
+            <a:r>
+              <a:rPr lang="en-US" sz="1800" dirty="0" err="1"/>
+              <a:t>plt.show</a:t>
+            </a:r>
+            <a:r>
+              <a:rPr lang="en-US" sz="1800" dirty="0"/>
+              <a:t>()</a:t>
+            </a:r>
+          </a:p>
+          <a:p>
+            <a:pPr marL="0" indent="0">
+              <a:buNone/>
+            </a:pPr>
+            <a:endParaRPr lang="en-US" dirty="0"/>
+          </a:p>
+        </p:txBody>
+      </p:sp>
+    </p:spTree>
+    <p:extLst>
+      <p:ext uri="{BB962C8B-B14F-4D97-AF65-F5344CB8AC3E}">
+        <p14:creationId xmlns:p14="http://schemas.microsoft.com/office/powerpoint/2010/main" val="1581231569"/>
       </p:ext>
     </p:extLst>
   </p:cSld>
@@ -9151,61 +13834,63 @@
             <p:ph idx="1"/>
           </p:nvPr>
         </p:nvSpPr>
-        <p:spPr>
-          <a:xfrm>
-            <a:off x="840000" y="1825625"/>
-            <a:ext cx="7675350" cy="3781355"/>
-          </a:xfrm>
-        </p:spPr>
+        <p:spPr/>
         <p:txBody>
           <a:bodyPr/>
           <a:lstStyle/>
           <a:p>
-            <a:endParaRPr lang="en-US" b="1" dirty="0" smtClean="0"/>
-          </a:p>
-          <a:p>
-            <a:r>
-              <a:rPr lang="en-US" b="1" dirty="0" smtClean="0"/>
-              <a:t>Programming </a:t>
-            </a:r>
-            <a:r>
-              <a:rPr lang="en-US" b="1" dirty="0"/>
-              <a:t>is a way of thinking, not a rote skill.</a:t>
+            <a:endParaRPr lang="en-US" dirty="0" smtClean="0"/>
+          </a:p>
+          <a:p>
+            <a:r>
+              <a:rPr lang="en-US" dirty="0" smtClean="0"/>
+              <a:t>Environment</a:t>
+            </a:r>
+          </a:p>
+          <a:p>
+            <a:pPr lvl="1"/>
+            <a:r>
+              <a:rPr lang="en-US" dirty="0" smtClean="0"/>
+              <a:t>Installed </a:t>
             </a:r>
             <a:r>
               <a:rPr lang="en-US" dirty="0"/>
-              <a:t> </a:t>
-            </a:r>
+              <a:t>on the </a:t>
+            </a:r>
+            <a:r>
+              <a:rPr lang="en-US" dirty="0" smtClean="0"/>
+              <a:t>computer</a:t>
+            </a:r>
+          </a:p>
+          <a:p>
+            <a:pPr lvl="2"/>
+            <a:r>
+              <a:rPr lang="en-US" dirty="0" smtClean="0"/>
+              <a:t>10100101 -&gt; 100010101010011110</a:t>
+            </a:r>
+          </a:p>
+          <a:p>
             <a:endParaRPr lang="en-US" dirty="0" smtClean="0"/>
           </a:p>
           <a:p>
-            <a:endParaRPr lang="en-US" dirty="0" smtClean="0"/>
-          </a:p>
-          <a:p>
-            <a:pPr marL="342900" lvl="1" indent="0">
-              <a:buNone/>
-            </a:pPr>
-            <a:endParaRPr lang="en-US" dirty="0"/>
-          </a:p>
-          <a:p>
-            <a:r>
-              <a:rPr lang="en-US" b="1" dirty="0"/>
-              <a:t>People understand what they can see.</a:t>
-            </a:r>
-            <a:r>
-              <a:rPr lang="en-US" dirty="0"/>
-              <a:t> If a programmer cannot see what a program is doing, </a:t>
-            </a:r>
             <a:r>
               <a:rPr lang="en-US" dirty="0" smtClean="0"/>
-              <a:t>he/she </a:t>
-            </a:r>
-            <a:r>
-              <a:rPr lang="en-US" dirty="0"/>
-              <a:t>can't understand it.</a:t>
-            </a:r>
-          </a:p>
-          <a:p>
+              <a:t>Language</a:t>
+            </a:r>
+          </a:p>
+          <a:p>
+            <a:pPr lvl="1"/>
+            <a:r>
+              <a:rPr lang="en-US" dirty="0" smtClean="0"/>
+              <a:t>Installed in the human</a:t>
+            </a:r>
+          </a:p>
+          <a:p>
+            <a:pPr lvl="2"/>
+            <a:r>
+              <a:rPr lang="en-US" dirty="0" smtClean="0"/>
+              <a:t>These words and symbols, when put together have meaning to the computer</a:t>
+            </a:r>
             <a:endParaRPr lang="en-US" dirty="0"/>
           </a:p>
         </p:txBody>
@@ -9213,7 +13898,7 @@
     </p:spTree>
     <p:extLst>
       <p:ext uri="{BB962C8B-B14F-4D97-AF65-F5344CB8AC3E}">
-        <p14:creationId xmlns:p14="http://schemas.microsoft.com/office/powerpoint/2010/main" val="4142666050"/>
+        <p14:creationId xmlns:p14="http://schemas.microsoft.com/office/powerpoint/2010/main" val="3448352079"/>
       </p:ext>
     </p:extLst>
   </p:cSld>
@@ -9257,7 +13942,172 @@
           <a:p>
             <a:r>
               <a:rPr lang="en-US" dirty="0" smtClean="0"/>
-              <a:t>The Environment</a:t>
+              <a:t>Programming</a:t>
+            </a:r>
+            <a:endParaRPr lang="en-US" dirty="0"/>
+          </a:p>
+        </p:txBody>
+      </p:sp>
+      <p:sp>
+        <p:nvSpPr>
+          <p:cNvPr id="3" name="Content Placeholder 2"/>
+          <p:cNvSpPr>
+            <a:spLocks noGrp="1"/>
+          </p:cNvSpPr>
+          <p:nvPr>
+            <p:ph idx="1"/>
+          </p:nvPr>
+        </p:nvSpPr>
+        <p:spPr>
+          <a:xfrm>
+            <a:off x="734325" y="1690689"/>
+            <a:ext cx="7675350" cy="2925924"/>
+          </a:xfrm>
+        </p:spPr>
+        <p:txBody>
+          <a:bodyPr>
+            <a:normAutofit lnSpcReduction="10000"/>
+          </a:bodyPr>
+          <a:lstStyle/>
+          <a:p>
+            <a:endParaRPr lang="en-US" b="1" dirty="0" smtClean="0"/>
+          </a:p>
+          <a:p>
+            <a:r>
+              <a:rPr lang="en-US" b="1" dirty="0" smtClean="0"/>
+              <a:t>Programming </a:t>
+            </a:r>
+            <a:r>
+              <a:rPr lang="en-US" b="1" dirty="0"/>
+              <a:t>is a way of thinking, not a rote skill.</a:t>
+            </a:r>
+            <a:r>
+              <a:rPr lang="en-US" dirty="0"/>
+              <a:t> </a:t>
+            </a:r>
+            <a:endParaRPr lang="en-US" dirty="0" smtClean="0"/>
+          </a:p>
+          <a:p>
+            <a:endParaRPr lang="en-US" dirty="0" smtClean="0"/>
+          </a:p>
+          <a:p>
+            <a:pPr marL="342900" lvl="1" indent="0">
+              <a:buNone/>
+            </a:pPr>
+            <a:endParaRPr lang="en-US" dirty="0"/>
+          </a:p>
+          <a:p>
+            <a:r>
+              <a:rPr lang="en-US" b="1" dirty="0"/>
+              <a:t>People understand what they can see.</a:t>
+            </a:r>
+            <a:r>
+              <a:rPr lang="en-US" dirty="0"/>
+              <a:t> If a programmer cannot see what a program is doing, </a:t>
+            </a:r>
+            <a:r>
+              <a:rPr lang="en-US" dirty="0" smtClean="0"/>
+              <a:t>he/she </a:t>
+            </a:r>
+            <a:r>
+              <a:rPr lang="en-US" dirty="0"/>
+              <a:t>can't understand it.</a:t>
+            </a:r>
+          </a:p>
+          <a:p>
+            <a:endParaRPr lang="en-US" dirty="0"/>
+          </a:p>
+        </p:txBody>
+      </p:sp>
+      <p:pic>
+        <p:nvPicPr>
+          <p:cNvPr id="1026" name="Picture 2" descr="http://www.southerndatastorage.com/wp-content/uploads/angry-computer-large.jpg"/>
+          <p:cNvPicPr>
+            <a:picLocks noChangeAspect="1" noChangeArrowheads="1"/>
+          </p:cNvPicPr>
+          <p:nvPr/>
+        </p:nvPicPr>
+        <p:blipFill>
+          <a:blip r:embed="rId3">
+            <a:extLst>
+              <a:ext uri="{28A0092B-C50C-407E-A947-70E740481C1C}">
+                <a14:useLocalDpi xmlns:a14="http://schemas.microsoft.com/office/drawing/2010/main" val="0"/>
+              </a:ext>
+            </a:extLst>
+          </a:blip>
+          <a:srcRect/>
+          <a:stretch>
+            <a:fillRect/>
+          </a:stretch>
+        </p:blipFill>
+        <p:spPr bwMode="auto">
+          <a:xfrm>
+            <a:off x="2991852" y="4537052"/>
+            <a:ext cx="3160296" cy="2098437"/>
+          </a:xfrm>
+          <a:prstGeom prst="rect">
+            <a:avLst/>
+          </a:prstGeom>
+          <a:noFill/>
+          <a:extLst>
+            <a:ext uri="{909E8E84-426E-40DD-AFC4-6F175D3DCCD1}">
+              <a14:hiddenFill xmlns:a14="http://schemas.microsoft.com/office/drawing/2010/main">
+                <a:solidFill>
+                  <a:srgbClr val="FFFFFF"/>
+                </a:solidFill>
+              </a14:hiddenFill>
+            </a:ext>
+          </a:extLst>
+        </p:spPr>
+      </p:pic>
+    </p:spTree>
+    <p:extLst>
+      <p:ext uri="{BB962C8B-B14F-4D97-AF65-F5344CB8AC3E}">
+        <p14:creationId xmlns:p14="http://schemas.microsoft.com/office/powerpoint/2010/main" val="4142666050"/>
+      </p:ext>
+    </p:extLst>
+  </p:cSld>
+  <p:clrMapOvr>
+    <a:masterClrMapping/>
+  </p:clrMapOvr>
+</p:sld>
+</file>
+
+<file path=ppt/slides/slide5.xml><?xml version="1.0" encoding="utf-8"?>
+<p:sld xmlns:a="http://schemas.openxmlformats.org/drawingml/2006/main" xmlns:r="http://schemas.openxmlformats.org/officeDocument/2006/relationships" xmlns:p="http://schemas.openxmlformats.org/presentationml/2006/main">
+  <p:cSld>
+    <p:spTree>
+      <p:nvGrpSpPr>
+        <p:cNvPr id="1" name=""/>
+        <p:cNvGrpSpPr/>
+        <p:nvPr/>
+      </p:nvGrpSpPr>
+      <p:grpSpPr>
+        <a:xfrm>
+          <a:off x="0" y="0"/>
+          <a:ext cx="0" cy="0"/>
+          <a:chOff x="0" y="0"/>
+          <a:chExt cx="0" cy="0"/>
+        </a:xfrm>
+      </p:grpSpPr>
+      <p:sp>
+        <p:nvSpPr>
+          <p:cNvPr id="2" name="Title 1"/>
+          <p:cNvSpPr>
+            <a:spLocks noGrp="1"/>
+          </p:cNvSpPr>
+          <p:nvPr>
+            <p:ph type="title"/>
+          </p:nvPr>
+        </p:nvSpPr>
+        <p:spPr/>
+        <p:txBody>
+          <a:bodyPr/>
+          <a:lstStyle/>
+          <a:p>
+            <a:r>
+              <a:rPr lang="en-US" dirty="0"/>
+              <a:t>Programming</a:t>
             </a:r>
             <a:endParaRPr lang="en-US" dirty="0"/>
           </a:p>
@@ -9412,7 +14262,250 @@
 </p:sld>
 </file>
 
-<file path=ppt/slides/slide5.xml><?xml version="1.0" encoding="utf-8"?>
+<file path=ppt/slides/slide6.xml><?xml version="1.0" encoding="utf-8"?>
+<p:sld xmlns:a="http://schemas.openxmlformats.org/drawingml/2006/main" xmlns:r="http://schemas.openxmlformats.org/officeDocument/2006/relationships" xmlns:p="http://schemas.openxmlformats.org/presentationml/2006/main">
+  <p:cSld>
+    <p:spTree>
+      <p:nvGrpSpPr>
+        <p:cNvPr id="1" name=""/>
+        <p:cNvGrpSpPr/>
+        <p:nvPr/>
+      </p:nvGrpSpPr>
+      <p:grpSpPr>
+        <a:xfrm>
+          <a:off x="0" y="0"/>
+          <a:ext cx="0" cy="0"/>
+          <a:chOff x="0" y="0"/>
+          <a:chExt cx="0" cy="0"/>
+        </a:xfrm>
+      </p:grpSpPr>
+      <p:sp>
+        <p:nvSpPr>
+          <p:cNvPr id="2" name="Title 1"/>
+          <p:cNvSpPr>
+            <a:spLocks noGrp="1"/>
+          </p:cNvSpPr>
+          <p:nvPr>
+            <p:ph type="title"/>
+          </p:nvPr>
+        </p:nvSpPr>
+        <p:spPr/>
+        <p:txBody>
+          <a:bodyPr/>
+          <a:lstStyle/>
+          <a:p>
+            <a:r>
+              <a:rPr lang="en-US" dirty="0" smtClean="0"/>
+              <a:t>Perl?</a:t>
+            </a:r>
+            <a:endParaRPr lang="en-US" dirty="0"/>
+          </a:p>
+        </p:txBody>
+      </p:sp>
+      <p:sp>
+        <p:nvSpPr>
+          <p:cNvPr id="3" name="Content Placeholder 2"/>
+          <p:cNvSpPr>
+            <a:spLocks noGrp="1"/>
+          </p:cNvSpPr>
+          <p:nvPr>
+            <p:ph idx="1"/>
+          </p:nvPr>
+        </p:nvSpPr>
+        <p:spPr>
+          <a:xfrm>
+            <a:off x="628651" y="1825625"/>
+            <a:ext cx="8124732" cy="4351338"/>
+          </a:xfrm>
+        </p:spPr>
+        <p:txBody>
+          <a:bodyPr>
+            <a:noAutofit/>
+          </a:bodyPr>
+          <a:lstStyle/>
+          <a:p>
+            <a:pPr marL="0" indent="0">
+              <a:buNone/>
+            </a:pPr>
+            <a:r>
+              <a:rPr lang="en-US" sz="1200" dirty="0"/>
+              <a:t>$_[0]=</a:t>
+            </a:r>
+            <a:r>
+              <a:rPr lang="en-US" sz="1200" dirty="0" err="1"/>
+              <a:t>eval</a:t>
+            </a:r>
+            <a:r>
+              <a:rPr lang="en-US" sz="1200" dirty="0"/>
+              <a:t>&lt;&gt;;</a:t>
+            </a:r>
+          </a:p>
+          <a:p>
+            <a:pPr marL="0" indent="0">
+              <a:buNone/>
+            </a:pPr>
+            <a:r>
+              <a:rPr lang="en-US" sz="1200" dirty="0"/>
+              <a:t>for(0..$#{$_[0]}**2){</a:t>
+            </a:r>
+          </a:p>
+          <a:p>
+            <a:pPr marL="0" indent="0">
+              <a:buNone/>
+            </a:pPr>
+            <a:r>
+              <a:rPr lang="en-US" sz="1200" dirty="0"/>
+              <a:t> @_[$#_+1]=[\(@{$_[$#_]}),$#{$_[$#_]}+1];</a:t>
+            </a:r>
+          </a:p>
+          <a:p>
+            <a:pPr marL="0" indent="0">
+              <a:buNone/>
+            </a:pPr>
+            <a:r>
+              <a:rPr lang="en-US" sz="1200" dirty="0"/>
+              <a:t> for(1..$#{$_[$#_]}-$#_){</a:t>
+            </a:r>
+          </a:p>
+          <a:p>
+            <a:pPr marL="0" indent="0">
+              <a:buNone/>
+            </a:pPr>
+            <a:r>
+              <a:rPr lang="en-US" sz="1200" dirty="0"/>
+              <a:t>  if(</a:t>
+            </a:r>
+            <a:r>
+              <a:rPr lang="en-US" sz="1200" dirty="0" err="1"/>
+              <a:t>eval</a:t>
+            </a:r>
+            <a:r>
+              <a:rPr lang="en-US" sz="1200" dirty="0"/>
+              <a:t>('${'x$#_.'@{$_[$#_]}[$_-1]'.'}'x$#_)&gt;</a:t>
+            </a:r>
+            <a:r>
+              <a:rPr lang="en-US" sz="1200" dirty="0" err="1"/>
+              <a:t>eval</a:t>
+            </a:r>
+            <a:r>
+              <a:rPr lang="en-US" sz="1200" dirty="0"/>
+              <a:t>('${'x$#_.'@{$_[$#_]}[$_]'.'}'x$#_)){</a:t>
+            </a:r>
+          </a:p>
+          <a:p>
+            <a:pPr marL="0" indent="0">
+              <a:buNone/>
+            </a:pPr>
+            <a:r>
+              <a:rPr lang="en-US" sz="1200" dirty="0"/>
+              <a:t>   ${$_[$#_]}[$#{$_[$#_]}]=$_;</a:t>
+            </a:r>
+          </a:p>
+          <a:p>
+            <a:pPr marL="0" indent="0">
+              <a:buNone/>
+            </a:pPr>
+            <a:r>
+              <a:rPr lang="en-US" sz="1200" dirty="0"/>
+              <a:t>  }</a:t>
+            </a:r>
+          </a:p>
+          <a:p>
+            <a:pPr marL="0" indent="0">
+              <a:buNone/>
+            </a:pPr>
+            <a:r>
+              <a:rPr lang="en-US" sz="1200" dirty="0"/>
+              <a:t> }</a:t>
+            </a:r>
+          </a:p>
+          <a:p>
+            <a:pPr marL="0" indent="0">
+              <a:buNone/>
+            </a:pPr>
+            <a:r>
+              <a:rPr lang="en-US" sz="1200" dirty="0"/>
+              <a:t> (${$_[$#_]}[${$_[$#_]}[$#{$_[$#_]}]-1],${$_[$#_]}[${$_[$#_]}[$#{$_[$#_]}]])=(${$_[$#_]}[${$_[$#_]}[$#{$_[$#_]}]],${$_[$#_]}[${$_[$#_]}[$#{$_[$#_]}]-1]);</a:t>
+            </a:r>
+          </a:p>
+          <a:p>
+            <a:pPr marL="0" indent="0">
+              <a:buNone/>
+            </a:pPr>
+            <a:r>
+              <a:rPr lang="en-US" sz="1200" dirty="0"/>
+              <a:t>}</a:t>
+            </a:r>
+          </a:p>
+          <a:p>
+            <a:pPr marL="0" indent="0">
+              <a:buNone/>
+            </a:pPr>
+            <a:r>
+              <a:rPr lang="en-US" sz="1200" dirty="0"/>
+              <a:t>for(0..~~@{$_[0]}){</a:t>
+            </a:r>
+          </a:p>
+          <a:p>
+            <a:pPr marL="0" indent="0">
+              <a:buNone/>
+            </a:pPr>
+            <a:r>
+              <a:rPr lang="en-US" sz="1200" dirty="0"/>
+              <a:t> $\.=</a:t>
+            </a:r>
+            <a:r>
+              <a:rPr lang="en-US" sz="1200" dirty="0" err="1"/>
+              <a:t>eval</a:t>
+            </a:r>
+            <a:r>
+              <a:rPr lang="en-US" sz="1200" dirty="0"/>
+              <a:t>('${'x$#_.'${$_[$#_]}[$_-1]'.'}'x$#_).','</a:t>
+            </a:r>
+          </a:p>
+          <a:p>
+            <a:pPr marL="0" indent="0">
+              <a:buNone/>
+            </a:pPr>
+            <a:r>
+              <a:rPr lang="en-US" sz="1200" dirty="0"/>
+              <a:t>}</a:t>
+            </a:r>
+          </a:p>
+          <a:p>
+            <a:pPr marL="0" indent="0">
+              <a:buNone/>
+            </a:pPr>
+            <a:r>
+              <a:rPr lang="en-US" sz="1200" dirty="0"/>
+              <a:t>$\=~s/,*$//;$\=~s/^,*//;$\="[$\]";</a:t>
+            </a:r>
+          </a:p>
+          <a:p>
+            <a:pPr marL="0" indent="0">
+              <a:buNone/>
+            </a:pPr>
+            <a:r>
+              <a:rPr lang="en-US" sz="1200" dirty="0"/>
+              <a:t>print;</a:t>
+            </a:r>
+          </a:p>
+        </p:txBody>
+      </p:sp>
+    </p:spTree>
+    <p:extLst>
+      <p:ext uri="{BB962C8B-B14F-4D97-AF65-F5344CB8AC3E}">
+        <p14:creationId xmlns:p14="http://schemas.microsoft.com/office/powerpoint/2010/main" val="2323501664"/>
+      </p:ext>
+    </p:extLst>
+  </p:cSld>
+  <p:clrMapOvr>
+    <a:masterClrMapping/>
+  </p:clrMapOvr>
+</p:sld>
+</file>
+
+<file path=ppt/slides/slide7.xml><?xml version="1.0" encoding="utf-8"?>
 <p:sld xmlns:a="http://schemas.openxmlformats.org/drawingml/2006/main" xmlns:r="http://schemas.openxmlformats.org/officeDocument/2006/relationships" xmlns:p="http://schemas.openxmlformats.org/presentationml/2006/main">
   <p:cSld>
     <p:spTree>
@@ -9622,7 +14715,7 @@
 </p:sld>
 </file>
 
-<file path=ppt/slides/slide6.xml><?xml version="1.0" encoding="utf-8"?>
+<file path=ppt/slides/slide8.xml><?xml version="1.0" encoding="utf-8"?>
 <p:sld xmlns:a="http://schemas.openxmlformats.org/drawingml/2006/main" xmlns:r="http://schemas.openxmlformats.org/officeDocument/2006/relationships" xmlns:p="http://schemas.openxmlformats.org/presentationml/2006/main">
   <p:cSld>
     <p:spTree>
@@ -9847,358 +14940,6 @@
 </p:sld>
 </file>
 
-<file path=ppt/slides/slide7.xml><?xml version="1.0" encoding="utf-8"?>
-<p:sld xmlns:a="http://schemas.openxmlformats.org/drawingml/2006/main" xmlns:r="http://schemas.openxmlformats.org/officeDocument/2006/relationships" xmlns:p="http://schemas.openxmlformats.org/presentationml/2006/main">
-  <p:cSld>
-    <p:spTree>
-      <p:nvGrpSpPr>
-        <p:cNvPr id="1" name=""/>
-        <p:cNvGrpSpPr/>
-        <p:nvPr/>
-      </p:nvGrpSpPr>
-      <p:grpSpPr>
-        <a:xfrm>
-          <a:off x="0" y="0"/>
-          <a:ext cx="0" cy="0"/>
-          <a:chOff x="0" y="0"/>
-          <a:chExt cx="0" cy="0"/>
-        </a:xfrm>
-      </p:grpSpPr>
-      <p:sp>
-        <p:nvSpPr>
-          <p:cNvPr id="2" name="Title 1"/>
-          <p:cNvSpPr>
-            <a:spLocks noGrp="1"/>
-          </p:cNvSpPr>
-          <p:nvPr>
-            <p:ph type="title"/>
-          </p:nvPr>
-        </p:nvSpPr>
-        <p:spPr>
-          <a:xfrm>
-            <a:off x="123987" y="365126"/>
-            <a:ext cx="8841782" cy="1325563"/>
-          </a:xfrm>
-        </p:spPr>
-        <p:txBody>
-          <a:bodyPr>
-            <a:normAutofit/>
-          </a:bodyPr>
-          <a:lstStyle/>
-          <a:p>
-            <a:r>
-              <a:rPr lang="en-US" dirty="0" smtClean="0"/>
-              <a:t>Some useful python distributions</a:t>
-            </a:r>
-            <a:endParaRPr lang="en-US" dirty="0"/>
-          </a:p>
-        </p:txBody>
-      </p:sp>
-      <p:sp>
-        <p:nvSpPr>
-          <p:cNvPr id="3" name="Content Placeholder 2"/>
-          <p:cNvSpPr>
-            <a:spLocks noGrp="1"/>
-          </p:cNvSpPr>
-          <p:nvPr>
-            <p:ph idx="1"/>
-          </p:nvPr>
-        </p:nvSpPr>
-        <p:spPr/>
-        <p:txBody>
-          <a:bodyPr>
-            <a:normAutofit fontScale="77500" lnSpcReduction="20000"/>
-          </a:bodyPr>
-          <a:lstStyle/>
-          <a:p>
-            <a:r>
-              <a:rPr lang="en-US" dirty="0"/>
-              <a:t>http://www.python.org</a:t>
-            </a:r>
-            <a:r>
-              <a:rPr lang="en-US" dirty="0" smtClean="0"/>
-              <a:t>/</a:t>
-            </a:r>
-          </a:p>
-          <a:p>
-            <a:pPr lvl="1"/>
-            <a:r>
-              <a:rPr lang="en-US" dirty="0" smtClean="0"/>
-              <a:t>Reference implementation with standard libraries, that’s it!</a:t>
-            </a:r>
-          </a:p>
-          <a:p>
-            <a:pPr lvl="1"/>
-            <a:endParaRPr lang="en-US" dirty="0" smtClean="0"/>
-          </a:p>
-          <a:p>
-            <a:r>
-              <a:rPr lang="en-US" dirty="0" smtClean="0"/>
-              <a:t>anaconda</a:t>
-            </a:r>
-          </a:p>
-          <a:p>
-            <a:pPr lvl="1"/>
-            <a:r>
-              <a:rPr lang="en-US" dirty="0" smtClean="0"/>
-              <a:t>Pre-packaged scientific goodies</a:t>
-            </a:r>
-          </a:p>
-          <a:p>
-            <a:pPr lvl="1"/>
-            <a:r>
-              <a:rPr lang="en-US" dirty="0" smtClean="0"/>
-              <a:t>Paid version with extras</a:t>
-            </a:r>
-          </a:p>
-          <a:p>
-            <a:pPr lvl="1"/>
-            <a:r>
-              <a:rPr lang="en-US" dirty="0"/>
-              <a:t>http://</a:t>
-            </a:r>
-            <a:r>
-              <a:rPr lang="en-US" dirty="0" smtClean="0"/>
-              <a:t>continuum.io/downloads</a:t>
-            </a:r>
-          </a:p>
-          <a:p>
-            <a:pPr lvl="1"/>
-            <a:endParaRPr lang="en-US" dirty="0" smtClean="0"/>
-          </a:p>
-          <a:p>
-            <a:r>
-              <a:rPr lang="en-US" dirty="0" err="1" smtClean="0"/>
-              <a:t>enthought</a:t>
-            </a:r>
-            <a:r>
-              <a:rPr lang="en-US" dirty="0" smtClean="0"/>
-              <a:t> canopy</a:t>
-            </a:r>
-          </a:p>
-          <a:p>
-            <a:pPr lvl="1"/>
-            <a:r>
-              <a:rPr lang="en-US" dirty="0"/>
-              <a:t>Pre-packaged scientific </a:t>
-            </a:r>
-            <a:r>
-              <a:rPr lang="en-US" dirty="0" smtClean="0"/>
-              <a:t>goodies</a:t>
-            </a:r>
-          </a:p>
-          <a:p>
-            <a:pPr lvl="1"/>
-            <a:r>
-              <a:rPr lang="en-US" dirty="0" smtClean="0"/>
-              <a:t>Integrated IDE/package manager</a:t>
-            </a:r>
-            <a:endParaRPr lang="en-US" dirty="0"/>
-          </a:p>
-          <a:p>
-            <a:pPr lvl="1"/>
-            <a:r>
-              <a:rPr lang="en-US" dirty="0"/>
-              <a:t>Paid version with </a:t>
-            </a:r>
-            <a:r>
-              <a:rPr lang="en-US" dirty="0" smtClean="0"/>
-              <a:t>extras (free for academics)</a:t>
-            </a:r>
-            <a:endParaRPr lang="en-US" dirty="0"/>
-          </a:p>
-          <a:p>
-            <a:pPr lvl="1"/>
-            <a:endParaRPr lang="en-US" dirty="0" smtClean="0"/>
-          </a:p>
-          <a:p>
-            <a:r>
-              <a:rPr lang="en-US" dirty="0" err="1" smtClean="0"/>
-              <a:t>pythonxy</a:t>
-            </a:r>
-            <a:endParaRPr lang="en-US" dirty="0" smtClean="0"/>
-          </a:p>
-          <a:p>
-            <a:pPr lvl="1"/>
-            <a:r>
-              <a:rPr lang="en-US" dirty="0" smtClean="0"/>
-              <a:t>Windows only</a:t>
-            </a:r>
-          </a:p>
-          <a:p>
-            <a:pPr lvl="1"/>
-            <a:r>
-              <a:rPr lang="en-US" dirty="0" smtClean="0"/>
-              <a:t>Many scientific computing goodies</a:t>
-            </a:r>
-          </a:p>
-          <a:p>
-            <a:pPr lvl="1"/>
-            <a:r>
-              <a:rPr lang="en-US" dirty="0"/>
-              <a:t>https://code.google.com/p/pythonxy/</a:t>
-            </a:r>
-          </a:p>
-        </p:txBody>
-      </p:sp>
-    </p:spTree>
-    <p:extLst>
-      <p:ext uri="{BB962C8B-B14F-4D97-AF65-F5344CB8AC3E}">
-        <p14:creationId xmlns:p14="http://schemas.microsoft.com/office/powerpoint/2010/main" val="2585465639"/>
-      </p:ext>
-    </p:extLst>
-  </p:cSld>
-  <p:clrMapOvr>
-    <a:masterClrMapping/>
-  </p:clrMapOvr>
-</p:sld>
-</file>
-
-<file path=ppt/slides/slide8.xml><?xml version="1.0" encoding="utf-8"?>
-<p:sld xmlns:a="http://schemas.openxmlformats.org/drawingml/2006/main" xmlns:r="http://schemas.openxmlformats.org/officeDocument/2006/relationships" xmlns:p="http://schemas.openxmlformats.org/presentationml/2006/main">
-  <p:cSld>
-    <p:spTree>
-      <p:nvGrpSpPr>
-        <p:cNvPr id="1" name=""/>
-        <p:cNvGrpSpPr/>
-        <p:nvPr/>
-      </p:nvGrpSpPr>
-      <p:grpSpPr>
-        <a:xfrm>
-          <a:off x="0" y="0"/>
-          <a:ext cx="0" cy="0"/>
-          <a:chOff x="0" y="0"/>
-          <a:chExt cx="0" cy="0"/>
-        </a:xfrm>
-      </p:grpSpPr>
-      <p:sp>
-        <p:nvSpPr>
-          <p:cNvPr id="2" name="Title 1"/>
-          <p:cNvSpPr>
-            <a:spLocks noGrp="1"/>
-          </p:cNvSpPr>
-          <p:nvPr>
-            <p:ph type="title"/>
-          </p:nvPr>
-        </p:nvSpPr>
-        <p:spPr/>
-        <p:txBody>
-          <a:bodyPr/>
-          <a:lstStyle/>
-          <a:p>
-            <a:r>
-              <a:rPr lang="en-US" dirty="0" smtClean="0"/>
-              <a:t>Some useful python environments</a:t>
-            </a:r>
-            <a:endParaRPr lang="en-US" dirty="0"/>
-          </a:p>
-        </p:txBody>
-      </p:sp>
-      <p:sp>
-        <p:nvSpPr>
-          <p:cNvPr id="3" name="Content Placeholder 2"/>
-          <p:cNvSpPr>
-            <a:spLocks noGrp="1"/>
-          </p:cNvSpPr>
-          <p:nvPr>
-            <p:ph idx="1"/>
-          </p:nvPr>
-        </p:nvSpPr>
-        <p:spPr/>
-        <p:txBody>
-          <a:bodyPr/>
-          <a:lstStyle/>
-          <a:p>
-            <a:endParaRPr lang="en-US" dirty="0" smtClean="0"/>
-          </a:p>
-          <a:p>
-            <a:r>
-              <a:rPr lang="en-US" dirty="0" smtClean="0"/>
-              <a:t>Komodo Edit</a:t>
-            </a:r>
-          </a:p>
-          <a:p>
-            <a:pPr lvl="1"/>
-            <a:r>
-              <a:rPr lang="en-US" dirty="0">
-                <a:hlinkClick r:id="rId2"/>
-              </a:rPr>
-              <a:t>http://</a:t>
-            </a:r>
-            <a:r>
-              <a:rPr lang="en-US" dirty="0" smtClean="0">
-                <a:hlinkClick r:id="rId2"/>
-              </a:rPr>
-              <a:t>www.activestate.com/komodo-edit</a:t>
-            </a:r>
-            <a:endParaRPr lang="en-US" dirty="0"/>
-          </a:p>
-          <a:p>
-            <a:pPr lvl="1"/>
-            <a:endParaRPr lang="en-US" dirty="0" smtClean="0"/>
-          </a:p>
-          <a:p>
-            <a:r>
-              <a:rPr lang="en-US" dirty="0" err="1" smtClean="0"/>
-              <a:t>PyCharm</a:t>
-            </a:r>
-            <a:endParaRPr lang="en-US" dirty="0"/>
-          </a:p>
-          <a:p>
-            <a:pPr lvl="1"/>
-            <a:r>
-              <a:rPr lang="en-US" dirty="0">
-                <a:hlinkClick r:id="rId3"/>
-              </a:rPr>
-              <a:t>http://www.jetbrains.com/pycharm</a:t>
-            </a:r>
-            <a:r>
-              <a:rPr lang="en-US" dirty="0" smtClean="0">
-                <a:hlinkClick r:id="rId3"/>
-              </a:rPr>
-              <a:t>/</a:t>
-            </a:r>
-            <a:endParaRPr lang="en-US" dirty="0" smtClean="0"/>
-          </a:p>
-          <a:p>
-            <a:pPr lvl="1"/>
-            <a:endParaRPr lang="en-US" dirty="0"/>
-          </a:p>
-          <a:p>
-            <a:r>
-              <a:rPr lang="en-US" dirty="0" err="1" smtClean="0"/>
-              <a:t>PythonTutor</a:t>
-            </a:r>
-            <a:endParaRPr lang="en-US" dirty="0" smtClean="0"/>
-          </a:p>
-          <a:p>
-            <a:pPr lvl="1"/>
-            <a:r>
-              <a:rPr lang="en-US" dirty="0">
-                <a:hlinkClick r:id="rId4"/>
-              </a:rPr>
-              <a:t>http://www.pythontutor.com</a:t>
-            </a:r>
-            <a:endParaRPr lang="en-US" dirty="0" smtClean="0"/>
-          </a:p>
-          <a:p>
-            <a:endParaRPr lang="en-US" dirty="0"/>
-          </a:p>
-        </p:txBody>
-      </p:sp>
-    </p:spTree>
-    <p:extLst>
-      <p:ext uri="{BB962C8B-B14F-4D97-AF65-F5344CB8AC3E}">
-        <p14:creationId xmlns:p14="http://schemas.microsoft.com/office/powerpoint/2010/main" val="3741982114"/>
-      </p:ext>
-    </p:extLst>
-  </p:cSld>
-  <p:clrMapOvr>
-    <a:masterClrMapping/>
-  </p:clrMapOvr>
-</p:sld>
-</file>
-
 <file path=ppt/slides/slide9.xml><?xml version="1.0" encoding="utf-8"?>
 <p:sld xmlns:a="http://schemas.openxmlformats.org/drawingml/2006/main" xmlns:r="http://schemas.openxmlformats.org/officeDocument/2006/relationships" xmlns:p="http://schemas.openxmlformats.org/presentationml/2006/main">
   <p:cSld>
@@ -10226,95 +14967,169 @@
             <p:ph type="title"/>
           </p:nvPr>
         </p:nvSpPr>
-        <p:spPr/>
-        <p:txBody>
-          <a:bodyPr/>
-          <a:lstStyle/>
-          <a:p>
-            <a:r>
-              <a:rPr lang="en-US" dirty="0" smtClean="0"/>
-              <a:t>Object Oriented Programming</a:t>
-            </a:r>
-            <a:endParaRPr lang="en-US" dirty="0"/>
-          </a:p>
-        </p:txBody>
-      </p:sp>
-      <p:sp>
-        <p:nvSpPr>
-          <p:cNvPr id="3" name="Content Placeholder 2"/>
-          <p:cNvSpPr>
-            <a:spLocks noGrp="1"/>
-          </p:cNvSpPr>
-          <p:nvPr>
-            <p:ph idx="1"/>
-          </p:nvPr>
-        </p:nvSpPr>
         <p:spPr>
           <a:xfrm>
-            <a:off x="840000" y="2029767"/>
-            <a:ext cx="7675350" cy="4451420"/>
+            <a:off x="123987" y="365126"/>
+            <a:ext cx="8841782" cy="1325563"/>
           </a:xfrm>
         </p:spPr>
         <p:txBody>
           <a:bodyPr>
-            <a:normAutofit lnSpcReduction="10000"/>
+            <a:normAutofit/>
           </a:bodyPr>
           <a:lstStyle/>
           <a:p>
             <a:r>
               <a:rPr lang="en-US" dirty="0" smtClean="0"/>
-              <a:t>Objects hold information</a:t>
-            </a:r>
-          </a:p>
-          <a:p>
+              <a:t>Some useful python distributions</a:t>
+            </a:r>
+            <a:endParaRPr lang="en-US" dirty="0"/>
+          </a:p>
+        </p:txBody>
+      </p:sp>
+      <p:sp>
+        <p:nvSpPr>
+          <p:cNvPr id="3" name="Content Placeholder 2"/>
+          <p:cNvSpPr>
+            <a:spLocks noGrp="1"/>
+          </p:cNvSpPr>
+          <p:nvPr>
+            <p:ph idx="1"/>
+          </p:nvPr>
+        </p:nvSpPr>
+        <p:spPr/>
+        <p:txBody>
+          <a:bodyPr>
+            <a:normAutofit fontScale="77500" lnSpcReduction="20000"/>
+          </a:bodyPr>
+          <a:lstStyle/>
+          <a:p>
+            <a:r>
+              <a:rPr lang="en-US" dirty="0"/>
+              <a:t>http://www.python.org</a:t>
+            </a:r>
+            <a:r>
+              <a:rPr lang="en-US" dirty="0" smtClean="0"/>
+              <a:t>/</a:t>
+            </a:r>
+          </a:p>
+          <a:p>
+            <a:pPr lvl="1"/>
+            <a:r>
+              <a:rPr lang="en-US" dirty="0" smtClean="0"/>
+              <a:t>Reference implementation with standard libraries, that’s it!</a:t>
+            </a:r>
+          </a:p>
+          <a:p>
+            <a:pPr lvl="1"/>
             <a:endParaRPr lang="en-US" dirty="0" smtClean="0"/>
           </a:p>
           <a:p>
             <a:r>
               <a:rPr lang="en-US" dirty="0" smtClean="0"/>
-              <a:t>They can contain values</a:t>
-            </a:r>
-          </a:p>
-          <a:p>
+              <a:t>anaconda</a:t>
+            </a:r>
+          </a:p>
+          <a:p>
+            <a:pPr lvl="1"/>
+            <a:r>
+              <a:rPr lang="en-US" dirty="0" smtClean="0"/>
+              <a:t>Pre-packaged scientific goodies</a:t>
+            </a:r>
+          </a:p>
+          <a:p>
+            <a:pPr lvl="1"/>
+            <a:r>
+              <a:rPr lang="en-US" dirty="0" smtClean="0"/>
+              <a:t>Paid version with extras</a:t>
+            </a:r>
+          </a:p>
+          <a:p>
+            <a:pPr lvl="1"/>
+            <a:r>
+              <a:rPr lang="en-US" dirty="0"/>
+              <a:t>http://</a:t>
+            </a:r>
+            <a:r>
+              <a:rPr lang="en-US" dirty="0" smtClean="0"/>
+              <a:t>continuum.io/downloads</a:t>
+            </a:r>
+          </a:p>
+          <a:p>
+            <a:pPr lvl="1"/>
             <a:endParaRPr lang="en-US" dirty="0" smtClean="0"/>
           </a:p>
           <a:p>
             <a:r>
+              <a:rPr lang="en-US" dirty="0" err="1" smtClean="0"/>
+              <a:t>enthought</a:t>
+            </a:r>
+            <a:r>
               <a:rPr lang="en-US" dirty="0" smtClean="0"/>
-              <a:t>They can contain multiple values</a:t>
-            </a:r>
-            <a:endParaRPr lang="en-US" dirty="0"/>
-          </a:p>
-          <a:p>
+              <a:t> canopy</a:t>
+            </a:r>
+          </a:p>
+          <a:p>
+            <a:pPr lvl="1"/>
+            <a:r>
+              <a:rPr lang="en-US" dirty="0"/>
+              <a:t>Pre-packaged scientific </a:t>
+            </a:r>
+            <a:r>
+              <a:rPr lang="en-US" dirty="0" smtClean="0"/>
+              <a:t>goodies</a:t>
+            </a:r>
+          </a:p>
+          <a:p>
+            <a:pPr lvl="1"/>
+            <a:r>
+              <a:rPr lang="en-US" dirty="0" smtClean="0"/>
+              <a:t>Integrated IDE/package manager</a:t>
+            </a:r>
+            <a:endParaRPr lang="en-US" dirty="0"/>
+          </a:p>
+          <a:p>
+            <a:pPr lvl="1"/>
+            <a:r>
+              <a:rPr lang="en-US" dirty="0"/>
+              <a:t>Paid version with </a:t>
+            </a:r>
+            <a:r>
+              <a:rPr lang="en-US" dirty="0" smtClean="0"/>
+              <a:t>extras (free for academics)</a:t>
+            </a:r>
+            <a:endParaRPr lang="en-US" dirty="0"/>
+          </a:p>
+          <a:p>
+            <a:pPr lvl="1"/>
             <a:endParaRPr lang="en-US" dirty="0" smtClean="0"/>
           </a:p>
           <a:p>
             <a:r>
+              <a:rPr lang="en-US" dirty="0" err="1" smtClean="0"/>
+              <a:t>pythonxy</a:t>
+            </a:r>
+            <a:endParaRPr lang="en-US" dirty="0" smtClean="0"/>
+          </a:p>
+          <a:p>
+            <a:pPr lvl="1"/>
+            <a:r>
               <a:rPr lang="en-US" dirty="0" smtClean="0"/>
-              <a:t>They can contain </a:t>
-            </a:r>
-            <a:r>
-              <a:rPr lang="en-US" i="1" dirty="0" smtClean="0"/>
-              <a:t>other objects</a:t>
-            </a:r>
-            <a:endParaRPr lang="en-US" dirty="0" smtClean="0"/>
-          </a:p>
-          <a:p>
-            <a:endParaRPr lang="en-US" dirty="0" smtClean="0"/>
-          </a:p>
-          <a:p>
+              <a:t>Windows only</a:t>
+            </a:r>
+          </a:p>
+          <a:p>
+            <a:pPr lvl="1"/>
             <a:r>
               <a:rPr lang="en-US" dirty="0" smtClean="0"/>
-              <a:t>They have types</a:t>
-            </a:r>
-          </a:p>
-          <a:p>
-            <a:endParaRPr lang="en-US" dirty="0" smtClean="0"/>
-          </a:p>
-          <a:p>
-            <a:r>
-              <a:rPr lang="en-US" dirty="0" smtClean="0"/>
-              <a:t>They can inherit information from others</a:t>
+              <a:t>Many scientific computing goodies</a:t>
+            </a:r>
+          </a:p>
+          <a:p>
+            <a:pPr lvl="1"/>
+            <a:r>
+              <a:rPr lang="en-US" dirty="0"/>
+              <a:t>https://code.google.com/p/pythonxy/</a:t>
             </a:r>
           </a:p>
         </p:txBody>
@@ -10322,7 +15137,7 @@
     </p:spTree>
     <p:extLst>
       <p:ext uri="{BB962C8B-B14F-4D97-AF65-F5344CB8AC3E}">
-        <p14:creationId xmlns:p14="http://schemas.microsoft.com/office/powerpoint/2010/main" val="4039615631"/>
+        <p14:creationId xmlns:p14="http://schemas.microsoft.com/office/powerpoint/2010/main" val="2585465639"/>
       </p:ext>
     </p:extLst>
   </p:cSld>
